--- a/Funktionsmodell_Lastmanagement.pptx
+++ b/Funktionsmodell_Lastmanagement.pptx
@@ -5,23 +5,24 @@
     <p:sldMasterId id="2147483660" r:id="rId4"/>
   </p:sldMasterIdLst>
   <p:notesMasterIdLst>
-    <p:notesMasterId r:id="rId19"/>
+    <p:notesMasterId r:id="rId20"/>
   </p:notesMasterIdLst>
   <p:sldIdLst>
     <p:sldId id="256" r:id="rId5"/>
-    <p:sldId id="270" r:id="rId6"/>
-    <p:sldId id="261" r:id="rId7"/>
-    <p:sldId id="258" r:id="rId8"/>
-    <p:sldId id="259" r:id="rId9"/>
-    <p:sldId id="262" r:id="rId10"/>
-    <p:sldId id="263" r:id="rId11"/>
-    <p:sldId id="260" r:id="rId12"/>
-    <p:sldId id="264" r:id="rId13"/>
-    <p:sldId id="265" r:id="rId14"/>
-    <p:sldId id="267" r:id="rId15"/>
-    <p:sldId id="266" r:id="rId16"/>
-    <p:sldId id="268" r:id="rId17"/>
-    <p:sldId id="269" r:id="rId18"/>
+    <p:sldId id="271" r:id="rId6"/>
+    <p:sldId id="270" r:id="rId7"/>
+    <p:sldId id="261" r:id="rId8"/>
+    <p:sldId id="258" r:id="rId9"/>
+    <p:sldId id="259" r:id="rId10"/>
+    <p:sldId id="262" r:id="rId11"/>
+    <p:sldId id="263" r:id="rId12"/>
+    <p:sldId id="260" r:id="rId13"/>
+    <p:sldId id="264" r:id="rId14"/>
+    <p:sldId id="265" r:id="rId15"/>
+    <p:sldId id="267" r:id="rId16"/>
+    <p:sldId id="266" r:id="rId17"/>
+    <p:sldId id="268" r:id="rId18"/>
+    <p:sldId id="269" r:id="rId19"/>
   </p:sldIdLst>
   <p:sldSz cx="6858000" cy="9906000" type="A4"/>
   <p:notesSz cx="6797675" cy="9928225"/>
@@ -1239,7 +1240,7 @@
           <a:p>
             <a:fld id="{112938A6-4143-49DC-BAEE-2F8DAB512D29}" type="datetimeFigureOut">
               <a:rPr lang="de-DE" smtClean="0"/>
-              <a:t>18.08.2019</a:t>
+              <a:t>25.08.2019</a:t>
             </a:fld>
             <a:endParaRPr lang="de-DE"/>
           </a:p>
@@ -1637,7 +1638,7 @@
           <a:p>
             <a:fld id="{371517A1-6894-4FE9-8CD3-0FF8F1D4B5F9}" type="datetimeFigureOut">
               <a:rPr lang="de-DE" smtClean="0"/>
-              <a:t>18.08.2019</a:t>
+              <a:t>25.08.2019</a:t>
             </a:fld>
             <a:endParaRPr lang="de-DE"/>
           </a:p>
@@ -1807,7 +1808,7 @@
           <a:p>
             <a:fld id="{371517A1-6894-4FE9-8CD3-0FF8F1D4B5F9}" type="datetimeFigureOut">
               <a:rPr lang="de-DE" smtClean="0"/>
-              <a:t>18.08.2019</a:t>
+              <a:t>25.08.2019</a:t>
             </a:fld>
             <a:endParaRPr lang="de-DE"/>
           </a:p>
@@ -1987,7 +1988,7 @@
           <a:p>
             <a:fld id="{371517A1-6894-4FE9-8CD3-0FF8F1D4B5F9}" type="datetimeFigureOut">
               <a:rPr lang="de-DE" smtClean="0"/>
-              <a:t>18.08.2019</a:t>
+              <a:t>25.08.2019</a:t>
             </a:fld>
             <a:endParaRPr lang="de-DE"/>
           </a:p>
@@ -2157,7 +2158,7 @@
           <a:p>
             <a:fld id="{371517A1-6894-4FE9-8CD3-0FF8F1D4B5F9}" type="datetimeFigureOut">
               <a:rPr lang="de-DE" smtClean="0"/>
-              <a:t>18.08.2019</a:t>
+              <a:t>25.08.2019</a:t>
             </a:fld>
             <a:endParaRPr lang="de-DE"/>
           </a:p>
@@ -2401,7 +2402,7 @@
           <a:p>
             <a:fld id="{371517A1-6894-4FE9-8CD3-0FF8F1D4B5F9}" type="datetimeFigureOut">
               <a:rPr lang="de-DE" smtClean="0"/>
-              <a:t>18.08.2019</a:t>
+              <a:t>25.08.2019</a:t>
             </a:fld>
             <a:endParaRPr lang="de-DE"/>
           </a:p>
@@ -2633,7 +2634,7 @@
           <a:p>
             <a:fld id="{371517A1-6894-4FE9-8CD3-0FF8F1D4B5F9}" type="datetimeFigureOut">
               <a:rPr lang="de-DE" smtClean="0"/>
-              <a:t>18.08.2019</a:t>
+              <a:t>25.08.2019</a:t>
             </a:fld>
             <a:endParaRPr lang="de-DE"/>
           </a:p>
@@ -3000,7 +3001,7 @@
           <a:p>
             <a:fld id="{371517A1-6894-4FE9-8CD3-0FF8F1D4B5F9}" type="datetimeFigureOut">
               <a:rPr lang="de-DE" smtClean="0"/>
-              <a:t>18.08.2019</a:t>
+              <a:t>25.08.2019</a:t>
             </a:fld>
             <a:endParaRPr lang="de-DE"/>
           </a:p>
@@ -3118,7 +3119,7 @@
           <a:p>
             <a:fld id="{371517A1-6894-4FE9-8CD3-0FF8F1D4B5F9}" type="datetimeFigureOut">
               <a:rPr lang="de-DE" smtClean="0"/>
-              <a:t>18.08.2019</a:t>
+              <a:t>25.08.2019</a:t>
             </a:fld>
             <a:endParaRPr lang="de-DE"/>
           </a:p>
@@ -3213,7 +3214,7 @@
           <a:p>
             <a:fld id="{371517A1-6894-4FE9-8CD3-0FF8F1D4B5F9}" type="datetimeFigureOut">
               <a:rPr lang="de-DE" smtClean="0"/>
-              <a:t>18.08.2019</a:t>
+              <a:t>25.08.2019</a:t>
             </a:fld>
             <a:endParaRPr lang="de-DE"/>
           </a:p>
@@ -3490,7 +3491,7 @@
           <a:p>
             <a:fld id="{371517A1-6894-4FE9-8CD3-0FF8F1D4B5F9}" type="datetimeFigureOut">
               <a:rPr lang="de-DE" smtClean="0"/>
-              <a:t>18.08.2019</a:t>
+              <a:t>25.08.2019</a:t>
             </a:fld>
             <a:endParaRPr lang="de-DE"/>
           </a:p>
@@ -3747,7 +3748,7 @@
           <a:p>
             <a:fld id="{371517A1-6894-4FE9-8CD3-0FF8F1D4B5F9}" type="datetimeFigureOut">
               <a:rPr lang="de-DE" smtClean="0"/>
-              <a:t>18.08.2019</a:t>
+              <a:t>25.08.2019</a:t>
             </a:fld>
             <a:endParaRPr lang="de-DE"/>
           </a:p>
@@ -3960,7 +3961,7 @@
           <a:p>
             <a:fld id="{371517A1-6894-4FE9-8CD3-0FF8F1D4B5F9}" type="datetimeFigureOut">
               <a:rPr lang="de-DE" smtClean="0"/>
-              <a:t>18.08.2019</a:t>
+              <a:t>25.08.2019</a:t>
             </a:fld>
             <a:endParaRPr lang="de-DE"/>
           </a:p>
@@ -6021,13 +6022,6 @@
                 </a:rPr>
                 <a:t>CP2,connect</a:t>
               </a:r>
-              <a:endParaRPr lang="de-DE" sz="1200" baseline="-25000" dirty="0">
-                <a:solidFill>
-                  <a:prstClr val="black"/>
-                </a:solidFill>
-                <a:latin typeface="Arial" panose="020B0604020202020204" pitchFamily="34" charset="0"/>
-                <a:cs typeface="Arial" panose="020B0604020202020204" pitchFamily="34" charset="0"/>
-              </a:endParaRPr>
             </a:p>
           </p:txBody>
         </p:sp>
@@ -6597,6 +6591,887 @@
           <a:chExt cx="0" cy="0"/>
         </a:xfrm>
       </p:grpSpPr>
+      <p:grpSp>
+        <p:nvGrpSpPr>
+          <p:cNvPr id="4" name="Gruppieren 3">
+            <a:extLst>
+              <a:ext uri="{FF2B5EF4-FFF2-40B4-BE49-F238E27FC236}">
+                <a16:creationId xmlns:a16="http://schemas.microsoft.com/office/drawing/2014/main" id="{A47D2134-E7F3-427C-BE74-140BE853B3E8}"/>
+              </a:ext>
+            </a:extLst>
+          </p:cNvPr>
+          <p:cNvGrpSpPr/>
+          <p:nvPr/>
+        </p:nvGrpSpPr>
+        <p:grpSpPr>
+          <a:xfrm>
+            <a:off x="2604832" y="1244867"/>
+            <a:ext cx="1786193" cy="4474162"/>
+            <a:chOff x="2604832" y="1244867"/>
+            <a:chExt cx="1786193" cy="4474162"/>
+          </a:xfrm>
+        </p:grpSpPr>
+        <p:sp>
+          <p:nvSpPr>
+            <p:cNvPr id="5" name="Ellipse 4">
+              <a:extLst>
+                <a:ext uri="{FF2B5EF4-FFF2-40B4-BE49-F238E27FC236}">
+                  <a16:creationId xmlns:a16="http://schemas.microsoft.com/office/drawing/2014/main" id="{687765AE-DB57-44E7-8F4C-4438697636B9}"/>
+                </a:ext>
+              </a:extLst>
+            </p:cNvPr>
+            <p:cNvSpPr/>
+            <p:nvPr/>
+          </p:nvSpPr>
+          <p:spPr>
+            <a:xfrm>
+              <a:off x="2604836" y="1244867"/>
+              <a:ext cx="1648327" cy="433137"/>
+            </a:xfrm>
+            <a:prstGeom prst="ellipse">
+              <a:avLst/>
+            </a:prstGeom>
+            <a:solidFill>
+              <a:schemeClr val="accent6">
+                <a:lumMod val="40000"/>
+                <a:lumOff val="60000"/>
+              </a:schemeClr>
+            </a:solidFill>
+            <a:ln w="6350">
+              <a:solidFill>
+                <a:schemeClr val="tx1"/>
+              </a:solidFill>
+            </a:ln>
+          </p:spPr>
+          <p:style>
+            <a:lnRef idx="2">
+              <a:schemeClr val="accent1">
+                <a:shade val="50000"/>
+              </a:schemeClr>
+            </a:lnRef>
+            <a:fillRef idx="1">
+              <a:schemeClr val="accent1"/>
+            </a:fillRef>
+            <a:effectRef idx="0">
+              <a:schemeClr val="accent1"/>
+            </a:effectRef>
+            <a:fontRef idx="minor">
+              <a:schemeClr val="lt1"/>
+            </a:fontRef>
+          </p:style>
+          <p:txBody>
+            <a:bodyPr rtlCol="0" anchor="ctr"/>
+            <a:lstStyle/>
+            <a:p>
+              <a:pPr algn="ctr"/>
+              <a:r>
+                <a:rPr lang="de-DE" sz="800" dirty="0" err="1">
+                  <a:solidFill>
+                    <a:schemeClr val="tx1"/>
+                  </a:solidFill>
+                </a:rPr>
+                <a:t>Charge_or_wait</a:t>
+              </a:r>
+              <a:endParaRPr lang="de-DE" sz="800" dirty="0">
+                <a:solidFill>
+                  <a:schemeClr val="tx1"/>
+                </a:solidFill>
+              </a:endParaRPr>
+            </a:p>
+          </p:txBody>
+        </p:sp>
+        <p:sp>
+          <p:nvSpPr>
+            <p:cNvPr id="6" name="Ellipse 5">
+              <a:extLst>
+                <a:ext uri="{FF2B5EF4-FFF2-40B4-BE49-F238E27FC236}">
+                  <a16:creationId xmlns:a16="http://schemas.microsoft.com/office/drawing/2014/main" id="{BA3661D8-A384-4F67-9CAF-9129AB209B64}"/>
+                </a:ext>
+              </a:extLst>
+            </p:cNvPr>
+            <p:cNvSpPr/>
+            <p:nvPr/>
+          </p:nvSpPr>
+          <p:spPr>
+            <a:xfrm>
+              <a:off x="2604835" y="3240362"/>
+              <a:ext cx="1648327" cy="433137"/>
+            </a:xfrm>
+            <a:prstGeom prst="ellipse">
+              <a:avLst/>
+            </a:prstGeom>
+            <a:solidFill>
+              <a:schemeClr val="accent6">
+                <a:lumMod val="40000"/>
+                <a:lumOff val="60000"/>
+              </a:schemeClr>
+            </a:solidFill>
+            <a:ln w="6350">
+              <a:solidFill>
+                <a:schemeClr val="tx1"/>
+              </a:solidFill>
+            </a:ln>
+          </p:spPr>
+          <p:style>
+            <a:lnRef idx="2">
+              <a:schemeClr val="accent1">
+                <a:shade val="50000"/>
+              </a:schemeClr>
+            </a:lnRef>
+            <a:fillRef idx="1">
+              <a:schemeClr val="accent1"/>
+            </a:fillRef>
+            <a:effectRef idx="0">
+              <a:schemeClr val="accent1"/>
+            </a:effectRef>
+            <a:fontRef idx="minor">
+              <a:schemeClr val="lt1"/>
+            </a:fontRef>
+          </p:style>
+          <p:txBody>
+            <a:bodyPr rtlCol="0" anchor="ctr"/>
+            <a:lstStyle/>
+            <a:p>
+              <a:pPr algn="ctr"/>
+              <a:r>
+                <a:rPr lang="de-DE" sz="800" dirty="0">
+                  <a:solidFill>
+                    <a:schemeClr val="tx1"/>
+                  </a:solidFill>
+                </a:rPr>
+                <a:t>Charge_16A</a:t>
+              </a:r>
+            </a:p>
+          </p:txBody>
+        </p:sp>
+        <p:cxnSp>
+          <p:nvCxnSpPr>
+            <p:cNvPr id="7" name="Gerade Verbindung mit Pfeil 6">
+              <a:extLst>
+                <a:ext uri="{FF2B5EF4-FFF2-40B4-BE49-F238E27FC236}">
+                  <a16:creationId xmlns:a16="http://schemas.microsoft.com/office/drawing/2014/main" id="{5753B4CF-EA33-403B-8AFF-0012B6DBDAA3}"/>
+                </a:ext>
+              </a:extLst>
+            </p:cNvPr>
+            <p:cNvCxnSpPr>
+              <a:cxnSpLocks/>
+              <a:stCxn id="5" idx="4"/>
+              <a:endCxn id="18" idx="0"/>
+            </p:cNvCxnSpPr>
+            <p:nvPr/>
+          </p:nvCxnSpPr>
+          <p:spPr>
+            <a:xfrm flipH="1">
+              <a:off x="3428996" y="1678004"/>
+              <a:ext cx="4" cy="597427"/>
+            </a:xfrm>
+            <a:prstGeom prst="straightConnector1">
+              <a:avLst/>
+            </a:prstGeom>
+            <a:ln>
+              <a:solidFill>
+                <a:schemeClr val="tx1"/>
+              </a:solidFill>
+              <a:tailEnd type="triangle"/>
+            </a:ln>
+          </p:spPr>
+          <p:style>
+            <a:lnRef idx="1">
+              <a:schemeClr val="accent1"/>
+            </a:lnRef>
+            <a:fillRef idx="0">
+              <a:schemeClr val="accent1"/>
+            </a:fillRef>
+            <a:effectRef idx="0">
+              <a:schemeClr val="accent1"/>
+            </a:effectRef>
+            <a:fontRef idx="minor">
+              <a:schemeClr val="tx1"/>
+            </a:fontRef>
+          </p:style>
+        </p:cxnSp>
+        <p:sp>
+          <p:nvSpPr>
+            <p:cNvPr id="8" name="Textfeld 7">
+              <a:extLst>
+                <a:ext uri="{FF2B5EF4-FFF2-40B4-BE49-F238E27FC236}">
+                  <a16:creationId xmlns:a16="http://schemas.microsoft.com/office/drawing/2014/main" id="{A6D0088A-26C9-4836-A8C4-83C376C20290}"/>
+                </a:ext>
+              </a:extLst>
+            </p:cNvPr>
+            <p:cNvSpPr txBox="1"/>
+            <p:nvPr/>
+          </p:nvSpPr>
+          <p:spPr>
+            <a:xfrm>
+              <a:off x="3378875" y="1835667"/>
+              <a:ext cx="1012150" cy="184666"/>
+            </a:xfrm>
+            <a:prstGeom prst="rect">
+              <a:avLst/>
+            </a:prstGeom>
+            <a:noFill/>
+          </p:spPr>
+          <p:txBody>
+            <a:bodyPr wrap="square" rtlCol="0">
+              <a:spAutoFit/>
+            </a:bodyPr>
+            <a:lstStyle/>
+            <a:p>
+              <a:r>
+                <a:rPr lang="de-DE" sz="600" dirty="0" err="1"/>
+                <a:t>PKW_testzyklus</a:t>
+              </a:r>
+              <a:r>
+                <a:rPr lang="de-DE" sz="600" dirty="0"/>
+                <a:t> == </a:t>
+              </a:r>
+              <a:r>
+                <a:rPr lang="de-DE" sz="600" dirty="0" err="1"/>
+                <a:t>False</a:t>
+              </a:r>
+              <a:endParaRPr lang="de-DE" sz="600" dirty="0"/>
+            </a:p>
+          </p:txBody>
+        </p:sp>
+        <p:sp>
+          <p:nvSpPr>
+            <p:cNvPr id="9" name="Ellipse 8">
+              <a:extLst>
+                <a:ext uri="{FF2B5EF4-FFF2-40B4-BE49-F238E27FC236}">
+                  <a16:creationId xmlns:a16="http://schemas.microsoft.com/office/drawing/2014/main" id="{206D2B92-A69B-4C99-8C28-90244C08063D}"/>
+                </a:ext>
+              </a:extLst>
+            </p:cNvPr>
+            <p:cNvSpPr/>
+            <p:nvPr/>
+          </p:nvSpPr>
+          <p:spPr>
+            <a:xfrm>
+              <a:off x="2604835" y="4263127"/>
+              <a:ext cx="1648327" cy="433137"/>
+            </a:xfrm>
+            <a:prstGeom prst="ellipse">
+              <a:avLst/>
+            </a:prstGeom>
+            <a:solidFill>
+              <a:schemeClr val="accent6">
+                <a:lumMod val="40000"/>
+                <a:lumOff val="60000"/>
+              </a:schemeClr>
+            </a:solidFill>
+            <a:ln w="6350">
+              <a:solidFill>
+                <a:schemeClr val="tx1"/>
+              </a:solidFill>
+            </a:ln>
+          </p:spPr>
+          <p:style>
+            <a:lnRef idx="2">
+              <a:schemeClr val="accent1">
+                <a:shade val="50000"/>
+              </a:schemeClr>
+            </a:lnRef>
+            <a:fillRef idx="1">
+              <a:schemeClr val="accent1"/>
+            </a:fillRef>
+            <a:effectRef idx="0">
+              <a:schemeClr val="accent1"/>
+            </a:effectRef>
+            <a:fontRef idx="minor">
+              <a:schemeClr val="lt1"/>
+            </a:fontRef>
+          </p:style>
+          <p:txBody>
+            <a:bodyPr rtlCol="0" anchor="ctr"/>
+            <a:lstStyle/>
+            <a:p>
+              <a:pPr algn="ctr"/>
+              <a:r>
+                <a:rPr lang="de-DE" sz="800" dirty="0">
+                  <a:solidFill>
+                    <a:schemeClr val="tx1"/>
+                  </a:solidFill>
+                </a:rPr>
+                <a:t>Charge_15A</a:t>
+              </a:r>
+            </a:p>
+          </p:txBody>
+        </p:sp>
+        <p:cxnSp>
+          <p:nvCxnSpPr>
+            <p:cNvPr id="10" name="Gerade Verbindung mit Pfeil 9">
+              <a:extLst>
+                <a:ext uri="{FF2B5EF4-FFF2-40B4-BE49-F238E27FC236}">
+                  <a16:creationId xmlns:a16="http://schemas.microsoft.com/office/drawing/2014/main" id="{58DC58AA-2938-4E29-82C0-C9E06F70E01D}"/>
+                </a:ext>
+              </a:extLst>
+            </p:cNvPr>
+            <p:cNvCxnSpPr>
+              <a:cxnSpLocks/>
+              <a:endCxn id="9" idx="0"/>
+            </p:cNvCxnSpPr>
+            <p:nvPr/>
+          </p:nvCxnSpPr>
+          <p:spPr>
+            <a:xfrm flipH="1">
+              <a:off x="3428999" y="3672327"/>
+              <a:ext cx="1" cy="590800"/>
+            </a:xfrm>
+            <a:prstGeom prst="straightConnector1">
+              <a:avLst/>
+            </a:prstGeom>
+            <a:ln>
+              <a:solidFill>
+                <a:schemeClr val="tx1"/>
+              </a:solidFill>
+              <a:tailEnd type="triangle"/>
+            </a:ln>
+          </p:spPr>
+          <p:style>
+            <a:lnRef idx="1">
+              <a:schemeClr val="accent1"/>
+            </a:lnRef>
+            <a:fillRef idx="0">
+              <a:schemeClr val="accent1"/>
+            </a:fillRef>
+            <a:effectRef idx="0">
+              <a:schemeClr val="accent1"/>
+            </a:effectRef>
+            <a:fontRef idx="minor">
+              <a:schemeClr val="tx1"/>
+            </a:fontRef>
+          </p:style>
+        </p:cxnSp>
+        <p:sp>
+          <p:nvSpPr>
+            <p:cNvPr id="11" name="Ellipse 10">
+              <a:extLst>
+                <a:ext uri="{FF2B5EF4-FFF2-40B4-BE49-F238E27FC236}">
+                  <a16:creationId xmlns:a16="http://schemas.microsoft.com/office/drawing/2014/main" id="{C7BD1FFE-8B92-4686-97E7-ECBA91197BDD}"/>
+                </a:ext>
+              </a:extLst>
+            </p:cNvPr>
+            <p:cNvSpPr/>
+            <p:nvPr/>
+          </p:nvSpPr>
+          <p:spPr>
+            <a:xfrm>
+              <a:off x="2604835" y="5285892"/>
+              <a:ext cx="1648327" cy="433137"/>
+            </a:xfrm>
+            <a:prstGeom prst="ellipse">
+              <a:avLst/>
+            </a:prstGeom>
+            <a:solidFill>
+              <a:schemeClr val="accent6">
+                <a:lumMod val="40000"/>
+                <a:lumOff val="60000"/>
+              </a:schemeClr>
+            </a:solidFill>
+            <a:ln w="6350">
+              <a:solidFill>
+                <a:schemeClr val="tx1"/>
+              </a:solidFill>
+            </a:ln>
+          </p:spPr>
+          <p:style>
+            <a:lnRef idx="2">
+              <a:schemeClr val="accent1">
+                <a:shade val="50000"/>
+              </a:schemeClr>
+            </a:lnRef>
+            <a:fillRef idx="1">
+              <a:schemeClr val="accent1"/>
+            </a:fillRef>
+            <a:effectRef idx="0">
+              <a:schemeClr val="accent1"/>
+            </a:effectRef>
+            <a:fontRef idx="minor">
+              <a:schemeClr val="lt1"/>
+            </a:fontRef>
+          </p:style>
+          <p:txBody>
+            <a:bodyPr rtlCol="0" anchor="ctr"/>
+            <a:lstStyle/>
+            <a:p>
+              <a:pPr algn="ctr"/>
+              <a:r>
+                <a:rPr lang="de-DE" sz="800" dirty="0">
+                  <a:solidFill>
+                    <a:schemeClr val="tx1"/>
+                  </a:solidFill>
+                </a:rPr>
+                <a:t>Charge_6A</a:t>
+              </a:r>
+            </a:p>
+          </p:txBody>
+        </p:sp>
+        <p:cxnSp>
+          <p:nvCxnSpPr>
+            <p:cNvPr id="12" name="Gerade Verbindung mit Pfeil 11">
+              <a:extLst>
+                <a:ext uri="{FF2B5EF4-FFF2-40B4-BE49-F238E27FC236}">
+                  <a16:creationId xmlns:a16="http://schemas.microsoft.com/office/drawing/2014/main" id="{3132501B-2837-4FDD-8CC0-19D270922F4D}"/>
+                </a:ext>
+              </a:extLst>
+            </p:cNvPr>
+            <p:cNvCxnSpPr>
+              <a:cxnSpLocks/>
+              <a:endCxn id="11" idx="0"/>
+            </p:cNvCxnSpPr>
+            <p:nvPr/>
+          </p:nvCxnSpPr>
+          <p:spPr>
+            <a:xfrm>
+              <a:off x="3428999" y="4972058"/>
+              <a:ext cx="0" cy="313834"/>
+            </a:xfrm>
+            <a:prstGeom prst="straightConnector1">
+              <a:avLst/>
+            </a:prstGeom>
+            <a:ln>
+              <a:solidFill>
+                <a:schemeClr val="tx1"/>
+              </a:solidFill>
+              <a:prstDash val="lgDash"/>
+              <a:tailEnd type="triangle"/>
+            </a:ln>
+          </p:spPr>
+          <p:style>
+            <a:lnRef idx="1">
+              <a:schemeClr val="accent1"/>
+            </a:lnRef>
+            <a:fillRef idx="0">
+              <a:schemeClr val="accent1"/>
+            </a:fillRef>
+            <a:effectRef idx="0">
+              <a:schemeClr val="accent1"/>
+            </a:effectRef>
+            <a:fontRef idx="minor">
+              <a:schemeClr val="tx1"/>
+            </a:fontRef>
+          </p:style>
+        </p:cxnSp>
+        <p:cxnSp>
+          <p:nvCxnSpPr>
+            <p:cNvPr id="13" name="Gerade Verbindung mit Pfeil 12">
+              <a:extLst>
+                <a:ext uri="{FF2B5EF4-FFF2-40B4-BE49-F238E27FC236}">
+                  <a16:creationId xmlns:a16="http://schemas.microsoft.com/office/drawing/2014/main" id="{2D0CC33F-9BA4-47CF-A954-E24B5A230C2D}"/>
+                </a:ext>
+              </a:extLst>
+            </p:cNvPr>
+            <p:cNvCxnSpPr>
+              <a:cxnSpLocks/>
+            </p:cNvCxnSpPr>
+            <p:nvPr/>
+          </p:nvCxnSpPr>
+          <p:spPr>
+            <a:xfrm>
+              <a:off x="3428999" y="4696264"/>
+              <a:ext cx="0" cy="313834"/>
+            </a:xfrm>
+            <a:prstGeom prst="straightConnector1">
+              <a:avLst/>
+            </a:prstGeom>
+            <a:ln>
+              <a:solidFill>
+                <a:schemeClr val="tx1"/>
+              </a:solidFill>
+              <a:prstDash val="lgDash"/>
+              <a:tailEnd type="triangle"/>
+            </a:ln>
+          </p:spPr>
+          <p:style>
+            <a:lnRef idx="1">
+              <a:schemeClr val="accent1"/>
+            </a:lnRef>
+            <a:fillRef idx="0">
+              <a:schemeClr val="accent1"/>
+            </a:fillRef>
+            <a:effectRef idx="0">
+              <a:schemeClr val="accent1"/>
+            </a:effectRef>
+            <a:fontRef idx="minor">
+              <a:schemeClr val="tx1"/>
+            </a:fontRef>
+          </p:style>
+        </p:cxnSp>
+        <p:sp>
+          <p:nvSpPr>
+            <p:cNvPr id="14" name="Textfeld 13">
+              <a:extLst>
+                <a:ext uri="{FF2B5EF4-FFF2-40B4-BE49-F238E27FC236}">
+                  <a16:creationId xmlns:a16="http://schemas.microsoft.com/office/drawing/2014/main" id="{B88EBF46-0F23-41FE-8E50-D567D08F54A7}"/>
+                </a:ext>
+              </a:extLst>
+            </p:cNvPr>
+            <p:cNvSpPr txBox="1"/>
+            <p:nvPr/>
+          </p:nvSpPr>
+          <p:spPr>
+            <a:xfrm>
+              <a:off x="3378875" y="3840269"/>
+              <a:ext cx="759700" cy="184666"/>
+            </a:xfrm>
+            <a:prstGeom prst="rect">
+              <a:avLst/>
+            </a:prstGeom>
+            <a:noFill/>
+          </p:spPr>
+          <p:txBody>
+            <a:bodyPr wrap="square" rtlCol="0">
+              <a:spAutoFit/>
+            </a:bodyPr>
+            <a:lstStyle/>
+            <a:p>
+              <a:r>
+                <a:rPr lang="de-DE" sz="600" dirty="0"/>
+                <a:t>Delta_t1 == True</a:t>
+              </a:r>
+            </a:p>
+          </p:txBody>
+        </p:sp>
+        <p:sp>
+          <p:nvSpPr>
+            <p:cNvPr id="15" name="Textfeld 14">
+              <a:extLst>
+                <a:ext uri="{FF2B5EF4-FFF2-40B4-BE49-F238E27FC236}">
+                  <a16:creationId xmlns:a16="http://schemas.microsoft.com/office/drawing/2014/main" id="{3AF983B3-4587-4786-A03F-60689B638C22}"/>
+                </a:ext>
+              </a:extLst>
+            </p:cNvPr>
+            <p:cNvSpPr txBox="1"/>
+            <p:nvPr/>
+          </p:nvSpPr>
+          <p:spPr>
+            <a:xfrm>
+              <a:off x="3378875" y="4728166"/>
+              <a:ext cx="835932" cy="184666"/>
+            </a:xfrm>
+            <a:prstGeom prst="rect">
+              <a:avLst/>
+            </a:prstGeom>
+            <a:noFill/>
+          </p:spPr>
+          <p:txBody>
+            <a:bodyPr wrap="square" rtlCol="0">
+              <a:spAutoFit/>
+            </a:bodyPr>
+            <a:lstStyle/>
+            <a:p>
+              <a:r>
+                <a:rPr lang="de-DE" sz="600" dirty="0"/>
+                <a:t>Delta_t2 == True</a:t>
+              </a:r>
+            </a:p>
+          </p:txBody>
+        </p:sp>
+        <p:sp>
+          <p:nvSpPr>
+            <p:cNvPr id="16" name="Textfeld 15">
+              <a:extLst>
+                <a:ext uri="{FF2B5EF4-FFF2-40B4-BE49-F238E27FC236}">
+                  <a16:creationId xmlns:a16="http://schemas.microsoft.com/office/drawing/2014/main" id="{606F93B8-7F9F-44CD-B951-02621D03DE55}"/>
+                </a:ext>
+              </a:extLst>
+            </p:cNvPr>
+            <p:cNvSpPr txBox="1"/>
+            <p:nvPr/>
+          </p:nvSpPr>
+          <p:spPr>
+            <a:xfrm>
+              <a:off x="3378875" y="4996451"/>
+              <a:ext cx="797838" cy="184666"/>
+            </a:xfrm>
+            <a:prstGeom prst="rect">
+              <a:avLst/>
+            </a:prstGeom>
+            <a:noFill/>
+          </p:spPr>
+          <p:txBody>
+            <a:bodyPr wrap="square" rtlCol="0">
+              <a:spAutoFit/>
+            </a:bodyPr>
+            <a:lstStyle/>
+            <a:p>
+              <a:r>
+                <a:rPr lang="de-DE" sz="600" dirty="0"/>
+                <a:t>Delta_t10 == True</a:t>
+              </a:r>
+            </a:p>
+          </p:txBody>
+        </p:sp>
+        <p:cxnSp>
+          <p:nvCxnSpPr>
+            <p:cNvPr id="17" name="Verbinder: gewinkelt 16">
+              <a:extLst>
+                <a:ext uri="{FF2B5EF4-FFF2-40B4-BE49-F238E27FC236}">
+                  <a16:creationId xmlns:a16="http://schemas.microsoft.com/office/drawing/2014/main" id="{EEF2256D-9B2F-457A-9884-A3E432ECB74E}"/>
+                </a:ext>
+              </a:extLst>
+            </p:cNvPr>
+            <p:cNvCxnSpPr>
+              <a:cxnSpLocks/>
+              <a:stCxn id="11" idx="2"/>
+              <a:endCxn id="5" idx="2"/>
+            </p:cNvCxnSpPr>
+            <p:nvPr/>
+          </p:nvCxnSpPr>
+          <p:spPr>
+            <a:xfrm rot="10800000" flipH="1">
+              <a:off x="2604834" y="1461437"/>
+              <a:ext cx="1" cy="4041025"/>
+            </a:xfrm>
+            <a:prstGeom prst="bentConnector3">
+              <a:avLst>
+                <a:gd name="adj1" fmla="val -22860000000"/>
+              </a:avLst>
+            </a:prstGeom>
+            <a:ln>
+              <a:solidFill>
+                <a:schemeClr val="tx1"/>
+              </a:solidFill>
+              <a:tailEnd type="triangle"/>
+            </a:ln>
+          </p:spPr>
+          <p:style>
+            <a:lnRef idx="1">
+              <a:schemeClr val="accent1"/>
+            </a:lnRef>
+            <a:fillRef idx="0">
+              <a:schemeClr val="accent1"/>
+            </a:fillRef>
+            <a:effectRef idx="0">
+              <a:schemeClr val="accent1"/>
+            </a:effectRef>
+            <a:fontRef idx="minor">
+              <a:schemeClr val="tx1"/>
+            </a:fontRef>
+          </p:style>
+        </p:cxnSp>
+        <p:sp>
+          <p:nvSpPr>
+            <p:cNvPr id="18" name="Ellipse 17">
+              <a:extLst>
+                <a:ext uri="{FF2B5EF4-FFF2-40B4-BE49-F238E27FC236}">
+                  <a16:creationId xmlns:a16="http://schemas.microsoft.com/office/drawing/2014/main" id="{5C58D7B5-2B2E-46EA-80EC-236697D69E74}"/>
+                </a:ext>
+              </a:extLst>
+            </p:cNvPr>
+            <p:cNvSpPr/>
+            <p:nvPr/>
+          </p:nvSpPr>
+          <p:spPr>
+            <a:xfrm>
+              <a:off x="2604832" y="2275431"/>
+              <a:ext cx="1648327" cy="433137"/>
+            </a:xfrm>
+            <a:prstGeom prst="ellipse">
+              <a:avLst/>
+            </a:prstGeom>
+            <a:solidFill>
+              <a:schemeClr val="accent6">
+                <a:lumMod val="40000"/>
+                <a:lumOff val="60000"/>
+              </a:schemeClr>
+            </a:solidFill>
+            <a:ln w="6350">
+              <a:solidFill>
+                <a:schemeClr val="tx1"/>
+              </a:solidFill>
+            </a:ln>
+          </p:spPr>
+          <p:style>
+            <a:lnRef idx="2">
+              <a:schemeClr val="accent1">
+                <a:shade val="50000"/>
+              </a:schemeClr>
+            </a:lnRef>
+            <a:fillRef idx="1">
+              <a:schemeClr val="accent1"/>
+            </a:fillRef>
+            <a:effectRef idx="0">
+              <a:schemeClr val="accent1"/>
+            </a:effectRef>
+            <a:fontRef idx="minor">
+              <a:schemeClr val="lt1"/>
+            </a:fontRef>
+          </p:style>
+          <p:txBody>
+            <a:bodyPr rtlCol="0" anchor="ctr"/>
+            <a:lstStyle/>
+            <a:p>
+              <a:pPr algn="ctr"/>
+              <a:r>
+                <a:rPr lang="de-DE" sz="800" dirty="0" err="1">
+                  <a:solidFill>
+                    <a:schemeClr val="tx1"/>
+                  </a:solidFill>
+                </a:rPr>
+                <a:t>Kapazität_freischalten</a:t>
+              </a:r>
+              <a:endParaRPr lang="de-DE" sz="800" dirty="0">
+                <a:solidFill>
+                  <a:schemeClr val="tx1"/>
+                </a:solidFill>
+              </a:endParaRPr>
+            </a:p>
+          </p:txBody>
+        </p:sp>
+        <p:cxnSp>
+          <p:nvCxnSpPr>
+            <p:cNvPr id="19" name="Gerade Verbindung mit Pfeil 18">
+              <a:extLst>
+                <a:ext uri="{FF2B5EF4-FFF2-40B4-BE49-F238E27FC236}">
+                  <a16:creationId xmlns:a16="http://schemas.microsoft.com/office/drawing/2014/main" id="{D9ECE6B7-81BD-4764-A742-EDA004568F2F}"/>
+                </a:ext>
+              </a:extLst>
+            </p:cNvPr>
+            <p:cNvCxnSpPr>
+              <a:cxnSpLocks/>
+              <a:stCxn id="18" idx="4"/>
+              <a:endCxn id="6" idx="0"/>
+            </p:cNvCxnSpPr>
+            <p:nvPr/>
+          </p:nvCxnSpPr>
+          <p:spPr>
+            <a:xfrm>
+              <a:off x="3428996" y="2708568"/>
+              <a:ext cx="3" cy="531794"/>
+            </a:xfrm>
+            <a:prstGeom prst="straightConnector1">
+              <a:avLst/>
+            </a:prstGeom>
+            <a:ln>
+              <a:solidFill>
+                <a:schemeClr val="tx1"/>
+              </a:solidFill>
+              <a:tailEnd type="triangle"/>
+            </a:ln>
+          </p:spPr>
+          <p:style>
+            <a:lnRef idx="1">
+              <a:schemeClr val="accent1"/>
+            </a:lnRef>
+            <a:fillRef idx="0">
+              <a:schemeClr val="accent1"/>
+            </a:fillRef>
+            <a:effectRef idx="0">
+              <a:schemeClr val="accent1"/>
+            </a:effectRef>
+            <a:fontRef idx="minor">
+              <a:schemeClr val="tx1"/>
+            </a:fontRef>
+          </p:style>
+        </p:cxnSp>
+        <p:sp>
+          <p:nvSpPr>
+            <p:cNvPr id="20" name="Textfeld 19">
+              <a:extLst>
+                <a:ext uri="{FF2B5EF4-FFF2-40B4-BE49-F238E27FC236}">
+                  <a16:creationId xmlns:a16="http://schemas.microsoft.com/office/drawing/2014/main" id="{2561A1E4-5A17-4026-9918-E62767FFE969}"/>
+                </a:ext>
+              </a:extLst>
+            </p:cNvPr>
+            <p:cNvSpPr txBox="1"/>
+            <p:nvPr/>
+          </p:nvSpPr>
+          <p:spPr>
+            <a:xfrm>
+              <a:off x="3378875" y="2844267"/>
+              <a:ext cx="759720" cy="184666"/>
+            </a:xfrm>
+            <a:prstGeom prst="rect">
+              <a:avLst/>
+            </a:prstGeom>
+            <a:noFill/>
+          </p:spPr>
+          <p:txBody>
+            <a:bodyPr wrap="square" rtlCol="0">
+              <a:spAutoFit/>
+            </a:bodyPr>
+            <a:lstStyle/>
+            <a:p>
+              <a:r>
+                <a:rPr lang="de-DE" sz="600" dirty="0" err="1"/>
+                <a:t>Kapa_frei</a:t>
+              </a:r>
+              <a:r>
+                <a:rPr lang="de-DE" sz="600" dirty="0"/>
+                <a:t> == True</a:t>
+              </a:r>
+            </a:p>
+          </p:txBody>
+        </p:sp>
+      </p:grpSp>
+      <p:sp>
+        <p:nvSpPr>
+          <p:cNvPr id="21" name="Textfeld 20">
+            <a:extLst>
+              <a:ext uri="{FF2B5EF4-FFF2-40B4-BE49-F238E27FC236}">
+                <a16:creationId xmlns:a16="http://schemas.microsoft.com/office/drawing/2014/main" id="{A3598F0C-3217-4F5C-8C42-81F8C45A1302}"/>
+              </a:ext>
+            </a:extLst>
+          </p:cNvPr>
+          <p:cNvSpPr txBox="1"/>
+          <p:nvPr/>
+        </p:nvSpPr>
+        <p:spPr>
+          <a:xfrm>
+            <a:off x="680720" y="248920"/>
+            <a:ext cx="5496518" cy="369332"/>
+          </a:xfrm>
+          <a:prstGeom prst="rect">
+            <a:avLst/>
+          </a:prstGeom>
+          <a:noFill/>
+        </p:spPr>
+        <p:txBody>
+          <a:bodyPr wrap="square" rtlCol="0">
+            <a:spAutoFit/>
+          </a:bodyPr>
+          <a:lstStyle/>
+          <a:p>
+            <a:pPr algn="ctr"/>
+            <a:r>
+              <a:rPr lang="de-DE" dirty="0"/>
+              <a:t>Ablaufdiagramm Java Regelalgorithmus</a:t>
+            </a:r>
+          </a:p>
+        </p:txBody>
+      </p:sp>
+    </p:spTree>
+    <p:extLst>
+      <p:ext uri="{BB962C8B-B14F-4D97-AF65-F5344CB8AC3E}">
+        <p14:creationId xmlns:p14="http://schemas.microsoft.com/office/powerpoint/2010/main" val="1224209538"/>
+      </p:ext>
+    </p:extLst>
+  </p:cSld>
+  <p:clrMapOvr>
+    <a:masterClrMapping/>
+  </p:clrMapOvr>
+</p:sld>
+</file>
+
+<file path=ppt/slides/slide11.xml><?xml version="1.0" encoding="utf-8"?>
+<p:sld xmlns:a="http://schemas.openxmlformats.org/drawingml/2006/main" xmlns:r="http://schemas.openxmlformats.org/officeDocument/2006/relationships" xmlns:p="http://schemas.openxmlformats.org/presentationml/2006/main">
+  <p:cSld>
+    <p:spTree>
+      <p:nvGrpSpPr>
+        <p:cNvPr id="1" name=""/>
+        <p:cNvGrpSpPr/>
+        <p:nvPr/>
+      </p:nvGrpSpPr>
+      <p:grpSpPr>
+        <a:xfrm>
+          <a:off x="0" y="0"/>
+          <a:ext cx="0" cy="0"/>
+          <a:chOff x="0" y="0"/>
+          <a:chExt cx="0" cy="0"/>
+        </a:xfrm>
+      </p:grpSpPr>
       <p:sp>
         <p:nvSpPr>
           <p:cNvPr id="21" name="Textfeld 20">
@@ -7964,7 +8839,7 @@
 </p:sld>
 </file>
 
-<file path=ppt/slides/slide11.xml><?xml version="1.0" encoding="utf-8"?>
+<file path=ppt/slides/slide12.xml><?xml version="1.0" encoding="utf-8"?>
 <p:sld xmlns:a="http://schemas.openxmlformats.org/drawingml/2006/main" xmlns:r="http://schemas.openxmlformats.org/officeDocument/2006/relationships" xmlns:p="http://schemas.openxmlformats.org/presentationml/2006/main">
   <p:cSld>
     <p:spTree>
@@ -9651,7 +10526,7 @@
 </p:sld>
 </file>
 
-<file path=ppt/slides/slide12.xml><?xml version="1.0" encoding="utf-8"?>
+<file path=ppt/slides/slide13.xml><?xml version="1.0" encoding="utf-8"?>
 <p:sld xmlns:a="http://schemas.openxmlformats.org/drawingml/2006/main" xmlns:r="http://schemas.openxmlformats.org/officeDocument/2006/relationships" xmlns:p="http://schemas.openxmlformats.org/presentationml/2006/main">
   <p:cSld>
     <p:spTree>
@@ -11420,7 +12295,7 @@
 </p:sld>
 </file>
 
-<file path=ppt/slides/slide13.xml><?xml version="1.0" encoding="utf-8"?>
+<file path=ppt/slides/slide14.xml><?xml version="1.0" encoding="utf-8"?>
 <p:sld xmlns:a="http://schemas.openxmlformats.org/drawingml/2006/main" xmlns:r="http://schemas.openxmlformats.org/officeDocument/2006/relationships" xmlns:p="http://schemas.openxmlformats.org/presentationml/2006/main">
   <p:cSld>
     <p:spTree>
@@ -14286,7 +15161,7 @@
 </p:sld>
 </file>
 
-<file path=ppt/slides/slide14.xml><?xml version="1.0" encoding="utf-8"?>
+<file path=ppt/slides/slide15.xml><?xml version="1.0" encoding="utf-8"?>
 <p:sld xmlns:a="http://schemas.openxmlformats.org/drawingml/2006/main" xmlns:r="http://schemas.openxmlformats.org/officeDocument/2006/relationships" xmlns:p="http://schemas.openxmlformats.org/presentationml/2006/main">
   <p:cSld>
     <p:spTree>
@@ -19829,6 +20704,1152 @@
 </file>
 
 <file path=ppt/slides/slide2.xml><?xml version="1.0" encoding="utf-8"?>
+<p:sld xmlns:a="http://schemas.openxmlformats.org/drawingml/2006/main" xmlns:r="http://schemas.openxmlformats.org/officeDocument/2006/relationships" xmlns:p="http://schemas.openxmlformats.org/presentationml/2006/main">
+  <p:cSld>
+    <p:spTree>
+      <p:nvGrpSpPr>
+        <p:cNvPr id="1" name=""/>
+        <p:cNvGrpSpPr/>
+        <p:nvPr/>
+      </p:nvGrpSpPr>
+      <p:grpSpPr>
+        <a:xfrm>
+          <a:off x="0" y="0"/>
+          <a:ext cx="0" cy="0"/>
+          <a:chOff x="0" y="0"/>
+          <a:chExt cx="0" cy="0"/>
+        </a:xfrm>
+      </p:grpSpPr>
+      <p:sp>
+        <p:nvSpPr>
+          <p:cNvPr id="4" name="Rechteck 3"/>
+          <p:cNvSpPr/>
+          <p:nvPr/>
+        </p:nvSpPr>
+        <p:spPr>
+          <a:xfrm>
+            <a:off x="994307" y="772215"/>
+            <a:ext cx="5040000" cy="6146745"/>
+          </a:xfrm>
+          <a:prstGeom prst="rect">
+            <a:avLst/>
+          </a:prstGeom>
+          <a:noFill/>
+          <a:ln>
+            <a:solidFill>
+              <a:schemeClr val="tx1"/>
+            </a:solidFill>
+          </a:ln>
+        </p:spPr>
+        <p:style>
+          <a:lnRef idx="2">
+            <a:schemeClr val="accent1">
+              <a:shade val="50000"/>
+            </a:schemeClr>
+          </a:lnRef>
+          <a:fillRef idx="1">
+            <a:schemeClr val="accent1"/>
+          </a:fillRef>
+          <a:effectRef idx="0">
+            <a:schemeClr val="accent1"/>
+          </a:effectRef>
+          <a:fontRef idx="minor">
+            <a:schemeClr val="lt1"/>
+          </a:fontRef>
+        </p:style>
+        <p:txBody>
+          <a:bodyPr rtlCol="0" anchor="ctr"/>
+          <a:lstStyle/>
+          <a:p>
+            <a:pPr algn="ctr"/>
+            <a:endParaRPr lang="de-DE"/>
+          </a:p>
+        </p:txBody>
+      </p:sp>
+      <p:sp>
+        <p:nvSpPr>
+          <p:cNvPr id="8" name="Rechteck 7"/>
+          <p:cNvSpPr/>
+          <p:nvPr/>
+        </p:nvSpPr>
+        <p:spPr>
+          <a:xfrm>
+            <a:off x="2485456" y="870433"/>
+            <a:ext cx="1987297" cy="560832"/>
+          </a:xfrm>
+          <a:prstGeom prst="rect">
+            <a:avLst/>
+          </a:prstGeom>
+          <a:solidFill>
+            <a:srgbClr val="F49000">
+              <a:alpha val="50196"/>
+            </a:srgbClr>
+          </a:solidFill>
+          <a:ln>
+            <a:solidFill>
+              <a:schemeClr val="tx1"/>
+            </a:solidFill>
+          </a:ln>
+        </p:spPr>
+        <p:style>
+          <a:lnRef idx="2">
+            <a:schemeClr val="accent1">
+              <a:shade val="50000"/>
+            </a:schemeClr>
+          </a:lnRef>
+          <a:fillRef idx="1">
+            <a:schemeClr val="accent1"/>
+          </a:fillRef>
+          <a:effectRef idx="0">
+            <a:schemeClr val="accent1"/>
+          </a:effectRef>
+          <a:fontRef idx="minor">
+            <a:schemeClr val="lt1"/>
+          </a:fontRef>
+        </p:style>
+        <p:txBody>
+          <a:bodyPr rtlCol="0" anchor="ctr"/>
+          <a:lstStyle/>
+          <a:p>
+            <a:pPr algn="ctr"/>
+            <a:r>
+              <a:rPr lang="de-DE" sz="1200" dirty="0" smtClean="0">
+                <a:solidFill>
+                  <a:schemeClr val="tx1"/>
+                </a:solidFill>
+                <a:latin typeface="Arial" panose="020B0604020202020204" pitchFamily="34" charset="0"/>
+                <a:cs typeface="Arial" panose="020B0604020202020204" pitchFamily="34" charset="0"/>
+              </a:rPr>
+              <a:t>E-PKW mit unbekanntem Verhalten</a:t>
+            </a:r>
+            <a:endParaRPr lang="de-DE" sz="1200" dirty="0">
+              <a:solidFill>
+                <a:schemeClr val="tx1"/>
+              </a:solidFill>
+              <a:latin typeface="Arial" panose="020B0604020202020204" pitchFamily="34" charset="0"/>
+              <a:cs typeface="Arial" panose="020B0604020202020204" pitchFamily="34" charset="0"/>
+            </a:endParaRPr>
+          </a:p>
+        </p:txBody>
+      </p:sp>
+      <p:sp>
+        <p:nvSpPr>
+          <p:cNvPr id="9" name="Rechteck 8"/>
+          <p:cNvSpPr/>
+          <p:nvPr/>
+        </p:nvSpPr>
+        <p:spPr>
+          <a:xfrm>
+            <a:off x="2485457" y="2075199"/>
+            <a:ext cx="1987297" cy="560832"/>
+          </a:xfrm>
+          <a:prstGeom prst="rect">
+            <a:avLst/>
+          </a:prstGeom>
+          <a:solidFill>
+            <a:srgbClr val="F49000">
+              <a:alpha val="60000"/>
+            </a:srgbClr>
+          </a:solidFill>
+          <a:ln>
+            <a:solidFill>
+              <a:schemeClr val="tx1"/>
+            </a:solidFill>
+          </a:ln>
+        </p:spPr>
+        <p:style>
+          <a:lnRef idx="2">
+            <a:schemeClr val="accent1">
+              <a:shade val="50000"/>
+            </a:schemeClr>
+          </a:lnRef>
+          <a:fillRef idx="1">
+            <a:schemeClr val="accent1"/>
+          </a:fillRef>
+          <a:effectRef idx="0">
+            <a:schemeClr val="accent1"/>
+          </a:effectRef>
+          <a:fontRef idx="minor">
+            <a:schemeClr val="lt1"/>
+          </a:fontRef>
+        </p:style>
+        <p:txBody>
+          <a:bodyPr rtlCol="0" anchor="ctr"/>
+          <a:lstStyle/>
+          <a:p>
+            <a:pPr algn="ctr"/>
+            <a:r>
+              <a:rPr lang="de-DE" sz="1200" dirty="0" smtClean="0">
+                <a:solidFill>
+                  <a:schemeClr val="tx1"/>
+                </a:solidFill>
+                <a:latin typeface="Arial" panose="020B0604020202020204" pitchFamily="34" charset="0"/>
+                <a:cs typeface="Arial" panose="020B0604020202020204" pitchFamily="34" charset="0"/>
+              </a:rPr>
+              <a:t>Pool angeschlossener E-PKW</a:t>
+            </a:r>
+            <a:endParaRPr lang="de-DE" sz="1200" dirty="0">
+              <a:solidFill>
+                <a:schemeClr val="tx1"/>
+              </a:solidFill>
+              <a:latin typeface="Arial" panose="020B0604020202020204" pitchFamily="34" charset="0"/>
+              <a:cs typeface="Arial" panose="020B0604020202020204" pitchFamily="34" charset="0"/>
+            </a:endParaRPr>
+          </a:p>
+        </p:txBody>
+      </p:sp>
+      <p:sp>
+        <p:nvSpPr>
+          <p:cNvPr id="10" name="Rechteck 9"/>
+          <p:cNvSpPr/>
+          <p:nvPr/>
+        </p:nvSpPr>
+        <p:spPr>
+          <a:xfrm>
+            <a:off x="2485460" y="3276001"/>
+            <a:ext cx="1987296" cy="454643"/>
+          </a:xfrm>
+          <a:prstGeom prst="rect">
+            <a:avLst/>
+          </a:prstGeom>
+          <a:solidFill>
+            <a:srgbClr val="F49000">
+              <a:alpha val="69804"/>
+            </a:srgbClr>
+          </a:solidFill>
+          <a:ln>
+            <a:solidFill>
+              <a:schemeClr val="tx1"/>
+            </a:solidFill>
+          </a:ln>
+        </p:spPr>
+        <p:style>
+          <a:lnRef idx="2">
+            <a:schemeClr val="accent1">
+              <a:shade val="50000"/>
+            </a:schemeClr>
+          </a:lnRef>
+          <a:fillRef idx="1">
+            <a:schemeClr val="accent1"/>
+          </a:fillRef>
+          <a:effectRef idx="0">
+            <a:schemeClr val="accent1"/>
+          </a:effectRef>
+          <a:fontRef idx="minor">
+            <a:schemeClr val="lt1"/>
+          </a:fontRef>
+        </p:style>
+        <p:txBody>
+          <a:bodyPr rtlCol="0" anchor="t"/>
+          <a:lstStyle/>
+          <a:p>
+            <a:pPr algn="ctr"/>
+            <a:r>
+              <a:rPr lang="de-DE" sz="1200" dirty="0" smtClean="0">
+                <a:solidFill>
+                  <a:schemeClr val="tx1"/>
+                </a:solidFill>
+                <a:latin typeface="Arial" panose="020B0604020202020204" pitchFamily="34" charset="0"/>
+                <a:cs typeface="Arial" panose="020B0604020202020204" pitchFamily="34" charset="0"/>
+              </a:rPr>
+              <a:t>Kombinations-möglichkeiten</a:t>
+            </a:r>
+            <a:endParaRPr lang="de-DE" sz="1200" dirty="0">
+              <a:solidFill>
+                <a:schemeClr val="tx1"/>
+              </a:solidFill>
+              <a:latin typeface="Arial" panose="020B0604020202020204" pitchFamily="34" charset="0"/>
+              <a:cs typeface="Arial" panose="020B0604020202020204" pitchFamily="34" charset="0"/>
+            </a:endParaRPr>
+          </a:p>
+        </p:txBody>
+      </p:sp>
+      <p:sp>
+        <p:nvSpPr>
+          <p:cNvPr id="13" name="Nach unten gekrümmter Pfeil 12"/>
+          <p:cNvSpPr/>
+          <p:nvPr/>
+        </p:nvSpPr>
+        <p:spPr>
+          <a:xfrm rot="5400000" flipH="1" flipV="1">
+            <a:off x="1673781" y="3639984"/>
+            <a:ext cx="950513" cy="541555"/>
+          </a:xfrm>
+          <a:prstGeom prst="curvedDownArrow">
+            <a:avLst/>
+          </a:prstGeom>
+          <a:solidFill>
+            <a:srgbClr val="00AA96"/>
+          </a:solidFill>
+          <a:ln>
+            <a:solidFill>
+              <a:schemeClr val="tx1"/>
+            </a:solidFill>
+          </a:ln>
+        </p:spPr>
+        <p:style>
+          <a:lnRef idx="2">
+            <a:schemeClr val="accent1">
+              <a:shade val="50000"/>
+            </a:schemeClr>
+          </a:lnRef>
+          <a:fillRef idx="1">
+            <a:schemeClr val="accent1"/>
+          </a:fillRef>
+          <a:effectRef idx="0">
+            <a:schemeClr val="accent1"/>
+          </a:effectRef>
+          <a:fontRef idx="minor">
+            <a:schemeClr val="lt1"/>
+          </a:fontRef>
+        </p:style>
+        <p:txBody>
+          <a:bodyPr rtlCol="0" anchor="ctr"/>
+          <a:lstStyle/>
+          <a:p>
+            <a:pPr algn="ctr"/>
+            <a:endParaRPr lang="de-DE">
+              <a:solidFill>
+                <a:schemeClr val="tx1"/>
+              </a:solidFill>
+            </a:endParaRPr>
+          </a:p>
+        </p:txBody>
+      </p:sp>
+      <p:sp>
+        <p:nvSpPr>
+          <p:cNvPr id="16" name="Rechteck 15"/>
+          <p:cNvSpPr/>
+          <p:nvPr/>
+        </p:nvSpPr>
+        <p:spPr>
+          <a:xfrm>
+            <a:off x="2485458" y="4121895"/>
+            <a:ext cx="1987297" cy="454643"/>
+          </a:xfrm>
+          <a:prstGeom prst="rect">
+            <a:avLst/>
+          </a:prstGeom>
+          <a:solidFill>
+            <a:srgbClr val="F49000">
+              <a:alpha val="80000"/>
+            </a:srgbClr>
+          </a:solidFill>
+          <a:ln>
+            <a:solidFill>
+              <a:schemeClr val="tx1"/>
+            </a:solidFill>
+          </a:ln>
+        </p:spPr>
+        <p:style>
+          <a:lnRef idx="2">
+            <a:schemeClr val="accent1">
+              <a:shade val="50000"/>
+            </a:schemeClr>
+          </a:lnRef>
+          <a:fillRef idx="1">
+            <a:schemeClr val="accent1"/>
+          </a:fillRef>
+          <a:effectRef idx="0">
+            <a:schemeClr val="accent1"/>
+          </a:effectRef>
+          <a:fontRef idx="minor">
+            <a:schemeClr val="lt1"/>
+          </a:fontRef>
+        </p:style>
+        <p:txBody>
+          <a:bodyPr rtlCol="0" anchor="t"/>
+          <a:lstStyle/>
+          <a:p>
+            <a:pPr algn="ctr"/>
+            <a:r>
+              <a:rPr lang="de-DE" sz="1200" dirty="0" smtClean="0">
+                <a:solidFill>
+                  <a:schemeClr val="tx1"/>
+                </a:solidFill>
+                <a:latin typeface="Arial" panose="020B0604020202020204" pitchFamily="34" charset="0"/>
+                <a:cs typeface="Arial" panose="020B0604020202020204" pitchFamily="34" charset="0"/>
+              </a:rPr>
+              <a:t>Score und Grenzwerteinhaltung </a:t>
+            </a:r>
+            <a:endParaRPr lang="de-DE" sz="1200" dirty="0">
+              <a:solidFill>
+                <a:schemeClr val="tx1"/>
+              </a:solidFill>
+              <a:latin typeface="Arial" panose="020B0604020202020204" pitchFamily="34" charset="0"/>
+              <a:cs typeface="Arial" panose="020B0604020202020204" pitchFamily="34" charset="0"/>
+            </a:endParaRPr>
+          </a:p>
+        </p:txBody>
+      </p:sp>
+      <p:sp>
+        <p:nvSpPr>
+          <p:cNvPr id="17" name="Textfeld 16"/>
+          <p:cNvSpPr txBox="1"/>
+          <p:nvPr/>
+        </p:nvSpPr>
+        <p:spPr>
+          <a:xfrm>
+            <a:off x="2419815" y="1524474"/>
+            <a:ext cx="1969008" cy="461665"/>
+          </a:xfrm>
+          <a:prstGeom prst="rect">
+            <a:avLst/>
+          </a:prstGeom>
+          <a:noFill/>
+        </p:spPr>
+        <p:txBody>
+          <a:bodyPr wrap="square" rtlCol="0">
+            <a:spAutoFit/>
+          </a:bodyPr>
+          <a:lstStyle/>
+          <a:p>
+            <a:r>
+              <a:rPr lang="de-DE" sz="1200" dirty="0" smtClean="0">
+                <a:latin typeface="Arial" panose="020B0604020202020204" pitchFamily="34" charset="0"/>
+                <a:cs typeface="Arial" panose="020B0604020202020204" pitchFamily="34" charset="0"/>
+              </a:rPr>
+              <a:t>Fahrzeug </a:t>
+            </a:r>
+          </a:p>
+          <a:p>
+            <a:r>
+              <a:rPr lang="de-DE" sz="1200" dirty="0" smtClean="0">
+                <a:latin typeface="Arial" panose="020B0604020202020204" pitchFamily="34" charset="0"/>
+                <a:cs typeface="Arial" panose="020B0604020202020204" pitchFamily="34" charset="0"/>
+              </a:rPr>
+              <a:t>prüfen</a:t>
+            </a:r>
+            <a:endParaRPr lang="de-DE" sz="1200" dirty="0">
+              <a:latin typeface="Arial" panose="020B0604020202020204" pitchFamily="34" charset="0"/>
+              <a:cs typeface="Arial" panose="020B0604020202020204" pitchFamily="34" charset="0"/>
+            </a:endParaRPr>
+          </a:p>
+        </p:txBody>
+      </p:sp>
+      <p:sp>
+        <p:nvSpPr>
+          <p:cNvPr id="18" name="Textfeld 17"/>
+          <p:cNvSpPr txBox="1"/>
+          <p:nvPr/>
+        </p:nvSpPr>
+        <p:spPr>
+          <a:xfrm>
+            <a:off x="2353871" y="2736558"/>
+            <a:ext cx="1604290" cy="461665"/>
+          </a:xfrm>
+          <a:prstGeom prst="rect">
+            <a:avLst/>
+          </a:prstGeom>
+          <a:noFill/>
+        </p:spPr>
+        <p:txBody>
+          <a:bodyPr wrap="square" rtlCol="0">
+            <a:spAutoFit/>
+          </a:bodyPr>
+          <a:lstStyle/>
+          <a:p>
+            <a:r>
+              <a:rPr lang="de-DE" sz="1200" dirty="0" smtClean="0">
+                <a:latin typeface="Arial" panose="020B0604020202020204" pitchFamily="34" charset="0"/>
+                <a:cs typeface="Arial" panose="020B0604020202020204" pitchFamily="34" charset="0"/>
+              </a:rPr>
+              <a:t>Optimierer</a:t>
+            </a:r>
+            <a:r>
+              <a:rPr lang="de-DE" sz="900" dirty="0">
+                <a:latin typeface="Arial" panose="020B0604020202020204" pitchFamily="34" charset="0"/>
+                <a:cs typeface="Arial" panose="020B0604020202020204" pitchFamily="34" charset="0"/>
+              </a:rPr>
+              <a:t> </a:t>
+            </a:r>
+            <a:endParaRPr lang="de-DE" sz="900" dirty="0" smtClean="0">
+              <a:latin typeface="Arial" panose="020B0604020202020204" pitchFamily="34" charset="0"/>
+              <a:cs typeface="Arial" panose="020B0604020202020204" pitchFamily="34" charset="0"/>
+            </a:endParaRPr>
+          </a:p>
+          <a:p>
+            <a:r>
+              <a:rPr lang="de-DE" sz="1200" dirty="0" smtClean="0">
+                <a:latin typeface="Arial" panose="020B0604020202020204" pitchFamily="34" charset="0"/>
+                <a:cs typeface="Arial" panose="020B0604020202020204" pitchFamily="34" charset="0"/>
+              </a:rPr>
+              <a:t>ausführen</a:t>
+            </a:r>
+            <a:endParaRPr lang="de-DE" sz="1200" dirty="0">
+              <a:latin typeface="Arial" panose="020B0604020202020204" pitchFamily="34" charset="0"/>
+              <a:cs typeface="Arial" panose="020B0604020202020204" pitchFamily="34" charset="0"/>
+            </a:endParaRPr>
+          </a:p>
+        </p:txBody>
+      </p:sp>
+      <p:sp>
+        <p:nvSpPr>
+          <p:cNvPr id="19" name="Pfeil nach rechts 18"/>
+          <p:cNvSpPr/>
+          <p:nvPr/>
+        </p:nvSpPr>
+        <p:spPr>
+          <a:xfrm rot="5400000">
+            <a:off x="3233198" y="4630895"/>
+            <a:ext cx="491818" cy="518160"/>
+          </a:xfrm>
+          <a:prstGeom prst="rightArrow">
+            <a:avLst/>
+          </a:prstGeom>
+          <a:solidFill>
+            <a:srgbClr val="00AA96"/>
+          </a:solidFill>
+          <a:ln>
+            <a:solidFill>
+              <a:schemeClr val="tx1"/>
+            </a:solidFill>
+          </a:ln>
+        </p:spPr>
+        <p:style>
+          <a:lnRef idx="2">
+            <a:schemeClr val="accent1">
+              <a:shade val="50000"/>
+            </a:schemeClr>
+          </a:lnRef>
+          <a:fillRef idx="1">
+            <a:schemeClr val="accent1"/>
+          </a:fillRef>
+          <a:effectRef idx="0">
+            <a:schemeClr val="accent1"/>
+          </a:effectRef>
+          <a:fontRef idx="minor">
+            <a:schemeClr val="lt1"/>
+          </a:fontRef>
+        </p:style>
+        <p:txBody>
+          <a:bodyPr rtlCol="0" anchor="ctr"/>
+          <a:lstStyle/>
+          <a:p>
+            <a:pPr algn="ctr"/>
+            <a:endParaRPr lang="de-DE" sz="1200" dirty="0">
+              <a:latin typeface="Arial" panose="020B0604020202020204" pitchFamily="34" charset="0"/>
+              <a:cs typeface="Arial" panose="020B0604020202020204" pitchFamily="34" charset="0"/>
+            </a:endParaRPr>
+          </a:p>
+        </p:txBody>
+      </p:sp>
+      <p:sp>
+        <p:nvSpPr>
+          <p:cNvPr id="20" name="Nach unten gekrümmter Pfeil 19"/>
+          <p:cNvSpPr/>
+          <p:nvPr/>
+        </p:nvSpPr>
+        <p:spPr>
+          <a:xfrm rot="16200000" flipH="1" flipV="1">
+            <a:off x="4333919" y="3670749"/>
+            <a:ext cx="950513" cy="541555"/>
+          </a:xfrm>
+          <a:prstGeom prst="curvedDownArrow">
+            <a:avLst/>
+          </a:prstGeom>
+          <a:solidFill>
+            <a:srgbClr val="00AA96"/>
+          </a:solidFill>
+          <a:ln>
+            <a:solidFill>
+              <a:schemeClr val="tx1"/>
+            </a:solidFill>
+          </a:ln>
+        </p:spPr>
+        <p:style>
+          <a:lnRef idx="2">
+            <a:schemeClr val="accent1">
+              <a:shade val="50000"/>
+            </a:schemeClr>
+          </a:lnRef>
+          <a:fillRef idx="1">
+            <a:schemeClr val="accent1"/>
+          </a:fillRef>
+          <a:effectRef idx="0">
+            <a:schemeClr val="accent1"/>
+          </a:effectRef>
+          <a:fontRef idx="minor">
+            <a:schemeClr val="lt1"/>
+          </a:fontRef>
+        </p:style>
+        <p:txBody>
+          <a:bodyPr rtlCol="0" anchor="ctr"/>
+          <a:lstStyle/>
+          <a:p>
+            <a:pPr algn="ctr"/>
+            <a:endParaRPr lang="de-DE">
+              <a:solidFill>
+                <a:schemeClr val="tx1"/>
+              </a:solidFill>
+            </a:endParaRPr>
+          </a:p>
+        </p:txBody>
+      </p:sp>
+      <p:sp>
+        <p:nvSpPr>
+          <p:cNvPr id="21" name="Rechteck 20"/>
+          <p:cNvSpPr/>
+          <p:nvPr/>
+        </p:nvSpPr>
+        <p:spPr>
+          <a:xfrm>
+            <a:off x="2485458" y="5197543"/>
+            <a:ext cx="1987297" cy="642130"/>
+          </a:xfrm>
+          <a:prstGeom prst="rect">
+            <a:avLst/>
+          </a:prstGeom>
+          <a:solidFill>
+            <a:srgbClr val="F49000">
+              <a:alpha val="89804"/>
+            </a:srgbClr>
+          </a:solidFill>
+          <a:ln>
+            <a:solidFill>
+              <a:schemeClr val="tx1"/>
+            </a:solidFill>
+          </a:ln>
+        </p:spPr>
+        <p:style>
+          <a:lnRef idx="2">
+            <a:schemeClr val="accent1">
+              <a:shade val="50000"/>
+            </a:schemeClr>
+          </a:lnRef>
+          <a:fillRef idx="1">
+            <a:schemeClr val="accent1"/>
+          </a:fillRef>
+          <a:effectRef idx="0">
+            <a:schemeClr val="accent1"/>
+          </a:effectRef>
+          <a:fontRef idx="minor">
+            <a:schemeClr val="lt1"/>
+          </a:fontRef>
+        </p:style>
+        <p:txBody>
+          <a:bodyPr rtlCol="0" anchor="t"/>
+          <a:lstStyle/>
+          <a:p>
+            <a:pPr algn="ctr"/>
+            <a:r>
+              <a:rPr lang="de-DE" sz="1200" dirty="0" smtClean="0">
+                <a:solidFill>
+                  <a:schemeClr val="tx1"/>
+                </a:solidFill>
+                <a:latin typeface="Arial" panose="020B0604020202020204" pitchFamily="34" charset="0"/>
+                <a:cs typeface="Arial" panose="020B0604020202020204" pitchFamily="34" charset="0"/>
+              </a:rPr>
+              <a:t>Stellströme die Grenz-werte einhalten und dem besten Score besitzen</a:t>
+            </a:r>
+            <a:endParaRPr lang="de-DE" sz="1200" dirty="0">
+              <a:solidFill>
+                <a:schemeClr val="tx1"/>
+              </a:solidFill>
+              <a:latin typeface="Arial" panose="020B0604020202020204" pitchFamily="34" charset="0"/>
+              <a:cs typeface="Arial" panose="020B0604020202020204" pitchFamily="34" charset="0"/>
+            </a:endParaRPr>
+          </a:p>
+        </p:txBody>
+      </p:sp>
+      <p:sp>
+        <p:nvSpPr>
+          <p:cNvPr id="22" name="Rechteck 21"/>
+          <p:cNvSpPr/>
+          <p:nvPr/>
+        </p:nvSpPr>
+        <p:spPr>
+          <a:xfrm>
+            <a:off x="2485458" y="6472133"/>
+            <a:ext cx="1987297" cy="286001"/>
+          </a:xfrm>
+          <a:prstGeom prst="rect">
+            <a:avLst/>
+          </a:prstGeom>
+          <a:solidFill>
+            <a:srgbClr val="F49000"/>
+          </a:solidFill>
+          <a:ln>
+            <a:solidFill>
+              <a:schemeClr val="tx1"/>
+            </a:solidFill>
+          </a:ln>
+        </p:spPr>
+        <p:style>
+          <a:lnRef idx="2">
+            <a:schemeClr val="accent1">
+              <a:shade val="50000"/>
+            </a:schemeClr>
+          </a:lnRef>
+          <a:fillRef idx="1">
+            <a:schemeClr val="accent1"/>
+          </a:fillRef>
+          <a:effectRef idx="0">
+            <a:schemeClr val="accent1"/>
+          </a:effectRef>
+          <a:fontRef idx="minor">
+            <a:schemeClr val="lt1"/>
+          </a:fontRef>
+        </p:style>
+        <p:txBody>
+          <a:bodyPr rtlCol="0" anchor="t"/>
+          <a:lstStyle/>
+          <a:p>
+            <a:pPr algn="ctr"/>
+            <a:r>
+              <a:rPr lang="de-DE" sz="1200" dirty="0" smtClean="0">
+                <a:solidFill>
+                  <a:schemeClr val="tx1"/>
+                </a:solidFill>
+                <a:latin typeface="Arial" panose="020B0604020202020204" pitchFamily="34" charset="0"/>
+                <a:cs typeface="Arial" panose="020B0604020202020204" pitchFamily="34" charset="0"/>
+              </a:rPr>
+              <a:t>Optimierter Betrieb</a:t>
+            </a:r>
+            <a:endParaRPr lang="de-DE" sz="1200" dirty="0">
+              <a:solidFill>
+                <a:schemeClr val="tx1"/>
+              </a:solidFill>
+              <a:latin typeface="Arial" panose="020B0604020202020204" pitchFamily="34" charset="0"/>
+              <a:cs typeface="Arial" panose="020B0604020202020204" pitchFamily="34" charset="0"/>
+            </a:endParaRPr>
+          </a:p>
+        </p:txBody>
+      </p:sp>
+      <p:sp>
+        <p:nvSpPr>
+          <p:cNvPr id="24" name="Pfeil nach rechts 23"/>
+          <p:cNvSpPr/>
+          <p:nvPr/>
+        </p:nvSpPr>
+        <p:spPr>
+          <a:xfrm rot="5400000">
+            <a:off x="3233198" y="5896823"/>
+            <a:ext cx="491818" cy="518160"/>
+          </a:xfrm>
+          <a:prstGeom prst="rightArrow">
+            <a:avLst/>
+          </a:prstGeom>
+          <a:solidFill>
+            <a:srgbClr val="00AA96"/>
+          </a:solidFill>
+          <a:ln>
+            <a:solidFill>
+              <a:schemeClr val="tx1"/>
+            </a:solidFill>
+          </a:ln>
+        </p:spPr>
+        <p:style>
+          <a:lnRef idx="2">
+            <a:schemeClr val="accent1">
+              <a:shade val="50000"/>
+            </a:schemeClr>
+          </a:lnRef>
+          <a:fillRef idx="1">
+            <a:schemeClr val="accent1"/>
+          </a:fillRef>
+          <a:effectRef idx="0">
+            <a:schemeClr val="accent1"/>
+          </a:effectRef>
+          <a:fontRef idx="minor">
+            <a:schemeClr val="lt1"/>
+          </a:fontRef>
+        </p:style>
+        <p:txBody>
+          <a:bodyPr rtlCol="0" anchor="ctr"/>
+          <a:lstStyle/>
+          <a:p>
+            <a:pPr algn="ctr"/>
+            <a:endParaRPr lang="de-DE" sz="1200" dirty="0">
+              <a:latin typeface="Arial" panose="020B0604020202020204" pitchFamily="34" charset="0"/>
+              <a:cs typeface="Arial" panose="020B0604020202020204" pitchFamily="34" charset="0"/>
+            </a:endParaRPr>
+          </a:p>
+        </p:txBody>
+      </p:sp>
+      <p:sp>
+        <p:nvSpPr>
+          <p:cNvPr id="25" name="Pfeil nach rechts 24"/>
+          <p:cNvSpPr/>
+          <p:nvPr/>
+        </p:nvSpPr>
+        <p:spPr>
+          <a:xfrm rot="5400000">
+            <a:off x="3232342" y="2708311"/>
+            <a:ext cx="491818" cy="518160"/>
+          </a:xfrm>
+          <a:prstGeom prst="rightArrow">
+            <a:avLst/>
+          </a:prstGeom>
+          <a:solidFill>
+            <a:srgbClr val="00AA96"/>
+          </a:solidFill>
+          <a:ln>
+            <a:solidFill>
+              <a:schemeClr val="tx1"/>
+            </a:solidFill>
+          </a:ln>
+        </p:spPr>
+        <p:style>
+          <a:lnRef idx="2">
+            <a:schemeClr val="accent1">
+              <a:shade val="50000"/>
+            </a:schemeClr>
+          </a:lnRef>
+          <a:fillRef idx="1">
+            <a:schemeClr val="accent1"/>
+          </a:fillRef>
+          <a:effectRef idx="0">
+            <a:schemeClr val="accent1"/>
+          </a:effectRef>
+          <a:fontRef idx="minor">
+            <a:schemeClr val="lt1"/>
+          </a:fontRef>
+        </p:style>
+        <p:txBody>
+          <a:bodyPr rtlCol="0" anchor="ctr"/>
+          <a:lstStyle/>
+          <a:p>
+            <a:pPr algn="ctr"/>
+            <a:endParaRPr lang="de-DE" sz="1200" dirty="0">
+              <a:latin typeface="Arial" panose="020B0604020202020204" pitchFamily="34" charset="0"/>
+              <a:cs typeface="Arial" panose="020B0604020202020204" pitchFamily="34" charset="0"/>
+            </a:endParaRPr>
+          </a:p>
+        </p:txBody>
+      </p:sp>
+      <p:sp>
+        <p:nvSpPr>
+          <p:cNvPr id="26" name="Pfeil nach rechts 25"/>
+          <p:cNvSpPr/>
+          <p:nvPr/>
+        </p:nvSpPr>
+        <p:spPr>
+          <a:xfrm rot="5400000">
+            <a:off x="3232342" y="1492449"/>
+            <a:ext cx="491818" cy="518160"/>
+          </a:xfrm>
+          <a:prstGeom prst="rightArrow">
+            <a:avLst/>
+          </a:prstGeom>
+          <a:solidFill>
+            <a:srgbClr val="00AA96"/>
+          </a:solidFill>
+          <a:ln>
+            <a:solidFill>
+              <a:schemeClr val="tx1"/>
+            </a:solidFill>
+          </a:ln>
+        </p:spPr>
+        <p:style>
+          <a:lnRef idx="2">
+            <a:schemeClr val="accent1">
+              <a:shade val="50000"/>
+            </a:schemeClr>
+          </a:lnRef>
+          <a:fillRef idx="1">
+            <a:schemeClr val="accent1"/>
+          </a:fillRef>
+          <a:effectRef idx="0">
+            <a:schemeClr val="accent1"/>
+          </a:effectRef>
+          <a:fontRef idx="minor">
+            <a:schemeClr val="lt1"/>
+          </a:fontRef>
+        </p:style>
+        <p:txBody>
+          <a:bodyPr rtlCol="0" anchor="ctr"/>
+          <a:lstStyle/>
+          <a:p>
+            <a:pPr algn="ctr"/>
+            <a:endParaRPr lang="de-DE" sz="1200" dirty="0">
+              <a:latin typeface="Arial" panose="020B0604020202020204" pitchFamily="34" charset="0"/>
+              <a:cs typeface="Arial" panose="020B0604020202020204" pitchFamily="34" charset="0"/>
+            </a:endParaRPr>
+          </a:p>
+        </p:txBody>
+      </p:sp>
+      <p:sp>
+        <p:nvSpPr>
+          <p:cNvPr id="27" name="Textfeld 26"/>
+          <p:cNvSpPr txBox="1"/>
+          <p:nvPr/>
+        </p:nvSpPr>
+        <p:spPr>
+          <a:xfrm>
+            <a:off x="2353871" y="4639723"/>
+            <a:ext cx="1604290" cy="461665"/>
+          </a:xfrm>
+          <a:prstGeom prst="rect">
+            <a:avLst/>
+          </a:prstGeom>
+          <a:noFill/>
+        </p:spPr>
+        <p:txBody>
+          <a:bodyPr wrap="square" rtlCol="0">
+            <a:spAutoFit/>
+          </a:bodyPr>
+          <a:lstStyle/>
+          <a:p>
+            <a:r>
+              <a:rPr lang="de-DE" sz="1200" dirty="0" smtClean="0">
+                <a:latin typeface="Arial" panose="020B0604020202020204" pitchFamily="34" charset="0"/>
+                <a:cs typeface="Arial" panose="020B0604020202020204" pitchFamily="34" charset="0"/>
+              </a:rPr>
+              <a:t>Auswahl</a:t>
+            </a:r>
+          </a:p>
+          <a:p>
+            <a:r>
+              <a:rPr lang="de-DE" sz="1200" dirty="0" smtClean="0">
+                <a:latin typeface="Arial" panose="020B0604020202020204" pitchFamily="34" charset="0"/>
+                <a:cs typeface="Arial" panose="020B0604020202020204" pitchFamily="34" charset="0"/>
+              </a:rPr>
+              <a:t>treffen</a:t>
+            </a:r>
+            <a:endParaRPr lang="de-DE" sz="1200" dirty="0">
+              <a:latin typeface="Arial" panose="020B0604020202020204" pitchFamily="34" charset="0"/>
+              <a:cs typeface="Arial" panose="020B0604020202020204" pitchFamily="34" charset="0"/>
+            </a:endParaRPr>
+          </a:p>
+        </p:txBody>
+      </p:sp>
+      <p:sp>
+        <p:nvSpPr>
+          <p:cNvPr id="28" name="Textfeld 27"/>
+          <p:cNvSpPr txBox="1"/>
+          <p:nvPr/>
+        </p:nvSpPr>
+        <p:spPr>
+          <a:xfrm>
+            <a:off x="2353871" y="5909593"/>
+            <a:ext cx="1604290" cy="461665"/>
+          </a:xfrm>
+          <a:prstGeom prst="rect">
+            <a:avLst/>
+          </a:prstGeom>
+          <a:noFill/>
+        </p:spPr>
+        <p:txBody>
+          <a:bodyPr wrap="square" rtlCol="0">
+            <a:spAutoFit/>
+          </a:bodyPr>
+          <a:lstStyle/>
+          <a:p>
+            <a:r>
+              <a:rPr lang="de-DE" sz="1200" dirty="0" smtClean="0">
+                <a:latin typeface="Arial" panose="020B0604020202020204" pitchFamily="34" charset="0"/>
+                <a:cs typeface="Arial" panose="020B0604020202020204" pitchFamily="34" charset="0"/>
+              </a:rPr>
+              <a:t>Ergebnis</a:t>
+            </a:r>
+          </a:p>
+          <a:p>
+            <a:r>
+              <a:rPr lang="de-DE" sz="1200" dirty="0" smtClean="0">
+                <a:latin typeface="Arial" panose="020B0604020202020204" pitchFamily="34" charset="0"/>
+                <a:cs typeface="Arial" panose="020B0604020202020204" pitchFamily="34" charset="0"/>
+              </a:rPr>
+              <a:t>umsetzen</a:t>
+            </a:r>
+            <a:endParaRPr lang="de-DE" sz="1200" dirty="0">
+              <a:latin typeface="Arial" panose="020B0604020202020204" pitchFamily="34" charset="0"/>
+              <a:cs typeface="Arial" panose="020B0604020202020204" pitchFamily="34" charset="0"/>
+            </a:endParaRPr>
+          </a:p>
+        </p:txBody>
+      </p:sp>
+      <p:sp>
+        <p:nvSpPr>
+          <p:cNvPr id="30" name="Nach unten gekrümmter Pfeil 29"/>
+          <p:cNvSpPr/>
+          <p:nvPr/>
+        </p:nvSpPr>
+        <p:spPr>
+          <a:xfrm rot="5400000" flipH="1" flipV="1">
+            <a:off x="-1121380" y="3273919"/>
+            <a:ext cx="5867991" cy="1061018"/>
+          </a:xfrm>
+          <a:prstGeom prst="curvedDownArrow">
+            <a:avLst/>
+          </a:prstGeom>
+          <a:solidFill>
+            <a:srgbClr val="00AA96"/>
+          </a:solidFill>
+          <a:ln>
+            <a:solidFill>
+              <a:schemeClr val="tx1"/>
+            </a:solidFill>
+          </a:ln>
+        </p:spPr>
+        <p:style>
+          <a:lnRef idx="2">
+            <a:schemeClr val="accent1">
+              <a:shade val="50000"/>
+            </a:schemeClr>
+          </a:lnRef>
+          <a:fillRef idx="1">
+            <a:schemeClr val="accent1"/>
+          </a:fillRef>
+          <a:effectRef idx="0">
+            <a:schemeClr val="accent1"/>
+          </a:effectRef>
+          <a:fontRef idx="minor">
+            <a:schemeClr val="lt1"/>
+          </a:fontRef>
+        </p:style>
+        <p:txBody>
+          <a:bodyPr rtlCol="0" anchor="ctr"/>
+          <a:lstStyle/>
+          <a:p>
+            <a:pPr algn="ctr"/>
+            <a:endParaRPr lang="de-DE">
+              <a:solidFill>
+                <a:schemeClr val="tx1"/>
+              </a:solidFill>
+            </a:endParaRPr>
+          </a:p>
+        </p:txBody>
+      </p:sp>
+      <p:sp>
+        <p:nvSpPr>
+          <p:cNvPr id="31" name="Nach unten gekrümmter Pfeil 30"/>
+          <p:cNvSpPr/>
+          <p:nvPr/>
+        </p:nvSpPr>
+        <p:spPr>
+          <a:xfrm rot="16200000" flipV="1">
+            <a:off x="2813982" y="3876302"/>
+            <a:ext cx="4663225" cy="1061018"/>
+          </a:xfrm>
+          <a:prstGeom prst="curvedDownArrow">
+            <a:avLst/>
+          </a:prstGeom>
+          <a:solidFill>
+            <a:srgbClr val="00AA96"/>
+          </a:solidFill>
+          <a:ln>
+            <a:solidFill>
+              <a:schemeClr val="tx1"/>
+            </a:solidFill>
+          </a:ln>
+        </p:spPr>
+        <p:style>
+          <a:lnRef idx="2">
+            <a:schemeClr val="accent1">
+              <a:shade val="50000"/>
+            </a:schemeClr>
+          </a:lnRef>
+          <a:fillRef idx="1">
+            <a:schemeClr val="accent1"/>
+          </a:fillRef>
+          <a:effectRef idx="0">
+            <a:schemeClr val="accent1"/>
+          </a:effectRef>
+          <a:fontRef idx="minor">
+            <a:schemeClr val="lt1"/>
+          </a:fontRef>
+        </p:style>
+        <p:txBody>
+          <a:bodyPr rtlCol="0" anchor="ctr"/>
+          <a:lstStyle/>
+          <a:p>
+            <a:pPr algn="ctr"/>
+            <a:endParaRPr lang="de-DE">
+              <a:solidFill>
+                <a:schemeClr val="tx1"/>
+              </a:solidFill>
+            </a:endParaRPr>
+          </a:p>
+        </p:txBody>
+      </p:sp>
+      <p:sp>
+        <p:nvSpPr>
+          <p:cNvPr id="32" name="Textfeld 31"/>
+          <p:cNvSpPr txBox="1"/>
+          <p:nvPr/>
+        </p:nvSpPr>
+        <p:spPr>
+          <a:xfrm rot="16200000">
+            <a:off x="-1472" y="3610143"/>
+            <a:ext cx="2282666" cy="276999"/>
+          </a:xfrm>
+          <a:prstGeom prst="rect">
+            <a:avLst/>
+          </a:prstGeom>
+          <a:noFill/>
+        </p:spPr>
+        <p:txBody>
+          <a:bodyPr wrap="square" rtlCol="0">
+            <a:spAutoFit/>
+          </a:bodyPr>
+          <a:lstStyle/>
+          <a:p>
+            <a:r>
+              <a:rPr lang="de-DE" sz="1200" dirty="0" smtClean="0">
+                <a:latin typeface="Arial" panose="020B0604020202020204" pitchFamily="34" charset="0"/>
+                <a:cs typeface="Arial" panose="020B0604020202020204" pitchFamily="34" charset="0"/>
+              </a:rPr>
+              <a:t>Neues Fahrzeug kommt hinzu</a:t>
+            </a:r>
+            <a:endParaRPr lang="de-DE" sz="1200" dirty="0">
+              <a:latin typeface="Arial" panose="020B0604020202020204" pitchFamily="34" charset="0"/>
+              <a:cs typeface="Arial" panose="020B0604020202020204" pitchFamily="34" charset="0"/>
+            </a:endParaRPr>
+          </a:p>
+        </p:txBody>
+      </p:sp>
+      <p:sp>
+        <p:nvSpPr>
+          <p:cNvPr id="33" name="Textfeld 32"/>
+          <p:cNvSpPr txBox="1"/>
+          <p:nvPr/>
+        </p:nvSpPr>
+        <p:spPr>
+          <a:xfrm rot="16200000">
+            <a:off x="4393887" y="4175978"/>
+            <a:ext cx="2922637" cy="461665"/>
+          </a:xfrm>
+          <a:prstGeom prst="rect">
+            <a:avLst/>
+          </a:prstGeom>
+          <a:noFill/>
+        </p:spPr>
+        <p:txBody>
+          <a:bodyPr wrap="square" rtlCol="0">
+            <a:spAutoFit/>
+          </a:bodyPr>
+          <a:lstStyle/>
+          <a:p>
+            <a:pPr algn="ctr"/>
+            <a:r>
+              <a:rPr lang="de-DE" sz="1200" dirty="0" smtClean="0">
+                <a:latin typeface="Arial" panose="020B0604020202020204" pitchFamily="34" charset="0"/>
+                <a:cs typeface="Arial" panose="020B0604020202020204" pitchFamily="34" charset="0"/>
+              </a:rPr>
+              <a:t>Fahrzeuge verlassen den Ladezustand oder die Grenzwerte ändern sich</a:t>
+            </a:r>
+            <a:endParaRPr lang="de-DE" sz="1200" dirty="0">
+              <a:latin typeface="Arial" panose="020B0604020202020204" pitchFamily="34" charset="0"/>
+              <a:cs typeface="Arial" panose="020B0604020202020204" pitchFamily="34" charset="0"/>
+            </a:endParaRPr>
+          </a:p>
+        </p:txBody>
+      </p:sp>
+    </p:spTree>
+    <p:extLst>
+      <p:ext uri="{BB962C8B-B14F-4D97-AF65-F5344CB8AC3E}">
+        <p14:creationId xmlns:p14="http://schemas.microsoft.com/office/powerpoint/2010/main" val="361445585"/>
+      </p:ext>
+    </p:extLst>
+  </p:cSld>
+  <p:clrMapOvr>
+    <a:masterClrMapping/>
+  </p:clrMapOvr>
+</p:sld>
+</file>
+
+<file path=ppt/slides/slide3.xml><?xml version="1.0" encoding="utf-8"?>
 <p:sld xmlns:a="http://schemas.openxmlformats.org/drawingml/2006/main" xmlns:r="http://schemas.openxmlformats.org/officeDocument/2006/relationships" xmlns:p="http://schemas.openxmlformats.org/presentationml/2006/main">
   <p:cSld>
     <p:spTree>
@@ -21646,7 +23667,7 @@
 </p:sld>
 </file>
 
-<file path=ppt/slides/slide3.xml><?xml version="1.0" encoding="utf-8"?>
+<file path=ppt/slides/slide4.xml><?xml version="1.0" encoding="utf-8"?>
 <p:sld xmlns:a="http://schemas.openxmlformats.org/drawingml/2006/main" xmlns:r="http://schemas.openxmlformats.org/officeDocument/2006/relationships" xmlns:p="http://schemas.openxmlformats.org/presentationml/2006/main">
   <p:cSld>
     <p:spTree>
@@ -23294,19 +25315,8 @@
                 <a:latin typeface="Arial" panose="020B0604020202020204" pitchFamily="34" charset="0"/>
                 <a:cs typeface="Arial" panose="020B0604020202020204" pitchFamily="34" charset="0"/>
               </a:rPr>
-              <a:t>PKW hat den </a:t>
-            </a:r>
-            <a:r>
-              <a:rPr lang="de-DE" sz="1200">
-                <a:latin typeface="Arial" panose="020B0604020202020204" pitchFamily="34" charset="0"/>
-                <a:cs typeface="Arial" panose="020B0604020202020204" pitchFamily="34" charset="0"/>
-              </a:rPr>
-              <a:t>Ladevorgang beendet.</a:t>
-            </a:r>
-            <a:endParaRPr lang="de-DE" sz="1200" dirty="0">
-              <a:latin typeface="Arial" panose="020B0604020202020204" pitchFamily="34" charset="0"/>
-              <a:cs typeface="Arial" panose="020B0604020202020204" pitchFamily="34" charset="0"/>
-            </a:endParaRPr>
+              <a:t>PKW hat den Ladevorgang beendet.</a:t>
+            </a:r>
           </a:p>
         </p:txBody>
       </p:sp>
@@ -23618,7 +25628,7 @@
 </p:sld>
 </file>
 
-<file path=ppt/slides/slide4.xml><?xml version="1.0" encoding="utf-8"?>
+<file path=ppt/slides/slide5.xml><?xml version="1.0" encoding="utf-8"?>
 <p:sld xmlns:a="http://schemas.openxmlformats.org/drawingml/2006/main" xmlns:r="http://schemas.openxmlformats.org/officeDocument/2006/relationships" xmlns:p="http://schemas.openxmlformats.org/presentationml/2006/main">
   <p:cSld>
     <p:spTree>
@@ -23907,7 +25917,7 @@
 </p:sld>
 </file>
 
-<file path=ppt/slides/slide5.xml><?xml version="1.0" encoding="utf-8"?>
+<file path=ppt/slides/slide6.xml><?xml version="1.0" encoding="utf-8"?>
 <p:sld xmlns:a="http://schemas.openxmlformats.org/drawingml/2006/main" xmlns:r="http://schemas.openxmlformats.org/officeDocument/2006/relationships" xmlns:p="http://schemas.openxmlformats.org/presentationml/2006/main">
   <p:cSld>
     <p:spTree>
@@ -24119,7 +26129,7 @@
 </p:sld>
 </file>
 
-<file path=ppt/slides/slide6.xml><?xml version="1.0" encoding="utf-8"?>
+<file path=ppt/slides/slide7.xml><?xml version="1.0" encoding="utf-8"?>
 <p:sld xmlns:a="http://schemas.openxmlformats.org/drawingml/2006/main" xmlns:r="http://schemas.openxmlformats.org/officeDocument/2006/relationships" xmlns:p="http://schemas.openxmlformats.org/presentationml/2006/main">
   <p:cSld>
     <p:spTree>
@@ -25442,7 +27452,7 @@
 </p:sld>
 </file>
 
-<file path=ppt/slides/slide7.xml><?xml version="1.0" encoding="utf-8"?>
+<file path=ppt/slides/slide8.xml><?xml version="1.0" encoding="utf-8"?>
 <p:sld xmlns:a="http://schemas.openxmlformats.org/drawingml/2006/main" xmlns:r="http://schemas.openxmlformats.org/officeDocument/2006/relationships" xmlns:p="http://schemas.openxmlformats.org/presentationml/2006/main">
   <p:cSld>
     <p:spTree>
@@ -26323,7 +28333,7 @@
 </p:sld>
 </file>
 
-<file path=ppt/slides/slide8.xml><?xml version="1.0" encoding="utf-8"?>
+<file path=ppt/slides/slide9.xml><?xml version="1.0" encoding="utf-8"?>
 <p:sld xmlns:a="http://schemas.openxmlformats.org/drawingml/2006/main" xmlns:r="http://schemas.openxmlformats.org/officeDocument/2006/relationships" xmlns:p="http://schemas.openxmlformats.org/presentationml/2006/main">
   <p:cSld>
     <p:spTree>
@@ -30727,887 +32737,6 @@
     <p:extLst>
       <p:ext uri="{BB962C8B-B14F-4D97-AF65-F5344CB8AC3E}">
         <p14:creationId xmlns:p14="http://schemas.microsoft.com/office/powerpoint/2010/main" val="924432096"/>
-      </p:ext>
-    </p:extLst>
-  </p:cSld>
-  <p:clrMapOvr>
-    <a:masterClrMapping/>
-  </p:clrMapOvr>
-</p:sld>
-</file>
-
-<file path=ppt/slides/slide9.xml><?xml version="1.0" encoding="utf-8"?>
-<p:sld xmlns:a="http://schemas.openxmlformats.org/drawingml/2006/main" xmlns:r="http://schemas.openxmlformats.org/officeDocument/2006/relationships" xmlns:p="http://schemas.openxmlformats.org/presentationml/2006/main">
-  <p:cSld>
-    <p:spTree>
-      <p:nvGrpSpPr>
-        <p:cNvPr id="1" name=""/>
-        <p:cNvGrpSpPr/>
-        <p:nvPr/>
-      </p:nvGrpSpPr>
-      <p:grpSpPr>
-        <a:xfrm>
-          <a:off x="0" y="0"/>
-          <a:ext cx="0" cy="0"/>
-          <a:chOff x="0" y="0"/>
-          <a:chExt cx="0" cy="0"/>
-        </a:xfrm>
-      </p:grpSpPr>
-      <p:grpSp>
-        <p:nvGrpSpPr>
-          <p:cNvPr id="4" name="Gruppieren 3">
-            <a:extLst>
-              <a:ext uri="{FF2B5EF4-FFF2-40B4-BE49-F238E27FC236}">
-                <a16:creationId xmlns:a16="http://schemas.microsoft.com/office/drawing/2014/main" id="{A47D2134-E7F3-427C-BE74-140BE853B3E8}"/>
-              </a:ext>
-            </a:extLst>
-          </p:cNvPr>
-          <p:cNvGrpSpPr/>
-          <p:nvPr/>
-        </p:nvGrpSpPr>
-        <p:grpSpPr>
-          <a:xfrm>
-            <a:off x="2604832" y="1244867"/>
-            <a:ext cx="1786193" cy="4474162"/>
-            <a:chOff x="2604832" y="1244867"/>
-            <a:chExt cx="1786193" cy="4474162"/>
-          </a:xfrm>
-        </p:grpSpPr>
-        <p:sp>
-          <p:nvSpPr>
-            <p:cNvPr id="5" name="Ellipse 4">
-              <a:extLst>
-                <a:ext uri="{FF2B5EF4-FFF2-40B4-BE49-F238E27FC236}">
-                  <a16:creationId xmlns:a16="http://schemas.microsoft.com/office/drawing/2014/main" id="{687765AE-DB57-44E7-8F4C-4438697636B9}"/>
-                </a:ext>
-              </a:extLst>
-            </p:cNvPr>
-            <p:cNvSpPr/>
-            <p:nvPr/>
-          </p:nvSpPr>
-          <p:spPr>
-            <a:xfrm>
-              <a:off x="2604836" y="1244867"/>
-              <a:ext cx="1648327" cy="433137"/>
-            </a:xfrm>
-            <a:prstGeom prst="ellipse">
-              <a:avLst/>
-            </a:prstGeom>
-            <a:solidFill>
-              <a:schemeClr val="accent6">
-                <a:lumMod val="40000"/>
-                <a:lumOff val="60000"/>
-              </a:schemeClr>
-            </a:solidFill>
-            <a:ln w="6350">
-              <a:solidFill>
-                <a:schemeClr val="tx1"/>
-              </a:solidFill>
-            </a:ln>
-          </p:spPr>
-          <p:style>
-            <a:lnRef idx="2">
-              <a:schemeClr val="accent1">
-                <a:shade val="50000"/>
-              </a:schemeClr>
-            </a:lnRef>
-            <a:fillRef idx="1">
-              <a:schemeClr val="accent1"/>
-            </a:fillRef>
-            <a:effectRef idx="0">
-              <a:schemeClr val="accent1"/>
-            </a:effectRef>
-            <a:fontRef idx="minor">
-              <a:schemeClr val="lt1"/>
-            </a:fontRef>
-          </p:style>
-          <p:txBody>
-            <a:bodyPr rtlCol="0" anchor="ctr"/>
-            <a:lstStyle/>
-            <a:p>
-              <a:pPr algn="ctr"/>
-              <a:r>
-                <a:rPr lang="de-DE" sz="800" dirty="0" err="1">
-                  <a:solidFill>
-                    <a:schemeClr val="tx1"/>
-                  </a:solidFill>
-                </a:rPr>
-                <a:t>Charge_or_wait</a:t>
-              </a:r>
-              <a:endParaRPr lang="de-DE" sz="800" dirty="0">
-                <a:solidFill>
-                  <a:schemeClr val="tx1"/>
-                </a:solidFill>
-              </a:endParaRPr>
-            </a:p>
-          </p:txBody>
-        </p:sp>
-        <p:sp>
-          <p:nvSpPr>
-            <p:cNvPr id="6" name="Ellipse 5">
-              <a:extLst>
-                <a:ext uri="{FF2B5EF4-FFF2-40B4-BE49-F238E27FC236}">
-                  <a16:creationId xmlns:a16="http://schemas.microsoft.com/office/drawing/2014/main" id="{BA3661D8-A384-4F67-9CAF-9129AB209B64}"/>
-                </a:ext>
-              </a:extLst>
-            </p:cNvPr>
-            <p:cNvSpPr/>
-            <p:nvPr/>
-          </p:nvSpPr>
-          <p:spPr>
-            <a:xfrm>
-              <a:off x="2604835" y="3240362"/>
-              <a:ext cx="1648327" cy="433137"/>
-            </a:xfrm>
-            <a:prstGeom prst="ellipse">
-              <a:avLst/>
-            </a:prstGeom>
-            <a:solidFill>
-              <a:schemeClr val="accent6">
-                <a:lumMod val="40000"/>
-                <a:lumOff val="60000"/>
-              </a:schemeClr>
-            </a:solidFill>
-            <a:ln w="6350">
-              <a:solidFill>
-                <a:schemeClr val="tx1"/>
-              </a:solidFill>
-            </a:ln>
-          </p:spPr>
-          <p:style>
-            <a:lnRef idx="2">
-              <a:schemeClr val="accent1">
-                <a:shade val="50000"/>
-              </a:schemeClr>
-            </a:lnRef>
-            <a:fillRef idx="1">
-              <a:schemeClr val="accent1"/>
-            </a:fillRef>
-            <a:effectRef idx="0">
-              <a:schemeClr val="accent1"/>
-            </a:effectRef>
-            <a:fontRef idx="minor">
-              <a:schemeClr val="lt1"/>
-            </a:fontRef>
-          </p:style>
-          <p:txBody>
-            <a:bodyPr rtlCol="0" anchor="ctr"/>
-            <a:lstStyle/>
-            <a:p>
-              <a:pPr algn="ctr"/>
-              <a:r>
-                <a:rPr lang="de-DE" sz="800" dirty="0">
-                  <a:solidFill>
-                    <a:schemeClr val="tx1"/>
-                  </a:solidFill>
-                </a:rPr>
-                <a:t>Charge_16A</a:t>
-              </a:r>
-            </a:p>
-          </p:txBody>
-        </p:sp>
-        <p:cxnSp>
-          <p:nvCxnSpPr>
-            <p:cNvPr id="7" name="Gerade Verbindung mit Pfeil 6">
-              <a:extLst>
-                <a:ext uri="{FF2B5EF4-FFF2-40B4-BE49-F238E27FC236}">
-                  <a16:creationId xmlns:a16="http://schemas.microsoft.com/office/drawing/2014/main" id="{5753B4CF-EA33-403B-8AFF-0012B6DBDAA3}"/>
-                </a:ext>
-              </a:extLst>
-            </p:cNvPr>
-            <p:cNvCxnSpPr>
-              <a:cxnSpLocks/>
-              <a:stCxn id="5" idx="4"/>
-              <a:endCxn id="18" idx="0"/>
-            </p:cNvCxnSpPr>
-            <p:nvPr/>
-          </p:nvCxnSpPr>
-          <p:spPr>
-            <a:xfrm flipH="1">
-              <a:off x="3428996" y="1678004"/>
-              <a:ext cx="4" cy="597427"/>
-            </a:xfrm>
-            <a:prstGeom prst="straightConnector1">
-              <a:avLst/>
-            </a:prstGeom>
-            <a:ln>
-              <a:solidFill>
-                <a:schemeClr val="tx1"/>
-              </a:solidFill>
-              <a:tailEnd type="triangle"/>
-            </a:ln>
-          </p:spPr>
-          <p:style>
-            <a:lnRef idx="1">
-              <a:schemeClr val="accent1"/>
-            </a:lnRef>
-            <a:fillRef idx="0">
-              <a:schemeClr val="accent1"/>
-            </a:fillRef>
-            <a:effectRef idx="0">
-              <a:schemeClr val="accent1"/>
-            </a:effectRef>
-            <a:fontRef idx="minor">
-              <a:schemeClr val="tx1"/>
-            </a:fontRef>
-          </p:style>
-        </p:cxnSp>
-        <p:sp>
-          <p:nvSpPr>
-            <p:cNvPr id="8" name="Textfeld 7">
-              <a:extLst>
-                <a:ext uri="{FF2B5EF4-FFF2-40B4-BE49-F238E27FC236}">
-                  <a16:creationId xmlns:a16="http://schemas.microsoft.com/office/drawing/2014/main" id="{A6D0088A-26C9-4836-A8C4-83C376C20290}"/>
-                </a:ext>
-              </a:extLst>
-            </p:cNvPr>
-            <p:cNvSpPr txBox="1"/>
-            <p:nvPr/>
-          </p:nvSpPr>
-          <p:spPr>
-            <a:xfrm>
-              <a:off x="3378875" y="1835667"/>
-              <a:ext cx="1012150" cy="184666"/>
-            </a:xfrm>
-            <a:prstGeom prst="rect">
-              <a:avLst/>
-            </a:prstGeom>
-            <a:noFill/>
-          </p:spPr>
-          <p:txBody>
-            <a:bodyPr wrap="square" rtlCol="0">
-              <a:spAutoFit/>
-            </a:bodyPr>
-            <a:lstStyle/>
-            <a:p>
-              <a:r>
-                <a:rPr lang="de-DE" sz="600" dirty="0" err="1"/>
-                <a:t>PKW_testzyklus</a:t>
-              </a:r>
-              <a:r>
-                <a:rPr lang="de-DE" sz="600" dirty="0"/>
-                <a:t> == </a:t>
-              </a:r>
-              <a:r>
-                <a:rPr lang="de-DE" sz="600" dirty="0" err="1"/>
-                <a:t>False</a:t>
-              </a:r>
-              <a:endParaRPr lang="de-DE" sz="600" dirty="0"/>
-            </a:p>
-          </p:txBody>
-        </p:sp>
-        <p:sp>
-          <p:nvSpPr>
-            <p:cNvPr id="9" name="Ellipse 8">
-              <a:extLst>
-                <a:ext uri="{FF2B5EF4-FFF2-40B4-BE49-F238E27FC236}">
-                  <a16:creationId xmlns:a16="http://schemas.microsoft.com/office/drawing/2014/main" id="{206D2B92-A69B-4C99-8C28-90244C08063D}"/>
-                </a:ext>
-              </a:extLst>
-            </p:cNvPr>
-            <p:cNvSpPr/>
-            <p:nvPr/>
-          </p:nvSpPr>
-          <p:spPr>
-            <a:xfrm>
-              <a:off x="2604835" y="4263127"/>
-              <a:ext cx="1648327" cy="433137"/>
-            </a:xfrm>
-            <a:prstGeom prst="ellipse">
-              <a:avLst/>
-            </a:prstGeom>
-            <a:solidFill>
-              <a:schemeClr val="accent6">
-                <a:lumMod val="40000"/>
-                <a:lumOff val="60000"/>
-              </a:schemeClr>
-            </a:solidFill>
-            <a:ln w="6350">
-              <a:solidFill>
-                <a:schemeClr val="tx1"/>
-              </a:solidFill>
-            </a:ln>
-          </p:spPr>
-          <p:style>
-            <a:lnRef idx="2">
-              <a:schemeClr val="accent1">
-                <a:shade val="50000"/>
-              </a:schemeClr>
-            </a:lnRef>
-            <a:fillRef idx="1">
-              <a:schemeClr val="accent1"/>
-            </a:fillRef>
-            <a:effectRef idx="0">
-              <a:schemeClr val="accent1"/>
-            </a:effectRef>
-            <a:fontRef idx="minor">
-              <a:schemeClr val="lt1"/>
-            </a:fontRef>
-          </p:style>
-          <p:txBody>
-            <a:bodyPr rtlCol="0" anchor="ctr"/>
-            <a:lstStyle/>
-            <a:p>
-              <a:pPr algn="ctr"/>
-              <a:r>
-                <a:rPr lang="de-DE" sz="800" dirty="0">
-                  <a:solidFill>
-                    <a:schemeClr val="tx1"/>
-                  </a:solidFill>
-                </a:rPr>
-                <a:t>Charge_15A</a:t>
-              </a:r>
-            </a:p>
-          </p:txBody>
-        </p:sp>
-        <p:cxnSp>
-          <p:nvCxnSpPr>
-            <p:cNvPr id="10" name="Gerade Verbindung mit Pfeil 9">
-              <a:extLst>
-                <a:ext uri="{FF2B5EF4-FFF2-40B4-BE49-F238E27FC236}">
-                  <a16:creationId xmlns:a16="http://schemas.microsoft.com/office/drawing/2014/main" id="{58DC58AA-2938-4E29-82C0-C9E06F70E01D}"/>
-                </a:ext>
-              </a:extLst>
-            </p:cNvPr>
-            <p:cNvCxnSpPr>
-              <a:cxnSpLocks/>
-              <a:endCxn id="9" idx="0"/>
-            </p:cNvCxnSpPr>
-            <p:nvPr/>
-          </p:nvCxnSpPr>
-          <p:spPr>
-            <a:xfrm flipH="1">
-              <a:off x="3428999" y="3672327"/>
-              <a:ext cx="1" cy="590800"/>
-            </a:xfrm>
-            <a:prstGeom prst="straightConnector1">
-              <a:avLst/>
-            </a:prstGeom>
-            <a:ln>
-              <a:solidFill>
-                <a:schemeClr val="tx1"/>
-              </a:solidFill>
-              <a:tailEnd type="triangle"/>
-            </a:ln>
-          </p:spPr>
-          <p:style>
-            <a:lnRef idx="1">
-              <a:schemeClr val="accent1"/>
-            </a:lnRef>
-            <a:fillRef idx="0">
-              <a:schemeClr val="accent1"/>
-            </a:fillRef>
-            <a:effectRef idx="0">
-              <a:schemeClr val="accent1"/>
-            </a:effectRef>
-            <a:fontRef idx="minor">
-              <a:schemeClr val="tx1"/>
-            </a:fontRef>
-          </p:style>
-        </p:cxnSp>
-        <p:sp>
-          <p:nvSpPr>
-            <p:cNvPr id="11" name="Ellipse 10">
-              <a:extLst>
-                <a:ext uri="{FF2B5EF4-FFF2-40B4-BE49-F238E27FC236}">
-                  <a16:creationId xmlns:a16="http://schemas.microsoft.com/office/drawing/2014/main" id="{C7BD1FFE-8B92-4686-97E7-ECBA91197BDD}"/>
-                </a:ext>
-              </a:extLst>
-            </p:cNvPr>
-            <p:cNvSpPr/>
-            <p:nvPr/>
-          </p:nvSpPr>
-          <p:spPr>
-            <a:xfrm>
-              <a:off x="2604835" y="5285892"/>
-              <a:ext cx="1648327" cy="433137"/>
-            </a:xfrm>
-            <a:prstGeom prst="ellipse">
-              <a:avLst/>
-            </a:prstGeom>
-            <a:solidFill>
-              <a:schemeClr val="accent6">
-                <a:lumMod val="40000"/>
-                <a:lumOff val="60000"/>
-              </a:schemeClr>
-            </a:solidFill>
-            <a:ln w="6350">
-              <a:solidFill>
-                <a:schemeClr val="tx1"/>
-              </a:solidFill>
-            </a:ln>
-          </p:spPr>
-          <p:style>
-            <a:lnRef idx="2">
-              <a:schemeClr val="accent1">
-                <a:shade val="50000"/>
-              </a:schemeClr>
-            </a:lnRef>
-            <a:fillRef idx="1">
-              <a:schemeClr val="accent1"/>
-            </a:fillRef>
-            <a:effectRef idx="0">
-              <a:schemeClr val="accent1"/>
-            </a:effectRef>
-            <a:fontRef idx="minor">
-              <a:schemeClr val="lt1"/>
-            </a:fontRef>
-          </p:style>
-          <p:txBody>
-            <a:bodyPr rtlCol="0" anchor="ctr"/>
-            <a:lstStyle/>
-            <a:p>
-              <a:pPr algn="ctr"/>
-              <a:r>
-                <a:rPr lang="de-DE" sz="800" dirty="0">
-                  <a:solidFill>
-                    <a:schemeClr val="tx1"/>
-                  </a:solidFill>
-                </a:rPr>
-                <a:t>Charge_6A</a:t>
-              </a:r>
-            </a:p>
-          </p:txBody>
-        </p:sp>
-        <p:cxnSp>
-          <p:nvCxnSpPr>
-            <p:cNvPr id="12" name="Gerade Verbindung mit Pfeil 11">
-              <a:extLst>
-                <a:ext uri="{FF2B5EF4-FFF2-40B4-BE49-F238E27FC236}">
-                  <a16:creationId xmlns:a16="http://schemas.microsoft.com/office/drawing/2014/main" id="{3132501B-2837-4FDD-8CC0-19D270922F4D}"/>
-                </a:ext>
-              </a:extLst>
-            </p:cNvPr>
-            <p:cNvCxnSpPr>
-              <a:cxnSpLocks/>
-              <a:endCxn id="11" idx="0"/>
-            </p:cNvCxnSpPr>
-            <p:nvPr/>
-          </p:nvCxnSpPr>
-          <p:spPr>
-            <a:xfrm>
-              <a:off x="3428999" y="4972058"/>
-              <a:ext cx="0" cy="313834"/>
-            </a:xfrm>
-            <a:prstGeom prst="straightConnector1">
-              <a:avLst/>
-            </a:prstGeom>
-            <a:ln>
-              <a:solidFill>
-                <a:schemeClr val="tx1"/>
-              </a:solidFill>
-              <a:prstDash val="lgDash"/>
-              <a:tailEnd type="triangle"/>
-            </a:ln>
-          </p:spPr>
-          <p:style>
-            <a:lnRef idx="1">
-              <a:schemeClr val="accent1"/>
-            </a:lnRef>
-            <a:fillRef idx="0">
-              <a:schemeClr val="accent1"/>
-            </a:fillRef>
-            <a:effectRef idx="0">
-              <a:schemeClr val="accent1"/>
-            </a:effectRef>
-            <a:fontRef idx="minor">
-              <a:schemeClr val="tx1"/>
-            </a:fontRef>
-          </p:style>
-        </p:cxnSp>
-        <p:cxnSp>
-          <p:nvCxnSpPr>
-            <p:cNvPr id="13" name="Gerade Verbindung mit Pfeil 12">
-              <a:extLst>
-                <a:ext uri="{FF2B5EF4-FFF2-40B4-BE49-F238E27FC236}">
-                  <a16:creationId xmlns:a16="http://schemas.microsoft.com/office/drawing/2014/main" id="{2D0CC33F-9BA4-47CF-A954-E24B5A230C2D}"/>
-                </a:ext>
-              </a:extLst>
-            </p:cNvPr>
-            <p:cNvCxnSpPr>
-              <a:cxnSpLocks/>
-            </p:cNvCxnSpPr>
-            <p:nvPr/>
-          </p:nvCxnSpPr>
-          <p:spPr>
-            <a:xfrm>
-              <a:off x="3428999" y="4696264"/>
-              <a:ext cx="0" cy="313834"/>
-            </a:xfrm>
-            <a:prstGeom prst="straightConnector1">
-              <a:avLst/>
-            </a:prstGeom>
-            <a:ln>
-              <a:solidFill>
-                <a:schemeClr val="tx1"/>
-              </a:solidFill>
-              <a:prstDash val="lgDash"/>
-              <a:tailEnd type="triangle"/>
-            </a:ln>
-          </p:spPr>
-          <p:style>
-            <a:lnRef idx="1">
-              <a:schemeClr val="accent1"/>
-            </a:lnRef>
-            <a:fillRef idx="0">
-              <a:schemeClr val="accent1"/>
-            </a:fillRef>
-            <a:effectRef idx="0">
-              <a:schemeClr val="accent1"/>
-            </a:effectRef>
-            <a:fontRef idx="minor">
-              <a:schemeClr val="tx1"/>
-            </a:fontRef>
-          </p:style>
-        </p:cxnSp>
-        <p:sp>
-          <p:nvSpPr>
-            <p:cNvPr id="14" name="Textfeld 13">
-              <a:extLst>
-                <a:ext uri="{FF2B5EF4-FFF2-40B4-BE49-F238E27FC236}">
-                  <a16:creationId xmlns:a16="http://schemas.microsoft.com/office/drawing/2014/main" id="{B88EBF46-0F23-41FE-8E50-D567D08F54A7}"/>
-                </a:ext>
-              </a:extLst>
-            </p:cNvPr>
-            <p:cNvSpPr txBox="1"/>
-            <p:nvPr/>
-          </p:nvSpPr>
-          <p:spPr>
-            <a:xfrm>
-              <a:off x="3378875" y="3840269"/>
-              <a:ext cx="759700" cy="184666"/>
-            </a:xfrm>
-            <a:prstGeom prst="rect">
-              <a:avLst/>
-            </a:prstGeom>
-            <a:noFill/>
-          </p:spPr>
-          <p:txBody>
-            <a:bodyPr wrap="square" rtlCol="0">
-              <a:spAutoFit/>
-            </a:bodyPr>
-            <a:lstStyle/>
-            <a:p>
-              <a:r>
-                <a:rPr lang="de-DE" sz="600" dirty="0"/>
-                <a:t>Delta_t1 == True</a:t>
-              </a:r>
-            </a:p>
-          </p:txBody>
-        </p:sp>
-        <p:sp>
-          <p:nvSpPr>
-            <p:cNvPr id="15" name="Textfeld 14">
-              <a:extLst>
-                <a:ext uri="{FF2B5EF4-FFF2-40B4-BE49-F238E27FC236}">
-                  <a16:creationId xmlns:a16="http://schemas.microsoft.com/office/drawing/2014/main" id="{3AF983B3-4587-4786-A03F-60689B638C22}"/>
-                </a:ext>
-              </a:extLst>
-            </p:cNvPr>
-            <p:cNvSpPr txBox="1"/>
-            <p:nvPr/>
-          </p:nvSpPr>
-          <p:spPr>
-            <a:xfrm>
-              <a:off x="3378875" y="4728166"/>
-              <a:ext cx="835932" cy="184666"/>
-            </a:xfrm>
-            <a:prstGeom prst="rect">
-              <a:avLst/>
-            </a:prstGeom>
-            <a:noFill/>
-          </p:spPr>
-          <p:txBody>
-            <a:bodyPr wrap="square" rtlCol="0">
-              <a:spAutoFit/>
-            </a:bodyPr>
-            <a:lstStyle/>
-            <a:p>
-              <a:r>
-                <a:rPr lang="de-DE" sz="600" dirty="0"/>
-                <a:t>Delta_t2 == True</a:t>
-              </a:r>
-            </a:p>
-          </p:txBody>
-        </p:sp>
-        <p:sp>
-          <p:nvSpPr>
-            <p:cNvPr id="16" name="Textfeld 15">
-              <a:extLst>
-                <a:ext uri="{FF2B5EF4-FFF2-40B4-BE49-F238E27FC236}">
-                  <a16:creationId xmlns:a16="http://schemas.microsoft.com/office/drawing/2014/main" id="{606F93B8-7F9F-44CD-B951-02621D03DE55}"/>
-                </a:ext>
-              </a:extLst>
-            </p:cNvPr>
-            <p:cNvSpPr txBox="1"/>
-            <p:nvPr/>
-          </p:nvSpPr>
-          <p:spPr>
-            <a:xfrm>
-              <a:off x="3378875" y="4996451"/>
-              <a:ext cx="797838" cy="184666"/>
-            </a:xfrm>
-            <a:prstGeom prst="rect">
-              <a:avLst/>
-            </a:prstGeom>
-            <a:noFill/>
-          </p:spPr>
-          <p:txBody>
-            <a:bodyPr wrap="square" rtlCol="0">
-              <a:spAutoFit/>
-            </a:bodyPr>
-            <a:lstStyle/>
-            <a:p>
-              <a:r>
-                <a:rPr lang="de-DE" sz="600" dirty="0"/>
-                <a:t>Delta_t10 == True</a:t>
-              </a:r>
-            </a:p>
-          </p:txBody>
-        </p:sp>
-        <p:cxnSp>
-          <p:nvCxnSpPr>
-            <p:cNvPr id="17" name="Verbinder: gewinkelt 16">
-              <a:extLst>
-                <a:ext uri="{FF2B5EF4-FFF2-40B4-BE49-F238E27FC236}">
-                  <a16:creationId xmlns:a16="http://schemas.microsoft.com/office/drawing/2014/main" id="{EEF2256D-9B2F-457A-9884-A3E432ECB74E}"/>
-                </a:ext>
-              </a:extLst>
-            </p:cNvPr>
-            <p:cNvCxnSpPr>
-              <a:cxnSpLocks/>
-              <a:stCxn id="11" idx="2"/>
-              <a:endCxn id="5" idx="2"/>
-            </p:cNvCxnSpPr>
-            <p:nvPr/>
-          </p:nvCxnSpPr>
-          <p:spPr>
-            <a:xfrm rot="10800000" flipH="1">
-              <a:off x="2604834" y="1461437"/>
-              <a:ext cx="1" cy="4041025"/>
-            </a:xfrm>
-            <a:prstGeom prst="bentConnector3">
-              <a:avLst>
-                <a:gd name="adj1" fmla="val -22860000000"/>
-              </a:avLst>
-            </a:prstGeom>
-            <a:ln>
-              <a:solidFill>
-                <a:schemeClr val="tx1"/>
-              </a:solidFill>
-              <a:tailEnd type="triangle"/>
-            </a:ln>
-          </p:spPr>
-          <p:style>
-            <a:lnRef idx="1">
-              <a:schemeClr val="accent1"/>
-            </a:lnRef>
-            <a:fillRef idx="0">
-              <a:schemeClr val="accent1"/>
-            </a:fillRef>
-            <a:effectRef idx="0">
-              <a:schemeClr val="accent1"/>
-            </a:effectRef>
-            <a:fontRef idx="minor">
-              <a:schemeClr val="tx1"/>
-            </a:fontRef>
-          </p:style>
-        </p:cxnSp>
-        <p:sp>
-          <p:nvSpPr>
-            <p:cNvPr id="18" name="Ellipse 17">
-              <a:extLst>
-                <a:ext uri="{FF2B5EF4-FFF2-40B4-BE49-F238E27FC236}">
-                  <a16:creationId xmlns:a16="http://schemas.microsoft.com/office/drawing/2014/main" id="{5C58D7B5-2B2E-46EA-80EC-236697D69E74}"/>
-                </a:ext>
-              </a:extLst>
-            </p:cNvPr>
-            <p:cNvSpPr/>
-            <p:nvPr/>
-          </p:nvSpPr>
-          <p:spPr>
-            <a:xfrm>
-              <a:off x="2604832" y="2275431"/>
-              <a:ext cx="1648327" cy="433137"/>
-            </a:xfrm>
-            <a:prstGeom prst="ellipse">
-              <a:avLst/>
-            </a:prstGeom>
-            <a:solidFill>
-              <a:schemeClr val="accent6">
-                <a:lumMod val="40000"/>
-                <a:lumOff val="60000"/>
-              </a:schemeClr>
-            </a:solidFill>
-            <a:ln w="6350">
-              <a:solidFill>
-                <a:schemeClr val="tx1"/>
-              </a:solidFill>
-            </a:ln>
-          </p:spPr>
-          <p:style>
-            <a:lnRef idx="2">
-              <a:schemeClr val="accent1">
-                <a:shade val="50000"/>
-              </a:schemeClr>
-            </a:lnRef>
-            <a:fillRef idx="1">
-              <a:schemeClr val="accent1"/>
-            </a:fillRef>
-            <a:effectRef idx="0">
-              <a:schemeClr val="accent1"/>
-            </a:effectRef>
-            <a:fontRef idx="minor">
-              <a:schemeClr val="lt1"/>
-            </a:fontRef>
-          </p:style>
-          <p:txBody>
-            <a:bodyPr rtlCol="0" anchor="ctr"/>
-            <a:lstStyle/>
-            <a:p>
-              <a:pPr algn="ctr"/>
-              <a:r>
-                <a:rPr lang="de-DE" sz="800" dirty="0" err="1">
-                  <a:solidFill>
-                    <a:schemeClr val="tx1"/>
-                  </a:solidFill>
-                </a:rPr>
-                <a:t>Kapazität_freischalten</a:t>
-              </a:r>
-              <a:endParaRPr lang="de-DE" sz="800" dirty="0">
-                <a:solidFill>
-                  <a:schemeClr val="tx1"/>
-                </a:solidFill>
-              </a:endParaRPr>
-            </a:p>
-          </p:txBody>
-        </p:sp>
-        <p:cxnSp>
-          <p:nvCxnSpPr>
-            <p:cNvPr id="19" name="Gerade Verbindung mit Pfeil 18">
-              <a:extLst>
-                <a:ext uri="{FF2B5EF4-FFF2-40B4-BE49-F238E27FC236}">
-                  <a16:creationId xmlns:a16="http://schemas.microsoft.com/office/drawing/2014/main" id="{D9ECE6B7-81BD-4764-A742-EDA004568F2F}"/>
-                </a:ext>
-              </a:extLst>
-            </p:cNvPr>
-            <p:cNvCxnSpPr>
-              <a:cxnSpLocks/>
-              <a:stCxn id="18" idx="4"/>
-              <a:endCxn id="6" idx="0"/>
-            </p:cNvCxnSpPr>
-            <p:nvPr/>
-          </p:nvCxnSpPr>
-          <p:spPr>
-            <a:xfrm>
-              <a:off x="3428996" y="2708568"/>
-              <a:ext cx="3" cy="531794"/>
-            </a:xfrm>
-            <a:prstGeom prst="straightConnector1">
-              <a:avLst/>
-            </a:prstGeom>
-            <a:ln>
-              <a:solidFill>
-                <a:schemeClr val="tx1"/>
-              </a:solidFill>
-              <a:tailEnd type="triangle"/>
-            </a:ln>
-          </p:spPr>
-          <p:style>
-            <a:lnRef idx="1">
-              <a:schemeClr val="accent1"/>
-            </a:lnRef>
-            <a:fillRef idx="0">
-              <a:schemeClr val="accent1"/>
-            </a:fillRef>
-            <a:effectRef idx="0">
-              <a:schemeClr val="accent1"/>
-            </a:effectRef>
-            <a:fontRef idx="minor">
-              <a:schemeClr val="tx1"/>
-            </a:fontRef>
-          </p:style>
-        </p:cxnSp>
-        <p:sp>
-          <p:nvSpPr>
-            <p:cNvPr id="20" name="Textfeld 19">
-              <a:extLst>
-                <a:ext uri="{FF2B5EF4-FFF2-40B4-BE49-F238E27FC236}">
-                  <a16:creationId xmlns:a16="http://schemas.microsoft.com/office/drawing/2014/main" id="{2561A1E4-5A17-4026-9918-E62767FFE969}"/>
-                </a:ext>
-              </a:extLst>
-            </p:cNvPr>
-            <p:cNvSpPr txBox="1"/>
-            <p:nvPr/>
-          </p:nvSpPr>
-          <p:spPr>
-            <a:xfrm>
-              <a:off x="3378875" y="2844267"/>
-              <a:ext cx="759720" cy="184666"/>
-            </a:xfrm>
-            <a:prstGeom prst="rect">
-              <a:avLst/>
-            </a:prstGeom>
-            <a:noFill/>
-          </p:spPr>
-          <p:txBody>
-            <a:bodyPr wrap="square" rtlCol="0">
-              <a:spAutoFit/>
-            </a:bodyPr>
-            <a:lstStyle/>
-            <a:p>
-              <a:r>
-                <a:rPr lang="de-DE" sz="600" dirty="0" err="1"/>
-                <a:t>Kapa_frei</a:t>
-              </a:r>
-              <a:r>
-                <a:rPr lang="de-DE" sz="600" dirty="0"/>
-                <a:t> == True</a:t>
-              </a:r>
-            </a:p>
-          </p:txBody>
-        </p:sp>
-      </p:grpSp>
-      <p:sp>
-        <p:nvSpPr>
-          <p:cNvPr id="21" name="Textfeld 20">
-            <a:extLst>
-              <a:ext uri="{FF2B5EF4-FFF2-40B4-BE49-F238E27FC236}">
-                <a16:creationId xmlns:a16="http://schemas.microsoft.com/office/drawing/2014/main" id="{A3598F0C-3217-4F5C-8C42-81F8C45A1302}"/>
-              </a:ext>
-            </a:extLst>
-          </p:cNvPr>
-          <p:cNvSpPr txBox="1"/>
-          <p:nvPr/>
-        </p:nvSpPr>
-        <p:spPr>
-          <a:xfrm>
-            <a:off x="680720" y="248920"/>
-            <a:ext cx="5496518" cy="369332"/>
-          </a:xfrm>
-          <a:prstGeom prst="rect">
-            <a:avLst/>
-          </a:prstGeom>
-          <a:noFill/>
-        </p:spPr>
-        <p:txBody>
-          <a:bodyPr wrap="square" rtlCol="0">
-            <a:spAutoFit/>
-          </a:bodyPr>
-          <a:lstStyle/>
-          <a:p>
-            <a:pPr algn="ctr"/>
-            <a:r>
-              <a:rPr lang="de-DE" dirty="0"/>
-              <a:t>Ablaufdiagramm Java Regelalgorithmus</a:t>
-            </a:r>
-          </a:p>
-        </p:txBody>
-      </p:sp>
-    </p:spTree>
-    <p:extLst>
-      <p:ext uri="{BB962C8B-B14F-4D97-AF65-F5344CB8AC3E}">
-        <p14:creationId xmlns:p14="http://schemas.microsoft.com/office/powerpoint/2010/main" val="1224209538"/>
       </p:ext>
     </p:extLst>
   </p:cSld>
@@ -32174,6 +33303,15 @@
 </file>
 
 <file path=customXml/item1.xml><?xml version="1.0" encoding="utf-8"?>
+<?mso-contentType ?>
+<FormTemplates xmlns="http://schemas.microsoft.com/sharepoint/v3/contenttype/forms">
+  <Display>DocumentLibraryForm</Display>
+  <Edit>DocumentLibraryForm</Edit>
+  <New>DocumentLibraryForm</New>
+</FormTemplates>
+</file>
+
+<file path=customXml/item2.xml><?xml version="1.0" encoding="utf-8"?>
 <ct:contentTypeSchema xmlns:ct="http://schemas.microsoft.com/office/2006/metadata/contentType" xmlns:ma="http://schemas.microsoft.com/office/2006/metadata/properties/metaAttributes" ct:_="" ma:_="" ma:contentTypeName="Document" ma:contentTypeID="0x0101008D794A3DFD76A64D962E6D1A78E9D7A1" ma:contentTypeVersion="6" ma:contentTypeDescription="Create a new document." ma:contentTypeScope="" ma:versionID="a5a44b0c321a301d2199ee9a9fb45390">
   <xsd:schema xmlns:xsd="http://www.w3.org/2001/XMLSchema" xmlns:xs="http://www.w3.org/2001/XMLSchema" xmlns:p="http://schemas.microsoft.com/office/2006/metadata/properties" xmlns:ns3="c57ff1c2-e5c4-47f1-8f0a-654672b27731" targetNamespace="http://schemas.microsoft.com/office/2006/metadata/properties" ma:root="true" ma:fieldsID="0d65387667e118fe058674a9e63284cd" ns3:_="">
     <xsd:import namespace="c57ff1c2-e5c4-47f1-8f0a-654672b27731"/>
@@ -32331,15 +33469,6 @@
 </ct:contentTypeSchema>
 </file>
 
-<file path=customXml/item2.xml><?xml version="1.0" encoding="utf-8"?>
-<?mso-contentType ?>
-<FormTemplates xmlns="http://schemas.microsoft.com/sharepoint/v3/contenttype/forms">
-  <Display>DocumentLibraryForm</Display>
-  <Edit>DocumentLibraryForm</Edit>
-  <New>DocumentLibraryForm</New>
-</FormTemplates>
-</file>
-
 <file path=customXml/item3.xml><?xml version="1.0" encoding="utf-8"?>
 <p:properties xmlns:p="http://schemas.microsoft.com/office/2006/metadata/properties" xmlns:xsi="http://www.w3.org/2001/XMLSchema-instance" xmlns:pc="http://schemas.microsoft.com/office/infopath/2007/PartnerControls">
   <documentManagement/>
@@ -32347,6 +33476,14 @@
 </file>
 
 <file path=customXml/itemProps1.xml><?xml version="1.0" encoding="utf-8"?>
+<ds:datastoreItem xmlns:ds="http://schemas.openxmlformats.org/officeDocument/2006/customXml" ds:itemID="{51304325-EE51-4814-B3A9-DC7BF6DF7C66}">
+  <ds:schemaRefs>
+    <ds:schemaRef ds:uri="http://schemas.microsoft.com/sharepoint/v3/contenttype/forms"/>
+  </ds:schemaRefs>
+</ds:datastoreItem>
+</file>
+
+<file path=customXml/itemProps2.xml><?xml version="1.0" encoding="utf-8"?>
 <ds:datastoreItem xmlns:ds="http://schemas.openxmlformats.org/officeDocument/2006/customXml" ds:itemID="{2FED92D8-9E04-4229-911F-6E06FF71168B}">
   <ds:schemaRefs>
     <ds:schemaRef ds:uri="http://schemas.microsoft.com/office/2006/metadata/contentType"/>
@@ -32364,26 +33501,18 @@
 </ds:datastoreItem>
 </file>
 
-<file path=customXml/itemProps2.xml><?xml version="1.0" encoding="utf-8"?>
-<ds:datastoreItem xmlns:ds="http://schemas.openxmlformats.org/officeDocument/2006/customXml" ds:itemID="{51304325-EE51-4814-B3A9-DC7BF6DF7C66}">
-  <ds:schemaRefs>
-    <ds:schemaRef ds:uri="http://schemas.microsoft.com/sharepoint/v3/contenttype/forms"/>
-  </ds:schemaRefs>
-</ds:datastoreItem>
-</file>
-
 <file path=customXml/itemProps3.xml><?xml version="1.0" encoding="utf-8"?>
 <ds:datastoreItem xmlns:ds="http://schemas.openxmlformats.org/officeDocument/2006/customXml" ds:itemID="{5FAF9800-8C90-45BC-B30D-EA05CF3DB546}">
   <ds:schemaRefs>
-    <ds:schemaRef ds:uri="http://schemas.microsoft.com/office/2006/metadata/properties"/>
+    <ds:schemaRef ds:uri="http://purl.org/dc/elements/1.1/"/>
     <ds:schemaRef ds:uri="http://purl.org/dc/terms/"/>
-    <ds:schemaRef ds:uri="http://schemas.openxmlformats.org/package/2006/metadata/core-properties"/>
+    <ds:schemaRef ds:uri="http://www.w3.org/XML/1998/namespace"/>
     <ds:schemaRef ds:uri="http://purl.org/dc/dcmitype/"/>
     <ds:schemaRef ds:uri="http://schemas.microsoft.com/office/2006/documentManagement/types"/>
-    <ds:schemaRef ds:uri="http://purl.org/dc/elements/1.1/"/>
+    <ds:schemaRef ds:uri="http://schemas.microsoft.com/office/2006/metadata/properties"/>
     <ds:schemaRef ds:uri="http://schemas.microsoft.com/office/infopath/2007/PartnerControls"/>
+    <ds:schemaRef ds:uri="http://schemas.openxmlformats.org/package/2006/metadata/core-properties"/>
     <ds:schemaRef ds:uri="c57ff1c2-e5c4-47f1-8f0a-654672b27731"/>
-    <ds:schemaRef ds:uri="http://www.w3.org/XML/1998/namespace"/>
   </ds:schemaRefs>
 </ds:datastoreItem>
 </file>
--- a/Funktionsmodell_Lastmanagement.pptx
+++ b/Funktionsmodell_Lastmanagement.pptx
@@ -5,24 +5,25 @@
     <p:sldMasterId id="2147483660" r:id="rId4"/>
   </p:sldMasterIdLst>
   <p:notesMasterIdLst>
-    <p:notesMasterId r:id="rId20"/>
+    <p:notesMasterId r:id="rId21"/>
   </p:notesMasterIdLst>
   <p:sldIdLst>
     <p:sldId id="256" r:id="rId5"/>
     <p:sldId id="271" r:id="rId6"/>
-    <p:sldId id="270" r:id="rId7"/>
-    <p:sldId id="261" r:id="rId8"/>
-    <p:sldId id="258" r:id="rId9"/>
-    <p:sldId id="259" r:id="rId10"/>
-    <p:sldId id="262" r:id="rId11"/>
-    <p:sldId id="263" r:id="rId12"/>
-    <p:sldId id="260" r:id="rId13"/>
-    <p:sldId id="264" r:id="rId14"/>
-    <p:sldId id="265" r:id="rId15"/>
-    <p:sldId id="267" r:id="rId16"/>
-    <p:sldId id="266" r:id="rId17"/>
-    <p:sldId id="268" r:id="rId18"/>
-    <p:sldId id="269" r:id="rId19"/>
+    <p:sldId id="272" r:id="rId7"/>
+    <p:sldId id="270" r:id="rId8"/>
+    <p:sldId id="261" r:id="rId9"/>
+    <p:sldId id="258" r:id="rId10"/>
+    <p:sldId id="259" r:id="rId11"/>
+    <p:sldId id="262" r:id="rId12"/>
+    <p:sldId id="263" r:id="rId13"/>
+    <p:sldId id="260" r:id="rId14"/>
+    <p:sldId id="264" r:id="rId15"/>
+    <p:sldId id="265" r:id="rId16"/>
+    <p:sldId id="267" r:id="rId17"/>
+    <p:sldId id="266" r:id="rId18"/>
+    <p:sldId id="268" r:id="rId19"/>
+    <p:sldId id="269" r:id="rId20"/>
   </p:sldIdLst>
   <p:sldSz cx="6858000" cy="9906000" type="A4"/>
   <p:notesSz cx="6797675" cy="9928225"/>
@@ -1240,7 +1241,7 @@
           <a:p>
             <a:fld id="{112938A6-4143-49DC-BAEE-2F8DAB512D29}" type="datetimeFigureOut">
               <a:rPr lang="de-DE" smtClean="0"/>
-              <a:t>25.08.2019</a:t>
+              <a:t>27.08.2019</a:t>
             </a:fld>
             <a:endParaRPr lang="de-DE"/>
           </a:p>
@@ -1638,7 +1639,7 @@
           <a:p>
             <a:fld id="{371517A1-6894-4FE9-8CD3-0FF8F1D4B5F9}" type="datetimeFigureOut">
               <a:rPr lang="de-DE" smtClean="0"/>
-              <a:t>25.08.2019</a:t>
+              <a:t>27.08.2019</a:t>
             </a:fld>
             <a:endParaRPr lang="de-DE"/>
           </a:p>
@@ -1808,7 +1809,7 @@
           <a:p>
             <a:fld id="{371517A1-6894-4FE9-8CD3-0FF8F1D4B5F9}" type="datetimeFigureOut">
               <a:rPr lang="de-DE" smtClean="0"/>
-              <a:t>25.08.2019</a:t>
+              <a:t>27.08.2019</a:t>
             </a:fld>
             <a:endParaRPr lang="de-DE"/>
           </a:p>
@@ -1988,7 +1989,7 @@
           <a:p>
             <a:fld id="{371517A1-6894-4FE9-8CD3-0FF8F1D4B5F9}" type="datetimeFigureOut">
               <a:rPr lang="de-DE" smtClean="0"/>
-              <a:t>25.08.2019</a:t>
+              <a:t>27.08.2019</a:t>
             </a:fld>
             <a:endParaRPr lang="de-DE"/>
           </a:p>
@@ -2158,7 +2159,7 @@
           <a:p>
             <a:fld id="{371517A1-6894-4FE9-8CD3-0FF8F1D4B5F9}" type="datetimeFigureOut">
               <a:rPr lang="de-DE" smtClean="0"/>
-              <a:t>25.08.2019</a:t>
+              <a:t>27.08.2019</a:t>
             </a:fld>
             <a:endParaRPr lang="de-DE"/>
           </a:p>
@@ -2402,7 +2403,7 @@
           <a:p>
             <a:fld id="{371517A1-6894-4FE9-8CD3-0FF8F1D4B5F9}" type="datetimeFigureOut">
               <a:rPr lang="de-DE" smtClean="0"/>
-              <a:t>25.08.2019</a:t>
+              <a:t>27.08.2019</a:t>
             </a:fld>
             <a:endParaRPr lang="de-DE"/>
           </a:p>
@@ -2634,7 +2635,7 @@
           <a:p>
             <a:fld id="{371517A1-6894-4FE9-8CD3-0FF8F1D4B5F9}" type="datetimeFigureOut">
               <a:rPr lang="de-DE" smtClean="0"/>
-              <a:t>25.08.2019</a:t>
+              <a:t>27.08.2019</a:t>
             </a:fld>
             <a:endParaRPr lang="de-DE"/>
           </a:p>
@@ -3001,7 +3002,7 @@
           <a:p>
             <a:fld id="{371517A1-6894-4FE9-8CD3-0FF8F1D4B5F9}" type="datetimeFigureOut">
               <a:rPr lang="de-DE" smtClean="0"/>
-              <a:t>25.08.2019</a:t>
+              <a:t>27.08.2019</a:t>
             </a:fld>
             <a:endParaRPr lang="de-DE"/>
           </a:p>
@@ -3119,7 +3120,7 @@
           <a:p>
             <a:fld id="{371517A1-6894-4FE9-8CD3-0FF8F1D4B5F9}" type="datetimeFigureOut">
               <a:rPr lang="de-DE" smtClean="0"/>
-              <a:t>25.08.2019</a:t>
+              <a:t>27.08.2019</a:t>
             </a:fld>
             <a:endParaRPr lang="de-DE"/>
           </a:p>
@@ -3214,7 +3215,7 @@
           <a:p>
             <a:fld id="{371517A1-6894-4FE9-8CD3-0FF8F1D4B5F9}" type="datetimeFigureOut">
               <a:rPr lang="de-DE" smtClean="0"/>
-              <a:t>25.08.2019</a:t>
+              <a:t>27.08.2019</a:t>
             </a:fld>
             <a:endParaRPr lang="de-DE"/>
           </a:p>
@@ -3491,7 +3492,7 @@
           <a:p>
             <a:fld id="{371517A1-6894-4FE9-8CD3-0FF8F1D4B5F9}" type="datetimeFigureOut">
               <a:rPr lang="de-DE" smtClean="0"/>
-              <a:t>25.08.2019</a:t>
+              <a:t>27.08.2019</a:t>
             </a:fld>
             <a:endParaRPr lang="de-DE"/>
           </a:p>
@@ -3748,7 +3749,7 @@
           <a:p>
             <a:fld id="{371517A1-6894-4FE9-8CD3-0FF8F1D4B5F9}" type="datetimeFigureOut">
               <a:rPr lang="de-DE" smtClean="0"/>
-              <a:t>25.08.2019</a:t>
+              <a:t>27.08.2019</a:t>
             </a:fld>
             <a:endParaRPr lang="de-DE"/>
           </a:p>
@@ -3961,7 +3962,7 @@
           <a:p>
             <a:fld id="{371517A1-6894-4FE9-8CD3-0FF8F1D4B5F9}" type="datetimeFigureOut">
               <a:rPr lang="de-DE" smtClean="0"/>
-              <a:t>25.08.2019</a:t>
+              <a:t>27.08.2019</a:t>
             </a:fld>
             <a:endParaRPr lang="de-DE"/>
           </a:p>
@@ -6591,6 +6592,4419 @@
           <a:chExt cx="0" cy="0"/>
         </a:xfrm>
       </p:grpSpPr>
+      <p:cxnSp>
+        <p:nvCxnSpPr>
+          <p:cNvPr id="6" name="Gerader Verbinder 5">
+            <a:extLst>
+              <a:ext uri="{FF2B5EF4-FFF2-40B4-BE49-F238E27FC236}">
+                <a16:creationId xmlns:a16="http://schemas.microsoft.com/office/drawing/2014/main" id="{DBAB66A1-7675-42F9-9C74-2B5509CF5677}"/>
+              </a:ext>
+            </a:extLst>
+          </p:cNvPr>
+          <p:cNvCxnSpPr/>
+          <p:nvPr/>
+        </p:nvCxnSpPr>
+        <p:spPr>
+          <a:xfrm>
+            <a:off x="1106905" y="1215189"/>
+            <a:ext cx="0" cy="7579895"/>
+          </a:xfrm>
+          <a:prstGeom prst="line">
+            <a:avLst/>
+          </a:prstGeom>
+          <a:ln w="28575">
+            <a:solidFill>
+              <a:schemeClr val="tx1"/>
+            </a:solidFill>
+          </a:ln>
+        </p:spPr>
+        <p:style>
+          <a:lnRef idx="1">
+            <a:schemeClr val="accent1"/>
+          </a:lnRef>
+          <a:fillRef idx="0">
+            <a:schemeClr val="accent1"/>
+          </a:fillRef>
+          <a:effectRef idx="0">
+            <a:schemeClr val="accent1"/>
+          </a:effectRef>
+          <a:fontRef idx="minor">
+            <a:schemeClr val="tx1"/>
+          </a:fontRef>
+        </p:style>
+      </p:cxnSp>
+      <p:cxnSp>
+        <p:nvCxnSpPr>
+          <p:cNvPr id="7" name="Gerader Verbinder 6">
+            <a:extLst>
+              <a:ext uri="{FF2B5EF4-FFF2-40B4-BE49-F238E27FC236}">
+                <a16:creationId xmlns:a16="http://schemas.microsoft.com/office/drawing/2014/main" id="{D4E1516E-F19D-450B-85C0-80E276D16B95}"/>
+              </a:ext>
+            </a:extLst>
+          </p:cNvPr>
+          <p:cNvCxnSpPr/>
+          <p:nvPr/>
+        </p:nvCxnSpPr>
+        <p:spPr>
+          <a:xfrm>
+            <a:off x="1295400" y="1215189"/>
+            <a:ext cx="0" cy="7579895"/>
+          </a:xfrm>
+          <a:prstGeom prst="line">
+            <a:avLst/>
+          </a:prstGeom>
+          <a:ln w="28575">
+            <a:solidFill>
+              <a:schemeClr val="tx1"/>
+            </a:solidFill>
+          </a:ln>
+        </p:spPr>
+        <p:style>
+          <a:lnRef idx="1">
+            <a:schemeClr val="accent1"/>
+          </a:lnRef>
+          <a:fillRef idx="0">
+            <a:schemeClr val="accent1"/>
+          </a:fillRef>
+          <a:effectRef idx="0">
+            <a:schemeClr val="accent1"/>
+          </a:effectRef>
+          <a:fontRef idx="minor">
+            <a:schemeClr val="tx1"/>
+          </a:fontRef>
+        </p:style>
+      </p:cxnSp>
+      <p:cxnSp>
+        <p:nvCxnSpPr>
+          <p:cNvPr id="8" name="Gerader Verbinder 7">
+            <a:extLst>
+              <a:ext uri="{FF2B5EF4-FFF2-40B4-BE49-F238E27FC236}">
+                <a16:creationId xmlns:a16="http://schemas.microsoft.com/office/drawing/2014/main" id="{0B07264C-5C5F-4B5B-B6CA-27870B280293}"/>
+              </a:ext>
+            </a:extLst>
+          </p:cNvPr>
+          <p:cNvCxnSpPr/>
+          <p:nvPr/>
+        </p:nvCxnSpPr>
+        <p:spPr>
+          <a:xfrm>
+            <a:off x="1483894" y="1215189"/>
+            <a:ext cx="0" cy="7579895"/>
+          </a:xfrm>
+          <a:prstGeom prst="line">
+            <a:avLst/>
+          </a:prstGeom>
+          <a:ln w="28575">
+            <a:solidFill>
+              <a:schemeClr val="tx1"/>
+            </a:solidFill>
+          </a:ln>
+        </p:spPr>
+        <p:style>
+          <a:lnRef idx="1">
+            <a:schemeClr val="accent1"/>
+          </a:lnRef>
+          <a:fillRef idx="0">
+            <a:schemeClr val="accent1"/>
+          </a:fillRef>
+          <a:effectRef idx="0">
+            <a:schemeClr val="accent1"/>
+          </a:effectRef>
+          <a:fontRef idx="minor">
+            <a:schemeClr val="tx1"/>
+          </a:fontRef>
+        </p:style>
+      </p:cxnSp>
+      <p:sp>
+        <p:nvSpPr>
+          <p:cNvPr id="9" name="Textfeld 8">
+            <a:extLst>
+              <a:ext uri="{FF2B5EF4-FFF2-40B4-BE49-F238E27FC236}">
+                <a16:creationId xmlns:a16="http://schemas.microsoft.com/office/drawing/2014/main" id="{DFAEB823-3AC2-4A80-95BC-E81D6D352D69}"/>
+              </a:ext>
+            </a:extLst>
+          </p:cNvPr>
+          <p:cNvSpPr txBox="1"/>
+          <p:nvPr/>
+        </p:nvSpPr>
+        <p:spPr>
+          <a:xfrm rot="16200000">
+            <a:off x="900273" y="854668"/>
+            <a:ext cx="413264" cy="307777"/>
+          </a:xfrm>
+          <a:prstGeom prst="rect">
+            <a:avLst/>
+          </a:prstGeom>
+          <a:noFill/>
+        </p:spPr>
+        <p:txBody>
+          <a:bodyPr wrap="square" rtlCol="0">
+            <a:spAutoFit/>
+          </a:bodyPr>
+          <a:lstStyle/>
+          <a:p>
+            <a:pPr algn="ctr"/>
+            <a:r>
+              <a:rPr lang="de-DE" sz="1400" dirty="0"/>
+              <a:t>U</a:t>
+            </a:r>
+          </a:p>
+        </p:txBody>
+      </p:sp>
+      <p:sp>
+        <p:nvSpPr>
+          <p:cNvPr id="10" name="Textfeld 9">
+            <a:extLst>
+              <a:ext uri="{FF2B5EF4-FFF2-40B4-BE49-F238E27FC236}">
+                <a16:creationId xmlns:a16="http://schemas.microsoft.com/office/drawing/2014/main" id="{59B272AF-E927-4FB8-B875-4DB8C059B9DF}"/>
+              </a:ext>
+            </a:extLst>
+          </p:cNvPr>
+          <p:cNvSpPr txBox="1"/>
+          <p:nvPr/>
+        </p:nvSpPr>
+        <p:spPr>
+          <a:xfrm rot="16200000">
+            <a:off x="1087399" y="854668"/>
+            <a:ext cx="413264" cy="307777"/>
+          </a:xfrm>
+          <a:prstGeom prst="rect">
+            <a:avLst/>
+          </a:prstGeom>
+          <a:noFill/>
+        </p:spPr>
+        <p:txBody>
+          <a:bodyPr wrap="square" rtlCol="0">
+            <a:spAutoFit/>
+          </a:bodyPr>
+          <a:lstStyle/>
+          <a:p>
+            <a:pPr algn="ctr"/>
+            <a:r>
+              <a:rPr lang="de-DE" sz="1400" dirty="0"/>
+              <a:t>V</a:t>
+            </a:r>
+          </a:p>
+        </p:txBody>
+      </p:sp>
+      <p:sp>
+        <p:nvSpPr>
+          <p:cNvPr id="11" name="Textfeld 10">
+            <a:extLst>
+              <a:ext uri="{FF2B5EF4-FFF2-40B4-BE49-F238E27FC236}">
+                <a16:creationId xmlns:a16="http://schemas.microsoft.com/office/drawing/2014/main" id="{A1440C55-76DC-4404-AA58-D131C19EC7B1}"/>
+              </a:ext>
+            </a:extLst>
+          </p:cNvPr>
+          <p:cNvSpPr txBox="1"/>
+          <p:nvPr/>
+        </p:nvSpPr>
+        <p:spPr>
+          <a:xfrm rot="16200000">
+            <a:off x="1277265" y="854668"/>
+            <a:ext cx="413264" cy="307777"/>
+          </a:xfrm>
+          <a:prstGeom prst="rect">
+            <a:avLst/>
+          </a:prstGeom>
+          <a:noFill/>
+        </p:spPr>
+        <p:txBody>
+          <a:bodyPr wrap="square" rtlCol="0">
+            <a:spAutoFit/>
+          </a:bodyPr>
+          <a:lstStyle/>
+          <a:p>
+            <a:pPr algn="ctr"/>
+            <a:r>
+              <a:rPr lang="de-DE" sz="1400" dirty="0"/>
+              <a:t>W</a:t>
+            </a:r>
+          </a:p>
+        </p:txBody>
+      </p:sp>
+      <p:grpSp>
+        <p:nvGrpSpPr>
+          <p:cNvPr id="23" name="Gruppieren 22">
+            <a:extLst>
+              <a:ext uri="{FF2B5EF4-FFF2-40B4-BE49-F238E27FC236}">
+                <a16:creationId xmlns:a16="http://schemas.microsoft.com/office/drawing/2014/main" id="{874926B4-4801-4084-B055-C3065891771D}"/>
+              </a:ext>
+            </a:extLst>
+          </p:cNvPr>
+          <p:cNvGrpSpPr/>
+          <p:nvPr/>
+        </p:nvGrpSpPr>
+        <p:grpSpPr>
+          <a:xfrm>
+            <a:off x="1086281" y="1744349"/>
+            <a:ext cx="1852069" cy="45719"/>
+            <a:chOff x="1086281" y="1744349"/>
+            <a:chExt cx="1852069" cy="45719"/>
+          </a:xfrm>
+        </p:grpSpPr>
+        <p:cxnSp>
+          <p:nvCxnSpPr>
+            <p:cNvPr id="12" name="Gerader Verbinder 11">
+              <a:extLst>
+                <a:ext uri="{FF2B5EF4-FFF2-40B4-BE49-F238E27FC236}">
+                  <a16:creationId xmlns:a16="http://schemas.microsoft.com/office/drawing/2014/main" id="{25556991-4E93-4DBD-BA59-C63EE0713ED9}"/>
+                </a:ext>
+              </a:extLst>
+            </p:cNvPr>
+            <p:cNvCxnSpPr>
+              <a:cxnSpLocks/>
+              <a:endCxn id="13" idx="6"/>
+            </p:cNvCxnSpPr>
+            <p:nvPr/>
+          </p:nvCxnSpPr>
+          <p:spPr>
+            <a:xfrm flipH="1">
+              <a:off x="1132000" y="1767209"/>
+              <a:ext cx="1806350" cy="0"/>
+            </a:xfrm>
+            <a:prstGeom prst="line">
+              <a:avLst/>
+            </a:prstGeom>
+            <a:ln w="12700">
+              <a:solidFill>
+                <a:schemeClr val="tx1"/>
+              </a:solidFill>
+            </a:ln>
+          </p:spPr>
+          <p:style>
+            <a:lnRef idx="1">
+              <a:schemeClr val="accent1"/>
+            </a:lnRef>
+            <a:fillRef idx="0">
+              <a:schemeClr val="accent1"/>
+            </a:fillRef>
+            <a:effectRef idx="0">
+              <a:schemeClr val="accent1"/>
+            </a:effectRef>
+            <a:fontRef idx="minor">
+              <a:schemeClr val="tx1"/>
+            </a:fontRef>
+          </p:style>
+        </p:cxnSp>
+        <p:sp>
+          <p:nvSpPr>
+            <p:cNvPr id="13" name="Ellipse 12">
+              <a:extLst>
+                <a:ext uri="{FF2B5EF4-FFF2-40B4-BE49-F238E27FC236}">
+                  <a16:creationId xmlns:a16="http://schemas.microsoft.com/office/drawing/2014/main" id="{DD35B326-869D-40F0-A3DE-42729FBBA2FD}"/>
+                </a:ext>
+              </a:extLst>
+            </p:cNvPr>
+            <p:cNvSpPr/>
+            <p:nvPr/>
+          </p:nvSpPr>
+          <p:spPr>
+            <a:xfrm>
+              <a:off x="1086281" y="1744349"/>
+              <a:ext cx="45719" cy="45719"/>
+            </a:xfrm>
+            <a:prstGeom prst="ellipse">
+              <a:avLst/>
+            </a:prstGeom>
+            <a:solidFill>
+              <a:schemeClr val="tx1"/>
+            </a:solidFill>
+            <a:ln>
+              <a:solidFill>
+                <a:schemeClr val="tx1"/>
+              </a:solidFill>
+            </a:ln>
+          </p:spPr>
+          <p:style>
+            <a:lnRef idx="2">
+              <a:schemeClr val="accent1">
+                <a:shade val="50000"/>
+              </a:schemeClr>
+            </a:lnRef>
+            <a:fillRef idx="1">
+              <a:schemeClr val="accent1"/>
+            </a:fillRef>
+            <a:effectRef idx="0">
+              <a:schemeClr val="accent1"/>
+            </a:effectRef>
+            <a:fontRef idx="minor">
+              <a:schemeClr val="lt1"/>
+            </a:fontRef>
+          </p:style>
+          <p:txBody>
+            <a:bodyPr rtlCol="0" anchor="ctr"/>
+            <a:lstStyle/>
+            <a:p>
+              <a:pPr algn="ctr"/>
+              <a:endParaRPr lang="de-DE"/>
+            </a:p>
+          </p:txBody>
+        </p:sp>
+      </p:grpSp>
+      <p:grpSp>
+        <p:nvGrpSpPr>
+          <p:cNvPr id="22" name="Gruppieren 21">
+            <a:extLst>
+              <a:ext uri="{FF2B5EF4-FFF2-40B4-BE49-F238E27FC236}">
+                <a16:creationId xmlns:a16="http://schemas.microsoft.com/office/drawing/2014/main" id="{FDF52D11-B36C-4A26-9EA3-D9A6DD1DD56B}"/>
+              </a:ext>
+            </a:extLst>
+          </p:cNvPr>
+          <p:cNvGrpSpPr/>
+          <p:nvPr/>
+        </p:nvGrpSpPr>
+        <p:grpSpPr>
+          <a:xfrm>
+            <a:off x="1276781" y="1903099"/>
+            <a:ext cx="1661569" cy="45719"/>
+            <a:chOff x="1276781" y="1903099"/>
+            <a:chExt cx="1661569" cy="45719"/>
+          </a:xfrm>
+        </p:grpSpPr>
+        <p:cxnSp>
+          <p:nvCxnSpPr>
+            <p:cNvPr id="15" name="Gerader Verbinder 14">
+              <a:extLst>
+                <a:ext uri="{FF2B5EF4-FFF2-40B4-BE49-F238E27FC236}">
+                  <a16:creationId xmlns:a16="http://schemas.microsoft.com/office/drawing/2014/main" id="{1E8F2440-2637-440C-875C-BE9F3387D237}"/>
+                </a:ext>
+              </a:extLst>
+            </p:cNvPr>
+            <p:cNvCxnSpPr>
+              <a:cxnSpLocks/>
+              <a:endCxn id="16" idx="6"/>
+            </p:cNvCxnSpPr>
+            <p:nvPr/>
+          </p:nvCxnSpPr>
+          <p:spPr>
+            <a:xfrm flipH="1">
+              <a:off x="1322500" y="1925959"/>
+              <a:ext cx="1615850" cy="0"/>
+            </a:xfrm>
+            <a:prstGeom prst="line">
+              <a:avLst/>
+            </a:prstGeom>
+            <a:ln w="12700">
+              <a:solidFill>
+                <a:schemeClr val="tx1"/>
+              </a:solidFill>
+            </a:ln>
+          </p:spPr>
+          <p:style>
+            <a:lnRef idx="1">
+              <a:schemeClr val="accent1"/>
+            </a:lnRef>
+            <a:fillRef idx="0">
+              <a:schemeClr val="accent1"/>
+            </a:fillRef>
+            <a:effectRef idx="0">
+              <a:schemeClr val="accent1"/>
+            </a:effectRef>
+            <a:fontRef idx="minor">
+              <a:schemeClr val="tx1"/>
+            </a:fontRef>
+          </p:style>
+        </p:cxnSp>
+        <p:sp>
+          <p:nvSpPr>
+            <p:cNvPr id="16" name="Ellipse 15">
+              <a:extLst>
+                <a:ext uri="{FF2B5EF4-FFF2-40B4-BE49-F238E27FC236}">
+                  <a16:creationId xmlns:a16="http://schemas.microsoft.com/office/drawing/2014/main" id="{F396391B-4360-4987-8D3D-14A96E94F89C}"/>
+                </a:ext>
+              </a:extLst>
+            </p:cNvPr>
+            <p:cNvSpPr/>
+            <p:nvPr/>
+          </p:nvSpPr>
+          <p:spPr>
+            <a:xfrm>
+              <a:off x="1276781" y="1903099"/>
+              <a:ext cx="45719" cy="45719"/>
+            </a:xfrm>
+            <a:prstGeom prst="ellipse">
+              <a:avLst/>
+            </a:prstGeom>
+            <a:solidFill>
+              <a:schemeClr val="tx1"/>
+            </a:solidFill>
+            <a:ln>
+              <a:solidFill>
+                <a:schemeClr val="tx1"/>
+              </a:solidFill>
+            </a:ln>
+          </p:spPr>
+          <p:style>
+            <a:lnRef idx="2">
+              <a:schemeClr val="accent1">
+                <a:shade val="50000"/>
+              </a:schemeClr>
+            </a:lnRef>
+            <a:fillRef idx="1">
+              <a:schemeClr val="accent1"/>
+            </a:fillRef>
+            <a:effectRef idx="0">
+              <a:schemeClr val="accent1"/>
+            </a:effectRef>
+            <a:fontRef idx="minor">
+              <a:schemeClr val="lt1"/>
+            </a:fontRef>
+          </p:style>
+          <p:txBody>
+            <a:bodyPr rtlCol="0" anchor="ctr"/>
+            <a:lstStyle/>
+            <a:p>
+              <a:pPr algn="ctr"/>
+              <a:endParaRPr lang="de-DE"/>
+            </a:p>
+          </p:txBody>
+        </p:sp>
+      </p:grpSp>
+      <p:grpSp>
+        <p:nvGrpSpPr>
+          <p:cNvPr id="21" name="Gruppieren 20">
+            <a:extLst>
+              <a:ext uri="{FF2B5EF4-FFF2-40B4-BE49-F238E27FC236}">
+                <a16:creationId xmlns:a16="http://schemas.microsoft.com/office/drawing/2014/main" id="{77C4629F-2593-4456-86A2-5565793D147E}"/>
+              </a:ext>
+            </a:extLst>
+          </p:cNvPr>
+          <p:cNvGrpSpPr/>
+          <p:nvPr/>
+        </p:nvGrpSpPr>
+        <p:grpSpPr>
+          <a:xfrm>
+            <a:off x="1460931" y="2077724"/>
+            <a:ext cx="1477419" cy="45719"/>
+            <a:chOff x="1460931" y="2077724"/>
+            <a:chExt cx="1477419" cy="45719"/>
+          </a:xfrm>
+        </p:grpSpPr>
+        <p:cxnSp>
+          <p:nvCxnSpPr>
+            <p:cNvPr id="17" name="Gerader Verbinder 16">
+              <a:extLst>
+                <a:ext uri="{FF2B5EF4-FFF2-40B4-BE49-F238E27FC236}">
+                  <a16:creationId xmlns:a16="http://schemas.microsoft.com/office/drawing/2014/main" id="{0551A724-8C0F-4818-BF5F-92B216D8B886}"/>
+                </a:ext>
+              </a:extLst>
+            </p:cNvPr>
+            <p:cNvCxnSpPr>
+              <a:cxnSpLocks/>
+              <a:endCxn id="18" idx="6"/>
+            </p:cNvCxnSpPr>
+            <p:nvPr/>
+          </p:nvCxnSpPr>
+          <p:spPr>
+            <a:xfrm flipH="1">
+              <a:off x="1506650" y="2100584"/>
+              <a:ext cx="1431700" cy="0"/>
+            </a:xfrm>
+            <a:prstGeom prst="line">
+              <a:avLst/>
+            </a:prstGeom>
+            <a:ln w="12700">
+              <a:solidFill>
+                <a:schemeClr val="tx1"/>
+              </a:solidFill>
+            </a:ln>
+          </p:spPr>
+          <p:style>
+            <a:lnRef idx="1">
+              <a:schemeClr val="accent1"/>
+            </a:lnRef>
+            <a:fillRef idx="0">
+              <a:schemeClr val="accent1"/>
+            </a:fillRef>
+            <a:effectRef idx="0">
+              <a:schemeClr val="accent1"/>
+            </a:effectRef>
+            <a:fontRef idx="minor">
+              <a:schemeClr val="tx1"/>
+            </a:fontRef>
+          </p:style>
+        </p:cxnSp>
+        <p:sp>
+          <p:nvSpPr>
+            <p:cNvPr id="18" name="Ellipse 17">
+              <a:extLst>
+                <a:ext uri="{FF2B5EF4-FFF2-40B4-BE49-F238E27FC236}">
+                  <a16:creationId xmlns:a16="http://schemas.microsoft.com/office/drawing/2014/main" id="{7B753415-C647-48E1-9478-6DC0EC448584}"/>
+                </a:ext>
+              </a:extLst>
+            </p:cNvPr>
+            <p:cNvSpPr/>
+            <p:nvPr/>
+          </p:nvSpPr>
+          <p:spPr>
+            <a:xfrm>
+              <a:off x="1460931" y="2077724"/>
+              <a:ext cx="45719" cy="45719"/>
+            </a:xfrm>
+            <a:prstGeom prst="ellipse">
+              <a:avLst/>
+            </a:prstGeom>
+            <a:solidFill>
+              <a:schemeClr val="tx1"/>
+            </a:solidFill>
+            <a:ln>
+              <a:solidFill>
+                <a:schemeClr val="tx1"/>
+              </a:solidFill>
+            </a:ln>
+          </p:spPr>
+          <p:style>
+            <a:lnRef idx="2">
+              <a:schemeClr val="accent1">
+                <a:shade val="50000"/>
+              </a:schemeClr>
+            </a:lnRef>
+            <a:fillRef idx="1">
+              <a:schemeClr val="accent1"/>
+            </a:fillRef>
+            <a:effectRef idx="0">
+              <a:schemeClr val="accent1"/>
+            </a:effectRef>
+            <a:fontRef idx="minor">
+              <a:schemeClr val="lt1"/>
+            </a:fontRef>
+          </p:style>
+          <p:txBody>
+            <a:bodyPr rtlCol="0" anchor="ctr"/>
+            <a:lstStyle/>
+            <a:p>
+              <a:pPr algn="ctr"/>
+              <a:endParaRPr lang="de-DE"/>
+            </a:p>
+          </p:txBody>
+        </p:sp>
+      </p:grpSp>
+      <p:grpSp>
+        <p:nvGrpSpPr>
+          <p:cNvPr id="24" name="Gruppieren 23">
+            <a:extLst>
+              <a:ext uri="{FF2B5EF4-FFF2-40B4-BE49-F238E27FC236}">
+                <a16:creationId xmlns:a16="http://schemas.microsoft.com/office/drawing/2014/main" id="{2C8A92CA-94DC-4DBD-A6A5-16DF26231826}"/>
+              </a:ext>
+            </a:extLst>
+          </p:cNvPr>
+          <p:cNvGrpSpPr/>
+          <p:nvPr/>
+        </p:nvGrpSpPr>
+        <p:grpSpPr>
+          <a:xfrm>
+            <a:off x="1083105" y="2603200"/>
+            <a:ext cx="1852069" cy="45719"/>
+            <a:chOff x="1086281" y="1744349"/>
+            <a:chExt cx="1852069" cy="45719"/>
+          </a:xfrm>
+        </p:grpSpPr>
+        <p:cxnSp>
+          <p:nvCxnSpPr>
+            <p:cNvPr id="25" name="Gerader Verbinder 24">
+              <a:extLst>
+                <a:ext uri="{FF2B5EF4-FFF2-40B4-BE49-F238E27FC236}">
+                  <a16:creationId xmlns:a16="http://schemas.microsoft.com/office/drawing/2014/main" id="{974C973C-1B14-4A0E-9E31-CD777C8D8E70}"/>
+                </a:ext>
+              </a:extLst>
+            </p:cNvPr>
+            <p:cNvCxnSpPr>
+              <a:cxnSpLocks/>
+              <a:endCxn id="26" idx="6"/>
+            </p:cNvCxnSpPr>
+            <p:nvPr/>
+          </p:nvCxnSpPr>
+          <p:spPr>
+            <a:xfrm flipH="1">
+              <a:off x="1132000" y="1767209"/>
+              <a:ext cx="1806350" cy="0"/>
+            </a:xfrm>
+            <a:prstGeom prst="line">
+              <a:avLst/>
+            </a:prstGeom>
+            <a:ln w="12700">
+              <a:solidFill>
+                <a:schemeClr val="tx1"/>
+              </a:solidFill>
+            </a:ln>
+          </p:spPr>
+          <p:style>
+            <a:lnRef idx="1">
+              <a:schemeClr val="accent1"/>
+            </a:lnRef>
+            <a:fillRef idx="0">
+              <a:schemeClr val="accent1"/>
+            </a:fillRef>
+            <a:effectRef idx="0">
+              <a:schemeClr val="accent1"/>
+            </a:effectRef>
+            <a:fontRef idx="minor">
+              <a:schemeClr val="tx1"/>
+            </a:fontRef>
+          </p:style>
+        </p:cxnSp>
+        <p:sp>
+          <p:nvSpPr>
+            <p:cNvPr id="26" name="Ellipse 25">
+              <a:extLst>
+                <a:ext uri="{FF2B5EF4-FFF2-40B4-BE49-F238E27FC236}">
+                  <a16:creationId xmlns:a16="http://schemas.microsoft.com/office/drawing/2014/main" id="{6C73E956-03DA-4EA7-B5F1-1C525D5DAC0C}"/>
+                </a:ext>
+              </a:extLst>
+            </p:cNvPr>
+            <p:cNvSpPr/>
+            <p:nvPr/>
+          </p:nvSpPr>
+          <p:spPr>
+            <a:xfrm>
+              <a:off x="1086281" y="1744349"/>
+              <a:ext cx="45719" cy="45719"/>
+            </a:xfrm>
+            <a:prstGeom prst="ellipse">
+              <a:avLst/>
+            </a:prstGeom>
+            <a:solidFill>
+              <a:schemeClr val="tx1"/>
+            </a:solidFill>
+            <a:ln>
+              <a:solidFill>
+                <a:schemeClr val="tx1"/>
+              </a:solidFill>
+            </a:ln>
+          </p:spPr>
+          <p:style>
+            <a:lnRef idx="2">
+              <a:schemeClr val="accent1">
+                <a:shade val="50000"/>
+              </a:schemeClr>
+            </a:lnRef>
+            <a:fillRef idx="1">
+              <a:schemeClr val="accent1"/>
+            </a:fillRef>
+            <a:effectRef idx="0">
+              <a:schemeClr val="accent1"/>
+            </a:effectRef>
+            <a:fontRef idx="minor">
+              <a:schemeClr val="lt1"/>
+            </a:fontRef>
+          </p:style>
+          <p:txBody>
+            <a:bodyPr rtlCol="0" anchor="ctr"/>
+            <a:lstStyle/>
+            <a:p>
+              <a:pPr algn="ctr"/>
+              <a:endParaRPr lang="de-DE"/>
+            </a:p>
+          </p:txBody>
+        </p:sp>
+      </p:grpSp>
+      <p:grpSp>
+        <p:nvGrpSpPr>
+          <p:cNvPr id="27" name="Gruppieren 26">
+            <a:extLst>
+              <a:ext uri="{FF2B5EF4-FFF2-40B4-BE49-F238E27FC236}">
+                <a16:creationId xmlns:a16="http://schemas.microsoft.com/office/drawing/2014/main" id="{1F2D9AF8-336C-47FD-9E1A-72A59DF6AA4A}"/>
+              </a:ext>
+            </a:extLst>
+          </p:cNvPr>
+          <p:cNvGrpSpPr/>
+          <p:nvPr/>
+        </p:nvGrpSpPr>
+        <p:grpSpPr>
+          <a:xfrm>
+            <a:off x="1273605" y="2761950"/>
+            <a:ext cx="1661569" cy="45719"/>
+            <a:chOff x="1276781" y="1903099"/>
+            <a:chExt cx="1661569" cy="45719"/>
+          </a:xfrm>
+        </p:grpSpPr>
+        <p:cxnSp>
+          <p:nvCxnSpPr>
+            <p:cNvPr id="28" name="Gerader Verbinder 27">
+              <a:extLst>
+                <a:ext uri="{FF2B5EF4-FFF2-40B4-BE49-F238E27FC236}">
+                  <a16:creationId xmlns:a16="http://schemas.microsoft.com/office/drawing/2014/main" id="{D2F990EB-FB50-4EE6-BC73-3C49054906A5}"/>
+                </a:ext>
+              </a:extLst>
+            </p:cNvPr>
+            <p:cNvCxnSpPr>
+              <a:cxnSpLocks/>
+              <a:endCxn id="29" idx="6"/>
+            </p:cNvCxnSpPr>
+            <p:nvPr/>
+          </p:nvCxnSpPr>
+          <p:spPr>
+            <a:xfrm flipH="1">
+              <a:off x="1322500" y="1925959"/>
+              <a:ext cx="1615850" cy="0"/>
+            </a:xfrm>
+            <a:prstGeom prst="line">
+              <a:avLst/>
+            </a:prstGeom>
+            <a:ln w="12700">
+              <a:solidFill>
+                <a:schemeClr val="tx1"/>
+              </a:solidFill>
+            </a:ln>
+          </p:spPr>
+          <p:style>
+            <a:lnRef idx="1">
+              <a:schemeClr val="accent1"/>
+            </a:lnRef>
+            <a:fillRef idx="0">
+              <a:schemeClr val="accent1"/>
+            </a:fillRef>
+            <a:effectRef idx="0">
+              <a:schemeClr val="accent1"/>
+            </a:effectRef>
+            <a:fontRef idx="minor">
+              <a:schemeClr val="tx1"/>
+            </a:fontRef>
+          </p:style>
+        </p:cxnSp>
+        <p:sp>
+          <p:nvSpPr>
+            <p:cNvPr id="29" name="Ellipse 28">
+              <a:extLst>
+                <a:ext uri="{FF2B5EF4-FFF2-40B4-BE49-F238E27FC236}">
+                  <a16:creationId xmlns:a16="http://schemas.microsoft.com/office/drawing/2014/main" id="{B31E183F-5E3B-45A0-BAB1-2E77F770A0BE}"/>
+                </a:ext>
+              </a:extLst>
+            </p:cNvPr>
+            <p:cNvSpPr/>
+            <p:nvPr/>
+          </p:nvSpPr>
+          <p:spPr>
+            <a:xfrm>
+              <a:off x="1276781" y="1903099"/>
+              <a:ext cx="45719" cy="45719"/>
+            </a:xfrm>
+            <a:prstGeom prst="ellipse">
+              <a:avLst/>
+            </a:prstGeom>
+            <a:solidFill>
+              <a:schemeClr val="tx1"/>
+            </a:solidFill>
+            <a:ln>
+              <a:solidFill>
+                <a:schemeClr val="tx1"/>
+              </a:solidFill>
+            </a:ln>
+          </p:spPr>
+          <p:style>
+            <a:lnRef idx="2">
+              <a:schemeClr val="accent1">
+                <a:shade val="50000"/>
+              </a:schemeClr>
+            </a:lnRef>
+            <a:fillRef idx="1">
+              <a:schemeClr val="accent1"/>
+            </a:fillRef>
+            <a:effectRef idx="0">
+              <a:schemeClr val="accent1"/>
+            </a:effectRef>
+            <a:fontRef idx="minor">
+              <a:schemeClr val="lt1"/>
+            </a:fontRef>
+          </p:style>
+          <p:txBody>
+            <a:bodyPr rtlCol="0" anchor="ctr"/>
+            <a:lstStyle/>
+            <a:p>
+              <a:pPr algn="ctr"/>
+              <a:endParaRPr lang="de-DE"/>
+            </a:p>
+          </p:txBody>
+        </p:sp>
+      </p:grpSp>
+      <p:grpSp>
+        <p:nvGrpSpPr>
+          <p:cNvPr id="30" name="Gruppieren 29">
+            <a:extLst>
+              <a:ext uri="{FF2B5EF4-FFF2-40B4-BE49-F238E27FC236}">
+                <a16:creationId xmlns:a16="http://schemas.microsoft.com/office/drawing/2014/main" id="{14DB9720-F5BE-4ABC-BE79-00BFF5B2C6B6}"/>
+              </a:ext>
+            </a:extLst>
+          </p:cNvPr>
+          <p:cNvGrpSpPr/>
+          <p:nvPr/>
+        </p:nvGrpSpPr>
+        <p:grpSpPr>
+          <a:xfrm>
+            <a:off x="1457755" y="2446011"/>
+            <a:ext cx="1477419" cy="45719"/>
+            <a:chOff x="1460931" y="2077724"/>
+            <a:chExt cx="1477419" cy="45719"/>
+          </a:xfrm>
+        </p:grpSpPr>
+        <p:cxnSp>
+          <p:nvCxnSpPr>
+            <p:cNvPr id="31" name="Gerader Verbinder 30">
+              <a:extLst>
+                <a:ext uri="{FF2B5EF4-FFF2-40B4-BE49-F238E27FC236}">
+                  <a16:creationId xmlns:a16="http://schemas.microsoft.com/office/drawing/2014/main" id="{D1DA39E9-39D9-42DD-BB2A-7E86411259BC}"/>
+                </a:ext>
+              </a:extLst>
+            </p:cNvPr>
+            <p:cNvCxnSpPr>
+              <a:cxnSpLocks/>
+              <a:endCxn id="32" idx="6"/>
+            </p:cNvCxnSpPr>
+            <p:nvPr/>
+          </p:nvCxnSpPr>
+          <p:spPr>
+            <a:xfrm flipH="1">
+              <a:off x="1506650" y="2100584"/>
+              <a:ext cx="1431700" cy="0"/>
+            </a:xfrm>
+            <a:prstGeom prst="line">
+              <a:avLst/>
+            </a:prstGeom>
+            <a:ln w="12700">
+              <a:solidFill>
+                <a:schemeClr val="tx1"/>
+              </a:solidFill>
+            </a:ln>
+          </p:spPr>
+          <p:style>
+            <a:lnRef idx="1">
+              <a:schemeClr val="accent1"/>
+            </a:lnRef>
+            <a:fillRef idx="0">
+              <a:schemeClr val="accent1"/>
+            </a:fillRef>
+            <a:effectRef idx="0">
+              <a:schemeClr val="accent1"/>
+            </a:effectRef>
+            <a:fontRef idx="minor">
+              <a:schemeClr val="tx1"/>
+            </a:fontRef>
+          </p:style>
+        </p:cxnSp>
+        <p:sp>
+          <p:nvSpPr>
+            <p:cNvPr id="32" name="Ellipse 31">
+              <a:extLst>
+                <a:ext uri="{FF2B5EF4-FFF2-40B4-BE49-F238E27FC236}">
+                  <a16:creationId xmlns:a16="http://schemas.microsoft.com/office/drawing/2014/main" id="{87680373-A6AF-4F21-8297-52C41F9995D2}"/>
+                </a:ext>
+              </a:extLst>
+            </p:cNvPr>
+            <p:cNvSpPr/>
+            <p:nvPr/>
+          </p:nvSpPr>
+          <p:spPr>
+            <a:xfrm>
+              <a:off x="1460931" y="2077724"/>
+              <a:ext cx="45719" cy="45719"/>
+            </a:xfrm>
+            <a:prstGeom prst="ellipse">
+              <a:avLst/>
+            </a:prstGeom>
+            <a:solidFill>
+              <a:schemeClr val="tx1"/>
+            </a:solidFill>
+            <a:ln>
+              <a:solidFill>
+                <a:schemeClr val="tx1"/>
+              </a:solidFill>
+            </a:ln>
+          </p:spPr>
+          <p:style>
+            <a:lnRef idx="2">
+              <a:schemeClr val="accent1">
+                <a:shade val="50000"/>
+              </a:schemeClr>
+            </a:lnRef>
+            <a:fillRef idx="1">
+              <a:schemeClr val="accent1"/>
+            </a:fillRef>
+            <a:effectRef idx="0">
+              <a:schemeClr val="accent1"/>
+            </a:effectRef>
+            <a:fontRef idx="minor">
+              <a:schemeClr val="lt1"/>
+            </a:fontRef>
+          </p:style>
+          <p:txBody>
+            <a:bodyPr rtlCol="0" anchor="ctr"/>
+            <a:lstStyle/>
+            <a:p>
+              <a:pPr algn="ctr"/>
+              <a:endParaRPr lang="de-DE"/>
+            </a:p>
+          </p:txBody>
+        </p:sp>
+      </p:grpSp>
+      <p:grpSp>
+        <p:nvGrpSpPr>
+          <p:cNvPr id="33" name="Gruppieren 32">
+            <a:extLst>
+              <a:ext uri="{FF2B5EF4-FFF2-40B4-BE49-F238E27FC236}">
+                <a16:creationId xmlns:a16="http://schemas.microsoft.com/office/drawing/2014/main" id="{9636E6AF-2333-410A-8FEB-F5DB730E28F4}"/>
+              </a:ext>
+            </a:extLst>
+          </p:cNvPr>
+          <p:cNvGrpSpPr/>
+          <p:nvPr/>
+        </p:nvGrpSpPr>
+        <p:grpSpPr>
+          <a:xfrm>
+            <a:off x="1086273" y="3535071"/>
+            <a:ext cx="1852069" cy="45719"/>
+            <a:chOff x="1086281" y="1744349"/>
+            <a:chExt cx="1852069" cy="45719"/>
+          </a:xfrm>
+        </p:grpSpPr>
+        <p:cxnSp>
+          <p:nvCxnSpPr>
+            <p:cNvPr id="34" name="Gerader Verbinder 33">
+              <a:extLst>
+                <a:ext uri="{FF2B5EF4-FFF2-40B4-BE49-F238E27FC236}">
+                  <a16:creationId xmlns:a16="http://schemas.microsoft.com/office/drawing/2014/main" id="{B4485FF0-F733-484F-A680-67168897AC65}"/>
+                </a:ext>
+              </a:extLst>
+            </p:cNvPr>
+            <p:cNvCxnSpPr>
+              <a:cxnSpLocks/>
+              <a:endCxn id="35" idx="6"/>
+            </p:cNvCxnSpPr>
+            <p:nvPr/>
+          </p:nvCxnSpPr>
+          <p:spPr>
+            <a:xfrm flipH="1">
+              <a:off x="1132000" y="1767209"/>
+              <a:ext cx="1806350" cy="0"/>
+            </a:xfrm>
+            <a:prstGeom prst="line">
+              <a:avLst/>
+            </a:prstGeom>
+            <a:ln w="12700">
+              <a:solidFill>
+                <a:schemeClr val="tx1"/>
+              </a:solidFill>
+            </a:ln>
+          </p:spPr>
+          <p:style>
+            <a:lnRef idx="1">
+              <a:schemeClr val="accent1"/>
+            </a:lnRef>
+            <a:fillRef idx="0">
+              <a:schemeClr val="accent1"/>
+            </a:fillRef>
+            <a:effectRef idx="0">
+              <a:schemeClr val="accent1"/>
+            </a:effectRef>
+            <a:fontRef idx="minor">
+              <a:schemeClr val="tx1"/>
+            </a:fontRef>
+          </p:style>
+        </p:cxnSp>
+        <p:sp>
+          <p:nvSpPr>
+            <p:cNvPr id="35" name="Ellipse 34">
+              <a:extLst>
+                <a:ext uri="{FF2B5EF4-FFF2-40B4-BE49-F238E27FC236}">
+                  <a16:creationId xmlns:a16="http://schemas.microsoft.com/office/drawing/2014/main" id="{51661714-C061-4150-96A7-31766E723073}"/>
+                </a:ext>
+              </a:extLst>
+            </p:cNvPr>
+            <p:cNvSpPr/>
+            <p:nvPr/>
+          </p:nvSpPr>
+          <p:spPr>
+            <a:xfrm>
+              <a:off x="1086281" y="1744349"/>
+              <a:ext cx="45719" cy="45719"/>
+            </a:xfrm>
+            <a:prstGeom prst="ellipse">
+              <a:avLst/>
+            </a:prstGeom>
+            <a:solidFill>
+              <a:schemeClr val="tx1"/>
+            </a:solidFill>
+            <a:ln>
+              <a:solidFill>
+                <a:schemeClr val="tx1"/>
+              </a:solidFill>
+            </a:ln>
+          </p:spPr>
+          <p:style>
+            <a:lnRef idx="2">
+              <a:schemeClr val="accent1">
+                <a:shade val="50000"/>
+              </a:schemeClr>
+            </a:lnRef>
+            <a:fillRef idx="1">
+              <a:schemeClr val="accent1"/>
+            </a:fillRef>
+            <a:effectRef idx="0">
+              <a:schemeClr val="accent1"/>
+            </a:effectRef>
+            <a:fontRef idx="minor">
+              <a:schemeClr val="lt1"/>
+            </a:fontRef>
+          </p:style>
+          <p:txBody>
+            <a:bodyPr rtlCol="0" anchor="ctr"/>
+            <a:lstStyle/>
+            <a:p>
+              <a:pPr algn="ctr"/>
+              <a:endParaRPr lang="de-DE"/>
+            </a:p>
+          </p:txBody>
+        </p:sp>
+      </p:grpSp>
+      <p:grpSp>
+        <p:nvGrpSpPr>
+          <p:cNvPr id="36" name="Gruppieren 35">
+            <a:extLst>
+              <a:ext uri="{FF2B5EF4-FFF2-40B4-BE49-F238E27FC236}">
+                <a16:creationId xmlns:a16="http://schemas.microsoft.com/office/drawing/2014/main" id="{FFB27DC2-D530-4150-9C12-D7CCCF39A061}"/>
+              </a:ext>
+            </a:extLst>
+          </p:cNvPr>
+          <p:cNvGrpSpPr/>
+          <p:nvPr/>
+        </p:nvGrpSpPr>
+        <p:grpSpPr>
+          <a:xfrm>
+            <a:off x="1276773" y="3193742"/>
+            <a:ext cx="1661569" cy="45719"/>
+            <a:chOff x="1276781" y="1903099"/>
+            <a:chExt cx="1661569" cy="45719"/>
+          </a:xfrm>
+        </p:grpSpPr>
+        <p:cxnSp>
+          <p:nvCxnSpPr>
+            <p:cNvPr id="37" name="Gerader Verbinder 36">
+              <a:extLst>
+                <a:ext uri="{FF2B5EF4-FFF2-40B4-BE49-F238E27FC236}">
+                  <a16:creationId xmlns:a16="http://schemas.microsoft.com/office/drawing/2014/main" id="{DCCE005A-815D-4F5A-B28E-F956AB00CD26}"/>
+                </a:ext>
+              </a:extLst>
+            </p:cNvPr>
+            <p:cNvCxnSpPr>
+              <a:cxnSpLocks/>
+              <a:endCxn id="38" idx="6"/>
+            </p:cNvCxnSpPr>
+            <p:nvPr/>
+          </p:nvCxnSpPr>
+          <p:spPr>
+            <a:xfrm flipH="1">
+              <a:off x="1322500" y="1925959"/>
+              <a:ext cx="1615850" cy="0"/>
+            </a:xfrm>
+            <a:prstGeom prst="line">
+              <a:avLst/>
+            </a:prstGeom>
+            <a:ln w="12700">
+              <a:solidFill>
+                <a:schemeClr val="tx1"/>
+              </a:solidFill>
+            </a:ln>
+          </p:spPr>
+          <p:style>
+            <a:lnRef idx="1">
+              <a:schemeClr val="accent1"/>
+            </a:lnRef>
+            <a:fillRef idx="0">
+              <a:schemeClr val="accent1"/>
+            </a:fillRef>
+            <a:effectRef idx="0">
+              <a:schemeClr val="accent1"/>
+            </a:effectRef>
+            <a:fontRef idx="minor">
+              <a:schemeClr val="tx1"/>
+            </a:fontRef>
+          </p:style>
+        </p:cxnSp>
+        <p:sp>
+          <p:nvSpPr>
+            <p:cNvPr id="38" name="Ellipse 37">
+              <a:extLst>
+                <a:ext uri="{FF2B5EF4-FFF2-40B4-BE49-F238E27FC236}">
+                  <a16:creationId xmlns:a16="http://schemas.microsoft.com/office/drawing/2014/main" id="{053F7B62-CF8F-4035-A535-5AADC010198E}"/>
+                </a:ext>
+              </a:extLst>
+            </p:cNvPr>
+            <p:cNvSpPr/>
+            <p:nvPr/>
+          </p:nvSpPr>
+          <p:spPr>
+            <a:xfrm>
+              <a:off x="1276781" y="1903099"/>
+              <a:ext cx="45719" cy="45719"/>
+            </a:xfrm>
+            <a:prstGeom prst="ellipse">
+              <a:avLst/>
+            </a:prstGeom>
+            <a:solidFill>
+              <a:schemeClr val="tx1"/>
+            </a:solidFill>
+            <a:ln>
+              <a:solidFill>
+                <a:schemeClr val="tx1"/>
+              </a:solidFill>
+            </a:ln>
+          </p:spPr>
+          <p:style>
+            <a:lnRef idx="2">
+              <a:schemeClr val="accent1">
+                <a:shade val="50000"/>
+              </a:schemeClr>
+            </a:lnRef>
+            <a:fillRef idx="1">
+              <a:schemeClr val="accent1"/>
+            </a:fillRef>
+            <a:effectRef idx="0">
+              <a:schemeClr val="accent1"/>
+            </a:effectRef>
+            <a:fontRef idx="minor">
+              <a:schemeClr val="lt1"/>
+            </a:fontRef>
+          </p:style>
+          <p:txBody>
+            <a:bodyPr rtlCol="0" anchor="ctr"/>
+            <a:lstStyle/>
+            <a:p>
+              <a:pPr algn="ctr"/>
+              <a:endParaRPr lang="de-DE"/>
+            </a:p>
+          </p:txBody>
+        </p:sp>
+      </p:grpSp>
+      <p:grpSp>
+        <p:nvGrpSpPr>
+          <p:cNvPr id="39" name="Gruppieren 38">
+            <a:extLst>
+              <a:ext uri="{FF2B5EF4-FFF2-40B4-BE49-F238E27FC236}">
+                <a16:creationId xmlns:a16="http://schemas.microsoft.com/office/drawing/2014/main" id="{972CD1EF-4EB6-4996-BEAD-F427A764F4C6}"/>
+              </a:ext>
+            </a:extLst>
+          </p:cNvPr>
+          <p:cNvGrpSpPr/>
+          <p:nvPr/>
+        </p:nvGrpSpPr>
+        <p:grpSpPr>
+          <a:xfrm>
+            <a:off x="1460923" y="3368367"/>
+            <a:ext cx="1477419" cy="45719"/>
+            <a:chOff x="1460931" y="2077724"/>
+            <a:chExt cx="1477419" cy="45719"/>
+          </a:xfrm>
+        </p:grpSpPr>
+        <p:cxnSp>
+          <p:nvCxnSpPr>
+            <p:cNvPr id="40" name="Gerader Verbinder 39">
+              <a:extLst>
+                <a:ext uri="{FF2B5EF4-FFF2-40B4-BE49-F238E27FC236}">
+                  <a16:creationId xmlns:a16="http://schemas.microsoft.com/office/drawing/2014/main" id="{82C6EBE9-D055-480B-BF48-BCDA4D4F843C}"/>
+                </a:ext>
+              </a:extLst>
+            </p:cNvPr>
+            <p:cNvCxnSpPr>
+              <a:cxnSpLocks/>
+              <a:endCxn id="41" idx="6"/>
+            </p:cNvCxnSpPr>
+            <p:nvPr/>
+          </p:nvCxnSpPr>
+          <p:spPr>
+            <a:xfrm flipH="1">
+              <a:off x="1506650" y="2100584"/>
+              <a:ext cx="1431700" cy="0"/>
+            </a:xfrm>
+            <a:prstGeom prst="line">
+              <a:avLst/>
+            </a:prstGeom>
+            <a:ln w="12700">
+              <a:solidFill>
+                <a:schemeClr val="tx1"/>
+              </a:solidFill>
+            </a:ln>
+          </p:spPr>
+          <p:style>
+            <a:lnRef idx="1">
+              <a:schemeClr val="accent1"/>
+            </a:lnRef>
+            <a:fillRef idx="0">
+              <a:schemeClr val="accent1"/>
+            </a:fillRef>
+            <a:effectRef idx="0">
+              <a:schemeClr val="accent1"/>
+            </a:effectRef>
+            <a:fontRef idx="minor">
+              <a:schemeClr val="tx1"/>
+            </a:fontRef>
+          </p:style>
+        </p:cxnSp>
+        <p:sp>
+          <p:nvSpPr>
+            <p:cNvPr id="41" name="Ellipse 40">
+              <a:extLst>
+                <a:ext uri="{FF2B5EF4-FFF2-40B4-BE49-F238E27FC236}">
+                  <a16:creationId xmlns:a16="http://schemas.microsoft.com/office/drawing/2014/main" id="{D99D7A87-EF81-4DFA-BBC1-44B2AA4729B2}"/>
+                </a:ext>
+              </a:extLst>
+            </p:cNvPr>
+            <p:cNvSpPr/>
+            <p:nvPr/>
+          </p:nvSpPr>
+          <p:spPr>
+            <a:xfrm>
+              <a:off x="1460931" y="2077724"/>
+              <a:ext cx="45719" cy="45719"/>
+            </a:xfrm>
+            <a:prstGeom prst="ellipse">
+              <a:avLst/>
+            </a:prstGeom>
+            <a:solidFill>
+              <a:schemeClr val="tx1"/>
+            </a:solidFill>
+            <a:ln>
+              <a:solidFill>
+                <a:schemeClr val="tx1"/>
+              </a:solidFill>
+            </a:ln>
+          </p:spPr>
+          <p:style>
+            <a:lnRef idx="2">
+              <a:schemeClr val="accent1">
+                <a:shade val="50000"/>
+              </a:schemeClr>
+            </a:lnRef>
+            <a:fillRef idx="1">
+              <a:schemeClr val="accent1"/>
+            </a:fillRef>
+            <a:effectRef idx="0">
+              <a:schemeClr val="accent1"/>
+            </a:effectRef>
+            <a:fontRef idx="minor">
+              <a:schemeClr val="lt1"/>
+            </a:fontRef>
+          </p:style>
+          <p:txBody>
+            <a:bodyPr rtlCol="0" anchor="ctr"/>
+            <a:lstStyle/>
+            <a:p>
+              <a:pPr algn="ctr"/>
+              <a:endParaRPr lang="de-DE"/>
+            </a:p>
+          </p:txBody>
+        </p:sp>
+      </p:grpSp>
+      <p:grpSp>
+        <p:nvGrpSpPr>
+          <p:cNvPr id="42" name="Gruppieren 41">
+            <a:extLst>
+              <a:ext uri="{FF2B5EF4-FFF2-40B4-BE49-F238E27FC236}">
+                <a16:creationId xmlns:a16="http://schemas.microsoft.com/office/drawing/2014/main" id="{E2719831-917C-421D-B092-20DA49C51F65}"/>
+              </a:ext>
+            </a:extLst>
+          </p:cNvPr>
+          <p:cNvGrpSpPr/>
+          <p:nvPr/>
+        </p:nvGrpSpPr>
+        <p:grpSpPr>
+          <a:xfrm>
+            <a:off x="1086271" y="3973216"/>
+            <a:ext cx="1852069" cy="45719"/>
+            <a:chOff x="1086281" y="1744349"/>
+            <a:chExt cx="1852069" cy="45719"/>
+          </a:xfrm>
+        </p:grpSpPr>
+        <p:cxnSp>
+          <p:nvCxnSpPr>
+            <p:cNvPr id="43" name="Gerader Verbinder 42">
+              <a:extLst>
+                <a:ext uri="{FF2B5EF4-FFF2-40B4-BE49-F238E27FC236}">
+                  <a16:creationId xmlns:a16="http://schemas.microsoft.com/office/drawing/2014/main" id="{D7126DE5-2BDA-48D4-B322-3EFBB636B689}"/>
+                </a:ext>
+              </a:extLst>
+            </p:cNvPr>
+            <p:cNvCxnSpPr>
+              <a:cxnSpLocks/>
+              <a:endCxn id="44" idx="6"/>
+            </p:cNvCxnSpPr>
+            <p:nvPr/>
+          </p:nvCxnSpPr>
+          <p:spPr>
+            <a:xfrm flipH="1">
+              <a:off x="1132000" y="1767209"/>
+              <a:ext cx="1806350" cy="0"/>
+            </a:xfrm>
+            <a:prstGeom prst="line">
+              <a:avLst/>
+            </a:prstGeom>
+            <a:ln w="12700">
+              <a:solidFill>
+                <a:schemeClr val="tx1"/>
+              </a:solidFill>
+            </a:ln>
+          </p:spPr>
+          <p:style>
+            <a:lnRef idx="1">
+              <a:schemeClr val="accent1"/>
+            </a:lnRef>
+            <a:fillRef idx="0">
+              <a:schemeClr val="accent1"/>
+            </a:fillRef>
+            <a:effectRef idx="0">
+              <a:schemeClr val="accent1"/>
+            </a:effectRef>
+            <a:fontRef idx="minor">
+              <a:schemeClr val="tx1"/>
+            </a:fontRef>
+          </p:style>
+        </p:cxnSp>
+        <p:sp>
+          <p:nvSpPr>
+            <p:cNvPr id="44" name="Ellipse 43">
+              <a:extLst>
+                <a:ext uri="{FF2B5EF4-FFF2-40B4-BE49-F238E27FC236}">
+                  <a16:creationId xmlns:a16="http://schemas.microsoft.com/office/drawing/2014/main" id="{4ECE829D-8FF0-4F73-8D52-F55855993A8C}"/>
+                </a:ext>
+              </a:extLst>
+            </p:cNvPr>
+            <p:cNvSpPr/>
+            <p:nvPr/>
+          </p:nvSpPr>
+          <p:spPr>
+            <a:xfrm>
+              <a:off x="1086281" y="1744349"/>
+              <a:ext cx="45719" cy="45719"/>
+            </a:xfrm>
+            <a:prstGeom prst="ellipse">
+              <a:avLst/>
+            </a:prstGeom>
+            <a:solidFill>
+              <a:schemeClr val="tx1"/>
+            </a:solidFill>
+            <a:ln>
+              <a:solidFill>
+                <a:schemeClr val="tx1"/>
+              </a:solidFill>
+            </a:ln>
+          </p:spPr>
+          <p:style>
+            <a:lnRef idx="2">
+              <a:schemeClr val="accent1">
+                <a:shade val="50000"/>
+              </a:schemeClr>
+            </a:lnRef>
+            <a:fillRef idx="1">
+              <a:schemeClr val="accent1"/>
+            </a:fillRef>
+            <a:effectRef idx="0">
+              <a:schemeClr val="accent1"/>
+            </a:effectRef>
+            <a:fontRef idx="minor">
+              <a:schemeClr val="lt1"/>
+            </a:fontRef>
+          </p:style>
+          <p:txBody>
+            <a:bodyPr rtlCol="0" anchor="ctr"/>
+            <a:lstStyle/>
+            <a:p>
+              <a:pPr algn="ctr"/>
+              <a:endParaRPr lang="de-DE"/>
+            </a:p>
+          </p:txBody>
+        </p:sp>
+      </p:grpSp>
+      <p:grpSp>
+        <p:nvGrpSpPr>
+          <p:cNvPr id="45" name="Gruppieren 44">
+            <a:extLst>
+              <a:ext uri="{FF2B5EF4-FFF2-40B4-BE49-F238E27FC236}">
+                <a16:creationId xmlns:a16="http://schemas.microsoft.com/office/drawing/2014/main" id="{650BB75D-9805-4E7F-B095-B0FC3680AC47}"/>
+              </a:ext>
+            </a:extLst>
+          </p:cNvPr>
+          <p:cNvGrpSpPr/>
+          <p:nvPr/>
+        </p:nvGrpSpPr>
+        <p:grpSpPr>
+          <a:xfrm>
+            <a:off x="1276771" y="4131966"/>
+            <a:ext cx="1661569" cy="45719"/>
+            <a:chOff x="1276781" y="1903099"/>
+            <a:chExt cx="1661569" cy="45719"/>
+          </a:xfrm>
+        </p:grpSpPr>
+        <p:cxnSp>
+          <p:nvCxnSpPr>
+            <p:cNvPr id="46" name="Gerader Verbinder 45">
+              <a:extLst>
+                <a:ext uri="{FF2B5EF4-FFF2-40B4-BE49-F238E27FC236}">
+                  <a16:creationId xmlns:a16="http://schemas.microsoft.com/office/drawing/2014/main" id="{86034F5B-49B7-498E-8CF9-D3B1CFEE59D9}"/>
+                </a:ext>
+              </a:extLst>
+            </p:cNvPr>
+            <p:cNvCxnSpPr>
+              <a:cxnSpLocks/>
+              <a:endCxn id="47" idx="6"/>
+            </p:cNvCxnSpPr>
+            <p:nvPr/>
+          </p:nvCxnSpPr>
+          <p:spPr>
+            <a:xfrm flipH="1">
+              <a:off x="1322500" y="1925959"/>
+              <a:ext cx="1615850" cy="0"/>
+            </a:xfrm>
+            <a:prstGeom prst="line">
+              <a:avLst/>
+            </a:prstGeom>
+            <a:ln w="12700">
+              <a:solidFill>
+                <a:schemeClr val="tx1"/>
+              </a:solidFill>
+            </a:ln>
+          </p:spPr>
+          <p:style>
+            <a:lnRef idx="1">
+              <a:schemeClr val="accent1"/>
+            </a:lnRef>
+            <a:fillRef idx="0">
+              <a:schemeClr val="accent1"/>
+            </a:fillRef>
+            <a:effectRef idx="0">
+              <a:schemeClr val="accent1"/>
+            </a:effectRef>
+            <a:fontRef idx="minor">
+              <a:schemeClr val="tx1"/>
+            </a:fontRef>
+          </p:style>
+        </p:cxnSp>
+        <p:sp>
+          <p:nvSpPr>
+            <p:cNvPr id="47" name="Ellipse 46">
+              <a:extLst>
+                <a:ext uri="{FF2B5EF4-FFF2-40B4-BE49-F238E27FC236}">
+                  <a16:creationId xmlns:a16="http://schemas.microsoft.com/office/drawing/2014/main" id="{14F0E453-5668-4A92-A808-6BFDD1F37424}"/>
+                </a:ext>
+              </a:extLst>
+            </p:cNvPr>
+            <p:cNvSpPr/>
+            <p:nvPr/>
+          </p:nvSpPr>
+          <p:spPr>
+            <a:xfrm>
+              <a:off x="1276781" y="1903099"/>
+              <a:ext cx="45719" cy="45719"/>
+            </a:xfrm>
+            <a:prstGeom prst="ellipse">
+              <a:avLst/>
+            </a:prstGeom>
+            <a:solidFill>
+              <a:schemeClr val="tx1"/>
+            </a:solidFill>
+            <a:ln>
+              <a:solidFill>
+                <a:schemeClr val="tx1"/>
+              </a:solidFill>
+            </a:ln>
+          </p:spPr>
+          <p:style>
+            <a:lnRef idx="2">
+              <a:schemeClr val="accent1">
+                <a:shade val="50000"/>
+              </a:schemeClr>
+            </a:lnRef>
+            <a:fillRef idx="1">
+              <a:schemeClr val="accent1"/>
+            </a:fillRef>
+            <a:effectRef idx="0">
+              <a:schemeClr val="accent1"/>
+            </a:effectRef>
+            <a:fontRef idx="minor">
+              <a:schemeClr val="lt1"/>
+            </a:fontRef>
+          </p:style>
+          <p:txBody>
+            <a:bodyPr rtlCol="0" anchor="ctr"/>
+            <a:lstStyle/>
+            <a:p>
+              <a:pPr algn="ctr"/>
+              <a:endParaRPr lang="de-DE"/>
+            </a:p>
+          </p:txBody>
+        </p:sp>
+      </p:grpSp>
+      <p:grpSp>
+        <p:nvGrpSpPr>
+          <p:cNvPr id="48" name="Gruppieren 47">
+            <a:extLst>
+              <a:ext uri="{FF2B5EF4-FFF2-40B4-BE49-F238E27FC236}">
+                <a16:creationId xmlns:a16="http://schemas.microsoft.com/office/drawing/2014/main" id="{31E1BECF-12C4-4422-B15A-F3959C88F23E}"/>
+              </a:ext>
+            </a:extLst>
+          </p:cNvPr>
+          <p:cNvGrpSpPr/>
+          <p:nvPr/>
+        </p:nvGrpSpPr>
+        <p:grpSpPr>
+          <a:xfrm>
+            <a:off x="1460921" y="4306591"/>
+            <a:ext cx="1477419" cy="45719"/>
+            <a:chOff x="1460931" y="2077724"/>
+            <a:chExt cx="1477419" cy="45719"/>
+          </a:xfrm>
+        </p:grpSpPr>
+        <p:cxnSp>
+          <p:nvCxnSpPr>
+            <p:cNvPr id="49" name="Gerader Verbinder 48">
+              <a:extLst>
+                <a:ext uri="{FF2B5EF4-FFF2-40B4-BE49-F238E27FC236}">
+                  <a16:creationId xmlns:a16="http://schemas.microsoft.com/office/drawing/2014/main" id="{819F9ACA-ADCB-4FB9-BF64-DF940DED3811}"/>
+                </a:ext>
+              </a:extLst>
+            </p:cNvPr>
+            <p:cNvCxnSpPr>
+              <a:cxnSpLocks/>
+              <a:endCxn id="50" idx="6"/>
+            </p:cNvCxnSpPr>
+            <p:nvPr/>
+          </p:nvCxnSpPr>
+          <p:spPr>
+            <a:xfrm flipH="1">
+              <a:off x="1506650" y="2100584"/>
+              <a:ext cx="1431700" cy="0"/>
+            </a:xfrm>
+            <a:prstGeom prst="line">
+              <a:avLst/>
+            </a:prstGeom>
+            <a:ln w="12700">
+              <a:solidFill>
+                <a:schemeClr val="tx1"/>
+              </a:solidFill>
+            </a:ln>
+          </p:spPr>
+          <p:style>
+            <a:lnRef idx="1">
+              <a:schemeClr val="accent1"/>
+            </a:lnRef>
+            <a:fillRef idx="0">
+              <a:schemeClr val="accent1"/>
+            </a:fillRef>
+            <a:effectRef idx="0">
+              <a:schemeClr val="accent1"/>
+            </a:effectRef>
+            <a:fontRef idx="minor">
+              <a:schemeClr val="tx1"/>
+            </a:fontRef>
+          </p:style>
+        </p:cxnSp>
+        <p:sp>
+          <p:nvSpPr>
+            <p:cNvPr id="50" name="Ellipse 49">
+              <a:extLst>
+                <a:ext uri="{FF2B5EF4-FFF2-40B4-BE49-F238E27FC236}">
+                  <a16:creationId xmlns:a16="http://schemas.microsoft.com/office/drawing/2014/main" id="{C42A0319-677D-4E75-98AF-F2294A4FA330}"/>
+                </a:ext>
+              </a:extLst>
+            </p:cNvPr>
+            <p:cNvSpPr/>
+            <p:nvPr/>
+          </p:nvSpPr>
+          <p:spPr>
+            <a:xfrm>
+              <a:off x="1460931" y="2077724"/>
+              <a:ext cx="45719" cy="45719"/>
+            </a:xfrm>
+            <a:prstGeom prst="ellipse">
+              <a:avLst/>
+            </a:prstGeom>
+            <a:solidFill>
+              <a:schemeClr val="tx1"/>
+            </a:solidFill>
+            <a:ln>
+              <a:solidFill>
+                <a:schemeClr val="tx1"/>
+              </a:solidFill>
+            </a:ln>
+          </p:spPr>
+          <p:style>
+            <a:lnRef idx="2">
+              <a:schemeClr val="accent1">
+                <a:shade val="50000"/>
+              </a:schemeClr>
+            </a:lnRef>
+            <a:fillRef idx="1">
+              <a:schemeClr val="accent1"/>
+            </a:fillRef>
+            <a:effectRef idx="0">
+              <a:schemeClr val="accent1"/>
+            </a:effectRef>
+            <a:fontRef idx="minor">
+              <a:schemeClr val="lt1"/>
+            </a:fontRef>
+          </p:style>
+          <p:txBody>
+            <a:bodyPr rtlCol="0" anchor="ctr"/>
+            <a:lstStyle/>
+            <a:p>
+              <a:pPr algn="ctr"/>
+              <a:endParaRPr lang="de-DE"/>
+            </a:p>
+          </p:txBody>
+        </p:sp>
+      </p:grpSp>
+      <p:grpSp>
+        <p:nvGrpSpPr>
+          <p:cNvPr id="51" name="Gruppieren 50">
+            <a:extLst>
+              <a:ext uri="{FF2B5EF4-FFF2-40B4-BE49-F238E27FC236}">
+                <a16:creationId xmlns:a16="http://schemas.microsoft.com/office/drawing/2014/main" id="{282056A5-4583-420C-817C-8C9167B80695}"/>
+              </a:ext>
+            </a:extLst>
+          </p:cNvPr>
+          <p:cNvGrpSpPr/>
+          <p:nvPr/>
+        </p:nvGrpSpPr>
+        <p:grpSpPr>
+          <a:xfrm>
+            <a:off x="1083105" y="4873822"/>
+            <a:ext cx="1852069" cy="45719"/>
+            <a:chOff x="1086281" y="1744349"/>
+            <a:chExt cx="1852069" cy="45719"/>
+          </a:xfrm>
+        </p:grpSpPr>
+        <p:cxnSp>
+          <p:nvCxnSpPr>
+            <p:cNvPr id="52" name="Gerader Verbinder 51">
+              <a:extLst>
+                <a:ext uri="{FF2B5EF4-FFF2-40B4-BE49-F238E27FC236}">
+                  <a16:creationId xmlns:a16="http://schemas.microsoft.com/office/drawing/2014/main" id="{4F3FEE4C-E164-409B-9C79-04DE37E05423}"/>
+                </a:ext>
+              </a:extLst>
+            </p:cNvPr>
+            <p:cNvCxnSpPr>
+              <a:cxnSpLocks/>
+              <a:endCxn id="53" idx="6"/>
+            </p:cNvCxnSpPr>
+            <p:nvPr/>
+          </p:nvCxnSpPr>
+          <p:spPr>
+            <a:xfrm flipH="1">
+              <a:off x="1132000" y="1767209"/>
+              <a:ext cx="1806350" cy="0"/>
+            </a:xfrm>
+            <a:prstGeom prst="line">
+              <a:avLst/>
+            </a:prstGeom>
+            <a:ln w="12700">
+              <a:solidFill>
+                <a:schemeClr val="tx1"/>
+              </a:solidFill>
+            </a:ln>
+          </p:spPr>
+          <p:style>
+            <a:lnRef idx="1">
+              <a:schemeClr val="accent1"/>
+            </a:lnRef>
+            <a:fillRef idx="0">
+              <a:schemeClr val="accent1"/>
+            </a:fillRef>
+            <a:effectRef idx="0">
+              <a:schemeClr val="accent1"/>
+            </a:effectRef>
+            <a:fontRef idx="minor">
+              <a:schemeClr val="tx1"/>
+            </a:fontRef>
+          </p:style>
+        </p:cxnSp>
+        <p:sp>
+          <p:nvSpPr>
+            <p:cNvPr id="53" name="Ellipse 52">
+              <a:extLst>
+                <a:ext uri="{FF2B5EF4-FFF2-40B4-BE49-F238E27FC236}">
+                  <a16:creationId xmlns:a16="http://schemas.microsoft.com/office/drawing/2014/main" id="{5665BB05-D16D-46E4-9181-C05FE927579F}"/>
+                </a:ext>
+              </a:extLst>
+            </p:cNvPr>
+            <p:cNvSpPr/>
+            <p:nvPr/>
+          </p:nvSpPr>
+          <p:spPr>
+            <a:xfrm>
+              <a:off x="1086281" y="1744349"/>
+              <a:ext cx="45719" cy="45719"/>
+            </a:xfrm>
+            <a:prstGeom prst="ellipse">
+              <a:avLst/>
+            </a:prstGeom>
+            <a:solidFill>
+              <a:schemeClr val="tx1"/>
+            </a:solidFill>
+            <a:ln>
+              <a:solidFill>
+                <a:schemeClr val="tx1"/>
+              </a:solidFill>
+            </a:ln>
+          </p:spPr>
+          <p:style>
+            <a:lnRef idx="2">
+              <a:schemeClr val="accent1">
+                <a:shade val="50000"/>
+              </a:schemeClr>
+            </a:lnRef>
+            <a:fillRef idx="1">
+              <a:schemeClr val="accent1"/>
+            </a:fillRef>
+            <a:effectRef idx="0">
+              <a:schemeClr val="accent1"/>
+            </a:effectRef>
+            <a:fontRef idx="minor">
+              <a:schemeClr val="lt1"/>
+            </a:fontRef>
+          </p:style>
+          <p:txBody>
+            <a:bodyPr rtlCol="0" anchor="ctr"/>
+            <a:lstStyle/>
+            <a:p>
+              <a:pPr algn="ctr"/>
+              <a:endParaRPr lang="de-DE"/>
+            </a:p>
+          </p:txBody>
+        </p:sp>
+      </p:grpSp>
+      <p:grpSp>
+        <p:nvGrpSpPr>
+          <p:cNvPr id="54" name="Gruppieren 53">
+            <a:extLst>
+              <a:ext uri="{FF2B5EF4-FFF2-40B4-BE49-F238E27FC236}">
+                <a16:creationId xmlns:a16="http://schemas.microsoft.com/office/drawing/2014/main" id="{DA68CC02-9DAB-41E1-848E-DFB1735B4A13}"/>
+              </a:ext>
+            </a:extLst>
+          </p:cNvPr>
+          <p:cNvGrpSpPr/>
+          <p:nvPr/>
+        </p:nvGrpSpPr>
+        <p:grpSpPr>
+          <a:xfrm>
+            <a:off x="1273605" y="5032572"/>
+            <a:ext cx="1661569" cy="45719"/>
+            <a:chOff x="1276781" y="1903099"/>
+            <a:chExt cx="1661569" cy="45719"/>
+          </a:xfrm>
+        </p:grpSpPr>
+        <p:cxnSp>
+          <p:nvCxnSpPr>
+            <p:cNvPr id="55" name="Gerader Verbinder 54">
+              <a:extLst>
+                <a:ext uri="{FF2B5EF4-FFF2-40B4-BE49-F238E27FC236}">
+                  <a16:creationId xmlns:a16="http://schemas.microsoft.com/office/drawing/2014/main" id="{D7308238-F9FA-4A80-963C-F89D3F4D834A}"/>
+                </a:ext>
+              </a:extLst>
+            </p:cNvPr>
+            <p:cNvCxnSpPr>
+              <a:cxnSpLocks/>
+              <a:endCxn id="56" idx="6"/>
+            </p:cNvCxnSpPr>
+            <p:nvPr/>
+          </p:nvCxnSpPr>
+          <p:spPr>
+            <a:xfrm flipH="1">
+              <a:off x="1322500" y="1925959"/>
+              <a:ext cx="1615850" cy="0"/>
+            </a:xfrm>
+            <a:prstGeom prst="line">
+              <a:avLst/>
+            </a:prstGeom>
+            <a:ln w="12700">
+              <a:solidFill>
+                <a:schemeClr val="tx1"/>
+              </a:solidFill>
+            </a:ln>
+          </p:spPr>
+          <p:style>
+            <a:lnRef idx="1">
+              <a:schemeClr val="accent1"/>
+            </a:lnRef>
+            <a:fillRef idx="0">
+              <a:schemeClr val="accent1"/>
+            </a:fillRef>
+            <a:effectRef idx="0">
+              <a:schemeClr val="accent1"/>
+            </a:effectRef>
+            <a:fontRef idx="minor">
+              <a:schemeClr val="tx1"/>
+            </a:fontRef>
+          </p:style>
+        </p:cxnSp>
+        <p:sp>
+          <p:nvSpPr>
+            <p:cNvPr id="56" name="Ellipse 55">
+              <a:extLst>
+                <a:ext uri="{FF2B5EF4-FFF2-40B4-BE49-F238E27FC236}">
+                  <a16:creationId xmlns:a16="http://schemas.microsoft.com/office/drawing/2014/main" id="{CA482DCF-882D-478F-955E-42E7F67D27AC}"/>
+                </a:ext>
+              </a:extLst>
+            </p:cNvPr>
+            <p:cNvSpPr/>
+            <p:nvPr/>
+          </p:nvSpPr>
+          <p:spPr>
+            <a:xfrm>
+              <a:off x="1276781" y="1903099"/>
+              <a:ext cx="45719" cy="45719"/>
+            </a:xfrm>
+            <a:prstGeom prst="ellipse">
+              <a:avLst/>
+            </a:prstGeom>
+            <a:solidFill>
+              <a:schemeClr val="tx1"/>
+            </a:solidFill>
+            <a:ln>
+              <a:solidFill>
+                <a:schemeClr val="tx1"/>
+              </a:solidFill>
+            </a:ln>
+          </p:spPr>
+          <p:style>
+            <a:lnRef idx="2">
+              <a:schemeClr val="accent1">
+                <a:shade val="50000"/>
+              </a:schemeClr>
+            </a:lnRef>
+            <a:fillRef idx="1">
+              <a:schemeClr val="accent1"/>
+            </a:fillRef>
+            <a:effectRef idx="0">
+              <a:schemeClr val="accent1"/>
+            </a:effectRef>
+            <a:fontRef idx="minor">
+              <a:schemeClr val="lt1"/>
+            </a:fontRef>
+          </p:style>
+          <p:txBody>
+            <a:bodyPr rtlCol="0" anchor="ctr"/>
+            <a:lstStyle/>
+            <a:p>
+              <a:pPr algn="ctr"/>
+              <a:endParaRPr lang="de-DE"/>
+            </a:p>
+          </p:txBody>
+        </p:sp>
+      </p:grpSp>
+      <p:grpSp>
+        <p:nvGrpSpPr>
+          <p:cNvPr id="57" name="Gruppieren 56">
+            <a:extLst>
+              <a:ext uri="{FF2B5EF4-FFF2-40B4-BE49-F238E27FC236}">
+                <a16:creationId xmlns:a16="http://schemas.microsoft.com/office/drawing/2014/main" id="{1668C56B-FE84-4772-9E5D-88FE2889BE01}"/>
+              </a:ext>
+            </a:extLst>
+          </p:cNvPr>
+          <p:cNvGrpSpPr/>
+          <p:nvPr/>
+        </p:nvGrpSpPr>
+        <p:grpSpPr>
+          <a:xfrm>
+            <a:off x="1457755" y="4716633"/>
+            <a:ext cx="1477419" cy="45719"/>
+            <a:chOff x="1460931" y="2077724"/>
+            <a:chExt cx="1477419" cy="45719"/>
+          </a:xfrm>
+        </p:grpSpPr>
+        <p:cxnSp>
+          <p:nvCxnSpPr>
+            <p:cNvPr id="58" name="Gerader Verbinder 57">
+              <a:extLst>
+                <a:ext uri="{FF2B5EF4-FFF2-40B4-BE49-F238E27FC236}">
+                  <a16:creationId xmlns:a16="http://schemas.microsoft.com/office/drawing/2014/main" id="{FF7A097A-632E-4A1F-9E62-1674A5C2C502}"/>
+                </a:ext>
+              </a:extLst>
+            </p:cNvPr>
+            <p:cNvCxnSpPr>
+              <a:cxnSpLocks/>
+              <a:endCxn id="59" idx="6"/>
+            </p:cNvCxnSpPr>
+            <p:nvPr/>
+          </p:nvCxnSpPr>
+          <p:spPr>
+            <a:xfrm flipH="1">
+              <a:off x="1506650" y="2100584"/>
+              <a:ext cx="1431700" cy="0"/>
+            </a:xfrm>
+            <a:prstGeom prst="line">
+              <a:avLst/>
+            </a:prstGeom>
+            <a:ln w="12700">
+              <a:solidFill>
+                <a:schemeClr val="tx1"/>
+              </a:solidFill>
+            </a:ln>
+          </p:spPr>
+          <p:style>
+            <a:lnRef idx="1">
+              <a:schemeClr val="accent1"/>
+            </a:lnRef>
+            <a:fillRef idx="0">
+              <a:schemeClr val="accent1"/>
+            </a:fillRef>
+            <a:effectRef idx="0">
+              <a:schemeClr val="accent1"/>
+            </a:effectRef>
+            <a:fontRef idx="minor">
+              <a:schemeClr val="tx1"/>
+            </a:fontRef>
+          </p:style>
+        </p:cxnSp>
+        <p:sp>
+          <p:nvSpPr>
+            <p:cNvPr id="59" name="Ellipse 58">
+              <a:extLst>
+                <a:ext uri="{FF2B5EF4-FFF2-40B4-BE49-F238E27FC236}">
+                  <a16:creationId xmlns:a16="http://schemas.microsoft.com/office/drawing/2014/main" id="{1E95BA56-7829-4B2A-8B7E-D4CF70880787}"/>
+                </a:ext>
+              </a:extLst>
+            </p:cNvPr>
+            <p:cNvSpPr/>
+            <p:nvPr/>
+          </p:nvSpPr>
+          <p:spPr>
+            <a:xfrm>
+              <a:off x="1460931" y="2077724"/>
+              <a:ext cx="45719" cy="45719"/>
+            </a:xfrm>
+            <a:prstGeom prst="ellipse">
+              <a:avLst/>
+            </a:prstGeom>
+            <a:solidFill>
+              <a:schemeClr val="tx1"/>
+            </a:solidFill>
+            <a:ln>
+              <a:solidFill>
+                <a:schemeClr val="tx1"/>
+              </a:solidFill>
+            </a:ln>
+          </p:spPr>
+          <p:style>
+            <a:lnRef idx="2">
+              <a:schemeClr val="accent1">
+                <a:shade val="50000"/>
+              </a:schemeClr>
+            </a:lnRef>
+            <a:fillRef idx="1">
+              <a:schemeClr val="accent1"/>
+            </a:fillRef>
+            <a:effectRef idx="0">
+              <a:schemeClr val="accent1"/>
+            </a:effectRef>
+            <a:fontRef idx="minor">
+              <a:schemeClr val="lt1"/>
+            </a:fontRef>
+          </p:style>
+          <p:txBody>
+            <a:bodyPr rtlCol="0" anchor="ctr"/>
+            <a:lstStyle/>
+            <a:p>
+              <a:pPr algn="ctr"/>
+              <a:endParaRPr lang="de-DE"/>
+            </a:p>
+          </p:txBody>
+        </p:sp>
+      </p:grpSp>
+      <p:grpSp>
+        <p:nvGrpSpPr>
+          <p:cNvPr id="60" name="Gruppieren 59">
+            <a:extLst>
+              <a:ext uri="{FF2B5EF4-FFF2-40B4-BE49-F238E27FC236}">
+                <a16:creationId xmlns:a16="http://schemas.microsoft.com/office/drawing/2014/main" id="{75BA0F11-BF39-4706-9A92-6F958FC86AB0}"/>
+              </a:ext>
+            </a:extLst>
+          </p:cNvPr>
+          <p:cNvGrpSpPr/>
+          <p:nvPr/>
+        </p:nvGrpSpPr>
+        <p:grpSpPr>
+          <a:xfrm>
+            <a:off x="1081502" y="5797264"/>
+            <a:ext cx="1852069" cy="45719"/>
+            <a:chOff x="1086281" y="1744349"/>
+            <a:chExt cx="1852069" cy="45719"/>
+          </a:xfrm>
+        </p:grpSpPr>
+        <p:cxnSp>
+          <p:nvCxnSpPr>
+            <p:cNvPr id="61" name="Gerader Verbinder 60">
+              <a:extLst>
+                <a:ext uri="{FF2B5EF4-FFF2-40B4-BE49-F238E27FC236}">
+                  <a16:creationId xmlns:a16="http://schemas.microsoft.com/office/drawing/2014/main" id="{85AF4EAE-3781-422D-8932-7E28A74A7CC3}"/>
+                </a:ext>
+              </a:extLst>
+            </p:cNvPr>
+            <p:cNvCxnSpPr>
+              <a:cxnSpLocks/>
+              <a:endCxn id="62" idx="6"/>
+            </p:cNvCxnSpPr>
+            <p:nvPr/>
+          </p:nvCxnSpPr>
+          <p:spPr>
+            <a:xfrm flipH="1">
+              <a:off x="1132000" y="1767209"/>
+              <a:ext cx="1806350" cy="0"/>
+            </a:xfrm>
+            <a:prstGeom prst="line">
+              <a:avLst/>
+            </a:prstGeom>
+            <a:ln w="12700">
+              <a:solidFill>
+                <a:schemeClr val="tx1"/>
+              </a:solidFill>
+            </a:ln>
+          </p:spPr>
+          <p:style>
+            <a:lnRef idx="1">
+              <a:schemeClr val="accent1"/>
+            </a:lnRef>
+            <a:fillRef idx="0">
+              <a:schemeClr val="accent1"/>
+            </a:fillRef>
+            <a:effectRef idx="0">
+              <a:schemeClr val="accent1"/>
+            </a:effectRef>
+            <a:fontRef idx="minor">
+              <a:schemeClr val="tx1"/>
+            </a:fontRef>
+          </p:style>
+        </p:cxnSp>
+        <p:sp>
+          <p:nvSpPr>
+            <p:cNvPr id="62" name="Ellipse 61">
+              <a:extLst>
+                <a:ext uri="{FF2B5EF4-FFF2-40B4-BE49-F238E27FC236}">
+                  <a16:creationId xmlns:a16="http://schemas.microsoft.com/office/drawing/2014/main" id="{EED23764-F735-4702-B8C1-489EF9257B38}"/>
+                </a:ext>
+              </a:extLst>
+            </p:cNvPr>
+            <p:cNvSpPr/>
+            <p:nvPr/>
+          </p:nvSpPr>
+          <p:spPr>
+            <a:xfrm>
+              <a:off x="1086281" y="1744349"/>
+              <a:ext cx="45719" cy="45719"/>
+            </a:xfrm>
+            <a:prstGeom prst="ellipse">
+              <a:avLst/>
+            </a:prstGeom>
+            <a:solidFill>
+              <a:schemeClr val="tx1"/>
+            </a:solidFill>
+            <a:ln>
+              <a:solidFill>
+                <a:schemeClr val="tx1"/>
+              </a:solidFill>
+            </a:ln>
+          </p:spPr>
+          <p:style>
+            <a:lnRef idx="2">
+              <a:schemeClr val="accent1">
+                <a:shade val="50000"/>
+              </a:schemeClr>
+            </a:lnRef>
+            <a:fillRef idx="1">
+              <a:schemeClr val="accent1"/>
+            </a:fillRef>
+            <a:effectRef idx="0">
+              <a:schemeClr val="accent1"/>
+            </a:effectRef>
+            <a:fontRef idx="minor">
+              <a:schemeClr val="lt1"/>
+            </a:fontRef>
+          </p:style>
+          <p:txBody>
+            <a:bodyPr rtlCol="0" anchor="ctr"/>
+            <a:lstStyle/>
+            <a:p>
+              <a:pPr algn="ctr"/>
+              <a:endParaRPr lang="de-DE"/>
+            </a:p>
+          </p:txBody>
+        </p:sp>
+      </p:grpSp>
+      <p:grpSp>
+        <p:nvGrpSpPr>
+          <p:cNvPr id="63" name="Gruppieren 62">
+            <a:extLst>
+              <a:ext uri="{FF2B5EF4-FFF2-40B4-BE49-F238E27FC236}">
+                <a16:creationId xmlns:a16="http://schemas.microsoft.com/office/drawing/2014/main" id="{079B0229-3765-4C18-8350-4E0104E199F3}"/>
+              </a:ext>
+            </a:extLst>
+          </p:cNvPr>
+          <p:cNvGrpSpPr/>
+          <p:nvPr/>
+        </p:nvGrpSpPr>
+        <p:grpSpPr>
+          <a:xfrm>
+            <a:off x="1272002" y="5455935"/>
+            <a:ext cx="1661569" cy="45719"/>
+            <a:chOff x="1276781" y="1903099"/>
+            <a:chExt cx="1661569" cy="45719"/>
+          </a:xfrm>
+        </p:grpSpPr>
+        <p:cxnSp>
+          <p:nvCxnSpPr>
+            <p:cNvPr id="64" name="Gerader Verbinder 63">
+              <a:extLst>
+                <a:ext uri="{FF2B5EF4-FFF2-40B4-BE49-F238E27FC236}">
+                  <a16:creationId xmlns:a16="http://schemas.microsoft.com/office/drawing/2014/main" id="{D38D8DEA-F1F6-498D-9D2E-00A9FBB8D410}"/>
+                </a:ext>
+              </a:extLst>
+            </p:cNvPr>
+            <p:cNvCxnSpPr>
+              <a:cxnSpLocks/>
+              <a:endCxn id="65" idx="6"/>
+            </p:cNvCxnSpPr>
+            <p:nvPr/>
+          </p:nvCxnSpPr>
+          <p:spPr>
+            <a:xfrm flipH="1">
+              <a:off x="1322500" y="1925959"/>
+              <a:ext cx="1615850" cy="0"/>
+            </a:xfrm>
+            <a:prstGeom prst="line">
+              <a:avLst/>
+            </a:prstGeom>
+            <a:ln w="12700">
+              <a:solidFill>
+                <a:schemeClr val="tx1"/>
+              </a:solidFill>
+            </a:ln>
+          </p:spPr>
+          <p:style>
+            <a:lnRef idx="1">
+              <a:schemeClr val="accent1"/>
+            </a:lnRef>
+            <a:fillRef idx="0">
+              <a:schemeClr val="accent1"/>
+            </a:fillRef>
+            <a:effectRef idx="0">
+              <a:schemeClr val="accent1"/>
+            </a:effectRef>
+            <a:fontRef idx="minor">
+              <a:schemeClr val="tx1"/>
+            </a:fontRef>
+          </p:style>
+        </p:cxnSp>
+        <p:sp>
+          <p:nvSpPr>
+            <p:cNvPr id="65" name="Ellipse 64">
+              <a:extLst>
+                <a:ext uri="{FF2B5EF4-FFF2-40B4-BE49-F238E27FC236}">
+                  <a16:creationId xmlns:a16="http://schemas.microsoft.com/office/drawing/2014/main" id="{FA5F1363-37EB-4155-B764-182C944A806D}"/>
+                </a:ext>
+              </a:extLst>
+            </p:cNvPr>
+            <p:cNvSpPr/>
+            <p:nvPr/>
+          </p:nvSpPr>
+          <p:spPr>
+            <a:xfrm>
+              <a:off x="1276781" y="1903099"/>
+              <a:ext cx="45719" cy="45719"/>
+            </a:xfrm>
+            <a:prstGeom prst="ellipse">
+              <a:avLst/>
+            </a:prstGeom>
+            <a:solidFill>
+              <a:schemeClr val="tx1"/>
+            </a:solidFill>
+            <a:ln>
+              <a:solidFill>
+                <a:schemeClr val="tx1"/>
+              </a:solidFill>
+            </a:ln>
+          </p:spPr>
+          <p:style>
+            <a:lnRef idx="2">
+              <a:schemeClr val="accent1">
+                <a:shade val="50000"/>
+              </a:schemeClr>
+            </a:lnRef>
+            <a:fillRef idx="1">
+              <a:schemeClr val="accent1"/>
+            </a:fillRef>
+            <a:effectRef idx="0">
+              <a:schemeClr val="accent1"/>
+            </a:effectRef>
+            <a:fontRef idx="minor">
+              <a:schemeClr val="lt1"/>
+            </a:fontRef>
+          </p:style>
+          <p:txBody>
+            <a:bodyPr rtlCol="0" anchor="ctr"/>
+            <a:lstStyle/>
+            <a:p>
+              <a:pPr algn="ctr"/>
+              <a:endParaRPr lang="de-DE"/>
+            </a:p>
+          </p:txBody>
+        </p:sp>
+      </p:grpSp>
+      <p:grpSp>
+        <p:nvGrpSpPr>
+          <p:cNvPr id="66" name="Gruppieren 65">
+            <a:extLst>
+              <a:ext uri="{FF2B5EF4-FFF2-40B4-BE49-F238E27FC236}">
+                <a16:creationId xmlns:a16="http://schemas.microsoft.com/office/drawing/2014/main" id="{EA7C2367-FF19-4697-BEDD-E10BE35A0B88}"/>
+              </a:ext>
+            </a:extLst>
+          </p:cNvPr>
+          <p:cNvGrpSpPr/>
+          <p:nvPr/>
+        </p:nvGrpSpPr>
+        <p:grpSpPr>
+          <a:xfrm>
+            <a:off x="1456152" y="5630560"/>
+            <a:ext cx="1477419" cy="45719"/>
+            <a:chOff x="1460931" y="2077724"/>
+            <a:chExt cx="1477419" cy="45719"/>
+          </a:xfrm>
+        </p:grpSpPr>
+        <p:cxnSp>
+          <p:nvCxnSpPr>
+            <p:cNvPr id="67" name="Gerader Verbinder 66">
+              <a:extLst>
+                <a:ext uri="{FF2B5EF4-FFF2-40B4-BE49-F238E27FC236}">
+                  <a16:creationId xmlns:a16="http://schemas.microsoft.com/office/drawing/2014/main" id="{2B229CEC-E657-4E9C-B81D-7E87C29CE405}"/>
+                </a:ext>
+              </a:extLst>
+            </p:cNvPr>
+            <p:cNvCxnSpPr>
+              <a:cxnSpLocks/>
+              <a:endCxn id="68" idx="6"/>
+            </p:cNvCxnSpPr>
+            <p:nvPr/>
+          </p:nvCxnSpPr>
+          <p:spPr>
+            <a:xfrm flipH="1">
+              <a:off x="1506650" y="2100584"/>
+              <a:ext cx="1431700" cy="0"/>
+            </a:xfrm>
+            <a:prstGeom prst="line">
+              <a:avLst/>
+            </a:prstGeom>
+            <a:ln w="12700">
+              <a:solidFill>
+                <a:schemeClr val="tx1"/>
+              </a:solidFill>
+            </a:ln>
+          </p:spPr>
+          <p:style>
+            <a:lnRef idx="1">
+              <a:schemeClr val="accent1"/>
+            </a:lnRef>
+            <a:fillRef idx="0">
+              <a:schemeClr val="accent1"/>
+            </a:fillRef>
+            <a:effectRef idx="0">
+              <a:schemeClr val="accent1"/>
+            </a:effectRef>
+            <a:fontRef idx="minor">
+              <a:schemeClr val="tx1"/>
+            </a:fontRef>
+          </p:style>
+        </p:cxnSp>
+        <p:sp>
+          <p:nvSpPr>
+            <p:cNvPr id="68" name="Ellipse 67">
+              <a:extLst>
+                <a:ext uri="{FF2B5EF4-FFF2-40B4-BE49-F238E27FC236}">
+                  <a16:creationId xmlns:a16="http://schemas.microsoft.com/office/drawing/2014/main" id="{E18B7280-0BF7-4AE8-A3EA-DEAD9794F8E5}"/>
+                </a:ext>
+              </a:extLst>
+            </p:cNvPr>
+            <p:cNvSpPr/>
+            <p:nvPr/>
+          </p:nvSpPr>
+          <p:spPr>
+            <a:xfrm>
+              <a:off x="1460931" y="2077724"/>
+              <a:ext cx="45719" cy="45719"/>
+            </a:xfrm>
+            <a:prstGeom prst="ellipse">
+              <a:avLst/>
+            </a:prstGeom>
+            <a:solidFill>
+              <a:schemeClr val="tx1"/>
+            </a:solidFill>
+            <a:ln>
+              <a:solidFill>
+                <a:schemeClr val="tx1"/>
+              </a:solidFill>
+            </a:ln>
+          </p:spPr>
+          <p:style>
+            <a:lnRef idx="2">
+              <a:schemeClr val="accent1">
+                <a:shade val="50000"/>
+              </a:schemeClr>
+            </a:lnRef>
+            <a:fillRef idx="1">
+              <a:schemeClr val="accent1"/>
+            </a:fillRef>
+            <a:effectRef idx="0">
+              <a:schemeClr val="accent1"/>
+            </a:effectRef>
+            <a:fontRef idx="minor">
+              <a:schemeClr val="lt1"/>
+            </a:fontRef>
+          </p:style>
+          <p:txBody>
+            <a:bodyPr rtlCol="0" anchor="ctr"/>
+            <a:lstStyle/>
+            <a:p>
+              <a:pPr algn="ctr"/>
+              <a:endParaRPr lang="de-DE"/>
+            </a:p>
+          </p:txBody>
+        </p:sp>
+      </p:grpSp>
+      <p:grpSp>
+        <p:nvGrpSpPr>
+          <p:cNvPr id="69" name="Gruppieren 68">
+            <a:extLst>
+              <a:ext uri="{FF2B5EF4-FFF2-40B4-BE49-F238E27FC236}">
+                <a16:creationId xmlns:a16="http://schemas.microsoft.com/office/drawing/2014/main" id="{26F58CE8-9FE7-4036-A3CB-25B02E234101}"/>
+              </a:ext>
+            </a:extLst>
+          </p:cNvPr>
+          <p:cNvGrpSpPr/>
+          <p:nvPr/>
+        </p:nvGrpSpPr>
+        <p:grpSpPr>
+          <a:xfrm>
+            <a:off x="1086265" y="6216362"/>
+            <a:ext cx="1852069" cy="45719"/>
+            <a:chOff x="1086281" y="1744349"/>
+            <a:chExt cx="1852069" cy="45719"/>
+          </a:xfrm>
+        </p:grpSpPr>
+        <p:cxnSp>
+          <p:nvCxnSpPr>
+            <p:cNvPr id="70" name="Gerader Verbinder 69">
+              <a:extLst>
+                <a:ext uri="{FF2B5EF4-FFF2-40B4-BE49-F238E27FC236}">
+                  <a16:creationId xmlns:a16="http://schemas.microsoft.com/office/drawing/2014/main" id="{159592B6-346E-4E87-87BD-250CA4C3BE1E}"/>
+                </a:ext>
+              </a:extLst>
+            </p:cNvPr>
+            <p:cNvCxnSpPr>
+              <a:cxnSpLocks/>
+              <a:endCxn id="71" idx="6"/>
+            </p:cNvCxnSpPr>
+            <p:nvPr/>
+          </p:nvCxnSpPr>
+          <p:spPr>
+            <a:xfrm flipH="1">
+              <a:off x="1132000" y="1767209"/>
+              <a:ext cx="1806350" cy="0"/>
+            </a:xfrm>
+            <a:prstGeom prst="line">
+              <a:avLst/>
+            </a:prstGeom>
+            <a:ln w="12700">
+              <a:solidFill>
+                <a:schemeClr val="tx1"/>
+              </a:solidFill>
+            </a:ln>
+          </p:spPr>
+          <p:style>
+            <a:lnRef idx="1">
+              <a:schemeClr val="accent1"/>
+            </a:lnRef>
+            <a:fillRef idx="0">
+              <a:schemeClr val="accent1"/>
+            </a:fillRef>
+            <a:effectRef idx="0">
+              <a:schemeClr val="accent1"/>
+            </a:effectRef>
+            <a:fontRef idx="minor">
+              <a:schemeClr val="tx1"/>
+            </a:fontRef>
+          </p:style>
+        </p:cxnSp>
+        <p:sp>
+          <p:nvSpPr>
+            <p:cNvPr id="71" name="Ellipse 70">
+              <a:extLst>
+                <a:ext uri="{FF2B5EF4-FFF2-40B4-BE49-F238E27FC236}">
+                  <a16:creationId xmlns:a16="http://schemas.microsoft.com/office/drawing/2014/main" id="{84447414-F74A-45EA-AC08-06CE56BBCB6E}"/>
+                </a:ext>
+              </a:extLst>
+            </p:cNvPr>
+            <p:cNvSpPr/>
+            <p:nvPr/>
+          </p:nvSpPr>
+          <p:spPr>
+            <a:xfrm>
+              <a:off x="1086281" y="1744349"/>
+              <a:ext cx="45719" cy="45719"/>
+            </a:xfrm>
+            <a:prstGeom prst="ellipse">
+              <a:avLst/>
+            </a:prstGeom>
+            <a:solidFill>
+              <a:schemeClr val="tx1"/>
+            </a:solidFill>
+            <a:ln>
+              <a:solidFill>
+                <a:schemeClr val="tx1"/>
+              </a:solidFill>
+            </a:ln>
+          </p:spPr>
+          <p:style>
+            <a:lnRef idx="2">
+              <a:schemeClr val="accent1">
+                <a:shade val="50000"/>
+              </a:schemeClr>
+            </a:lnRef>
+            <a:fillRef idx="1">
+              <a:schemeClr val="accent1"/>
+            </a:fillRef>
+            <a:effectRef idx="0">
+              <a:schemeClr val="accent1"/>
+            </a:effectRef>
+            <a:fontRef idx="minor">
+              <a:schemeClr val="lt1"/>
+            </a:fontRef>
+          </p:style>
+          <p:txBody>
+            <a:bodyPr rtlCol="0" anchor="ctr"/>
+            <a:lstStyle/>
+            <a:p>
+              <a:pPr algn="ctr"/>
+              <a:endParaRPr lang="de-DE"/>
+            </a:p>
+          </p:txBody>
+        </p:sp>
+      </p:grpSp>
+      <p:grpSp>
+        <p:nvGrpSpPr>
+          <p:cNvPr id="72" name="Gruppieren 71">
+            <a:extLst>
+              <a:ext uri="{FF2B5EF4-FFF2-40B4-BE49-F238E27FC236}">
+                <a16:creationId xmlns:a16="http://schemas.microsoft.com/office/drawing/2014/main" id="{BFEE4C90-CBBD-400B-9163-B8E72660A68B}"/>
+              </a:ext>
+            </a:extLst>
+          </p:cNvPr>
+          <p:cNvGrpSpPr/>
+          <p:nvPr/>
+        </p:nvGrpSpPr>
+        <p:grpSpPr>
+          <a:xfrm>
+            <a:off x="1276765" y="6375112"/>
+            <a:ext cx="1661569" cy="45719"/>
+            <a:chOff x="1276781" y="1903099"/>
+            <a:chExt cx="1661569" cy="45719"/>
+          </a:xfrm>
+        </p:grpSpPr>
+        <p:cxnSp>
+          <p:nvCxnSpPr>
+            <p:cNvPr id="73" name="Gerader Verbinder 72">
+              <a:extLst>
+                <a:ext uri="{FF2B5EF4-FFF2-40B4-BE49-F238E27FC236}">
+                  <a16:creationId xmlns:a16="http://schemas.microsoft.com/office/drawing/2014/main" id="{C9204726-EBB2-4BE8-8271-F2230F85A1DC}"/>
+                </a:ext>
+              </a:extLst>
+            </p:cNvPr>
+            <p:cNvCxnSpPr>
+              <a:cxnSpLocks/>
+              <a:endCxn id="74" idx="6"/>
+            </p:cNvCxnSpPr>
+            <p:nvPr/>
+          </p:nvCxnSpPr>
+          <p:spPr>
+            <a:xfrm flipH="1">
+              <a:off x="1322500" y="1925959"/>
+              <a:ext cx="1615850" cy="0"/>
+            </a:xfrm>
+            <a:prstGeom prst="line">
+              <a:avLst/>
+            </a:prstGeom>
+            <a:ln w="12700">
+              <a:solidFill>
+                <a:schemeClr val="tx1"/>
+              </a:solidFill>
+            </a:ln>
+          </p:spPr>
+          <p:style>
+            <a:lnRef idx="1">
+              <a:schemeClr val="accent1"/>
+            </a:lnRef>
+            <a:fillRef idx="0">
+              <a:schemeClr val="accent1"/>
+            </a:fillRef>
+            <a:effectRef idx="0">
+              <a:schemeClr val="accent1"/>
+            </a:effectRef>
+            <a:fontRef idx="minor">
+              <a:schemeClr val="tx1"/>
+            </a:fontRef>
+          </p:style>
+        </p:cxnSp>
+        <p:sp>
+          <p:nvSpPr>
+            <p:cNvPr id="74" name="Ellipse 73">
+              <a:extLst>
+                <a:ext uri="{FF2B5EF4-FFF2-40B4-BE49-F238E27FC236}">
+                  <a16:creationId xmlns:a16="http://schemas.microsoft.com/office/drawing/2014/main" id="{CEAC0ADF-8E25-4611-9AB8-8EE68492A24D}"/>
+                </a:ext>
+              </a:extLst>
+            </p:cNvPr>
+            <p:cNvSpPr/>
+            <p:nvPr/>
+          </p:nvSpPr>
+          <p:spPr>
+            <a:xfrm>
+              <a:off x="1276781" y="1903099"/>
+              <a:ext cx="45719" cy="45719"/>
+            </a:xfrm>
+            <a:prstGeom prst="ellipse">
+              <a:avLst/>
+            </a:prstGeom>
+            <a:solidFill>
+              <a:schemeClr val="tx1"/>
+            </a:solidFill>
+            <a:ln>
+              <a:solidFill>
+                <a:schemeClr val="tx1"/>
+              </a:solidFill>
+            </a:ln>
+          </p:spPr>
+          <p:style>
+            <a:lnRef idx="2">
+              <a:schemeClr val="accent1">
+                <a:shade val="50000"/>
+              </a:schemeClr>
+            </a:lnRef>
+            <a:fillRef idx="1">
+              <a:schemeClr val="accent1"/>
+            </a:fillRef>
+            <a:effectRef idx="0">
+              <a:schemeClr val="accent1"/>
+            </a:effectRef>
+            <a:fontRef idx="minor">
+              <a:schemeClr val="lt1"/>
+            </a:fontRef>
+          </p:style>
+          <p:txBody>
+            <a:bodyPr rtlCol="0" anchor="ctr"/>
+            <a:lstStyle/>
+            <a:p>
+              <a:pPr algn="ctr"/>
+              <a:endParaRPr lang="de-DE"/>
+            </a:p>
+          </p:txBody>
+        </p:sp>
+      </p:grpSp>
+      <p:grpSp>
+        <p:nvGrpSpPr>
+          <p:cNvPr id="75" name="Gruppieren 74">
+            <a:extLst>
+              <a:ext uri="{FF2B5EF4-FFF2-40B4-BE49-F238E27FC236}">
+                <a16:creationId xmlns:a16="http://schemas.microsoft.com/office/drawing/2014/main" id="{1674D23E-0883-40FF-9BFA-59712E2DB1E7}"/>
+              </a:ext>
+            </a:extLst>
+          </p:cNvPr>
+          <p:cNvGrpSpPr/>
+          <p:nvPr/>
+        </p:nvGrpSpPr>
+        <p:grpSpPr>
+          <a:xfrm>
+            <a:off x="1460915" y="6549737"/>
+            <a:ext cx="1477419" cy="45719"/>
+            <a:chOff x="1460931" y="2077724"/>
+            <a:chExt cx="1477419" cy="45719"/>
+          </a:xfrm>
+        </p:grpSpPr>
+        <p:cxnSp>
+          <p:nvCxnSpPr>
+            <p:cNvPr id="76" name="Gerader Verbinder 75">
+              <a:extLst>
+                <a:ext uri="{FF2B5EF4-FFF2-40B4-BE49-F238E27FC236}">
+                  <a16:creationId xmlns:a16="http://schemas.microsoft.com/office/drawing/2014/main" id="{A8FD5208-177E-4BCA-8F23-80A299D9E538}"/>
+                </a:ext>
+              </a:extLst>
+            </p:cNvPr>
+            <p:cNvCxnSpPr>
+              <a:cxnSpLocks/>
+              <a:endCxn id="77" idx="6"/>
+            </p:cNvCxnSpPr>
+            <p:nvPr/>
+          </p:nvCxnSpPr>
+          <p:spPr>
+            <a:xfrm flipH="1">
+              <a:off x="1506650" y="2100584"/>
+              <a:ext cx="1431700" cy="0"/>
+            </a:xfrm>
+            <a:prstGeom prst="line">
+              <a:avLst/>
+            </a:prstGeom>
+            <a:ln w="12700">
+              <a:solidFill>
+                <a:schemeClr val="tx1"/>
+              </a:solidFill>
+            </a:ln>
+          </p:spPr>
+          <p:style>
+            <a:lnRef idx="1">
+              <a:schemeClr val="accent1"/>
+            </a:lnRef>
+            <a:fillRef idx="0">
+              <a:schemeClr val="accent1"/>
+            </a:fillRef>
+            <a:effectRef idx="0">
+              <a:schemeClr val="accent1"/>
+            </a:effectRef>
+            <a:fontRef idx="minor">
+              <a:schemeClr val="tx1"/>
+            </a:fontRef>
+          </p:style>
+        </p:cxnSp>
+        <p:sp>
+          <p:nvSpPr>
+            <p:cNvPr id="77" name="Ellipse 76">
+              <a:extLst>
+                <a:ext uri="{FF2B5EF4-FFF2-40B4-BE49-F238E27FC236}">
+                  <a16:creationId xmlns:a16="http://schemas.microsoft.com/office/drawing/2014/main" id="{8E74CFD0-9741-412B-868C-0270F2BD0A9B}"/>
+                </a:ext>
+              </a:extLst>
+            </p:cNvPr>
+            <p:cNvSpPr/>
+            <p:nvPr/>
+          </p:nvSpPr>
+          <p:spPr>
+            <a:xfrm>
+              <a:off x="1460931" y="2077724"/>
+              <a:ext cx="45719" cy="45719"/>
+            </a:xfrm>
+            <a:prstGeom prst="ellipse">
+              <a:avLst/>
+            </a:prstGeom>
+            <a:solidFill>
+              <a:schemeClr val="tx1"/>
+            </a:solidFill>
+            <a:ln>
+              <a:solidFill>
+                <a:schemeClr val="tx1"/>
+              </a:solidFill>
+            </a:ln>
+          </p:spPr>
+          <p:style>
+            <a:lnRef idx="2">
+              <a:schemeClr val="accent1">
+                <a:shade val="50000"/>
+              </a:schemeClr>
+            </a:lnRef>
+            <a:fillRef idx="1">
+              <a:schemeClr val="accent1"/>
+            </a:fillRef>
+            <a:effectRef idx="0">
+              <a:schemeClr val="accent1"/>
+            </a:effectRef>
+            <a:fontRef idx="minor">
+              <a:schemeClr val="lt1"/>
+            </a:fontRef>
+          </p:style>
+          <p:txBody>
+            <a:bodyPr rtlCol="0" anchor="ctr"/>
+            <a:lstStyle/>
+            <a:p>
+              <a:pPr algn="ctr"/>
+              <a:endParaRPr lang="de-DE"/>
+            </a:p>
+          </p:txBody>
+        </p:sp>
+      </p:grpSp>
+      <p:grpSp>
+        <p:nvGrpSpPr>
+          <p:cNvPr id="78" name="Gruppieren 77">
+            <a:extLst>
+              <a:ext uri="{FF2B5EF4-FFF2-40B4-BE49-F238E27FC236}">
+                <a16:creationId xmlns:a16="http://schemas.microsoft.com/office/drawing/2014/main" id="{9598841F-AE49-4F17-BE61-D33ABB79910D}"/>
+              </a:ext>
+            </a:extLst>
+          </p:cNvPr>
+          <p:cNvGrpSpPr/>
+          <p:nvPr/>
+        </p:nvGrpSpPr>
+        <p:grpSpPr>
+          <a:xfrm>
+            <a:off x="1083100" y="7140787"/>
+            <a:ext cx="1852069" cy="45719"/>
+            <a:chOff x="1086281" y="1744349"/>
+            <a:chExt cx="1852069" cy="45719"/>
+          </a:xfrm>
+        </p:grpSpPr>
+        <p:cxnSp>
+          <p:nvCxnSpPr>
+            <p:cNvPr id="79" name="Gerader Verbinder 78">
+              <a:extLst>
+                <a:ext uri="{FF2B5EF4-FFF2-40B4-BE49-F238E27FC236}">
+                  <a16:creationId xmlns:a16="http://schemas.microsoft.com/office/drawing/2014/main" id="{B9619431-C85D-42F6-9321-138B48D4E5B4}"/>
+                </a:ext>
+              </a:extLst>
+            </p:cNvPr>
+            <p:cNvCxnSpPr>
+              <a:cxnSpLocks/>
+              <a:endCxn id="80" idx="6"/>
+            </p:cNvCxnSpPr>
+            <p:nvPr/>
+          </p:nvCxnSpPr>
+          <p:spPr>
+            <a:xfrm flipH="1">
+              <a:off x="1132000" y="1767209"/>
+              <a:ext cx="1806350" cy="0"/>
+            </a:xfrm>
+            <a:prstGeom prst="line">
+              <a:avLst/>
+            </a:prstGeom>
+            <a:ln w="12700">
+              <a:solidFill>
+                <a:schemeClr val="tx1"/>
+              </a:solidFill>
+            </a:ln>
+          </p:spPr>
+          <p:style>
+            <a:lnRef idx="1">
+              <a:schemeClr val="accent1"/>
+            </a:lnRef>
+            <a:fillRef idx="0">
+              <a:schemeClr val="accent1"/>
+            </a:fillRef>
+            <a:effectRef idx="0">
+              <a:schemeClr val="accent1"/>
+            </a:effectRef>
+            <a:fontRef idx="minor">
+              <a:schemeClr val="tx1"/>
+            </a:fontRef>
+          </p:style>
+        </p:cxnSp>
+        <p:sp>
+          <p:nvSpPr>
+            <p:cNvPr id="80" name="Ellipse 79">
+              <a:extLst>
+                <a:ext uri="{FF2B5EF4-FFF2-40B4-BE49-F238E27FC236}">
+                  <a16:creationId xmlns:a16="http://schemas.microsoft.com/office/drawing/2014/main" id="{58EB7FF5-C991-4F59-A0CE-C2DDD8879768}"/>
+                </a:ext>
+              </a:extLst>
+            </p:cNvPr>
+            <p:cNvSpPr/>
+            <p:nvPr/>
+          </p:nvSpPr>
+          <p:spPr>
+            <a:xfrm>
+              <a:off x="1086281" y="1744349"/>
+              <a:ext cx="45719" cy="45719"/>
+            </a:xfrm>
+            <a:prstGeom prst="ellipse">
+              <a:avLst/>
+            </a:prstGeom>
+            <a:solidFill>
+              <a:schemeClr val="tx1"/>
+            </a:solidFill>
+            <a:ln>
+              <a:solidFill>
+                <a:schemeClr val="tx1"/>
+              </a:solidFill>
+            </a:ln>
+          </p:spPr>
+          <p:style>
+            <a:lnRef idx="2">
+              <a:schemeClr val="accent1">
+                <a:shade val="50000"/>
+              </a:schemeClr>
+            </a:lnRef>
+            <a:fillRef idx="1">
+              <a:schemeClr val="accent1"/>
+            </a:fillRef>
+            <a:effectRef idx="0">
+              <a:schemeClr val="accent1"/>
+            </a:effectRef>
+            <a:fontRef idx="minor">
+              <a:schemeClr val="lt1"/>
+            </a:fontRef>
+          </p:style>
+          <p:txBody>
+            <a:bodyPr rtlCol="0" anchor="ctr"/>
+            <a:lstStyle/>
+            <a:p>
+              <a:pPr algn="ctr"/>
+              <a:endParaRPr lang="de-DE"/>
+            </a:p>
+          </p:txBody>
+        </p:sp>
+      </p:grpSp>
+      <p:grpSp>
+        <p:nvGrpSpPr>
+          <p:cNvPr id="81" name="Gruppieren 80">
+            <a:extLst>
+              <a:ext uri="{FF2B5EF4-FFF2-40B4-BE49-F238E27FC236}">
+                <a16:creationId xmlns:a16="http://schemas.microsoft.com/office/drawing/2014/main" id="{448D7E8F-86E5-40F0-994E-4F6D90CFC57E}"/>
+              </a:ext>
+            </a:extLst>
+          </p:cNvPr>
+          <p:cNvGrpSpPr/>
+          <p:nvPr/>
+        </p:nvGrpSpPr>
+        <p:grpSpPr>
+          <a:xfrm>
+            <a:off x="1273600" y="7299537"/>
+            <a:ext cx="1661569" cy="45719"/>
+            <a:chOff x="1276781" y="1903099"/>
+            <a:chExt cx="1661569" cy="45719"/>
+          </a:xfrm>
+        </p:grpSpPr>
+        <p:cxnSp>
+          <p:nvCxnSpPr>
+            <p:cNvPr id="82" name="Gerader Verbinder 81">
+              <a:extLst>
+                <a:ext uri="{FF2B5EF4-FFF2-40B4-BE49-F238E27FC236}">
+                  <a16:creationId xmlns:a16="http://schemas.microsoft.com/office/drawing/2014/main" id="{06F0F3EC-B5FC-4838-B7B3-D4453B6636B7}"/>
+                </a:ext>
+              </a:extLst>
+            </p:cNvPr>
+            <p:cNvCxnSpPr>
+              <a:cxnSpLocks/>
+              <a:endCxn id="83" idx="6"/>
+            </p:cNvCxnSpPr>
+            <p:nvPr/>
+          </p:nvCxnSpPr>
+          <p:spPr>
+            <a:xfrm flipH="1">
+              <a:off x="1322500" y="1925959"/>
+              <a:ext cx="1615850" cy="0"/>
+            </a:xfrm>
+            <a:prstGeom prst="line">
+              <a:avLst/>
+            </a:prstGeom>
+            <a:ln w="12700">
+              <a:solidFill>
+                <a:schemeClr val="tx1"/>
+              </a:solidFill>
+            </a:ln>
+          </p:spPr>
+          <p:style>
+            <a:lnRef idx="1">
+              <a:schemeClr val="accent1"/>
+            </a:lnRef>
+            <a:fillRef idx="0">
+              <a:schemeClr val="accent1"/>
+            </a:fillRef>
+            <a:effectRef idx="0">
+              <a:schemeClr val="accent1"/>
+            </a:effectRef>
+            <a:fontRef idx="minor">
+              <a:schemeClr val="tx1"/>
+            </a:fontRef>
+          </p:style>
+        </p:cxnSp>
+        <p:sp>
+          <p:nvSpPr>
+            <p:cNvPr id="83" name="Ellipse 82">
+              <a:extLst>
+                <a:ext uri="{FF2B5EF4-FFF2-40B4-BE49-F238E27FC236}">
+                  <a16:creationId xmlns:a16="http://schemas.microsoft.com/office/drawing/2014/main" id="{A635ED1E-EA84-4B60-9601-4F3FDEF1B39F}"/>
+                </a:ext>
+              </a:extLst>
+            </p:cNvPr>
+            <p:cNvSpPr/>
+            <p:nvPr/>
+          </p:nvSpPr>
+          <p:spPr>
+            <a:xfrm>
+              <a:off x="1276781" y="1903099"/>
+              <a:ext cx="45719" cy="45719"/>
+            </a:xfrm>
+            <a:prstGeom prst="ellipse">
+              <a:avLst/>
+            </a:prstGeom>
+            <a:solidFill>
+              <a:schemeClr val="tx1"/>
+            </a:solidFill>
+            <a:ln>
+              <a:solidFill>
+                <a:schemeClr val="tx1"/>
+              </a:solidFill>
+            </a:ln>
+          </p:spPr>
+          <p:style>
+            <a:lnRef idx="2">
+              <a:schemeClr val="accent1">
+                <a:shade val="50000"/>
+              </a:schemeClr>
+            </a:lnRef>
+            <a:fillRef idx="1">
+              <a:schemeClr val="accent1"/>
+            </a:fillRef>
+            <a:effectRef idx="0">
+              <a:schemeClr val="accent1"/>
+            </a:effectRef>
+            <a:fontRef idx="minor">
+              <a:schemeClr val="lt1"/>
+            </a:fontRef>
+          </p:style>
+          <p:txBody>
+            <a:bodyPr rtlCol="0" anchor="ctr"/>
+            <a:lstStyle/>
+            <a:p>
+              <a:pPr algn="ctr"/>
+              <a:endParaRPr lang="de-DE"/>
+            </a:p>
+          </p:txBody>
+        </p:sp>
+      </p:grpSp>
+      <p:grpSp>
+        <p:nvGrpSpPr>
+          <p:cNvPr id="84" name="Gruppieren 83">
+            <a:extLst>
+              <a:ext uri="{FF2B5EF4-FFF2-40B4-BE49-F238E27FC236}">
+                <a16:creationId xmlns:a16="http://schemas.microsoft.com/office/drawing/2014/main" id="{E5FDC294-9C6A-47F2-8FE0-17EC35DDCD46}"/>
+              </a:ext>
+            </a:extLst>
+          </p:cNvPr>
+          <p:cNvGrpSpPr/>
+          <p:nvPr/>
+        </p:nvGrpSpPr>
+        <p:grpSpPr>
+          <a:xfrm>
+            <a:off x="1457750" y="6983598"/>
+            <a:ext cx="1477419" cy="45719"/>
+            <a:chOff x="1460931" y="2077724"/>
+            <a:chExt cx="1477419" cy="45719"/>
+          </a:xfrm>
+        </p:grpSpPr>
+        <p:cxnSp>
+          <p:nvCxnSpPr>
+            <p:cNvPr id="85" name="Gerader Verbinder 84">
+              <a:extLst>
+                <a:ext uri="{FF2B5EF4-FFF2-40B4-BE49-F238E27FC236}">
+                  <a16:creationId xmlns:a16="http://schemas.microsoft.com/office/drawing/2014/main" id="{01B8002E-5B80-4245-A10C-4FE0A793088E}"/>
+                </a:ext>
+              </a:extLst>
+            </p:cNvPr>
+            <p:cNvCxnSpPr>
+              <a:cxnSpLocks/>
+              <a:endCxn id="86" idx="6"/>
+            </p:cNvCxnSpPr>
+            <p:nvPr/>
+          </p:nvCxnSpPr>
+          <p:spPr>
+            <a:xfrm flipH="1">
+              <a:off x="1506650" y="2100584"/>
+              <a:ext cx="1431700" cy="0"/>
+            </a:xfrm>
+            <a:prstGeom prst="line">
+              <a:avLst/>
+            </a:prstGeom>
+            <a:ln w="12700">
+              <a:solidFill>
+                <a:schemeClr val="tx1"/>
+              </a:solidFill>
+            </a:ln>
+          </p:spPr>
+          <p:style>
+            <a:lnRef idx="1">
+              <a:schemeClr val="accent1"/>
+            </a:lnRef>
+            <a:fillRef idx="0">
+              <a:schemeClr val="accent1"/>
+            </a:fillRef>
+            <a:effectRef idx="0">
+              <a:schemeClr val="accent1"/>
+            </a:effectRef>
+            <a:fontRef idx="minor">
+              <a:schemeClr val="tx1"/>
+            </a:fontRef>
+          </p:style>
+        </p:cxnSp>
+        <p:sp>
+          <p:nvSpPr>
+            <p:cNvPr id="86" name="Ellipse 85">
+              <a:extLst>
+                <a:ext uri="{FF2B5EF4-FFF2-40B4-BE49-F238E27FC236}">
+                  <a16:creationId xmlns:a16="http://schemas.microsoft.com/office/drawing/2014/main" id="{55F0BE07-D504-4DE9-9735-8E983E3A1132}"/>
+                </a:ext>
+              </a:extLst>
+            </p:cNvPr>
+            <p:cNvSpPr/>
+            <p:nvPr/>
+          </p:nvSpPr>
+          <p:spPr>
+            <a:xfrm>
+              <a:off x="1460931" y="2077724"/>
+              <a:ext cx="45719" cy="45719"/>
+            </a:xfrm>
+            <a:prstGeom prst="ellipse">
+              <a:avLst/>
+            </a:prstGeom>
+            <a:solidFill>
+              <a:schemeClr val="tx1"/>
+            </a:solidFill>
+            <a:ln>
+              <a:solidFill>
+                <a:schemeClr val="tx1"/>
+              </a:solidFill>
+            </a:ln>
+          </p:spPr>
+          <p:style>
+            <a:lnRef idx="2">
+              <a:schemeClr val="accent1">
+                <a:shade val="50000"/>
+              </a:schemeClr>
+            </a:lnRef>
+            <a:fillRef idx="1">
+              <a:schemeClr val="accent1"/>
+            </a:fillRef>
+            <a:effectRef idx="0">
+              <a:schemeClr val="accent1"/>
+            </a:effectRef>
+            <a:fontRef idx="minor">
+              <a:schemeClr val="lt1"/>
+            </a:fontRef>
+          </p:style>
+          <p:txBody>
+            <a:bodyPr rtlCol="0" anchor="ctr"/>
+            <a:lstStyle/>
+            <a:p>
+              <a:pPr algn="ctr"/>
+              <a:endParaRPr lang="de-DE"/>
+            </a:p>
+          </p:txBody>
+        </p:sp>
+      </p:grpSp>
+      <p:sp>
+        <p:nvSpPr>
+          <p:cNvPr id="90" name="Flussdiagramm: Verzögerung 89">
+            <a:extLst>
+              <a:ext uri="{FF2B5EF4-FFF2-40B4-BE49-F238E27FC236}">
+                <a16:creationId xmlns:a16="http://schemas.microsoft.com/office/drawing/2014/main" id="{3E53DEF3-E9CE-4BAC-BD3E-7076AA10FAE6}"/>
+              </a:ext>
+            </a:extLst>
+          </p:cNvPr>
+          <p:cNvSpPr/>
+          <p:nvPr/>
+        </p:nvSpPr>
+        <p:spPr>
+          <a:xfrm>
+            <a:off x="2933571" y="1681089"/>
+            <a:ext cx="457198" cy="503502"/>
+          </a:xfrm>
+          <a:prstGeom prst="flowChartDelay">
+            <a:avLst/>
+          </a:prstGeom>
+          <a:solidFill>
+            <a:schemeClr val="bg1"/>
+          </a:solidFill>
+          <a:ln>
+            <a:solidFill>
+              <a:schemeClr val="tx1"/>
+            </a:solidFill>
+          </a:ln>
+        </p:spPr>
+        <p:style>
+          <a:lnRef idx="2">
+            <a:schemeClr val="accent1">
+              <a:shade val="50000"/>
+            </a:schemeClr>
+          </a:lnRef>
+          <a:fillRef idx="1">
+            <a:schemeClr val="accent1"/>
+          </a:fillRef>
+          <a:effectRef idx="0">
+            <a:schemeClr val="accent1"/>
+          </a:effectRef>
+          <a:fontRef idx="minor">
+            <a:schemeClr val="lt1"/>
+          </a:fontRef>
+        </p:style>
+        <p:txBody>
+          <a:bodyPr rtlCol="0" anchor="ctr"/>
+          <a:lstStyle/>
+          <a:p>
+            <a:pPr algn="ctr"/>
+            <a:endParaRPr lang="de-DE"/>
+          </a:p>
+        </p:txBody>
+      </p:sp>
+      <p:sp>
+        <p:nvSpPr>
+          <p:cNvPr id="91" name="Flussdiagramm: Verzögerung 90">
+            <a:extLst>
+              <a:ext uri="{FF2B5EF4-FFF2-40B4-BE49-F238E27FC236}">
+                <a16:creationId xmlns:a16="http://schemas.microsoft.com/office/drawing/2014/main" id="{D7C4197D-5611-477B-9071-54D6ACB33B1E}"/>
+              </a:ext>
+            </a:extLst>
+          </p:cNvPr>
+          <p:cNvSpPr/>
+          <p:nvPr/>
+        </p:nvSpPr>
+        <p:spPr>
+          <a:xfrm>
+            <a:off x="2933571" y="2366347"/>
+            <a:ext cx="457198" cy="503502"/>
+          </a:xfrm>
+          <a:prstGeom prst="flowChartDelay">
+            <a:avLst/>
+          </a:prstGeom>
+          <a:solidFill>
+            <a:schemeClr val="bg1"/>
+          </a:solidFill>
+          <a:ln>
+            <a:solidFill>
+              <a:schemeClr val="tx1"/>
+            </a:solidFill>
+          </a:ln>
+        </p:spPr>
+        <p:style>
+          <a:lnRef idx="2">
+            <a:schemeClr val="accent1">
+              <a:shade val="50000"/>
+            </a:schemeClr>
+          </a:lnRef>
+          <a:fillRef idx="1">
+            <a:schemeClr val="accent1"/>
+          </a:fillRef>
+          <a:effectRef idx="0">
+            <a:schemeClr val="accent1"/>
+          </a:effectRef>
+          <a:fontRef idx="minor">
+            <a:schemeClr val="lt1"/>
+          </a:fontRef>
+        </p:style>
+        <p:txBody>
+          <a:bodyPr rtlCol="0" anchor="ctr"/>
+          <a:lstStyle/>
+          <a:p>
+            <a:pPr algn="ctr"/>
+            <a:endParaRPr lang="de-DE"/>
+          </a:p>
+        </p:txBody>
+      </p:sp>
+      <p:sp>
+        <p:nvSpPr>
+          <p:cNvPr id="92" name="Flussdiagramm: Verzögerung 91">
+            <a:extLst>
+              <a:ext uri="{FF2B5EF4-FFF2-40B4-BE49-F238E27FC236}">
+                <a16:creationId xmlns:a16="http://schemas.microsoft.com/office/drawing/2014/main" id="{CEE06A3A-5562-471B-8A23-61C06D19B66B}"/>
+              </a:ext>
+            </a:extLst>
+          </p:cNvPr>
+          <p:cNvSpPr/>
+          <p:nvPr/>
+        </p:nvSpPr>
+        <p:spPr>
+          <a:xfrm>
+            <a:off x="2933571" y="3128499"/>
+            <a:ext cx="457198" cy="503502"/>
+          </a:xfrm>
+          <a:prstGeom prst="flowChartDelay">
+            <a:avLst/>
+          </a:prstGeom>
+          <a:solidFill>
+            <a:schemeClr val="bg1"/>
+          </a:solidFill>
+          <a:ln>
+            <a:solidFill>
+              <a:schemeClr val="tx1"/>
+            </a:solidFill>
+          </a:ln>
+        </p:spPr>
+        <p:style>
+          <a:lnRef idx="2">
+            <a:schemeClr val="accent1">
+              <a:shade val="50000"/>
+            </a:schemeClr>
+          </a:lnRef>
+          <a:fillRef idx="1">
+            <a:schemeClr val="accent1"/>
+          </a:fillRef>
+          <a:effectRef idx="0">
+            <a:schemeClr val="accent1"/>
+          </a:effectRef>
+          <a:fontRef idx="minor">
+            <a:schemeClr val="lt1"/>
+          </a:fontRef>
+        </p:style>
+        <p:txBody>
+          <a:bodyPr rtlCol="0" anchor="ctr"/>
+          <a:lstStyle/>
+          <a:p>
+            <a:pPr algn="ctr"/>
+            <a:endParaRPr lang="de-DE"/>
+          </a:p>
+        </p:txBody>
+      </p:sp>
+      <p:sp>
+        <p:nvSpPr>
+          <p:cNvPr id="93" name="Flussdiagramm: Verzögerung 92">
+            <a:extLst>
+              <a:ext uri="{FF2B5EF4-FFF2-40B4-BE49-F238E27FC236}">
+                <a16:creationId xmlns:a16="http://schemas.microsoft.com/office/drawing/2014/main" id="{0CD6305E-CE46-41D4-A218-C1BD7EB562A3}"/>
+              </a:ext>
+            </a:extLst>
+          </p:cNvPr>
+          <p:cNvSpPr/>
+          <p:nvPr/>
+        </p:nvSpPr>
+        <p:spPr>
+          <a:xfrm>
+            <a:off x="2933571" y="3902117"/>
+            <a:ext cx="457198" cy="503502"/>
+          </a:xfrm>
+          <a:prstGeom prst="flowChartDelay">
+            <a:avLst/>
+          </a:prstGeom>
+          <a:solidFill>
+            <a:schemeClr val="bg1"/>
+          </a:solidFill>
+          <a:ln>
+            <a:solidFill>
+              <a:schemeClr val="tx1"/>
+            </a:solidFill>
+          </a:ln>
+        </p:spPr>
+        <p:style>
+          <a:lnRef idx="2">
+            <a:schemeClr val="accent1">
+              <a:shade val="50000"/>
+            </a:schemeClr>
+          </a:lnRef>
+          <a:fillRef idx="1">
+            <a:schemeClr val="accent1"/>
+          </a:fillRef>
+          <a:effectRef idx="0">
+            <a:schemeClr val="accent1"/>
+          </a:effectRef>
+          <a:fontRef idx="minor">
+            <a:schemeClr val="lt1"/>
+          </a:fontRef>
+        </p:style>
+        <p:txBody>
+          <a:bodyPr rtlCol="0" anchor="ctr"/>
+          <a:lstStyle/>
+          <a:p>
+            <a:pPr algn="ctr"/>
+            <a:endParaRPr lang="de-DE"/>
+          </a:p>
+        </p:txBody>
+      </p:sp>
+      <p:sp>
+        <p:nvSpPr>
+          <p:cNvPr id="94" name="Flussdiagramm: Verzögerung 93">
+            <a:extLst>
+              <a:ext uri="{FF2B5EF4-FFF2-40B4-BE49-F238E27FC236}">
+                <a16:creationId xmlns:a16="http://schemas.microsoft.com/office/drawing/2014/main" id="{AEA59B89-618C-47BC-8D64-D68DEE31C00C}"/>
+              </a:ext>
+            </a:extLst>
+          </p:cNvPr>
+          <p:cNvSpPr/>
+          <p:nvPr/>
+        </p:nvSpPr>
+        <p:spPr>
+          <a:xfrm>
+            <a:off x="2933571" y="4651620"/>
+            <a:ext cx="457198" cy="503502"/>
+          </a:xfrm>
+          <a:prstGeom prst="flowChartDelay">
+            <a:avLst/>
+          </a:prstGeom>
+          <a:solidFill>
+            <a:schemeClr val="bg1"/>
+          </a:solidFill>
+          <a:ln>
+            <a:solidFill>
+              <a:schemeClr val="tx1"/>
+            </a:solidFill>
+          </a:ln>
+        </p:spPr>
+        <p:style>
+          <a:lnRef idx="2">
+            <a:schemeClr val="accent1">
+              <a:shade val="50000"/>
+            </a:schemeClr>
+          </a:lnRef>
+          <a:fillRef idx="1">
+            <a:schemeClr val="accent1"/>
+          </a:fillRef>
+          <a:effectRef idx="0">
+            <a:schemeClr val="accent1"/>
+          </a:effectRef>
+          <a:fontRef idx="minor">
+            <a:schemeClr val="lt1"/>
+          </a:fontRef>
+        </p:style>
+        <p:txBody>
+          <a:bodyPr rtlCol="0" anchor="ctr"/>
+          <a:lstStyle/>
+          <a:p>
+            <a:pPr algn="ctr"/>
+            <a:endParaRPr lang="de-DE"/>
+          </a:p>
+        </p:txBody>
+      </p:sp>
+      <p:sp>
+        <p:nvSpPr>
+          <p:cNvPr id="95" name="Flussdiagramm: Verzögerung 94">
+            <a:extLst>
+              <a:ext uri="{FF2B5EF4-FFF2-40B4-BE49-F238E27FC236}">
+                <a16:creationId xmlns:a16="http://schemas.microsoft.com/office/drawing/2014/main" id="{D51AFF04-237E-415B-BD20-9366E58C4163}"/>
+              </a:ext>
+            </a:extLst>
+          </p:cNvPr>
+          <p:cNvSpPr/>
+          <p:nvPr/>
+        </p:nvSpPr>
+        <p:spPr>
+          <a:xfrm>
+            <a:off x="2933571" y="5394502"/>
+            <a:ext cx="457198" cy="503502"/>
+          </a:xfrm>
+          <a:prstGeom prst="flowChartDelay">
+            <a:avLst/>
+          </a:prstGeom>
+          <a:solidFill>
+            <a:schemeClr val="bg1"/>
+          </a:solidFill>
+          <a:ln>
+            <a:solidFill>
+              <a:schemeClr val="tx1"/>
+            </a:solidFill>
+          </a:ln>
+        </p:spPr>
+        <p:style>
+          <a:lnRef idx="2">
+            <a:schemeClr val="accent1">
+              <a:shade val="50000"/>
+            </a:schemeClr>
+          </a:lnRef>
+          <a:fillRef idx="1">
+            <a:schemeClr val="accent1"/>
+          </a:fillRef>
+          <a:effectRef idx="0">
+            <a:schemeClr val="accent1"/>
+          </a:effectRef>
+          <a:fontRef idx="minor">
+            <a:schemeClr val="lt1"/>
+          </a:fontRef>
+        </p:style>
+        <p:txBody>
+          <a:bodyPr rtlCol="0" anchor="ctr"/>
+          <a:lstStyle/>
+          <a:p>
+            <a:pPr algn="ctr"/>
+            <a:endParaRPr lang="de-DE"/>
+          </a:p>
+        </p:txBody>
+      </p:sp>
+      <p:sp>
+        <p:nvSpPr>
+          <p:cNvPr id="96" name="Flussdiagramm: Verzögerung 95">
+            <a:extLst>
+              <a:ext uri="{FF2B5EF4-FFF2-40B4-BE49-F238E27FC236}">
+                <a16:creationId xmlns:a16="http://schemas.microsoft.com/office/drawing/2014/main" id="{5C56CED2-3CFB-44DB-A2D3-ABA3A33EFF74}"/>
+              </a:ext>
+            </a:extLst>
+          </p:cNvPr>
+          <p:cNvSpPr/>
+          <p:nvPr/>
+        </p:nvSpPr>
+        <p:spPr>
+          <a:xfrm>
+            <a:off x="2933571" y="6150486"/>
+            <a:ext cx="457198" cy="503502"/>
+          </a:xfrm>
+          <a:prstGeom prst="flowChartDelay">
+            <a:avLst/>
+          </a:prstGeom>
+          <a:solidFill>
+            <a:schemeClr val="bg1"/>
+          </a:solidFill>
+          <a:ln>
+            <a:solidFill>
+              <a:schemeClr val="tx1"/>
+            </a:solidFill>
+          </a:ln>
+        </p:spPr>
+        <p:style>
+          <a:lnRef idx="2">
+            <a:schemeClr val="accent1">
+              <a:shade val="50000"/>
+            </a:schemeClr>
+          </a:lnRef>
+          <a:fillRef idx="1">
+            <a:schemeClr val="accent1"/>
+          </a:fillRef>
+          <a:effectRef idx="0">
+            <a:schemeClr val="accent1"/>
+          </a:effectRef>
+          <a:fontRef idx="minor">
+            <a:schemeClr val="lt1"/>
+          </a:fontRef>
+        </p:style>
+        <p:txBody>
+          <a:bodyPr rtlCol="0" anchor="ctr"/>
+          <a:lstStyle/>
+          <a:p>
+            <a:pPr algn="ctr"/>
+            <a:endParaRPr lang="de-DE"/>
+          </a:p>
+        </p:txBody>
+      </p:sp>
+      <p:sp>
+        <p:nvSpPr>
+          <p:cNvPr id="97" name="Flussdiagramm: Verzögerung 96">
+            <a:extLst>
+              <a:ext uri="{FF2B5EF4-FFF2-40B4-BE49-F238E27FC236}">
+                <a16:creationId xmlns:a16="http://schemas.microsoft.com/office/drawing/2014/main" id="{8D36DFF5-F56C-4A59-A556-4E3B89059C60}"/>
+              </a:ext>
+            </a:extLst>
+          </p:cNvPr>
+          <p:cNvSpPr/>
+          <p:nvPr/>
+        </p:nvSpPr>
+        <p:spPr>
+          <a:xfrm>
+            <a:off x="2933571" y="6906470"/>
+            <a:ext cx="457198" cy="503502"/>
+          </a:xfrm>
+          <a:prstGeom prst="flowChartDelay">
+            <a:avLst/>
+          </a:prstGeom>
+          <a:solidFill>
+            <a:schemeClr val="bg1"/>
+          </a:solidFill>
+          <a:ln>
+            <a:solidFill>
+              <a:schemeClr val="tx1"/>
+            </a:solidFill>
+          </a:ln>
+        </p:spPr>
+        <p:style>
+          <a:lnRef idx="2">
+            <a:schemeClr val="accent1">
+              <a:shade val="50000"/>
+            </a:schemeClr>
+          </a:lnRef>
+          <a:fillRef idx="1">
+            <a:schemeClr val="accent1"/>
+          </a:fillRef>
+          <a:effectRef idx="0">
+            <a:schemeClr val="accent1"/>
+          </a:effectRef>
+          <a:fontRef idx="minor">
+            <a:schemeClr val="lt1"/>
+          </a:fontRef>
+        </p:style>
+        <p:txBody>
+          <a:bodyPr rtlCol="0" anchor="ctr"/>
+          <a:lstStyle/>
+          <a:p>
+            <a:pPr algn="ctr"/>
+            <a:endParaRPr lang="de-DE"/>
+          </a:p>
+        </p:txBody>
+      </p:sp>
+      <p:sp>
+        <p:nvSpPr>
+          <p:cNvPr id="98" name="Textfeld 97">
+            <a:extLst>
+              <a:ext uri="{FF2B5EF4-FFF2-40B4-BE49-F238E27FC236}">
+                <a16:creationId xmlns:a16="http://schemas.microsoft.com/office/drawing/2014/main" id="{57F79854-D6EA-44EC-8402-6F6D5DDEF895}"/>
+              </a:ext>
+            </a:extLst>
+          </p:cNvPr>
+          <p:cNvSpPr txBox="1"/>
+          <p:nvPr/>
+        </p:nvSpPr>
+        <p:spPr>
+          <a:xfrm>
+            <a:off x="2481152" y="1554122"/>
+            <a:ext cx="413264" cy="261610"/>
+          </a:xfrm>
+          <a:prstGeom prst="rect">
+            <a:avLst/>
+          </a:prstGeom>
+          <a:noFill/>
+        </p:spPr>
+        <p:txBody>
+          <a:bodyPr wrap="square" rtlCol="0">
+            <a:spAutoFit/>
+          </a:bodyPr>
+          <a:lstStyle/>
+          <a:p>
+            <a:pPr algn="ctr"/>
+            <a:r>
+              <a:rPr lang="de-DE" sz="1100" dirty="0"/>
+              <a:t>L1</a:t>
+            </a:r>
+          </a:p>
+        </p:txBody>
+      </p:sp>
+      <p:sp>
+        <p:nvSpPr>
+          <p:cNvPr id="99" name="Textfeld 98">
+            <a:extLst>
+              <a:ext uri="{FF2B5EF4-FFF2-40B4-BE49-F238E27FC236}">
+                <a16:creationId xmlns:a16="http://schemas.microsoft.com/office/drawing/2014/main" id="{E85BC1FF-ED6C-4C4B-AC5E-01091D697FA6}"/>
+              </a:ext>
+            </a:extLst>
+          </p:cNvPr>
+          <p:cNvSpPr txBox="1"/>
+          <p:nvPr/>
+        </p:nvSpPr>
+        <p:spPr>
+          <a:xfrm>
+            <a:off x="2481152" y="1724851"/>
+            <a:ext cx="413264" cy="261610"/>
+          </a:xfrm>
+          <a:prstGeom prst="rect">
+            <a:avLst/>
+          </a:prstGeom>
+          <a:noFill/>
+        </p:spPr>
+        <p:txBody>
+          <a:bodyPr wrap="square" rtlCol="0">
+            <a:spAutoFit/>
+          </a:bodyPr>
+          <a:lstStyle/>
+          <a:p>
+            <a:pPr algn="ctr"/>
+            <a:r>
+              <a:rPr lang="de-DE" sz="1100" dirty="0"/>
+              <a:t>L2</a:t>
+            </a:r>
+          </a:p>
+        </p:txBody>
+      </p:sp>
+      <p:sp>
+        <p:nvSpPr>
+          <p:cNvPr id="100" name="Textfeld 99">
+            <a:extLst>
+              <a:ext uri="{FF2B5EF4-FFF2-40B4-BE49-F238E27FC236}">
+                <a16:creationId xmlns:a16="http://schemas.microsoft.com/office/drawing/2014/main" id="{3CF354C1-DE01-4775-BDE9-DD9AF401A738}"/>
+              </a:ext>
+            </a:extLst>
+          </p:cNvPr>
+          <p:cNvSpPr txBox="1"/>
+          <p:nvPr/>
+        </p:nvSpPr>
+        <p:spPr>
+          <a:xfrm>
+            <a:off x="2481152" y="1896351"/>
+            <a:ext cx="413264" cy="261610"/>
+          </a:xfrm>
+          <a:prstGeom prst="rect">
+            <a:avLst/>
+          </a:prstGeom>
+          <a:noFill/>
+        </p:spPr>
+        <p:txBody>
+          <a:bodyPr wrap="square" rtlCol="0">
+            <a:spAutoFit/>
+          </a:bodyPr>
+          <a:lstStyle/>
+          <a:p>
+            <a:pPr algn="ctr"/>
+            <a:r>
+              <a:rPr lang="de-DE" sz="1100" dirty="0"/>
+              <a:t>L3</a:t>
+            </a:r>
+          </a:p>
+        </p:txBody>
+      </p:sp>
+      <p:sp>
+        <p:nvSpPr>
+          <p:cNvPr id="101" name="Textfeld 100">
+            <a:extLst>
+              <a:ext uri="{FF2B5EF4-FFF2-40B4-BE49-F238E27FC236}">
+                <a16:creationId xmlns:a16="http://schemas.microsoft.com/office/drawing/2014/main" id="{8CC454C5-5A0B-493F-BB85-78F686D6B0D2}"/>
+              </a:ext>
+            </a:extLst>
+          </p:cNvPr>
+          <p:cNvSpPr txBox="1"/>
+          <p:nvPr/>
+        </p:nvSpPr>
+        <p:spPr>
+          <a:xfrm>
+            <a:off x="2477976" y="2261150"/>
+            <a:ext cx="413264" cy="261610"/>
+          </a:xfrm>
+          <a:prstGeom prst="rect">
+            <a:avLst/>
+          </a:prstGeom>
+          <a:noFill/>
+        </p:spPr>
+        <p:txBody>
+          <a:bodyPr wrap="square" rtlCol="0">
+            <a:spAutoFit/>
+          </a:bodyPr>
+          <a:lstStyle/>
+          <a:p>
+            <a:pPr algn="ctr"/>
+            <a:r>
+              <a:rPr lang="de-DE" sz="1100" dirty="0"/>
+              <a:t>L1</a:t>
+            </a:r>
+          </a:p>
+        </p:txBody>
+      </p:sp>
+      <p:sp>
+        <p:nvSpPr>
+          <p:cNvPr id="102" name="Textfeld 101">
+            <a:extLst>
+              <a:ext uri="{FF2B5EF4-FFF2-40B4-BE49-F238E27FC236}">
+                <a16:creationId xmlns:a16="http://schemas.microsoft.com/office/drawing/2014/main" id="{E588F94A-2A77-4BAE-B5DD-CB116F7FD170}"/>
+              </a:ext>
+            </a:extLst>
+          </p:cNvPr>
+          <p:cNvSpPr txBox="1"/>
+          <p:nvPr/>
+        </p:nvSpPr>
+        <p:spPr>
+          <a:xfrm>
+            <a:off x="2477976" y="2428704"/>
+            <a:ext cx="413264" cy="261610"/>
+          </a:xfrm>
+          <a:prstGeom prst="rect">
+            <a:avLst/>
+          </a:prstGeom>
+          <a:noFill/>
+        </p:spPr>
+        <p:txBody>
+          <a:bodyPr wrap="square" rtlCol="0">
+            <a:spAutoFit/>
+          </a:bodyPr>
+          <a:lstStyle/>
+          <a:p>
+            <a:pPr algn="ctr"/>
+            <a:r>
+              <a:rPr lang="de-DE" sz="1100" dirty="0"/>
+              <a:t>L2</a:t>
+            </a:r>
+          </a:p>
+        </p:txBody>
+      </p:sp>
+      <p:sp>
+        <p:nvSpPr>
+          <p:cNvPr id="103" name="Textfeld 102">
+            <a:extLst>
+              <a:ext uri="{FF2B5EF4-FFF2-40B4-BE49-F238E27FC236}">
+                <a16:creationId xmlns:a16="http://schemas.microsoft.com/office/drawing/2014/main" id="{6CD9B2A4-B09E-4594-9661-AC05A88EA8B0}"/>
+              </a:ext>
+            </a:extLst>
+          </p:cNvPr>
+          <p:cNvSpPr txBox="1"/>
+          <p:nvPr/>
+        </p:nvSpPr>
+        <p:spPr>
+          <a:xfrm>
+            <a:off x="2477976" y="2587504"/>
+            <a:ext cx="413264" cy="261610"/>
+          </a:xfrm>
+          <a:prstGeom prst="rect">
+            <a:avLst/>
+          </a:prstGeom>
+          <a:noFill/>
+        </p:spPr>
+        <p:txBody>
+          <a:bodyPr wrap="square" rtlCol="0">
+            <a:spAutoFit/>
+          </a:bodyPr>
+          <a:lstStyle/>
+          <a:p>
+            <a:pPr algn="ctr"/>
+            <a:r>
+              <a:rPr lang="de-DE" sz="1100" dirty="0"/>
+              <a:t>L3</a:t>
+            </a:r>
+          </a:p>
+        </p:txBody>
+      </p:sp>
+      <p:sp>
+        <p:nvSpPr>
+          <p:cNvPr id="104" name="Textfeld 103">
+            <a:extLst>
+              <a:ext uri="{FF2B5EF4-FFF2-40B4-BE49-F238E27FC236}">
+                <a16:creationId xmlns:a16="http://schemas.microsoft.com/office/drawing/2014/main" id="{D5284D0C-DCF8-467B-A767-2B47C85AA2EB}"/>
+              </a:ext>
+            </a:extLst>
+          </p:cNvPr>
+          <p:cNvSpPr txBox="1"/>
+          <p:nvPr/>
+        </p:nvSpPr>
+        <p:spPr>
+          <a:xfrm>
+            <a:off x="2477976" y="3017629"/>
+            <a:ext cx="413264" cy="261610"/>
+          </a:xfrm>
+          <a:prstGeom prst="rect">
+            <a:avLst/>
+          </a:prstGeom>
+          <a:noFill/>
+        </p:spPr>
+        <p:txBody>
+          <a:bodyPr wrap="square" rtlCol="0">
+            <a:spAutoFit/>
+          </a:bodyPr>
+          <a:lstStyle/>
+          <a:p>
+            <a:pPr algn="ctr"/>
+            <a:r>
+              <a:rPr lang="de-DE" sz="1100" dirty="0"/>
+              <a:t>L1</a:t>
+            </a:r>
+          </a:p>
+        </p:txBody>
+      </p:sp>
+      <p:sp>
+        <p:nvSpPr>
+          <p:cNvPr id="105" name="Textfeld 104">
+            <a:extLst>
+              <a:ext uri="{FF2B5EF4-FFF2-40B4-BE49-F238E27FC236}">
+                <a16:creationId xmlns:a16="http://schemas.microsoft.com/office/drawing/2014/main" id="{B7F7B31C-D743-4D02-9179-AC24512E2DAA}"/>
+              </a:ext>
+            </a:extLst>
+          </p:cNvPr>
+          <p:cNvSpPr txBox="1"/>
+          <p:nvPr/>
+        </p:nvSpPr>
+        <p:spPr>
+          <a:xfrm>
+            <a:off x="2477976" y="3191533"/>
+            <a:ext cx="413264" cy="261610"/>
+          </a:xfrm>
+          <a:prstGeom prst="rect">
+            <a:avLst/>
+          </a:prstGeom>
+          <a:noFill/>
+        </p:spPr>
+        <p:txBody>
+          <a:bodyPr wrap="square" rtlCol="0">
+            <a:spAutoFit/>
+          </a:bodyPr>
+          <a:lstStyle/>
+          <a:p>
+            <a:pPr algn="ctr"/>
+            <a:r>
+              <a:rPr lang="de-DE" sz="1100" dirty="0"/>
+              <a:t>L2</a:t>
+            </a:r>
+          </a:p>
+        </p:txBody>
+      </p:sp>
+      <p:sp>
+        <p:nvSpPr>
+          <p:cNvPr id="106" name="Textfeld 105">
+            <a:extLst>
+              <a:ext uri="{FF2B5EF4-FFF2-40B4-BE49-F238E27FC236}">
+                <a16:creationId xmlns:a16="http://schemas.microsoft.com/office/drawing/2014/main" id="{EBFDE30A-A830-4523-8E86-4FAA72F4267D}"/>
+              </a:ext>
+            </a:extLst>
+          </p:cNvPr>
+          <p:cNvSpPr txBox="1"/>
+          <p:nvPr/>
+        </p:nvSpPr>
+        <p:spPr>
+          <a:xfrm>
+            <a:off x="2477976" y="3359858"/>
+            <a:ext cx="413264" cy="261610"/>
+          </a:xfrm>
+          <a:prstGeom prst="rect">
+            <a:avLst/>
+          </a:prstGeom>
+          <a:noFill/>
+        </p:spPr>
+        <p:txBody>
+          <a:bodyPr wrap="square" rtlCol="0">
+            <a:spAutoFit/>
+          </a:bodyPr>
+          <a:lstStyle/>
+          <a:p>
+            <a:pPr algn="ctr"/>
+            <a:r>
+              <a:rPr lang="de-DE" sz="1100" dirty="0"/>
+              <a:t>L3</a:t>
+            </a:r>
+          </a:p>
+        </p:txBody>
+      </p:sp>
+      <p:sp>
+        <p:nvSpPr>
+          <p:cNvPr id="113" name="Textfeld 112">
+            <a:extLst>
+              <a:ext uri="{FF2B5EF4-FFF2-40B4-BE49-F238E27FC236}">
+                <a16:creationId xmlns:a16="http://schemas.microsoft.com/office/drawing/2014/main" id="{997143AA-ADE7-43E4-9923-7C193D19ABD1}"/>
+              </a:ext>
+            </a:extLst>
+          </p:cNvPr>
+          <p:cNvSpPr txBox="1"/>
+          <p:nvPr/>
+        </p:nvSpPr>
+        <p:spPr>
+          <a:xfrm>
+            <a:off x="2476373" y="3794764"/>
+            <a:ext cx="413264" cy="261610"/>
+          </a:xfrm>
+          <a:prstGeom prst="rect">
+            <a:avLst/>
+          </a:prstGeom>
+          <a:noFill/>
+        </p:spPr>
+        <p:txBody>
+          <a:bodyPr wrap="square" rtlCol="0">
+            <a:spAutoFit/>
+          </a:bodyPr>
+          <a:lstStyle/>
+          <a:p>
+            <a:pPr algn="ctr"/>
+            <a:r>
+              <a:rPr lang="de-DE" sz="1100" dirty="0"/>
+              <a:t>L1</a:t>
+            </a:r>
+          </a:p>
+        </p:txBody>
+      </p:sp>
+      <p:sp>
+        <p:nvSpPr>
+          <p:cNvPr id="114" name="Textfeld 113">
+            <a:extLst>
+              <a:ext uri="{FF2B5EF4-FFF2-40B4-BE49-F238E27FC236}">
+                <a16:creationId xmlns:a16="http://schemas.microsoft.com/office/drawing/2014/main" id="{B6862746-E60E-4229-A7C6-98B267940DC0}"/>
+              </a:ext>
+            </a:extLst>
+          </p:cNvPr>
+          <p:cNvSpPr txBox="1"/>
+          <p:nvPr/>
+        </p:nvSpPr>
+        <p:spPr>
+          <a:xfrm>
+            <a:off x="2476373" y="3965493"/>
+            <a:ext cx="413264" cy="261610"/>
+          </a:xfrm>
+          <a:prstGeom prst="rect">
+            <a:avLst/>
+          </a:prstGeom>
+          <a:noFill/>
+        </p:spPr>
+        <p:txBody>
+          <a:bodyPr wrap="square" rtlCol="0">
+            <a:spAutoFit/>
+          </a:bodyPr>
+          <a:lstStyle/>
+          <a:p>
+            <a:pPr algn="ctr"/>
+            <a:r>
+              <a:rPr lang="de-DE" sz="1100" dirty="0"/>
+              <a:t>L2</a:t>
+            </a:r>
+          </a:p>
+        </p:txBody>
+      </p:sp>
+      <p:sp>
+        <p:nvSpPr>
+          <p:cNvPr id="115" name="Textfeld 114">
+            <a:extLst>
+              <a:ext uri="{FF2B5EF4-FFF2-40B4-BE49-F238E27FC236}">
+                <a16:creationId xmlns:a16="http://schemas.microsoft.com/office/drawing/2014/main" id="{C50D8291-A620-45A3-AE8E-CAAA6FA91028}"/>
+              </a:ext>
+            </a:extLst>
+          </p:cNvPr>
+          <p:cNvSpPr txBox="1"/>
+          <p:nvPr/>
+        </p:nvSpPr>
+        <p:spPr>
+          <a:xfrm>
+            <a:off x="2476373" y="4136993"/>
+            <a:ext cx="413264" cy="261610"/>
+          </a:xfrm>
+          <a:prstGeom prst="rect">
+            <a:avLst/>
+          </a:prstGeom>
+          <a:noFill/>
+        </p:spPr>
+        <p:txBody>
+          <a:bodyPr wrap="square" rtlCol="0">
+            <a:spAutoFit/>
+          </a:bodyPr>
+          <a:lstStyle/>
+          <a:p>
+            <a:pPr algn="ctr"/>
+            <a:r>
+              <a:rPr lang="de-DE" sz="1100" dirty="0"/>
+              <a:t>L3</a:t>
+            </a:r>
+          </a:p>
+        </p:txBody>
+      </p:sp>
+      <p:sp>
+        <p:nvSpPr>
+          <p:cNvPr id="116" name="Textfeld 115">
+            <a:extLst>
+              <a:ext uri="{FF2B5EF4-FFF2-40B4-BE49-F238E27FC236}">
+                <a16:creationId xmlns:a16="http://schemas.microsoft.com/office/drawing/2014/main" id="{15369AE9-92DA-465C-B62C-17C09B13C595}"/>
+              </a:ext>
+            </a:extLst>
+          </p:cNvPr>
+          <p:cNvSpPr txBox="1"/>
+          <p:nvPr/>
+        </p:nvSpPr>
+        <p:spPr>
+          <a:xfrm>
+            <a:off x="2473197" y="4524652"/>
+            <a:ext cx="413264" cy="261610"/>
+          </a:xfrm>
+          <a:prstGeom prst="rect">
+            <a:avLst/>
+          </a:prstGeom>
+          <a:noFill/>
+        </p:spPr>
+        <p:txBody>
+          <a:bodyPr wrap="square" rtlCol="0">
+            <a:spAutoFit/>
+          </a:bodyPr>
+          <a:lstStyle/>
+          <a:p>
+            <a:pPr algn="ctr"/>
+            <a:r>
+              <a:rPr lang="de-DE" sz="1100" dirty="0"/>
+              <a:t>L1</a:t>
+            </a:r>
+          </a:p>
+        </p:txBody>
+      </p:sp>
+      <p:sp>
+        <p:nvSpPr>
+          <p:cNvPr id="117" name="Textfeld 116">
+            <a:extLst>
+              <a:ext uri="{FF2B5EF4-FFF2-40B4-BE49-F238E27FC236}">
+                <a16:creationId xmlns:a16="http://schemas.microsoft.com/office/drawing/2014/main" id="{6C8DD14F-1E19-4601-9D26-293993175E26}"/>
+              </a:ext>
+            </a:extLst>
+          </p:cNvPr>
+          <p:cNvSpPr txBox="1"/>
+          <p:nvPr/>
+        </p:nvSpPr>
+        <p:spPr>
+          <a:xfrm>
+            <a:off x="2473197" y="4692206"/>
+            <a:ext cx="413264" cy="261610"/>
+          </a:xfrm>
+          <a:prstGeom prst="rect">
+            <a:avLst/>
+          </a:prstGeom>
+          <a:noFill/>
+        </p:spPr>
+        <p:txBody>
+          <a:bodyPr wrap="square" rtlCol="0">
+            <a:spAutoFit/>
+          </a:bodyPr>
+          <a:lstStyle/>
+          <a:p>
+            <a:pPr algn="ctr"/>
+            <a:r>
+              <a:rPr lang="de-DE" sz="1100" dirty="0"/>
+              <a:t>L2</a:t>
+            </a:r>
+          </a:p>
+        </p:txBody>
+      </p:sp>
+      <p:sp>
+        <p:nvSpPr>
+          <p:cNvPr id="118" name="Textfeld 117">
+            <a:extLst>
+              <a:ext uri="{FF2B5EF4-FFF2-40B4-BE49-F238E27FC236}">
+                <a16:creationId xmlns:a16="http://schemas.microsoft.com/office/drawing/2014/main" id="{D6C98BAD-2697-4749-94C1-82921CAAA0AF}"/>
+              </a:ext>
+            </a:extLst>
+          </p:cNvPr>
+          <p:cNvSpPr txBox="1"/>
+          <p:nvPr/>
+        </p:nvSpPr>
+        <p:spPr>
+          <a:xfrm>
+            <a:off x="2473197" y="4851006"/>
+            <a:ext cx="413264" cy="261610"/>
+          </a:xfrm>
+          <a:prstGeom prst="rect">
+            <a:avLst/>
+          </a:prstGeom>
+          <a:noFill/>
+        </p:spPr>
+        <p:txBody>
+          <a:bodyPr wrap="square" rtlCol="0">
+            <a:spAutoFit/>
+          </a:bodyPr>
+          <a:lstStyle/>
+          <a:p>
+            <a:pPr algn="ctr"/>
+            <a:r>
+              <a:rPr lang="de-DE" sz="1100" dirty="0"/>
+              <a:t>L3</a:t>
+            </a:r>
+          </a:p>
+        </p:txBody>
+      </p:sp>
+      <p:sp>
+        <p:nvSpPr>
+          <p:cNvPr id="119" name="Textfeld 118">
+            <a:extLst>
+              <a:ext uri="{FF2B5EF4-FFF2-40B4-BE49-F238E27FC236}">
+                <a16:creationId xmlns:a16="http://schemas.microsoft.com/office/drawing/2014/main" id="{60A17B7C-3384-47B0-B876-31F9B30C70DD}"/>
+              </a:ext>
+            </a:extLst>
+          </p:cNvPr>
+          <p:cNvSpPr txBox="1"/>
+          <p:nvPr/>
+        </p:nvSpPr>
+        <p:spPr>
+          <a:xfrm>
+            <a:off x="2473197" y="5281131"/>
+            <a:ext cx="413264" cy="261610"/>
+          </a:xfrm>
+          <a:prstGeom prst="rect">
+            <a:avLst/>
+          </a:prstGeom>
+          <a:noFill/>
+        </p:spPr>
+        <p:txBody>
+          <a:bodyPr wrap="square" rtlCol="0">
+            <a:spAutoFit/>
+          </a:bodyPr>
+          <a:lstStyle/>
+          <a:p>
+            <a:pPr algn="ctr"/>
+            <a:r>
+              <a:rPr lang="de-DE" sz="1100" dirty="0"/>
+              <a:t>L1</a:t>
+            </a:r>
+          </a:p>
+        </p:txBody>
+      </p:sp>
+      <p:sp>
+        <p:nvSpPr>
+          <p:cNvPr id="120" name="Textfeld 119">
+            <a:extLst>
+              <a:ext uri="{FF2B5EF4-FFF2-40B4-BE49-F238E27FC236}">
+                <a16:creationId xmlns:a16="http://schemas.microsoft.com/office/drawing/2014/main" id="{D43A5195-B4D2-4579-BCF6-0EA1E68F629E}"/>
+              </a:ext>
+            </a:extLst>
+          </p:cNvPr>
+          <p:cNvSpPr txBox="1"/>
+          <p:nvPr/>
+        </p:nvSpPr>
+        <p:spPr>
+          <a:xfrm>
+            <a:off x="2473197" y="5455035"/>
+            <a:ext cx="413264" cy="261610"/>
+          </a:xfrm>
+          <a:prstGeom prst="rect">
+            <a:avLst/>
+          </a:prstGeom>
+          <a:noFill/>
+        </p:spPr>
+        <p:txBody>
+          <a:bodyPr wrap="square" rtlCol="0">
+            <a:spAutoFit/>
+          </a:bodyPr>
+          <a:lstStyle/>
+          <a:p>
+            <a:pPr algn="ctr"/>
+            <a:r>
+              <a:rPr lang="de-DE" sz="1100" dirty="0"/>
+              <a:t>L2</a:t>
+            </a:r>
+          </a:p>
+        </p:txBody>
+      </p:sp>
+      <p:sp>
+        <p:nvSpPr>
+          <p:cNvPr id="121" name="Textfeld 120">
+            <a:extLst>
+              <a:ext uri="{FF2B5EF4-FFF2-40B4-BE49-F238E27FC236}">
+                <a16:creationId xmlns:a16="http://schemas.microsoft.com/office/drawing/2014/main" id="{8D08FBBB-27D0-478E-994E-C88132327010}"/>
+              </a:ext>
+            </a:extLst>
+          </p:cNvPr>
+          <p:cNvSpPr txBox="1"/>
+          <p:nvPr/>
+        </p:nvSpPr>
+        <p:spPr>
+          <a:xfrm>
+            <a:off x="2473197" y="5623360"/>
+            <a:ext cx="413264" cy="261610"/>
+          </a:xfrm>
+          <a:prstGeom prst="rect">
+            <a:avLst/>
+          </a:prstGeom>
+          <a:noFill/>
+        </p:spPr>
+        <p:txBody>
+          <a:bodyPr wrap="square" rtlCol="0">
+            <a:spAutoFit/>
+          </a:bodyPr>
+          <a:lstStyle/>
+          <a:p>
+            <a:pPr algn="ctr"/>
+            <a:r>
+              <a:rPr lang="de-DE" sz="1100" dirty="0"/>
+              <a:t>L3</a:t>
+            </a:r>
+          </a:p>
+        </p:txBody>
+      </p:sp>
+      <p:sp>
+        <p:nvSpPr>
+          <p:cNvPr id="122" name="Textfeld 121">
+            <a:extLst>
+              <a:ext uri="{FF2B5EF4-FFF2-40B4-BE49-F238E27FC236}">
+                <a16:creationId xmlns:a16="http://schemas.microsoft.com/office/drawing/2014/main" id="{2F4BB2A9-B049-43FF-8F6D-57B4EA3D4F64}"/>
+              </a:ext>
+            </a:extLst>
+          </p:cNvPr>
+          <p:cNvSpPr txBox="1"/>
+          <p:nvPr/>
+        </p:nvSpPr>
+        <p:spPr>
+          <a:xfrm>
+            <a:off x="2473197" y="6041790"/>
+            <a:ext cx="413264" cy="261610"/>
+          </a:xfrm>
+          <a:prstGeom prst="rect">
+            <a:avLst/>
+          </a:prstGeom>
+          <a:noFill/>
+        </p:spPr>
+        <p:txBody>
+          <a:bodyPr wrap="square" rtlCol="0">
+            <a:spAutoFit/>
+          </a:bodyPr>
+          <a:lstStyle/>
+          <a:p>
+            <a:pPr algn="ctr"/>
+            <a:r>
+              <a:rPr lang="de-DE" sz="1100" dirty="0"/>
+              <a:t>L1</a:t>
+            </a:r>
+          </a:p>
+        </p:txBody>
+      </p:sp>
+      <p:sp>
+        <p:nvSpPr>
+          <p:cNvPr id="123" name="Textfeld 122">
+            <a:extLst>
+              <a:ext uri="{FF2B5EF4-FFF2-40B4-BE49-F238E27FC236}">
+                <a16:creationId xmlns:a16="http://schemas.microsoft.com/office/drawing/2014/main" id="{CA9783ED-906A-47C3-8EC8-6E05BB7146FB}"/>
+              </a:ext>
+            </a:extLst>
+          </p:cNvPr>
+          <p:cNvSpPr txBox="1"/>
+          <p:nvPr/>
+        </p:nvSpPr>
+        <p:spPr>
+          <a:xfrm>
+            <a:off x="2473197" y="6212519"/>
+            <a:ext cx="413264" cy="261610"/>
+          </a:xfrm>
+          <a:prstGeom prst="rect">
+            <a:avLst/>
+          </a:prstGeom>
+          <a:noFill/>
+        </p:spPr>
+        <p:txBody>
+          <a:bodyPr wrap="square" rtlCol="0">
+            <a:spAutoFit/>
+          </a:bodyPr>
+          <a:lstStyle/>
+          <a:p>
+            <a:pPr algn="ctr"/>
+            <a:r>
+              <a:rPr lang="de-DE" sz="1100" dirty="0"/>
+              <a:t>L2</a:t>
+            </a:r>
+          </a:p>
+        </p:txBody>
+      </p:sp>
+      <p:sp>
+        <p:nvSpPr>
+          <p:cNvPr id="124" name="Textfeld 123">
+            <a:extLst>
+              <a:ext uri="{FF2B5EF4-FFF2-40B4-BE49-F238E27FC236}">
+                <a16:creationId xmlns:a16="http://schemas.microsoft.com/office/drawing/2014/main" id="{13A7A484-CDFD-4CC5-B259-EA5DA5074ECA}"/>
+              </a:ext>
+            </a:extLst>
+          </p:cNvPr>
+          <p:cNvSpPr txBox="1"/>
+          <p:nvPr/>
+        </p:nvSpPr>
+        <p:spPr>
+          <a:xfrm>
+            <a:off x="2473197" y="6384019"/>
+            <a:ext cx="413264" cy="261610"/>
+          </a:xfrm>
+          <a:prstGeom prst="rect">
+            <a:avLst/>
+          </a:prstGeom>
+          <a:noFill/>
+        </p:spPr>
+        <p:txBody>
+          <a:bodyPr wrap="square" rtlCol="0">
+            <a:spAutoFit/>
+          </a:bodyPr>
+          <a:lstStyle/>
+          <a:p>
+            <a:pPr algn="ctr"/>
+            <a:r>
+              <a:rPr lang="de-DE" sz="1100" dirty="0"/>
+              <a:t>L3</a:t>
+            </a:r>
+          </a:p>
+        </p:txBody>
+      </p:sp>
+      <p:sp>
+        <p:nvSpPr>
+          <p:cNvPr id="125" name="Textfeld 124">
+            <a:extLst>
+              <a:ext uri="{FF2B5EF4-FFF2-40B4-BE49-F238E27FC236}">
+                <a16:creationId xmlns:a16="http://schemas.microsoft.com/office/drawing/2014/main" id="{88140C6C-10A5-46E7-B467-DB3DDD5D080C}"/>
+              </a:ext>
+            </a:extLst>
+          </p:cNvPr>
+          <p:cNvSpPr txBox="1"/>
+          <p:nvPr/>
+        </p:nvSpPr>
+        <p:spPr>
+          <a:xfrm>
+            <a:off x="2480688" y="6803761"/>
+            <a:ext cx="413264" cy="261610"/>
+          </a:xfrm>
+          <a:prstGeom prst="rect">
+            <a:avLst/>
+          </a:prstGeom>
+          <a:noFill/>
+        </p:spPr>
+        <p:txBody>
+          <a:bodyPr wrap="square" rtlCol="0">
+            <a:spAutoFit/>
+          </a:bodyPr>
+          <a:lstStyle/>
+          <a:p>
+            <a:pPr algn="ctr"/>
+            <a:r>
+              <a:rPr lang="de-DE" sz="1100" dirty="0"/>
+              <a:t>L1</a:t>
+            </a:r>
+          </a:p>
+        </p:txBody>
+      </p:sp>
+      <p:sp>
+        <p:nvSpPr>
+          <p:cNvPr id="126" name="Textfeld 125">
+            <a:extLst>
+              <a:ext uri="{FF2B5EF4-FFF2-40B4-BE49-F238E27FC236}">
+                <a16:creationId xmlns:a16="http://schemas.microsoft.com/office/drawing/2014/main" id="{B9BF1E5F-1F8A-408A-91FF-8BB94B448AE3}"/>
+              </a:ext>
+            </a:extLst>
+          </p:cNvPr>
+          <p:cNvSpPr txBox="1"/>
+          <p:nvPr/>
+        </p:nvSpPr>
+        <p:spPr>
+          <a:xfrm>
+            <a:off x="2480688" y="6971315"/>
+            <a:ext cx="413264" cy="261610"/>
+          </a:xfrm>
+          <a:prstGeom prst="rect">
+            <a:avLst/>
+          </a:prstGeom>
+          <a:noFill/>
+        </p:spPr>
+        <p:txBody>
+          <a:bodyPr wrap="square" rtlCol="0">
+            <a:spAutoFit/>
+          </a:bodyPr>
+          <a:lstStyle/>
+          <a:p>
+            <a:pPr algn="ctr"/>
+            <a:r>
+              <a:rPr lang="de-DE" sz="1100" dirty="0"/>
+              <a:t>L2</a:t>
+            </a:r>
+          </a:p>
+        </p:txBody>
+      </p:sp>
+      <p:sp>
+        <p:nvSpPr>
+          <p:cNvPr id="127" name="Textfeld 126">
+            <a:extLst>
+              <a:ext uri="{FF2B5EF4-FFF2-40B4-BE49-F238E27FC236}">
+                <a16:creationId xmlns:a16="http://schemas.microsoft.com/office/drawing/2014/main" id="{4E134560-7717-4881-BC26-A0764723D785}"/>
+              </a:ext>
+            </a:extLst>
+          </p:cNvPr>
+          <p:cNvSpPr txBox="1"/>
+          <p:nvPr/>
+        </p:nvSpPr>
+        <p:spPr>
+          <a:xfrm>
+            <a:off x="2480688" y="7130115"/>
+            <a:ext cx="413264" cy="261610"/>
+          </a:xfrm>
+          <a:prstGeom prst="rect">
+            <a:avLst/>
+          </a:prstGeom>
+          <a:noFill/>
+        </p:spPr>
+        <p:txBody>
+          <a:bodyPr wrap="square" rtlCol="0">
+            <a:spAutoFit/>
+          </a:bodyPr>
+          <a:lstStyle/>
+          <a:p>
+            <a:pPr algn="ctr"/>
+            <a:r>
+              <a:rPr lang="de-DE" sz="1100" dirty="0"/>
+              <a:t>L3</a:t>
+            </a:r>
+          </a:p>
+        </p:txBody>
+      </p:sp>
+    </p:spTree>
+    <p:extLst>
+      <p:ext uri="{BB962C8B-B14F-4D97-AF65-F5344CB8AC3E}">
+        <p14:creationId xmlns:p14="http://schemas.microsoft.com/office/powerpoint/2010/main" val="924432096"/>
+      </p:ext>
+    </p:extLst>
+  </p:cSld>
+  <p:clrMapOvr>
+    <a:masterClrMapping/>
+  </p:clrMapOvr>
+</p:sld>
+</file>
+
+<file path=ppt/slides/slide11.xml><?xml version="1.0" encoding="utf-8"?>
+<p:sld xmlns:a="http://schemas.openxmlformats.org/drawingml/2006/main" xmlns:r="http://schemas.openxmlformats.org/officeDocument/2006/relationships" xmlns:p="http://schemas.openxmlformats.org/presentationml/2006/main">
+  <p:cSld>
+    <p:spTree>
+      <p:nvGrpSpPr>
+        <p:cNvPr id="1" name=""/>
+        <p:cNvGrpSpPr/>
+        <p:nvPr/>
+      </p:nvGrpSpPr>
+      <p:grpSpPr>
+        <a:xfrm>
+          <a:off x="0" y="0"/>
+          <a:ext cx="0" cy="0"/>
+          <a:chOff x="0" y="0"/>
+          <a:chExt cx="0" cy="0"/>
+        </a:xfrm>
+      </p:grpSpPr>
       <p:grpSp>
         <p:nvGrpSpPr>
           <p:cNvPr id="4" name="Gruppieren 3">
@@ -7455,7 +11869,7 @@
 </p:sld>
 </file>
 
-<file path=ppt/slides/slide11.xml><?xml version="1.0" encoding="utf-8"?>
+<file path=ppt/slides/slide12.xml><?xml version="1.0" encoding="utf-8"?>
 <p:sld xmlns:a="http://schemas.openxmlformats.org/drawingml/2006/main" xmlns:r="http://schemas.openxmlformats.org/officeDocument/2006/relationships" xmlns:p="http://schemas.openxmlformats.org/presentationml/2006/main">
   <p:cSld>
     <p:spTree>
@@ -8839,7 +13253,7 @@
 </p:sld>
 </file>
 
-<file path=ppt/slides/slide12.xml><?xml version="1.0" encoding="utf-8"?>
+<file path=ppt/slides/slide13.xml><?xml version="1.0" encoding="utf-8"?>
 <p:sld xmlns:a="http://schemas.openxmlformats.org/drawingml/2006/main" xmlns:r="http://schemas.openxmlformats.org/officeDocument/2006/relationships" xmlns:p="http://schemas.openxmlformats.org/presentationml/2006/main">
   <p:cSld>
     <p:spTree>
@@ -10526,7 +14940,7 @@
 </p:sld>
 </file>
 
-<file path=ppt/slides/slide13.xml><?xml version="1.0" encoding="utf-8"?>
+<file path=ppt/slides/slide14.xml><?xml version="1.0" encoding="utf-8"?>
 <p:sld xmlns:a="http://schemas.openxmlformats.org/drawingml/2006/main" xmlns:r="http://schemas.openxmlformats.org/officeDocument/2006/relationships" xmlns:p="http://schemas.openxmlformats.org/presentationml/2006/main">
   <p:cSld>
     <p:spTree>
@@ -12295,7 +16709,7 @@
 </p:sld>
 </file>
 
-<file path=ppt/slides/slide14.xml><?xml version="1.0" encoding="utf-8"?>
+<file path=ppt/slides/slide15.xml><?xml version="1.0" encoding="utf-8"?>
 <p:sld xmlns:a="http://schemas.openxmlformats.org/drawingml/2006/main" xmlns:r="http://schemas.openxmlformats.org/officeDocument/2006/relationships" xmlns:p="http://schemas.openxmlformats.org/presentationml/2006/main">
   <p:cSld>
     <p:spTree>
@@ -15161,7 +19575,7 @@
 </p:sld>
 </file>
 
-<file path=ppt/slides/slide15.xml><?xml version="1.0" encoding="utf-8"?>
+<file path=ppt/slides/slide16.xml><?xml version="1.0" encoding="utf-8"?>
 <p:sld xmlns:a="http://schemas.openxmlformats.org/drawingml/2006/main" xmlns:r="http://schemas.openxmlformats.org/officeDocument/2006/relationships" xmlns:p="http://schemas.openxmlformats.org/presentationml/2006/main">
   <p:cSld>
     <p:spTree>
@@ -17969,6 +22383,11 @@
               <a:pPr algn="ctr"/>
               <a:r>
                 <a:rPr lang="de-DE" sz="1200" dirty="0">
+                  <a:solidFill>
+                    <a:schemeClr val="bg1">
+                      <a:lumMod val="75000"/>
+                    </a:schemeClr>
+                  </a:solidFill>
                   <a:latin typeface="Arial" panose="020B0604020202020204" pitchFamily="34" charset="0"/>
                   <a:cs typeface="Arial" panose="020B0604020202020204" pitchFamily="34" charset="0"/>
                 </a:rPr>
@@ -18309,7 +22728,7 @@
           </p:nvSpPr>
           <p:spPr>
             <a:xfrm>
-              <a:off x="4003255" y="1445732"/>
+              <a:off x="4008970" y="1445732"/>
               <a:ext cx="324000" cy="324000"/>
             </a:xfrm>
             <a:prstGeom prst="rect">
@@ -18318,9 +22737,7 @@
             <a:noFill/>
             <a:ln>
               <a:solidFill>
-                <a:schemeClr val="bg1">
-                  <a:lumMod val="75000"/>
-                </a:schemeClr>
+                <a:schemeClr val="tx1"/>
               </a:solidFill>
             </a:ln>
           </p:spPr>
@@ -18347,9 +22764,7 @@
               <a:pPr algn="ctr"/>
               <a:endParaRPr lang="de-DE" sz="1200" dirty="0">
                 <a:solidFill>
-                  <a:schemeClr val="bg1">
-                    <a:lumMod val="75000"/>
-                  </a:schemeClr>
+                  <a:schemeClr val="tx1"/>
                 </a:solidFill>
                 <a:latin typeface="Arial" panose="020B0604020202020204" pitchFamily="34" charset="0"/>
                 <a:cs typeface="Arial" panose="020B0604020202020204" pitchFamily="34" charset="0"/>
@@ -18388,11 +22803,6 @@
               <a:pPr algn="ctr"/>
               <a:r>
                 <a:rPr lang="de-DE" sz="1200" dirty="0">
-                  <a:solidFill>
-                    <a:schemeClr val="bg1">
-                      <a:lumMod val="75000"/>
-                    </a:schemeClr>
-                  </a:solidFill>
                   <a:latin typeface="Arial" panose="020B0604020202020204" pitchFamily="34" charset="0"/>
                   <a:cs typeface="Arial" panose="020B0604020202020204" pitchFamily="34" charset="0"/>
                 </a:rPr>
@@ -19139,7 +23549,9 @@
             <a:noFill/>
             <a:ln>
               <a:solidFill>
-                <a:schemeClr val="tx1"/>
+                <a:schemeClr val="bg1">
+                  <a:lumMod val="75000"/>
+                </a:schemeClr>
               </a:solidFill>
             </a:ln>
           </p:spPr>
@@ -19190,7 +23602,7 @@
           </p:nvCxnSpPr>
           <p:spPr>
             <a:xfrm>
-              <a:off x="4010674" y="1614488"/>
+              <a:off x="4326904" y="1614488"/>
               <a:ext cx="325362" cy="0"/>
             </a:xfrm>
             <a:prstGeom prst="straightConnector1">
@@ -21850,6 +26262,678 @@
 </file>
 
 <file path=ppt/slides/slide3.xml><?xml version="1.0" encoding="utf-8"?>
+<p:sld xmlns:a="http://schemas.openxmlformats.org/drawingml/2006/main" xmlns:r="http://schemas.openxmlformats.org/officeDocument/2006/relationships" xmlns:p="http://schemas.openxmlformats.org/presentationml/2006/main">
+  <p:cSld>
+    <p:spTree>
+      <p:nvGrpSpPr>
+        <p:cNvPr id="1" name=""/>
+        <p:cNvGrpSpPr/>
+        <p:nvPr/>
+      </p:nvGrpSpPr>
+      <p:grpSpPr>
+        <a:xfrm>
+          <a:off x="0" y="0"/>
+          <a:ext cx="0" cy="0"/>
+          <a:chOff x="0" y="0"/>
+          <a:chExt cx="0" cy="0"/>
+        </a:xfrm>
+      </p:grpSpPr>
+      <p:sp>
+        <p:nvSpPr>
+          <p:cNvPr id="4" name="Rechteck 3"/>
+          <p:cNvSpPr/>
+          <p:nvPr/>
+        </p:nvSpPr>
+        <p:spPr>
+          <a:xfrm>
+            <a:off x="994307" y="772215"/>
+            <a:ext cx="5040000" cy="5090105"/>
+          </a:xfrm>
+          <a:prstGeom prst="rect">
+            <a:avLst/>
+          </a:prstGeom>
+          <a:noFill/>
+          <a:ln>
+            <a:solidFill>
+              <a:schemeClr val="tx1"/>
+            </a:solidFill>
+          </a:ln>
+        </p:spPr>
+        <p:style>
+          <a:lnRef idx="2">
+            <a:schemeClr val="accent1">
+              <a:shade val="50000"/>
+            </a:schemeClr>
+          </a:lnRef>
+          <a:fillRef idx="1">
+            <a:schemeClr val="accent1"/>
+          </a:fillRef>
+          <a:effectRef idx="0">
+            <a:schemeClr val="accent1"/>
+          </a:effectRef>
+          <a:fontRef idx="minor">
+            <a:schemeClr val="lt1"/>
+          </a:fontRef>
+        </p:style>
+        <p:txBody>
+          <a:bodyPr rtlCol="0" anchor="ctr"/>
+          <a:lstStyle/>
+          <a:p>
+            <a:pPr algn="ctr"/>
+            <a:endParaRPr lang="de-DE"/>
+          </a:p>
+        </p:txBody>
+      </p:sp>
+      <p:sp>
+        <p:nvSpPr>
+          <p:cNvPr id="22" name="Rechteck 21"/>
+          <p:cNvSpPr/>
+          <p:nvPr/>
+        </p:nvSpPr>
+        <p:spPr>
+          <a:xfrm>
+            <a:off x="1339380" y="2821093"/>
+            <a:ext cx="4419600" cy="531708"/>
+          </a:xfrm>
+          <a:prstGeom prst="rect">
+            <a:avLst/>
+          </a:prstGeom>
+          <a:solidFill>
+            <a:srgbClr val="F49000">
+              <a:alpha val="69804"/>
+            </a:srgbClr>
+          </a:solidFill>
+          <a:ln>
+            <a:solidFill>
+              <a:schemeClr val="tx1"/>
+            </a:solidFill>
+          </a:ln>
+        </p:spPr>
+        <p:style>
+          <a:lnRef idx="2">
+            <a:schemeClr val="accent1">
+              <a:shade val="50000"/>
+            </a:schemeClr>
+          </a:lnRef>
+          <a:fillRef idx="1">
+            <a:schemeClr val="accent1"/>
+          </a:fillRef>
+          <a:effectRef idx="0">
+            <a:schemeClr val="accent1"/>
+          </a:effectRef>
+          <a:fontRef idx="minor">
+            <a:schemeClr val="lt1"/>
+          </a:fontRef>
+        </p:style>
+        <p:txBody>
+          <a:bodyPr rtlCol="0" anchor="t"/>
+          <a:lstStyle/>
+          <a:p>
+            <a:r>
+              <a:rPr lang="de-DE" sz="1200" b="1" dirty="0" err="1" smtClean="0">
+                <a:solidFill>
+                  <a:schemeClr val="tx1"/>
+                </a:solidFill>
+                <a:latin typeface="Arial" panose="020B0604020202020204" pitchFamily="34" charset="0"/>
+                <a:cs typeface="Arial" panose="020B0604020202020204" pitchFamily="34" charset="0"/>
+              </a:rPr>
+              <a:t>RevPi</a:t>
+            </a:r>
+            <a:endParaRPr lang="de-DE" sz="1200" b="1" dirty="0">
+              <a:solidFill>
+                <a:schemeClr val="tx1"/>
+              </a:solidFill>
+              <a:latin typeface="Arial" panose="020B0604020202020204" pitchFamily="34" charset="0"/>
+              <a:cs typeface="Arial" panose="020B0604020202020204" pitchFamily="34" charset="0"/>
+            </a:endParaRPr>
+          </a:p>
+        </p:txBody>
+      </p:sp>
+      <p:sp>
+        <p:nvSpPr>
+          <p:cNvPr id="23" name="Rechteck 22"/>
+          <p:cNvSpPr/>
+          <p:nvPr/>
+        </p:nvSpPr>
+        <p:spPr>
+          <a:xfrm>
+            <a:off x="1339380" y="945093"/>
+            <a:ext cx="4419600" cy="487468"/>
+          </a:xfrm>
+          <a:prstGeom prst="rect">
+            <a:avLst/>
+          </a:prstGeom>
+          <a:solidFill>
+            <a:srgbClr val="F49000">
+              <a:alpha val="69804"/>
+            </a:srgbClr>
+          </a:solidFill>
+          <a:ln>
+            <a:solidFill>
+              <a:schemeClr val="tx1"/>
+            </a:solidFill>
+          </a:ln>
+        </p:spPr>
+        <p:style>
+          <a:lnRef idx="2">
+            <a:schemeClr val="accent1">
+              <a:shade val="50000"/>
+            </a:schemeClr>
+          </a:lnRef>
+          <a:fillRef idx="1">
+            <a:schemeClr val="accent1"/>
+          </a:fillRef>
+          <a:effectRef idx="0">
+            <a:schemeClr val="accent1"/>
+          </a:effectRef>
+          <a:fontRef idx="minor">
+            <a:schemeClr val="lt1"/>
+          </a:fontRef>
+        </p:style>
+        <p:txBody>
+          <a:bodyPr rtlCol="0" anchor="t"/>
+          <a:lstStyle/>
+          <a:p>
+            <a:r>
+              <a:rPr lang="de-DE" sz="1200" b="1" dirty="0" smtClean="0">
+                <a:solidFill>
+                  <a:schemeClr val="tx1"/>
+                </a:solidFill>
+                <a:latin typeface="Arial" panose="020B0604020202020204" pitchFamily="34" charset="0"/>
+                <a:cs typeface="Arial" panose="020B0604020202020204" pitchFamily="34" charset="0"/>
+              </a:rPr>
+              <a:t>SPS</a:t>
+            </a:r>
+            <a:endParaRPr lang="de-DE" sz="1200" b="1" dirty="0">
+              <a:solidFill>
+                <a:schemeClr val="tx1"/>
+              </a:solidFill>
+              <a:latin typeface="Arial" panose="020B0604020202020204" pitchFamily="34" charset="0"/>
+              <a:cs typeface="Arial" panose="020B0604020202020204" pitchFamily="34" charset="0"/>
+            </a:endParaRPr>
+          </a:p>
+        </p:txBody>
+      </p:sp>
+      <p:sp>
+        <p:nvSpPr>
+          <p:cNvPr id="2" name="Wolke 1"/>
+          <p:cNvSpPr/>
+          <p:nvPr/>
+        </p:nvSpPr>
+        <p:spPr>
+          <a:xfrm>
+            <a:off x="2219323" y="4788779"/>
+            <a:ext cx="1613233" cy="965200"/>
+          </a:xfrm>
+          <a:prstGeom prst="cloud">
+            <a:avLst/>
+          </a:prstGeom>
+          <a:solidFill>
+            <a:srgbClr val="85AADA"/>
+          </a:solidFill>
+          <a:ln>
+            <a:solidFill>
+              <a:schemeClr val="tx1"/>
+            </a:solidFill>
+          </a:ln>
+        </p:spPr>
+        <p:style>
+          <a:lnRef idx="2">
+            <a:schemeClr val="accent1">
+              <a:shade val="50000"/>
+            </a:schemeClr>
+          </a:lnRef>
+          <a:fillRef idx="1">
+            <a:schemeClr val="accent1"/>
+          </a:fillRef>
+          <a:effectRef idx="0">
+            <a:schemeClr val="accent1"/>
+          </a:effectRef>
+          <a:fontRef idx="minor">
+            <a:schemeClr val="lt1"/>
+          </a:fontRef>
+        </p:style>
+        <p:txBody>
+          <a:bodyPr rtlCol="0" anchor="ctr"/>
+          <a:lstStyle/>
+          <a:p>
+            <a:pPr algn="ctr"/>
+            <a:r>
+              <a:rPr lang="de-DE" sz="1200" dirty="0" smtClean="0">
+                <a:solidFill>
+                  <a:schemeClr val="tx1"/>
+                </a:solidFill>
+                <a:latin typeface="Arial" panose="020B0604020202020204" pitchFamily="34" charset="0"/>
+                <a:cs typeface="Arial" panose="020B0604020202020204" pitchFamily="34" charset="0"/>
+              </a:rPr>
+              <a:t>Backend</a:t>
+            </a:r>
+            <a:endParaRPr lang="de-DE" sz="1200" dirty="0">
+              <a:solidFill>
+                <a:schemeClr val="tx1"/>
+              </a:solidFill>
+              <a:latin typeface="Arial" panose="020B0604020202020204" pitchFamily="34" charset="0"/>
+              <a:cs typeface="Arial" panose="020B0604020202020204" pitchFamily="34" charset="0"/>
+            </a:endParaRPr>
+          </a:p>
+        </p:txBody>
+      </p:sp>
+      <p:sp>
+        <p:nvSpPr>
+          <p:cNvPr id="29" name="Rechteck 28"/>
+          <p:cNvSpPr/>
+          <p:nvPr/>
+        </p:nvSpPr>
+        <p:spPr>
+          <a:xfrm>
+            <a:off x="2304851" y="2919307"/>
+            <a:ext cx="1442182" cy="335280"/>
+          </a:xfrm>
+          <a:prstGeom prst="rect">
+            <a:avLst/>
+          </a:prstGeom>
+          <a:solidFill>
+            <a:srgbClr val="F49000"/>
+          </a:solidFill>
+          <a:ln>
+            <a:solidFill>
+              <a:schemeClr val="tx1"/>
+            </a:solidFill>
+          </a:ln>
+        </p:spPr>
+        <p:style>
+          <a:lnRef idx="2">
+            <a:schemeClr val="accent1">
+              <a:shade val="50000"/>
+            </a:schemeClr>
+          </a:lnRef>
+          <a:fillRef idx="1">
+            <a:schemeClr val="accent1"/>
+          </a:fillRef>
+          <a:effectRef idx="0">
+            <a:schemeClr val="accent1"/>
+          </a:effectRef>
+          <a:fontRef idx="minor">
+            <a:schemeClr val="lt1"/>
+          </a:fontRef>
+        </p:style>
+        <p:txBody>
+          <a:bodyPr rtlCol="0" anchor="t"/>
+          <a:lstStyle/>
+          <a:p>
+            <a:r>
+              <a:rPr lang="de-DE" sz="1200" dirty="0" smtClean="0">
+                <a:solidFill>
+                  <a:schemeClr val="tx1"/>
+                </a:solidFill>
+                <a:latin typeface="Arial" panose="020B0604020202020204" pitchFamily="34" charset="0"/>
+                <a:cs typeface="Arial" panose="020B0604020202020204" pitchFamily="34" charset="0"/>
+              </a:rPr>
+              <a:t>OCPP Interface</a:t>
+            </a:r>
+            <a:endParaRPr lang="de-DE" sz="1200" dirty="0">
+              <a:solidFill>
+                <a:schemeClr val="tx1"/>
+              </a:solidFill>
+              <a:latin typeface="Arial" panose="020B0604020202020204" pitchFamily="34" charset="0"/>
+              <a:cs typeface="Arial" panose="020B0604020202020204" pitchFamily="34" charset="0"/>
+            </a:endParaRPr>
+          </a:p>
+        </p:txBody>
+      </p:sp>
+      <p:sp>
+        <p:nvSpPr>
+          <p:cNvPr id="34" name="Rechteck 33"/>
+          <p:cNvSpPr/>
+          <p:nvPr/>
+        </p:nvSpPr>
+        <p:spPr>
+          <a:xfrm>
+            <a:off x="4079083" y="2919307"/>
+            <a:ext cx="1442183" cy="335280"/>
+          </a:xfrm>
+          <a:prstGeom prst="rect">
+            <a:avLst/>
+          </a:prstGeom>
+          <a:solidFill>
+            <a:srgbClr val="F49000"/>
+          </a:solidFill>
+          <a:ln>
+            <a:solidFill>
+              <a:schemeClr val="tx1"/>
+            </a:solidFill>
+          </a:ln>
+        </p:spPr>
+        <p:style>
+          <a:lnRef idx="2">
+            <a:schemeClr val="accent1">
+              <a:shade val="50000"/>
+            </a:schemeClr>
+          </a:lnRef>
+          <a:fillRef idx="1">
+            <a:schemeClr val="accent1"/>
+          </a:fillRef>
+          <a:effectRef idx="0">
+            <a:schemeClr val="accent1"/>
+          </a:effectRef>
+          <a:fontRef idx="minor">
+            <a:schemeClr val="lt1"/>
+          </a:fontRef>
+        </p:style>
+        <p:txBody>
+          <a:bodyPr rtlCol="0" anchor="t"/>
+          <a:lstStyle/>
+          <a:p>
+            <a:r>
+              <a:rPr lang="de-DE" sz="1200" dirty="0" smtClean="0">
+                <a:solidFill>
+                  <a:schemeClr val="tx1"/>
+                </a:solidFill>
+                <a:latin typeface="Arial" panose="020B0604020202020204" pitchFamily="34" charset="0"/>
+                <a:cs typeface="Arial" panose="020B0604020202020204" pitchFamily="34" charset="0"/>
+              </a:rPr>
+              <a:t>Lastmanagement</a:t>
+            </a:r>
+            <a:endParaRPr lang="de-DE" sz="1200" dirty="0">
+              <a:solidFill>
+                <a:schemeClr val="tx1"/>
+              </a:solidFill>
+              <a:latin typeface="Arial" panose="020B0604020202020204" pitchFamily="34" charset="0"/>
+              <a:cs typeface="Arial" panose="020B0604020202020204" pitchFamily="34" charset="0"/>
+            </a:endParaRPr>
+          </a:p>
+        </p:txBody>
+      </p:sp>
+      <p:sp>
+        <p:nvSpPr>
+          <p:cNvPr id="3" name="Pfeil nach oben und unten 2"/>
+          <p:cNvSpPr/>
+          <p:nvPr/>
+        </p:nvSpPr>
+        <p:spPr>
+          <a:xfrm>
+            <a:off x="2794455" y="1466497"/>
+            <a:ext cx="462973" cy="1256382"/>
+          </a:xfrm>
+          <a:prstGeom prst="upDownArrow">
+            <a:avLst/>
+          </a:prstGeom>
+          <a:solidFill>
+            <a:srgbClr val="00AA96"/>
+          </a:solidFill>
+          <a:ln>
+            <a:solidFill>
+              <a:schemeClr val="tx1"/>
+            </a:solidFill>
+          </a:ln>
+        </p:spPr>
+        <p:style>
+          <a:lnRef idx="2">
+            <a:schemeClr val="accent1">
+              <a:shade val="50000"/>
+            </a:schemeClr>
+          </a:lnRef>
+          <a:fillRef idx="1">
+            <a:schemeClr val="accent1"/>
+          </a:fillRef>
+          <a:effectRef idx="0">
+            <a:schemeClr val="accent1"/>
+          </a:effectRef>
+          <a:fontRef idx="minor">
+            <a:schemeClr val="lt1"/>
+          </a:fontRef>
+        </p:style>
+        <p:txBody>
+          <a:bodyPr rtlCol="0" anchor="ctr"/>
+          <a:lstStyle/>
+          <a:p>
+            <a:pPr algn="ctr"/>
+            <a:endParaRPr lang="de-DE" sz="1200">
+              <a:latin typeface="Arial" panose="020B0604020202020204" pitchFamily="34" charset="0"/>
+              <a:cs typeface="Arial" panose="020B0604020202020204" pitchFamily="34" charset="0"/>
+            </a:endParaRPr>
+          </a:p>
+        </p:txBody>
+      </p:sp>
+      <p:sp>
+        <p:nvSpPr>
+          <p:cNvPr id="35" name="Pfeil nach oben und unten 34"/>
+          <p:cNvSpPr/>
+          <p:nvPr/>
+        </p:nvSpPr>
+        <p:spPr>
+          <a:xfrm>
+            <a:off x="4568687" y="1466497"/>
+            <a:ext cx="462973" cy="1256382"/>
+          </a:xfrm>
+          <a:prstGeom prst="upDownArrow">
+            <a:avLst/>
+          </a:prstGeom>
+          <a:solidFill>
+            <a:srgbClr val="00AA96"/>
+          </a:solidFill>
+          <a:ln>
+            <a:solidFill>
+              <a:schemeClr val="tx1"/>
+            </a:solidFill>
+          </a:ln>
+        </p:spPr>
+        <p:style>
+          <a:lnRef idx="2">
+            <a:schemeClr val="accent1">
+              <a:shade val="50000"/>
+            </a:schemeClr>
+          </a:lnRef>
+          <a:fillRef idx="1">
+            <a:schemeClr val="accent1"/>
+          </a:fillRef>
+          <a:effectRef idx="0">
+            <a:schemeClr val="accent1"/>
+          </a:effectRef>
+          <a:fontRef idx="minor">
+            <a:schemeClr val="lt1"/>
+          </a:fontRef>
+        </p:style>
+        <p:txBody>
+          <a:bodyPr rtlCol="0" anchor="ctr"/>
+          <a:lstStyle/>
+          <a:p>
+            <a:pPr algn="ctr"/>
+            <a:endParaRPr lang="de-DE" sz="1200">
+              <a:latin typeface="Arial" panose="020B0604020202020204" pitchFamily="34" charset="0"/>
+              <a:cs typeface="Arial" panose="020B0604020202020204" pitchFamily="34" charset="0"/>
+            </a:endParaRPr>
+          </a:p>
+        </p:txBody>
+      </p:sp>
+      <p:sp>
+        <p:nvSpPr>
+          <p:cNvPr id="28" name="Textfeld 27"/>
+          <p:cNvSpPr txBox="1"/>
+          <p:nvPr/>
+        </p:nvSpPr>
+        <p:spPr>
+          <a:xfrm rot="16200000">
+            <a:off x="2480316" y="1956188"/>
+            <a:ext cx="1091249" cy="276999"/>
+          </a:xfrm>
+          <a:prstGeom prst="rect">
+            <a:avLst/>
+          </a:prstGeom>
+          <a:noFill/>
+        </p:spPr>
+        <p:txBody>
+          <a:bodyPr wrap="square" rtlCol="0">
+            <a:spAutoFit/>
+          </a:bodyPr>
+          <a:lstStyle/>
+          <a:p>
+            <a:r>
+              <a:rPr lang="de-DE" sz="1200" dirty="0" err="1" smtClean="0">
+                <a:latin typeface="Arial" panose="020B0604020202020204" pitchFamily="34" charset="0"/>
+                <a:cs typeface="Arial" panose="020B0604020202020204" pitchFamily="34" charset="0"/>
+              </a:rPr>
+              <a:t>Modbus</a:t>
+            </a:r>
+            <a:r>
+              <a:rPr lang="de-DE" sz="1200" dirty="0" smtClean="0">
+                <a:latin typeface="Arial" panose="020B0604020202020204" pitchFamily="34" charset="0"/>
+                <a:cs typeface="Arial" panose="020B0604020202020204" pitchFamily="34" charset="0"/>
+              </a:rPr>
+              <a:t> TCP</a:t>
+            </a:r>
+            <a:endParaRPr lang="de-DE" sz="1200" dirty="0" smtClean="0">
+              <a:latin typeface="Arial" panose="020B0604020202020204" pitchFamily="34" charset="0"/>
+              <a:cs typeface="Arial" panose="020B0604020202020204" pitchFamily="34" charset="0"/>
+            </a:endParaRPr>
+          </a:p>
+        </p:txBody>
+      </p:sp>
+      <p:sp>
+        <p:nvSpPr>
+          <p:cNvPr id="36" name="Textfeld 35"/>
+          <p:cNvSpPr txBox="1"/>
+          <p:nvPr/>
+        </p:nvSpPr>
+        <p:spPr>
+          <a:xfrm rot="16200000">
+            <a:off x="4254548" y="1924795"/>
+            <a:ext cx="1091249" cy="276999"/>
+          </a:xfrm>
+          <a:prstGeom prst="rect">
+            <a:avLst/>
+          </a:prstGeom>
+          <a:noFill/>
+        </p:spPr>
+        <p:txBody>
+          <a:bodyPr wrap="square" rtlCol="0">
+            <a:spAutoFit/>
+          </a:bodyPr>
+          <a:lstStyle/>
+          <a:p>
+            <a:r>
+              <a:rPr lang="de-DE" sz="1200" dirty="0" err="1" smtClean="0">
+                <a:latin typeface="Arial" panose="020B0604020202020204" pitchFamily="34" charset="0"/>
+                <a:cs typeface="Arial" panose="020B0604020202020204" pitchFamily="34" charset="0"/>
+              </a:rPr>
+              <a:t>Modbus</a:t>
+            </a:r>
+            <a:r>
+              <a:rPr lang="de-DE" sz="1200" dirty="0" smtClean="0">
+                <a:latin typeface="Arial" panose="020B0604020202020204" pitchFamily="34" charset="0"/>
+                <a:cs typeface="Arial" panose="020B0604020202020204" pitchFamily="34" charset="0"/>
+              </a:rPr>
+              <a:t> TCP</a:t>
+            </a:r>
+            <a:endParaRPr lang="de-DE" sz="1200" dirty="0" smtClean="0">
+              <a:latin typeface="Arial" panose="020B0604020202020204" pitchFamily="34" charset="0"/>
+              <a:cs typeface="Arial" panose="020B0604020202020204" pitchFamily="34" charset="0"/>
+            </a:endParaRPr>
+          </a:p>
+        </p:txBody>
+      </p:sp>
+      <p:sp>
+        <p:nvSpPr>
+          <p:cNvPr id="37" name="Pfeil nach oben und unten 36"/>
+          <p:cNvSpPr/>
+          <p:nvPr/>
+        </p:nvSpPr>
+        <p:spPr>
+          <a:xfrm>
+            <a:off x="2794455" y="3449831"/>
+            <a:ext cx="462973" cy="1256382"/>
+          </a:xfrm>
+          <a:prstGeom prst="upDownArrow">
+            <a:avLst/>
+          </a:prstGeom>
+          <a:solidFill>
+            <a:srgbClr val="00AA96"/>
+          </a:solidFill>
+          <a:ln>
+            <a:solidFill>
+              <a:schemeClr val="tx1"/>
+            </a:solidFill>
+          </a:ln>
+        </p:spPr>
+        <p:style>
+          <a:lnRef idx="2">
+            <a:schemeClr val="accent1">
+              <a:shade val="50000"/>
+            </a:schemeClr>
+          </a:lnRef>
+          <a:fillRef idx="1">
+            <a:schemeClr val="accent1"/>
+          </a:fillRef>
+          <a:effectRef idx="0">
+            <a:schemeClr val="accent1"/>
+          </a:effectRef>
+          <a:fontRef idx="minor">
+            <a:schemeClr val="lt1"/>
+          </a:fontRef>
+        </p:style>
+        <p:txBody>
+          <a:bodyPr rtlCol="0" anchor="ctr"/>
+          <a:lstStyle/>
+          <a:p>
+            <a:pPr algn="ctr"/>
+            <a:endParaRPr lang="de-DE" sz="1200">
+              <a:latin typeface="Arial" panose="020B0604020202020204" pitchFamily="34" charset="0"/>
+              <a:cs typeface="Arial" panose="020B0604020202020204" pitchFamily="34" charset="0"/>
+            </a:endParaRPr>
+          </a:p>
+        </p:txBody>
+      </p:sp>
+      <p:sp>
+        <p:nvSpPr>
+          <p:cNvPr id="38" name="Textfeld 37"/>
+          <p:cNvSpPr txBox="1"/>
+          <p:nvPr/>
+        </p:nvSpPr>
+        <p:spPr>
+          <a:xfrm rot="16200000">
+            <a:off x="2480316" y="3939522"/>
+            <a:ext cx="1091249" cy="276999"/>
+          </a:xfrm>
+          <a:prstGeom prst="rect">
+            <a:avLst/>
+          </a:prstGeom>
+          <a:noFill/>
+        </p:spPr>
+        <p:txBody>
+          <a:bodyPr wrap="square" rtlCol="0">
+            <a:spAutoFit/>
+          </a:bodyPr>
+          <a:lstStyle/>
+          <a:p>
+            <a:pPr algn="ctr"/>
+            <a:r>
+              <a:rPr lang="de-DE" sz="1200" dirty="0" smtClean="0">
+                <a:latin typeface="Arial" panose="020B0604020202020204" pitchFamily="34" charset="0"/>
+                <a:cs typeface="Arial" panose="020B0604020202020204" pitchFamily="34" charset="0"/>
+              </a:rPr>
+              <a:t>OCPP 1.6</a:t>
+            </a:r>
+            <a:endParaRPr lang="de-DE" sz="1200" dirty="0" smtClean="0">
+              <a:latin typeface="Arial" panose="020B0604020202020204" pitchFamily="34" charset="0"/>
+              <a:cs typeface="Arial" panose="020B0604020202020204" pitchFamily="34" charset="0"/>
+            </a:endParaRPr>
+          </a:p>
+        </p:txBody>
+      </p:sp>
+    </p:spTree>
+    <p:extLst>
+      <p:ext uri="{BB962C8B-B14F-4D97-AF65-F5344CB8AC3E}">
+        <p14:creationId xmlns:p14="http://schemas.microsoft.com/office/powerpoint/2010/main" val="1140382780"/>
+      </p:ext>
+    </p:extLst>
+  </p:cSld>
+  <p:clrMapOvr>
+    <a:masterClrMapping/>
+  </p:clrMapOvr>
+</p:sld>
+</file>
+
+<file path=ppt/slides/slide4.xml><?xml version="1.0" encoding="utf-8"?>
 <p:sld xmlns:a="http://schemas.openxmlformats.org/drawingml/2006/main" xmlns:r="http://schemas.openxmlformats.org/officeDocument/2006/relationships" xmlns:p="http://schemas.openxmlformats.org/presentationml/2006/main">
   <p:cSld>
     <p:spTree>
@@ -23667,7 +28751,7 @@
 </p:sld>
 </file>
 
-<file path=ppt/slides/slide4.xml><?xml version="1.0" encoding="utf-8"?>
+<file path=ppt/slides/slide5.xml><?xml version="1.0" encoding="utf-8"?>
 <p:sld xmlns:a="http://schemas.openxmlformats.org/drawingml/2006/main" xmlns:r="http://schemas.openxmlformats.org/officeDocument/2006/relationships" xmlns:p="http://schemas.openxmlformats.org/presentationml/2006/main">
   <p:cSld>
     <p:spTree>
@@ -25628,7 +30712,7 @@
 </p:sld>
 </file>
 
-<file path=ppt/slides/slide5.xml><?xml version="1.0" encoding="utf-8"?>
+<file path=ppt/slides/slide6.xml><?xml version="1.0" encoding="utf-8"?>
 <p:sld xmlns:a="http://schemas.openxmlformats.org/drawingml/2006/main" xmlns:r="http://schemas.openxmlformats.org/officeDocument/2006/relationships" xmlns:p="http://schemas.openxmlformats.org/presentationml/2006/main">
   <p:cSld>
     <p:spTree>
@@ -25917,7 +31001,7 @@
 </p:sld>
 </file>
 
-<file path=ppt/slides/slide6.xml><?xml version="1.0" encoding="utf-8"?>
+<file path=ppt/slides/slide7.xml><?xml version="1.0" encoding="utf-8"?>
 <p:sld xmlns:a="http://schemas.openxmlformats.org/drawingml/2006/main" xmlns:r="http://schemas.openxmlformats.org/officeDocument/2006/relationships" xmlns:p="http://schemas.openxmlformats.org/presentationml/2006/main">
   <p:cSld>
     <p:spTree>
@@ -26129,7 +31213,7 @@
 </p:sld>
 </file>
 
-<file path=ppt/slides/slide7.xml><?xml version="1.0" encoding="utf-8"?>
+<file path=ppt/slides/slide8.xml><?xml version="1.0" encoding="utf-8"?>
 <p:sld xmlns:a="http://schemas.openxmlformats.org/drawingml/2006/main" xmlns:r="http://schemas.openxmlformats.org/officeDocument/2006/relationships" xmlns:p="http://schemas.openxmlformats.org/presentationml/2006/main">
   <p:cSld>
     <p:spTree>
@@ -27452,7 +32536,7 @@
 </p:sld>
 </file>
 
-<file path=ppt/slides/slide8.xml><?xml version="1.0" encoding="utf-8"?>
+<file path=ppt/slides/slide9.xml><?xml version="1.0" encoding="utf-8"?>
 <p:sld xmlns:a="http://schemas.openxmlformats.org/drawingml/2006/main" xmlns:r="http://schemas.openxmlformats.org/officeDocument/2006/relationships" xmlns:p="http://schemas.openxmlformats.org/presentationml/2006/main">
   <p:cSld>
     <p:spTree>
@@ -28324,4419 +33408,6 @@
     <p:extLst>
       <p:ext uri="{BB962C8B-B14F-4D97-AF65-F5344CB8AC3E}">
         <p14:creationId xmlns:p14="http://schemas.microsoft.com/office/powerpoint/2010/main" val="2075533993"/>
-      </p:ext>
-    </p:extLst>
-  </p:cSld>
-  <p:clrMapOvr>
-    <a:masterClrMapping/>
-  </p:clrMapOvr>
-</p:sld>
-</file>
-
-<file path=ppt/slides/slide9.xml><?xml version="1.0" encoding="utf-8"?>
-<p:sld xmlns:a="http://schemas.openxmlformats.org/drawingml/2006/main" xmlns:r="http://schemas.openxmlformats.org/officeDocument/2006/relationships" xmlns:p="http://schemas.openxmlformats.org/presentationml/2006/main">
-  <p:cSld>
-    <p:spTree>
-      <p:nvGrpSpPr>
-        <p:cNvPr id="1" name=""/>
-        <p:cNvGrpSpPr/>
-        <p:nvPr/>
-      </p:nvGrpSpPr>
-      <p:grpSpPr>
-        <a:xfrm>
-          <a:off x="0" y="0"/>
-          <a:ext cx="0" cy="0"/>
-          <a:chOff x="0" y="0"/>
-          <a:chExt cx="0" cy="0"/>
-        </a:xfrm>
-      </p:grpSpPr>
-      <p:cxnSp>
-        <p:nvCxnSpPr>
-          <p:cNvPr id="6" name="Gerader Verbinder 5">
-            <a:extLst>
-              <a:ext uri="{FF2B5EF4-FFF2-40B4-BE49-F238E27FC236}">
-                <a16:creationId xmlns:a16="http://schemas.microsoft.com/office/drawing/2014/main" id="{DBAB66A1-7675-42F9-9C74-2B5509CF5677}"/>
-              </a:ext>
-            </a:extLst>
-          </p:cNvPr>
-          <p:cNvCxnSpPr/>
-          <p:nvPr/>
-        </p:nvCxnSpPr>
-        <p:spPr>
-          <a:xfrm>
-            <a:off x="1106905" y="1215189"/>
-            <a:ext cx="0" cy="7579895"/>
-          </a:xfrm>
-          <a:prstGeom prst="line">
-            <a:avLst/>
-          </a:prstGeom>
-          <a:ln w="28575">
-            <a:solidFill>
-              <a:schemeClr val="tx1"/>
-            </a:solidFill>
-          </a:ln>
-        </p:spPr>
-        <p:style>
-          <a:lnRef idx="1">
-            <a:schemeClr val="accent1"/>
-          </a:lnRef>
-          <a:fillRef idx="0">
-            <a:schemeClr val="accent1"/>
-          </a:fillRef>
-          <a:effectRef idx="0">
-            <a:schemeClr val="accent1"/>
-          </a:effectRef>
-          <a:fontRef idx="minor">
-            <a:schemeClr val="tx1"/>
-          </a:fontRef>
-        </p:style>
-      </p:cxnSp>
-      <p:cxnSp>
-        <p:nvCxnSpPr>
-          <p:cNvPr id="7" name="Gerader Verbinder 6">
-            <a:extLst>
-              <a:ext uri="{FF2B5EF4-FFF2-40B4-BE49-F238E27FC236}">
-                <a16:creationId xmlns:a16="http://schemas.microsoft.com/office/drawing/2014/main" id="{D4E1516E-F19D-450B-85C0-80E276D16B95}"/>
-              </a:ext>
-            </a:extLst>
-          </p:cNvPr>
-          <p:cNvCxnSpPr/>
-          <p:nvPr/>
-        </p:nvCxnSpPr>
-        <p:spPr>
-          <a:xfrm>
-            <a:off x="1295400" y="1215189"/>
-            <a:ext cx="0" cy="7579895"/>
-          </a:xfrm>
-          <a:prstGeom prst="line">
-            <a:avLst/>
-          </a:prstGeom>
-          <a:ln w="28575">
-            <a:solidFill>
-              <a:schemeClr val="tx1"/>
-            </a:solidFill>
-          </a:ln>
-        </p:spPr>
-        <p:style>
-          <a:lnRef idx="1">
-            <a:schemeClr val="accent1"/>
-          </a:lnRef>
-          <a:fillRef idx="0">
-            <a:schemeClr val="accent1"/>
-          </a:fillRef>
-          <a:effectRef idx="0">
-            <a:schemeClr val="accent1"/>
-          </a:effectRef>
-          <a:fontRef idx="minor">
-            <a:schemeClr val="tx1"/>
-          </a:fontRef>
-        </p:style>
-      </p:cxnSp>
-      <p:cxnSp>
-        <p:nvCxnSpPr>
-          <p:cNvPr id="8" name="Gerader Verbinder 7">
-            <a:extLst>
-              <a:ext uri="{FF2B5EF4-FFF2-40B4-BE49-F238E27FC236}">
-                <a16:creationId xmlns:a16="http://schemas.microsoft.com/office/drawing/2014/main" id="{0B07264C-5C5F-4B5B-B6CA-27870B280293}"/>
-              </a:ext>
-            </a:extLst>
-          </p:cNvPr>
-          <p:cNvCxnSpPr/>
-          <p:nvPr/>
-        </p:nvCxnSpPr>
-        <p:spPr>
-          <a:xfrm>
-            <a:off x="1483894" y="1215189"/>
-            <a:ext cx="0" cy="7579895"/>
-          </a:xfrm>
-          <a:prstGeom prst="line">
-            <a:avLst/>
-          </a:prstGeom>
-          <a:ln w="28575">
-            <a:solidFill>
-              <a:schemeClr val="tx1"/>
-            </a:solidFill>
-          </a:ln>
-        </p:spPr>
-        <p:style>
-          <a:lnRef idx="1">
-            <a:schemeClr val="accent1"/>
-          </a:lnRef>
-          <a:fillRef idx="0">
-            <a:schemeClr val="accent1"/>
-          </a:fillRef>
-          <a:effectRef idx="0">
-            <a:schemeClr val="accent1"/>
-          </a:effectRef>
-          <a:fontRef idx="minor">
-            <a:schemeClr val="tx1"/>
-          </a:fontRef>
-        </p:style>
-      </p:cxnSp>
-      <p:sp>
-        <p:nvSpPr>
-          <p:cNvPr id="9" name="Textfeld 8">
-            <a:extLst>
-              <a:ext uri="{FF2B5EF4-FFF2-40B4-BE49-F238E27FC236}">
-                <a16:creationId xmlns:a16="http://schemas.microsoft.com/office/drawing/2014/main" id="{DFAEB823-3AC2-4A80-95BC-E81D6D352D69}"/>
-              </a:ext>
-            </a:extLst>
-          </p:cNvPr>
-          <p:cNvSpPr txBox="1"/>
-          <p:nvPr/>
-        </p:nvSpPr>
-        <p:spPr>
-          <a:xfrm rot="16200000">
-            <a:off x="900273" y="854668"/>
-            <a:ext cx="413264" cy="307777"/>
-          </a:xfrm>
-          <a:prstGeom prst="rect">
-            <a:avLst/>
-          </a:prstGeom>
-          <a:noFill/>
-        </p:spPr>
-        <p:txBody>
-          <a:bodyPr wrap="square" rtlCol="0">
-            <a:spAutoFit/>
-          </a:bodyPr>
-          <a:lstStyle/>
-          <a:p>
-            <a:pPr algn="ctr"/>
-            <a:r>
-              <a:rPr lang="de-DE" sz="1400" dirty="0"/>
-              <a:t>U</a:t>
-            </a:r>
-          </a:p>
-        </p:txBody>
-      </p:sp>
-      <p:sp>
-        <p:nvSpPr>
-          <p:cNvPr id="10" name="Textfeld 9">
-            <a:extLst>
-              <a:ext uri="{FF2B5EF4-FFF2-40B4-BE49-F238E27FC236}">
-                <a16:creationId xmlns:a16="http://schemas.microsoft.com/office/drawing/2014/main" id="{59B272AF-E927-4FB8-B875-4DB8C059B9DF}"/>
-              </a:ext>
-            </a:extLst>
-          </p:cNvPr>
-          <p:cNvSpPr txBox="1"/>
-          <p:nvPr/>
-        </p:nvSpPr>
-        <p:spPr>
-          <a:xfrm rot="16200000">
-            <a:off x="1087399" y="854668"/>
-            <a:ext cx="413264" cy="307777"/>
-          </a:xfrm>
-          <a:prstGeom prst="rect">
-            <a:avLst/>
-          </a:prstGeom>
-          <a:noFill/>
-        </p:spPr>
-        <p:txBody>
-          <a:bodyPr wrap="square" rtlCol="0">
-            <a:spAutoFit/>
-          </a:bodyPr>
-          <a:lstStyle/>
-          <a:p>
-            <a:pPr algn="ctr"/>
-            <a:r>
-              <a:rPr lang="de-DE" sz="1400" dirty="0"/>
-              <a:t>V</a:t>
-            </a:r>
-          </a:p>
-        </p:txBody>
-      </p:sp>
-      <p:sp>
-        <p:nvSpPr>
-          <p:cNvPr id="11" name="Textfeld 10">
-            <a:extLst>
-              <a:ext uri="{FF2B5EF4-FFF2-40B4-BE49-F238E27FC236}">
-                <a16:creationId xmlns:a16="http://schemas.microsoft.com/office/drawing/2014/main" id="{A1440C55-76DC-4404-AA58-D131C19EC7B1}"/>
-              </a:ext>
-            </a:extLst>
-          </p:cNvPr>
-          <p:cNvSpPr txBox="1"/>
-          <p:nvPr/>
-        </p:nvSpPr>
-        <p:spPr>
-          <a:xfrm rot="16200000">
-            <a:off x="1277265" y="854668"/>
-            <a:ext cx="413264" cy="307777"/>
-          </a:xfrm>
-          <a:prstGeom prst="rect">
-            <a:avLst/>
-          </a:prstGeom>
-          <a:noFill/>
-        </p:spPr>
-        <p:txBody>
-          <a:bodyPr wrap="square" rtlCol="0">
-            <a:spAutoFit/>
-          </a:bodyPr>
-          <a:lstStyle/>
-          <a:p>
-            <a:pPr algn="ctr"/>
-            <a:r>
-              <a:rPr lang="de-DE" sz="1400" dirty="0"/>
-              <a:t>W</a:t>
-            </a:r>
-          </a:p>
-        </p:txBody>
-      </p:sp>
-      <p:grpSp>
-        <p:nvGrpSpPr>
-          <p:cNvPr id="23" name="Gruppieren 22">
-            <a:extLst>
-              <a:ext uri="{FF2B5EF4-FFF2-40B4-BE49-F238E27FC236}">
-                <a16:creationId xmlns:a16="http://schemas.microsoft.com/office/drawing/2014/main" id="{874926B4-4801-4084-B055-C3065891771D}"/>
-              </a:ext>
-            </a:extLst>
-          </p:cNvPr>
-          <p:cNvGrpSpPr/>
-          <p:nvPr/>
-        </p:nvGrpSpPr>
-        <p:grpSpPr>
-          <a:xfrm>
-            <a:off x="1086281" y="1744349"/>
-            <a:ext cx="1852069" cy="45719"/>
-            <a:chOff x="1086281" y="1744349"/>
-            <a:chExt cx="1852069" cy="45719"/>
-          </a:xfrm>
-        </p:grpSpPr>
-        <p:cxnSp>
-          <p:nvCxnSpPr>
-            <p:cNvPr id="12" name="Gerader Verbinder 11">
-              <a:extLst>
-                <a:ext uri="{FF2B5EF4-FFF2-40B4-BE49-F238E27FC236}">
-                  <a16:creationId xmlns:a16="http://schemas.microsoft.com/office/drawing/2014/main" id="{25556991-4E93-4DBD-BA59-C63EE0713ED9}"/>
-                </a:ext>
-              </a:extLst>
-            </p:cNvPr>
-            <p:cNvCxnSpPr>
-              <a:cxnSpLocks/>
-              <a:endCxn id="13" idx="6"/>
-            </p:cNvCxnSpPr>
-            <p:nvPr/>
-          </p:nvCxnSpPr>
-          <p:spPr>
-            <a:xfrm flipH="1">
-              <a:off x="1132000" y="1767209"/>
-              <a:ext cx="1806350" cy="0"/>
-            </a:xfrm>
-            <a:prstGeom prst="line">
-              <a:avLst/>
-            </a:prstGeom>
-            <a:ln w="12700">
-              <a:solidFill>
-                <a:schemeClr val="tx1"/>
-              </a:solidFill>
-            </a:ln>
-          </p:spPr>
-          <p:style>
-            <a:lnRef idx="1">
-              <a:schemeClr val="accent1"/>
-            </a:lnRef>
-            <a:fillRef idx="0">
-              <a:schemeClr val="accent1"/>
-            </a:fillRef>
-            <a:effectRef idx="0">
-              <a:schemeClr val="accent1"/>
-            </a:effectRef>
-            <a:fontRef idx="minor">
-              <a:schemeClr val="tx1"/>
-            </a:fontRef>
-          </p:style>
-        </p:cxnSp>
-        <p:sp>
-          <p:nvSpPr>
-            <p:cNvPr id="13" name="Ellipse 12">
-              <a:extLst>
-                <a:ext uri="{FF2B5EF4-FFF2-40B4-BE49-F238E27FC236}">
-                  <a16:creationId xmlns:a16="http://schemas.microsoft.com/office/drawing/2014/main" id="{DD35B326-869D-40F0-A3DE-42729FBBA2FD}"/>
-                </a:ext>
-              </a:extLst>
-            </p:cNvPr>
-            <p:cNvSpPr/>
-            <p:nvPr/>
-          </p:nvSpPr>
-          <p:spPr>
-            <a:xfrm>
-              <a:off x="1086281" y="1744349"/>
-              <a:ext cx="45719" cy="45719"/>
-            </a:xfrm>
-            <a:prstGeom prst="ellipse">
-              <a:avLst/>
-            </a:prstGeom>
-            <a:solidFill>
-              <a:schemeClr val="tx1"/>
-            </a:solidFill>
-            <a:ln>
-              <a:solidFill>
-                <a:schemeClr val="tx1"/>
-              </a:solidFill>
-            </a:ln>
-          </p:spPr>
-          <p:style>
-            <a:lnRef idx="2">
-              <a:schemeClr val="accent1">
-                <a:shade val="50000"/>
-              </a:schemeClr>
-            </a:lnRef>
-            <a:fillRef idx="1">
-              <a:schemeClr val="accent1"/>
-            </a:fillRef>
-            <a:effectRef idx="0">
-              <a:schemeClr val="accent1"/>
-            </a:effectRef>
-            <a:fontRef idx="minor">
-              <a:schemeClr val="lt1"/>
-            </a:fontRef>
-          </p:style>
-          <p:txBody>
-            <a:bodyPr rtlCol="0" anchor="ctr"/>
-            <a:lstStyle/>
-            <a:p>
-              <a:pPr algn="ctr"/>
-              <a:endParaRPr lang="de-DE"/>
-            </a:p>
-          </p:txBody>
-        </p:sp>
-      </p:grpSp>
-      <p:grpSp>
-        <p:nvGrpSpPr>
-          <p:cNvPr id="22" name="Gruppieren 21">
-            <a:extLst>
-              <a:ext uri="{FF2B5EF4-FFF2-40B4-BE49-F238E27FC236}">
-                <a16:creationId xmlns:a16="http://schemas.microsoft.com/office/drawing/2014/main" id="{FDF52D11-B36C-4A26-9EA3-D9A6DD1DD56B}"/>
-              </a:ext>
-            </a:extLst>
-          </p:cNvPr>
-          <p:cNvGrpSpPr/>
-          <p:nvPr/>
-        </p:nvGrpSpPr>
-        <p:grpSpPr>
-          <a:xfrm>
-            <a:off x="1276781" y="1903099"/>
-            <a:ext cx="1661569" cy="45719"/>
-            <a:chOff x="1276781" y="1903099"/>
-            <a:chExt cx="1661569" cy="45719"/>
-          </a:xfrm>
-        </p:grpSpPr>
-        <p:cxnSp>
-          <p:nvCxnSpPr>
-            <p:cNvPr id="15" name="Gerader Verbinder 14">
-              <a:extLst>
-                <a:ext uri="{FF2B5EF4-FFF2-40B4-BE49-F238E27FC236}">
-                  <a16:creationId xmlns:a16="http://schemas.microsoft.com/office/drawing/2014/main" id="{1E8F2440-2637-440C-875C-BE9F3387D237}"/>
-                </a:ext>
-              </a:extLst>
-            </p:cNvPr>
-            <p:cNvCxnSpPr>
-              <a:cxnSpLocks/>
-              <a:endCxn id="16" idx="6"/>
-            </p:cNvCxnSpPr>
-            <p:nvPr/>
-          </p:nvCxnSpPr>
-          <p:spPr>
-            <a:xfrm flipH="1">
-              <a:off x="1322500" y="1925959"/>
-              <a:ext cx="1615850" cy="0"/>
-            </a:xfrm>
-            <a:prstGeom prst="line">
-              <a:avLst/>
-            </a:prstGeom>
-            <a:ln w="12700">
-              <a:solidFill>
-                <a:schemeClr val="tx1"/>
-              </a:solidFill>
-            </a:ln>
-          </p:spPr>
-          <p:style>
-            <a:lnRef idx="1">
-              <a:schemeClr val="accent1"/>
-            </a:lnRef>
-            <a:fillRef idx="0">
-              <a:schemeClr val="accent1"/>
-            </a:fillRef>
-            <a:effectRef idx="0">
-              <a:schemeClr val="accent1"/>
-            </a:effectRef>
-            <a:fontRef idx="minor">
-              <a:schemeClr val="tx1"/>
-            </a:fontRef>
-          </p:style>
-        </p:cxnSp>
-        <p:sp>
-          <p:nvSpPr>
-            <p:cNvPr id="16" name="Ellipse 15">
-              <a:extLst>
-                <a:ext uri="{FF2B5EF4-FFF2-40B4-BE49-F238E27FC236}">
-                  <a16:creationId xmlns:a16="http://schemas.microsoft.com/office/drawing/2014/main" id="{F396391B-4360-4987-8D3D-14A96E94F89C}"/>
-                </a:ext>
-              </a:extLst>
-            </p:cNvPr>
-            <p:cNvSpPr/>
-            <p:nvPr/>
-          </p:nvSpPr>
-          <p:spPr>
-            <a:xfrm>
-              <a:off x="1276781" y="1903099"/>
-              <a:ext cx="45719" cy="45719"/>
-            </a:xfrm>
-            <a:prstGeom prst="ellipse">
-              <a:avLst/>
-            </a:prstGeom>
-            <a:solidFill>
-              <a:schemeClr val="tx1"/>
-            </a:solidFill>
-            <a:ln>
-              <a:solidFill>
-                <a:schemeClr val="tx1"/>
-              </a:solidFill>
-            </a:ln>
-          </p:spPr>
-          <p:style>
-            <a:lnRef idx="2">
-              <a:schemeClr val="accent1">
-                <a:shade val="50000"/>
-              </a:schemeClr>
-            </a:lnRef>
-            <a:fillRef idx="1">
-              <a:schemeClr val="accent1"/>
-            </a:fillRef>
-            <a:effectRef idx="0">
-              <a:schemeClr val="accent1"/>
-            </a:effectRef>
-            <a:fontRef idx="minor">
-              <a:schemeClr val="lt1"/>
-            </a:fontRef>
-          </p:style>
-          <p:txBody>
-            <a:bodyPr rtlCol="0" anchor="ctr"/>
-            <a:lstStyle/>
-            <a:p>
-              <a:pPr algn="ctr"/>
-              <a:endParaRPr lang="de-DE"/>
-            </a:p>
-          </p:txBody>
-        </p:sp>
-      </p:grpSp>
-      <p:grpSp>
-        <p:nvGrpSpPr>
-          <p:cNvPr id="21" name="Gruppieren 20">
-            <a:extLst>
-              <a:ext uri="{FF2B5EF4-FFF2-40B4-BE49-F238E27FC236}">
-                <a16:creationId xmlns:a16="http://schemas.microsoft.com/office/drawing/2014/main" id="{77C4629F-2593-4456-86A2-5565793D147E}"/>
-              </a:ext>
-            </a:extLst>
-          </p:cNvPr>
-          <p:cNvGrpSpPr/>
-          <p:nvPr/>
-        </p:nvGrpSpPr>
-        <p:grpSpPr>
-          <a:xfrm>
-            <a:off x="1460931" y="2077724"/>
-            <a:ext cx="1477419" cy="45719"/>
-            <a:chOff x="1460931" y="2077724"/>
-            <a:chExt cx="1477419" cy="45719"/>
-          </a:xfrm>
-        </p:grpSpPr>
-        <p:cxnSp>
-          <p:nvCxnSpPr>
-            <p:cNvPr id="17" name="Gerader Verbinder 16">
-              <a:extLst>
-                <a:ext uri="{FF2B5EF4-FFF2-40B4-BE49-F238E27FC236}">
-                  <a16:creationId xmlns:a16="http://schemas.microsoft.com/office/drawing/2014/main" id="{0551A724-8C0F-4818-BF5F-92B216D8B886}"/>
-                </a:ext>
-              </a:extLst>
-            </p:cNvPr>
-            <p:cNvCxnSpPr>
-              <a:cxnSpLocks/>
-              <a:endCxn id="18" idx="6"/>
-            </p:cNvCxnSpPr>
-            <p:nvPr/>
-          </p:nvCxnSpPr>
-          <p:spPr>
-            <a:xfrm flipH="1">
-              <a:off x="1506650" y="2100584"/>
-              <a:ext cx="1431700" cy="0"/>
-            </a:xfrm>
-            <a:prstGeom prst="line">
-              <a:avLst/>
-            </a:prstGeom>
-            <a:ln w="12700">
-              <a:solidFill>
-                <a:schemeClr val="tx1"/>
-              </a:solidFill>
-            </a:ln>
-          </p:spPr>
-          <p:style>
-            <a:lnRef idx="1">
-              <a:schemeClr val="accent1"/>
-            </a:lnRef>
-            <a:fillRef idx="0">
-              <a:schemeClr val="accent1"/>
-            </a:fillRef>
-            <a:effectRef idx="0">
-              <a:schemeClr val="accent1"/>
-            </a:effectRef>
-            <a:fontRef idx="minor">
-              <a:schemeClr val="tx1"/>
-            </a:fontRef>
-          </p:style>
-        </p:cxnSp>
-        <p:sp>
-          <p:nvSpPr>
-            <p:cNvPr id="18" name="Ellipse 17">
-              <a:extLst>
-                <a:ext uri="{FF2B5EF4-FFF2-40B4-BE49-F238E27FC236}">
-                  <a16:creationId xmlns:a16="http://schemas.microsoft.com/office/drawing/2014/main" id="{7B753415-C647-48E1-9478-6DC0EC448584}"/>
-                </a:ext>
-              </a:extLst>
-            </p:cNvPr>
-            <p:cNvSpPr/>
-            <p:nvPr/>
-          </p:nvSpPr>
-          <p:spPr>
-            <a:xfrm>
-              <a:off x="1460931" y="2077724"/>
-              <a:ext cx="45719" cy="45719"/>
-            </a:xfrm>
-            <a:prstGeom prst="ellipse">
-              <a:avLst/>
-            </a:prstGeom>
-            <a:solidFill>
-              <a:schemeClr val="tx1"/>
-            </a:solidFill>
-            <a:ln>
-              <a:solidFill>
-                <a:schemeClr val="tx1"/>
-              </a:solidFill>
-            </a:ln>
-          </p:spPr>
-          <p:style>
-            <a:lnRef idx="2">
-              <a:schemeClr val="accent1">
-                <a:shade val="50000"/>
-              </a:schemeClr>
-            </a:lnRef>
-            <a:fillRef idx="1">
-              <a:schemeClr val="accent1"/>
-            </a:fillRef>
-            <a:effectRef idx="0">
-              <a:schemeClr val="accent1"/>
-            </a:effectRef>
-            <a:fontRef idx="minor">
-              <a:schemeClr val="lt1"/>
-            </a:fontRef>
-          </p:style>
-          <p:txBody>
-            <a:bodyPr rtlCol="0" anchor="ctr"/>
-            <a:lstStyle/>
-            <a:p>
-              <a:pPr algn="ctr"/>
-              <a:endParaRPr lang="de-DE"/>
-            </a:p>
-          </p:txBody>
-        </p:sp>
-      </p:grpSp>
-      <p:grpSp>
-        <p:nvGrpSpPr>
-          <p:cNvPr id="24" name="Gruppieren 23">
-            <a:extLst>
-              <a:ext uri="{FF2B5EF4-FFF2-40B4-BE49-F238E27FC236}">
-                <a16:creationId xmlns:a16="http://schemas.microsoft.com/office/drawing/2014/main" id="{2C8A92CA-94DC-4DBD-A6A5-16DF26231826}"/>
-              </a:ext>
-            </a:extLst>
-          </p:cNvPr>
-          <p:cNvGrpSpPr/>
-          <p:nvPr/>
-        </p:nvGrpSpPr>
-        <p:grpSpPr>
-          <a:xfrm>
-            <a:off x="1083105" y="2603200"/>
-            <a:ext cx="1852069" cy="45719"/>
-            <a:chOff x="1086281" y="1744349"/>
-            <a:chExt cx="1852069" cy="45719"/>
-          </a:xfrm>
-        </p:grpSpPr>
-        <p:cxnSp>
-          <p:nvCxnSpPr>
-            <p:cNvPr id="25" name="Gerader Verbinder 24">
-              <a:extLst>
-                <a:ext uri="{FF2B5EF4-FFF2-40B4-BE49-F238E27FC236}">
-                  <a16:creationId xmlns:a16="http://schemas.microsoft.com/office/drawing/2014/main" id="{974C973C-1B14-4A0E-9E31-CD777C8D8E70}"/>
-                </a:ext>
-              </a:extLst>
-            </p:cNvPr>
-            <p:cNvCxnSpPr>
-              <a:cxnSpLocks/>
-              <a:endCxn id="26" idx="6"/>
-            </p:cNvCxnSpPr>
-            <p:nvPr/>
-          </p:nvCxnSpPr>
-          <p:spPr>
-            <a:xfrm flipH="1">
-              <a:off x="1132000" y="1767209"/>
-              <a:ext cx="1806350" cy="0"/>
-            </a:xfrm>
-            <a:prstGeom prst="line">
-              <a:avLst/>
-            </a:prstGeom>
-            <a:ln w="12700">
-              <a:solidFill>
-                <a:schemeClr val="tx1"/>
-              </a:solidFill>
-            </a:ln>
-          </p:spPr>
-          <p:style>
-            <a:lnRef idx="1">
-              <a:schemeClr val="accent1"/>
-            </a:lnRef>
-            <a:fillRef idx="0">
-              <a:schemeClr val="accent1"/>
-            </a:fillRef>
-            <a:effectRef idx="0">
-              <a:schemeClr val="accent1"/>
-            </a:effectRef>
-            <a:fontRef idx="minor">
-              <a:schemeClr val="tx1"/>
-            </a:fontRef>
-          </p:style>
-        </p:cxnSp>
-        <p:sp>
-          <p:nvSpPr>
-            <p:cNvPr id="26" name="Ellipse 25">
-              <a:extLst>
-                <a:ext uri="{FF2B5EF4-FFF2-40B4-BE49-F238E27FC236}">
-                  <a16:creationId xmlns:a16="http://schemas.microsoft.com/office/drawing/2014/main" id="{6C73E956-03DA-4EA7-B5F1-1C525D5DAC0C}"/>
-                </a:ext>
-              </a:extLst>
-            </p:cNvPr>
-            <p:cNvSpPr/>
-            <p:nvPr/>
-          </p:nvSpPr>
-          <p:spPr>
-            <a:xfrm>
-              <a:off x="1086281" y="1744349"/>
-              <a:ext cx="45719" cy="45719"/>
-            </a:xfrm>
-            <a:prstGeom prst="ellipse">
-              <a:avLst/>
-            </a:prstGeom>
-            <a:solidFill>
-              <a:schemeClr val="tx1"/>
-            </a:solidFill>
-            <a:ln>
-              <a:solidFill>
-                <a:schemeClr val="tx1"/>
-              </a:solidFill>
-            </a:ln>
-          </p:spPr>
-          <p:style>
-            <a:lnRef idx="2">
-              <a:schemeClr val="accent1">
-                <a:shade val="50000"/>
-              </a:schemeClr>
-            </a:lnRef>
-            <a:fillRef idx="1">
-              <a:schemeClr val="accent1"/>
-            </a:fillRef>
-            <a:effectRef idx="0">
-              <a:schemeClr val="accent1"/>
-            </a:effectRef>
-            <a:fontRef idx="minor">
-              <a:schemeClr val="lt1"/>
-            </a:fontRef>
-          </p:style>
-          <p:txBody>
-            <a:bodyPr rtlCol="0" anchor="ctr"/>
-            <a:lstStyle/>
-            <a:p>
-              <a:pPr algn="ctr"/>
-              <a:endParaRPr lang="de-DE"/>
-            </a:p>
-          </p:txBody>
-        </p:sp>
-      </p:grpSp>
-      <p:grpSp>
-        <p:nvGrpSpPr>
-          <p:cNvPr id="27" name="Gruppieren 26">
-            <a:extLst>
-              <a:ext uri="{FF2B5EF4-FFF2-40B4-BE49-F238E27FC236}">
-                <a16:creationId xmlns:a16="http://schemas.microsoft.com/office/drawing/2014/main" id="{1F2D9AF8-336C-47FD-9E1A-72A59DF6AA4A}"/>
-              </a:ext>
-            </a:extLst>
-          </p:cNvPr>
-          <p:cNvGrpSpPr/>
-          <p:nvPr/>
-        </p:nvGrpSpPr>
-        <p:grpSpPr>
-          <a:xfrm>
-            <a:off x="1273605" y="2761950"/>
-            <a:ext cx="1661569" cy="45719"/>
-            <a:chOff x="1276781" y="1903099"/>
-            <a:chExt cx="1661569" cy="45719"/>
-          </a:xfrm>
-        </p:grpSpPr>
-        <p:cxnSp>
-          <p:nvCxnSpPr>
-            <p:cNvPr id="28" name="Gerader Verbinder 27">
-              <a:extLst>
-                <a:ext uri="{FF2B5EF4-FFF2-40B4-BE49-F238E27FC236}">
-                  <a16:creationId xmlns:a16="http://schemas.microsoft.com/office/drawing/2014/main" id="{D2F990EB-FB50-4EE6-BC73-3C49054906A5}"/>
-                </a:ext>
-              </a:extLst>
-            </p:cNvPr>
-            <p:cNvCxnSpPr>
-              <a:cxnSpLocks/>
-              <a:endCxn id="29" idx="6"/>
-            </p:cNvCxnSpPr>
-            <p:nvPr/>
-          </p:nvCxnSpPr>
-          <p:spPr>
-            <a:xfrm flipH="1">
-              <a:off x="1322500" y="1925959"/>
-              <a:ext cx="1615850" cy="0"/>
-            </a:xfrm>
-            <a:prstGeom prst="line">
-              <a:avLst/>
-            </a:prstGeom>
-            <a:ln w="12700">
-              <a:solidFill>
-                <a:schemeClr val="tx1"/>
-              </a:solidFill>
-            </a:ln>
-          </p:spPr>
-          <p:style>
-            <a:lnRef idx="1">
-              <a:schemeClr val="accent1"/>
-            </a:lnRef>
-            <a:fillRef idx="0">
-              <a:schemeClr val="accent1"/>
-            </a:fillRef>
-            <a:effectRef idx="0">
-              <a:schemeClr val="accent1"/>
-            </a:effectRef>
-            <a:fontRef idx="minor">
-              <a:schemeClr val="tx1"/>
-            </a:fontRef>
-          </p:style>
-        </p:cxnSp>
-        <p:sp>
-          <p:nvSpPr>
-            <p:cNvPr id="29" name="Ellipse 28">
-              <a:extLst>
-                <a:ext uri="{FF2B5EF4-FFF2-40B4-BE49-F238E27FC236}">
-                  <a16:creationId xmlns:a16="http://schemas.microsoft.com/office/drawing/2014/main" id="{B31E183F-5E3B-45A0-BAB1-2E77F770A0BE}"/>
-                </a:ext>
-              </a:extLst>
-            </p:cNvPr>
-            <p:cNvSpPr/>
-            <p:nvPr/>
-          </p:nvSpPr>
-          <p:spPr>
-            <a:xfrm>
-              <a:off x="1276781" y="1903099"/>
-              <a:ext cx="45719" cy="45719"/>
-            </a:xfrm>
-            <a:prstGeom prst="ellipse">
-              <a:avLst/>
-            </a:prstGeom>
-            <a:solidFill>
-              <a:schemeClr val="tx1"/>
-            </a:solidFill>
-            <a:ln>
-              <a:solidFill>
-                <a:schemeClr val="tx1"/>
-              </a:solidFill>
-            </a:ln>
-          </p:spPr>
-          <p:style>
-            <a:lnRef idx="2">
-              <a:schemeClr val="accent1">
-                <a:shade val="50000"/>
-              </a:schemeClr>
-            </a:lnRef>
-            <a:fillRef idx="1">
-              <a:schemeClr val="accent1"/>
-            </a:fillRef>
-            <a:effectRef idx="0">
-              <a:schemeClr val="accent1"/>
-            </a:effectRef>
-            <a:fontRef idx="minor">
-              <a:schemeClr val="lt1"/>
-            </a:fontRef>
-          </p:style>
-          <p:txBody>
-            <a:bodyPr rtlCol="0" anchor="ctr"/>
-            <a:lstStyle/>
-            <a:p>
-              <a:pPr algn="ctr"/>
-              <a:endParaRPr lang="de-DE"/>
-            </a:p>
-          </p:txBody>
-        </p:sp>
-      </p:grpSp>
-      <p:grpSp>
-        <p:nvGrpSpPr>
-          <p:cNvPr id="30" name="Gruppieren 29">
-            <a:extLst>
-              <a:ext uri="{FF2B5EF4-FFF2-40B4-BE49-F238E27FC236}">
-                <a16:creationId xmlns:a16="http://schemas.microsoft.com/office/drawing/2014/main" id="{14DB9720-F5BE-4ABC-BE79-00BFF5B2C6B6}"/>
-              </a:ext>
-            </a:extLst>
-          </p:cNvPr>
-          <p:cNvGrpSpPr/>
-          <p:nvPr/>
-        </p:nvGrpSpPr>
-        <p:grpSpPr>
-          <a:xfrm>
-            <a:off x="1457755" y="2446011"/>
-            <a:ext cx="1477419" cy="45719"/>
-            <a:chOff x="1460931" y="2077724"/>
-            <a:chExt cx="1477419" cy="45719"/>
-          </a:xfrm>
-        </p:grpSpPr>
-        <p:cxnSp>
-          <p:nvCxnSpPr>
-            <p:cNvPr id="31" name="Gerader Verbinder 30">
-              <a:extLst>
-                <a:ext uri="{FF2B5EF4-FFF2-40B4-BE49-F238E27FC236}">
-                  <a16:creationId xmlns:a16="http://schemas.microsoft.com/office/drawing/2014/main" id="{D1DA39E9-39D9-42DD-BB2A-7E86411259BC}"/>
-                </a:ext>
-              </a:extLst>
-            </p:cNvPr>
-            <p:cNvCxnSpPr>
-              <a:cxnSpLocks/>
-              <a:endCxn id="32" idx="6"/>
-            </p:cNvCxnSpPr>
-            <p:nvPr/>
-          </p:nvCxnSpPr>
-          <p:spPr>
-            <a:xfrm flipH="1">
-              <a:off x="1506650" y="2100584"/>
-              <a:ext cx="1431700" cy="0"/>
-            </a:xfrm>
-            <a:prstGeom prst="line">
-              <a:avLst/>
-            </a:prstGeom>
-            <a:ln w="12700">
-              <a:solidFill>
-                <a:schemeClr val="tx1"/>
-              </a:solidFill>
-            </a:ln>
-          </p:spPr>
-          <p:style>
-            <a:lnRef idx="1">
-              <a:schemeClr val="accent1"/>
-            </a:lnRef>
-            <a:fillRef idx="0">
-              <a:schemeClr val="accent1"/>
-            </a:fillRef>
-            <a:effectRef idx="0">
-              <a:schemeClr val="accent1"/>
-            </a:effectRef>
-            <a:fontRef idx="minor">
-              <a:schemeClr val="tx1"/>
-            </a:fontRef>
-          </p:style>
-        </p:cxnSp>
-        <p:sp>
-          <p:nvSpPr>
-            <p:cNvPr id="32" name="Ellipse 31">
-              <a:extLst>
-                <a:ext uri="{FF2B5EF4-FFF2-40B4-BE49-F238E27FC236}">
-                  <a16:creationId xmlns:a16="http://schemas.microsoft.com/office/drawing/2014/main" id="{87680373-A6AF-4F21-8297-52C41F9995D2}"/>
-                </a:ext>
-              </a:extLst>
-            </p:cNvPr>
-            <p:cNvSpPr/>
-            <p:nvPr/>
-          </p:nvSpPr>
-          <p:spPr>
-            <a:xfrm>
-              <a:off x="1460931" y="2077724"/>
-              <a:ext cx="45719" cy="45719"/>
-            </a:xfrm>
-            <a:prstGeom prst="ellipse">
-              <a:avLst/>
-            </a:prstGeom>
-            <a:solidFill>
-              <a:schemeClr val="tx1"/>
-            </a:solidFill>
-            <a:ln>
-              <a:solidFill>
-                <a:schemeClr val="tx1"/>
-              </a:solidFill>
-            </a:ln>
-          </p:spPr>
-          <p:style>
-            <a:lnRef idx="2">
-              <a:schemeClr val="accent1">
-                <a:shade val="50000"/>
-              </a:schemeClr>
-            </a:lnRef>
-            <a:fillRef idx="1">
-              <a:schemeClr val="accent1"/>
-            </a:fillRef>
-            <a:effectRef idx="0">
-              <a:schemeClr val="accent1"/>
-            </a:effectRef>
-            <a:fontRef idx="minor">
-              <a:schemeClr val="lt1"/>
-            </a:fontRef>
-          </p:style>
-          <p:txBody>
-            <a:bodyPr rtlCol="0" anchor="ctr"/>
-            <a:lstStyle/>
-            <a:p>
-              <a:pPr algn="ctr"/>
-              <a:endParaRPr lang="de-DE"/>
-            </a:p>
-          </p:txBody>
-        </p:sp>
-      </p:grpSp>
-      <p:grpSp>
-        <p:nvGrpSpPr>
-          <p:cNvPr id="33" name="Gruppieren 32">
-            <a:extLst>
-              <a:ext uri="{FF2B5EF4-FFF2-40B4-BE49-F238E27FC236}">
-                <a16:creationId xmlns:a16="http://schemas.microsoft.com/office/drawing/2014/main" id="{9636E6AF-2333-410A-8FEB-F5DB730E28F4}"/>
-              </a:ext>
-            </a:extLst>
-          </p:cNvPr>
-          <p:cNvGrpSpPr/>
-          <p:nvPr/>
-        </p:nvGrpSpPr>
-        <p:grpSpPr>
-          <a:xfrm>
-            <a:off x="1086273" y="3535071"/>
-            <a:ext cx="1852069" cy="45719"/>
-            <a:chOff x="1086281" y="1744349"/>
-            <a:chExt cx="1852069" cy="45719"/>
-          </a:xfrm>
-        </p:grpSpPr>
-        <p:cxnSp>
-          <p:nvCxnSpPr>
-            <p:cNvPr id="34" name="Gerader Verbinder 33">
-              <a:extLst>
-                <a:ext uri="{FF2B5EF4-FFF2-40B4-BE49-F238E27FC236}">
-                  <a16:creationId xmlns:a16="http://schemas.microsoft.com/office/drawing/2014/main" id="{B4485FF0-F733-484F-A680-67168897AC65}"/>
-                </a:ext>
-              </a:extLst>
-            </p:cNvPr>
-            <p:cNvCxnSpPr>
-              <a:cxnSpLocks/>
-              <a:endCxn id="35" idx="6"/>
-            </p:cNvCxnSpPr>
-            <p:nvPr/>
-          </p:nvCxnSpPr>
-          <p:spPr>
-            <a:xfrm flipH="1">
-              <a:off x="1132000" y="1767209"/>
-              <a:ext cx="1806350" cy="0"/>
-            </a:xfrm>
-            <a:prstGeom prst="line">
-              <a:avLst/>
-            </a:prstGeom>
-            <a:ln w="12700">
-              <a:solidFill>
-                <a:schemeClr val="tx1"/>
-              </a:solidFill>
-            </a:ln>
-          </p:spPr>
-          <p:style>
-            <a:lnRef idx="1">
-              <a:schemeClr val="accent1"/>
-            </a:lnRef>
-            <a:fillRef idx="0">
-              <a:schemeClr val="accent1"/>
-            </a:fillRef>
-            <a:effectRef idx="0">
-              <a:schemeClr val="accent1"/>
-            </a:effectRef>
-            <a:fontRef idx="minor">
-              <a:schemeClr val="tx1"/>
-            </a:fontRef>
-          </p:style>
-        </p:cxnSp>
-        <p:sp>
-          <p:nvSpPr>
-            <p:cNvPr id="35" name="Ellipse 34">
-              <a:extLst>
-                <a:ext uri="{FF2B5EF4-FFF2-40B4-BE49-F238E27FC236}">
-                  <a16:creationId xmlns:a16="http://schemas.microsoft.com/office/drawing/2014/main" id="{51661714-C061-4150-96A7-31766E723073}"/>
-                </a:ext>
-              </a:extLst>
-            </p:cNvPr>
-            <p:cNvSpPr/>
-            <p:nvPr/>
-          </p:nvSpPr>
-          <p:spPr>
-            <a:xfrm>
-              <a:off x="1086281" y="1744349"/>
-              <a:ext cx="45719" cy="45719"/>
-            </a:xfrm>
-            <a:prstGeom prst="ellipse">
-              <a:avLst/>
-            </a:prstGeom>
-            <a:solidFill>
-              <a:schemeClr val="tx1"/>
-            </a:solidFill>
-            <a:ln>
-              <a:solidFill>
-                <a:schemeClr val="tx1"/>
-              </a:solidFill>
-            </a:ln>
-          </p:spPr>
-          <p:style>
-            <a:lnRef idx="2">
-              <a:schemeClr val="accent1">
-                <a:shade val="50000"/>
-              </a:schemeClr>
-            </a:lnRef>
-            <a:fillRef idx="1">
-              <a:schemeClr val="accent1"/>
-            </a:fillRef>
-            <a:effectRef idx="0">
-              <a:schemeClr val="accent1"/>
-            </a:effectRef>
-            <a:fontRef idx="minor">
-              <a:schemeClr val="lt1"/>
-            </a:fontRef>
-          </p:style>
-          <p:txBody>
-            <a:bodyPr rtlCol="0" anchor="ctr"/>
-            <a:lstStyle/>
-            <a:p>
-              <a:pPr algn="ctr"/>
-              <a:endParaRPr lang="de-DE"/>
-            </a:p>
-          </p:txBody>
-        </p:sp>
-      </p:grpSp>
-      <p:grpSp>
-        <p:nvGrpSpPr>
-          <p:cNvPr id="36" name="Gruppieren 35">
-            <a:extLst>
-              <a:ext uri="{FF2B5EF4-FFF2-40B4-BE49-F238E27FC236}">
-                <a16:creationId xmlns:a16="http://schemas.microsoft.com/office/drawing/2014/main" id="{FFB27DC2-D530-4150-9C12-D7CCCF39A061}"/>
-              </a:ext>
-            </a:extLst>
-          </p:cNvPr>
-          <p:cNvGrpSpPr/>
-          <p:nvPr/>
-        </p:nvGrpSpPr>
-        <p:grpSpPr>
-          <a:xfrm>
-            <a:off x="1276773" y="3193742"/>
-            <a:ext cx="1661569" cy="45719"/>
-            <a:chOff x="1276781" y="1903099"/>
-            <a:chExt cx="1661569" cy="45719"/>
-          </a:xfrm>
-        </p:grpSpPr>
-        <p:cxnSp>
-          <p:nvCxnSpPr>
-            <p:cNvPr id="37" name="Gerader Verbinder 36">
-              <a:extLst>
-                <a:ext uri="{FF2B5EF4-FFF2-40B4-BE49-F238E27FC236}">
-                  <a16:creationId xmlns:a16="http://schemas.microsoft.com/office/drawing/2014/main" id="{DCCE005A-815D-4F5A-B28E-F956AB00CD26}"/>
-                </a:ext>
-              </a:extLst>
-            </p:cNvPr>
-            <p:cNvCxnSpPr>
-              <a:cxnSpLocks/>
-              <a:endCxn id="38" idx="6"/>
-            </p:cNvCxnSpPr>
-            <p:nvPr/>
-          </p:nvCxnSpPr>
-          <p:spPr>
-            <a:xfrm flipH="1">
-              <a:off x="1322500" y="1925959"/>
-              <a:ext cx="1615850" cy="0"/>
-            </a:xfrm>
-            <a:prstGeom prst="line">
-              <a:avLst/>
-            </a:prstGeom>
-            <a:ln w="12700">
-              <a:solidFill>
-                <a:schemeClr val="tx1"/>
-              </a:solidFill>
-            </a:ln>
-          </p:spPr>
-          <p:style>
-            <a:lnRef idx="1">
-              <a:schemeClr val="accent1"/>
-            </a:lnRef>
-            <a:fillRef idx="0">
-              <a:schemeClr val="accent1"/>
-            </a:fillRef>
-            <a:effectRef idx="0">
-              <a:schemeClr val="accent1"/>
-            </a:effectRef>
-            <a:fontRef idx="minor">
-              <a:schemeClr val="tx1"/>
-            </a:fontRef>
-          </p:style>
-        </p:cxnSp>
-        <p:sp>
-          <p:nvSpPr>
-            <p:cNvPr id="38" name="Ellipse 37">
-              <a:extLst>
-                <a:ext uri="{FF2B5EF4-FFF2-40B4-BE49-F238E27FC236}">
-                  <a16:creationId xmlns:a16="http://schemas.microsoft.com/office/drawing/2014/main" id="{053F7B62-CF8F-4035-A535-5AADC010198E}"/>
-                </a:ext>
-              </a:extLst>
-            </p:cNvPr>
-            <p:cNvSpPr/>
-            <p:nvPr/>
-          </p:nvSpPr>
-          <p:spPr>
-            <a:xfrm>
-              <a:off x="1276781" y="1903099"/>
-              <a:ext cx="45719" cy="45719"/>
-            </a:xfrm>
-            <a:prstGeom prst="ellipse">
-              <a:avLst/>
-            </a:prstGeom>
-            <a:solidFill>
-              <a:schemeClr val="tx1"/>
-            </a:solidFill>
-            <a:ln>
-              <a:solidFill>
-                <a:schemeClr val="tx1"/>
-              </a:solidFill>
-            </a:ln>
-          </p:spPr>
-          <p:style>
-            <a:lnRef idx="2">
-              <a:schemeClr val="accent1">
-                <a:shade val="50000"/>
-              </a:schemeClr>
-            </a:lnRef>
-            <a:fillRef idx="1">
-              <a:schemeClr val="accent1"/>
-            </a:fillRef>
-            <a:effectRef idx="0">
-              <a:schemeClr val="accent1"/>
-            </a:effectRef>
-            <a:fontRef idx="minor">
-              <a:schemeClr val="lt1"/>
-            </a:fontRef>
-          </p:style>
-          <p:txBody>
-            <a:bodyPr rtlCol="0" anchor="ctr"/>
-            <a:lstStyle/>
-            <a:p>
-              <a:pPr algn="ctr"/>
-              <a:endParaRPr lang="de-DE"/>
-            </a:p>
-          </p:txBody>
-        </p:sp>
-      </p:grpSp>
-      <p:grpSp>
-        <p:nvGrpSpPr>
-          <p:cNvPr id="39" name="Gruppieren 38">
-            <a:extLst>
-              <a:ext uri="{FF2B5EF4-FFF2-40B4-BE49-F238E27FC236}">
-                <a16:creationId xmlns:a16="http://schemas.microsoft.com/office/drawing/2014/main" id="{972CD1EF-4EB6-4996-BEAD-F427A764F4C6}"/>
-              </a:ext>
-            </a:extLst>
-          </p:cNvPr>
-          <p:cNvGrpSpPr/>
-          <p:nvPr/>
-        </p:nvGrpSpPr>
-        <p:grpSpPr>
-          <a:xfrm>
-            <a:off x="1460923" y="3368367"/>
-            <a:ext cx="1477419" cy="45719"/>
-            <a:chOff x="1460931" y="2077724"/>
-            <a:chExt cx="1477419" cy="45719"/>
-          </a:xfrm>
-        </p:grpSpPr>
-        <p:cxnSp>
-          <p:nvCxnSpPr>
-            <p:cNvPr id="40" name="Gerader Verbinder 39">
-              <a:extLst>
-                <a:ext uri="{FF2B5EF4-FFF2-40B4-BE49-F238E27FC236}">
-                  <a16:creationId xmlns:a16="http://schemas.microsoft.com/office/drawing/2014/main" id="{82C6EBE9-D055-480B-BF48-BCDA4D4F843C}"/>
-                </a:ext>
-              </a:extLst>
-            </p:cNvPr>
-            <p:cNvCxnSpPr>
-              <a:cxnSpLocks/>
-              <a:endCxn id="41" idx="6"/>
-            </p:cNvCxnSpPr>
-            <p:nvPr/>
-          </p:nvCxnSpPr>
-          <p:spPr>
-            <a:xfrm flipH="1">
-              <a:off x="1506650" y="2100584"/>
-              <a:ext cx="1431700" cy="0"/>
-            </a:xfrm>
-            <a:prstGeom prst="line">
-              <a:avLst/>
-            </a:prstGeom>
-            <a:ln w="12700">
-              <a:solidFill>
-                <a:schemeClr val="tx1"/>
-              </a:solidFill>
-            </a:ln>
-          </p:spPr>
-          <p:style>
-            <a:lnRef idx="1">
-              <a:schemeClr val="accent1"/>
-            </a:lnRef>
-            <a:fillRef idx="0">
-              <a:schemeClr val="accent1"/>
-            </a:fillRef>
-            <a:effectRef idx="0">
-              <a:schemeClr val="accent1"/>
-            </a:effectRef>
-            <a:fontRef idx="minor">
-              <a:schemeClr val="tx1"/>
-            </a:fontRef>
-          </p:style>
-        </p:cxnSp>
-        <p:sp>
-          <p:nvSpPr>
-            <p:cNvPr id="41" name="Ellipse 40">
-              <a:extLst>
-                <a:ext uri="{FF2B5EF4-FFF2-40B4-BE49-F238E27FC236}">
-                  <a16:creationId xmlns:a16="http://schemas.microsoft.com/office/drawing/2014/main" id="{D99D7A87-EF81-4DFA-BBC1-44B2AA4729B2}"/>
-                </a:ext>
-              </a:extLst>
-            </p:cNvPr>
-            <p:cNvSpPr/>
-            <p:nvPr/>
-          </p:nvSpPr>
-          <p:spPr>
-            <a:xfrm>
-              <a:off x="1460931" y="2077724"/>
-              <a:ext cx="45719" cy="45719"/>
-            </a:xfrm>
-            <a:prstGeom prst="ellipse">
-              <a:avLst/>
-            </a:prstGeom>
-            <a:solidFill>
-              <a:schemeClr val="tx1"/>
-            </a:solidFill>
-            <a:ln>
-              <a:solidFill>
-                <a:schemeClr val="tx1"/>
-              </a:solidFill>
-            </a:ln>
-          </p:spPr>
-          <p:style>
-            <a:lnRef idx="2">
-              <a:schemeClr val="accent1">
-                <a:shade val="50000"/>
-              </a:schemeClr>
-            </a:lnRef>
-            <a:fillRef idx="1">
-              <a:schemeClr val="accent1"/>
-            </a:fillRef>
-            <a:effectRef idx="0">
-              <a:schemeClr val="accent1"/>
-            </a:effectRef>
-            <a:fontRef idx="minor">
-              <a:schemeClr val="lt1"/>
-            </a:fontRef>
-          </p:style>
-          <p:txBody>
-            <a:bodyPr rtlCol="0" anchor="ctr"/>
-            <a:lstStyle/>
-            <a:p>
-              <a:pPr algn="ctr"/>
-              <a:endParaRPr lang="de-DE"/>
-            </a:p>
-          </p:txBody>
-        </p:sp>
-      </p:grpSp>
-      <p:grpSp>
-        <p:nvGrpSpPr>
-          <p:cNvPr id="42" name="Gruppieren 41">
-            <a:extLst>
-              <a:ext uri="{FF2B5EF4-FFF2-40B4-BE49-F238E27FC236}">
-                <a16:creationId xmlns:a16="http://schemas.microsoft.com/office/drawing/2014/main" id="{E2719831-917C-421D-B092-20DA49C51F65}"/>
-              </a:ext>
-            </a:extLst>
-          </p:cNvPr>
-          <p:cNvGrpSpPr/>
-          <p:nvPr/>
-        </p:nvGrpSpPr>
-        <p:grpSpPr>
-          <a:xfrm>
-            <a:off x="1086271" y="3973216"/>
-            <a:ext cx="1852069" cy="45719"/>
-            <a:chOff x="1086281" y="1744349"/>
-            <a:chExt cx="1852069" cy="45719"/>
-          </a:xfrm>
-        </p:grpSpPr>
-        <p:cxnSp>
-          <p:nvCxnSpPr>
-            <p:cNvPr id="43" name="Gerader Verbinder 42">
-              <a:extLst>
-                <a:ext uri="{FF2B5EF4-FFF2-40B4-BE49-F238E27FC236}">
-                  <a16:creationId xmlns:a16="http://schemas.microsoft.com/office/drawing/2014/main" id="{D7126DE5-2BDA-48D4-B322-3EFBB636B689}"/>
-                </a:ext>
-              </a:extLst>
-            </p:cNvPr>
-            <p:cNvCxnSpPr>
-              <a:cxnSpLocks/>
-              <a:endCxn id="44" idx="6"/>
-            </p:cNvCxnSpPr>
-            <p:nvPr/>
-          </p:nvCxnSpPr>
-          <p:spPr>
-            <a:xfrm flipH="1">
-              <a:off x="1132000" y="1767209"/>
-              <a:ext cx="1806350" cy="0"/>
-            </a:xfrm>
-            <a:prstGeom prst="line">
-              <a:avLst/>
-            </a:prstGeom>
-            <a:ln w="12700">
-              <a:solidFill>
-                <a:schemeClr val="tx1"/>
-              </a:solidFill>
-            </a:ln>
-          </p:spPr>
-          <p:style>
-            <a:lnRef idx="1">
-              <a:schemeClr val="accent1"/>
-            </a:lnRef>
-            <a:fillRef idx="0">
-              <a:schemeClr val="accent1"/>
-            </a:fillRef>
-            <a:effectRef idx="0">
-              <a:schemeClr val="accent1"/>
-            </a:effectRef>
-            <a:fontRef idx="minor">
-              <a:schemeClr val="tx1"/>
-            </a:fontRef>
-          </p:style>
-        </p:cxnSp>
-        <p:sp>
-          <p:nvSpPr>
-            <p:cNvPr id="44" name="Ellipse 43">
-              <a:extLst>
-                <a:ext uri="{FF2B5EF4-FFF2-40B4-BE49-F238E27FC236}">
-                  <a16:creationId xmlns:a16="http://schemas.microsoft.com/office/drawing/2014/main" id="{4ECE829D-8FF0-4F73-8D52-F55855993A8C}"/>
-                </a:ext>
-              </a:extLst>
-            </p:cNvPr>
-            <p:cNvSpPr/>
-            <p:nvPr/>
-          </p:nvSpPr>
-          <p:spPr>
-            <a:xfrm>
-              <a:off x="1086281" y="1744349"/>
-              <a:ext cx="45719" cy="45719"/>
-            </a:xfrm>
-            <a:prstGeom prst="ellipse">
-              <a:avLst/>
-            </a:prstGeom>
-            <a:solidFill>
-              <a:schemeClr val="tx1"/>
-            </a:solidFill>
-            <a:ln>
-              <a:solidFill>
-                <a:schemeClr val="tx1"/>
-              </a:solidFill>
-            </a:ln>
-          </p:spPr>
-          <p:style>
-            <a:lnRef idx="2">
-              <a:schemeClr val="accent1">
-                <a:shade val="50000"/>
-              </a:schemeClr>
-            </a:lnRef>
-            <a:fillRef idx="1">
-              <a:schemeClr val="accent1"/>
-            </a:fillRef>
-            <a:effectRef idx="0">
-              <a:schemeClr val="accent1"/>
-            </a:effectRef>
-            <a:fontRef idx="minor">
-              <a:schemeClr val="lt1"/>
-            </a:fontRef>
-          </p:style>
-          <p:txBody>
-            <a:bodyPr rtlCol="0" anchor="ctr"/>
-            <a:lstStyle/>
-            <a:p>
-              <a:pPr algn="ctr"/>
-              <a:endParaRPr lang="de-DE"/>
-            </a:p>
-          </p:txBody>
-        </p:sp>
-      </p:grpSp>
-      <p:grpSp>
-        <p:nvGrpSpPr>
-          <p:cNvPr id="45" name="Gruppieren 44">
-            <a:extLst>
-              <a:ext uri="{FF2B5EF4-FFF2-40B4-BE49-F238E27FC236}">
-                <a16:creationId xmlns:a16="http://schemas.microsoft.com/office/drawing/2014/main" id="{650BB75D-9805-4E7F-B095-B0FC3680AC47}"/>
-              </a:ext>
-            </a:extLst>
-          </p:cNvPr>
-          <p:cNvGrpSpPr/>
-          <p:nvPr/>
-        </p:nvGrpSpPr>
-        <p:grpSpPr>
-          <a:xfrm>
-            <a:off x="1276771" y="4131966"/>
-            <a:ext cx="1661569" cy="45719"/>
-            <a:chOff x="1276781" y="1903099"/>
-            <a:chExt cx="1661569" cy="45719"/>
-          </a:xfrm>
-        </p:grpSpPr>
-        <p:cxnSp>
-          <p:nvCxnSpPr>
-            <p:cNvPr id="46" name="Gerader Verbinder 45">
-              <a:extLst>
-                <a:ext uri="{FF2B5EF4-FFF2-40B4-BE49-F238E27FC236}">
-                  <a16:creationId xmlns:a16="http://schemas.microsoft.com/office/drawing/2014/main" id="{86034F5B-49B7-498E-8CF9-D3B1CFEE59D9}"/>
-                </a:ext>
-              </a:extLst>
-            </p:cNvPr>
-            <p:cNvCxnSpPr>
-              <a:cxnSpLocks/>
-              <a:endCxn id="47" idx="6"/>
-            </p:cNvCxnSpPr>
-            <p:nvPr/>
-          </p:nvCxnSpPr>
-          <p:spPr>
-            <a:xfrm flipH="1">
-              <a:off x="1322500" y="1925959"/>
-              <a:ext cx="1615850" cy="0"/>
-            </a:xfrm>
-            <a:prstGeom prst="line">
-              <a:avLst/>
-            </a:prstGeom>
-            <a:ln w="12700">
-              <a:solidFill>
-                <a:schemeClr val="tx1"/>
-              </a:solidFill>
-            </a:ln>
-          </p:spPr>
-          <p:style>
-            <a:lnRef idx="1">
-              <a:schemeClr val="accent1"/>
-            </a:lnRef>
-            <a:fillRef idx="0">
-              <a:schemeClr val="accent1"/>
-            </a:fillRef>
-            <a:effectRef idx="0">
-              <a:schemeClr val="accent1"/>
-            </a:effectRef>
-            <a:fontRef idx="minor">
-              <a:schemeClr val="tx1"/>
-            </a:fontRef>
-          </p:style>
-        </p:cxnSp>
-        <p:sp>
-          <p:nvSpPr>
-            <p:cNvPr id="47" name="Ellipse 46">
-              <a:extLst>
-                <a:ext uri="{FF2B5EF4-FFF2-40B4-BE49-F238E27FC236}">
-                  <a16:creationId xmlns:a16="http://schemas.microsoft.com/office/drawing/2014/main" id="{14F0E453-5668-4A92-A808-6BFDD1F37424}"/>
-                </a:ext>
-              </a:extLst>
-            </p:cNvPr>
-            <p:cNvSpPr/>
-            <p:nvPr/>
-          </p:nvSpPr>
-          <p:spPr>
-            <a:xfrm>
-              <a:off x="1276781" y="1903099"/>
-              <a:ext cx="45719" cy="45719"/>
-            </a:xfrm>
-            <a:prstGeom prst="ellipse">
-              <a:avLst/>
-            </a:prstGeom>
-            <a:solidFill>
-              <a:schemeClr val="tx1"/>
-            </a:solidFill>
-            <a:ln>
-              <a:solidFill>
-                <a:schemeClr val="tx1"/>
-              </a:solidFill>
-            </a:ln>
-          </p:spPr>
-          <p:style>
-            <a:lnRef idx="2">
-              <a:schemeClr val="accent1">
-                <a:shade val="50000"/>
-              </a:schemeClr>
-            </a:lnRef>
-            <a:fillRef idx="1">
-              <a:schemeClr val="accent1"/>
-            </a:fillRef>
-            <a:effectRef idx="0">
-              <a:schemeClr val="accent1"/>
-            </a:effectRef>
-            <a:fontRef idx="minor">
-              <a:schemeClr val="lt1"/>
-            </a:fontRef>
-          </p:style>
-          <p:txBody>
-            <a:bodyPr rtlCol="0" anchor="ctr"/>
-            <a:lstStyle/>
-            <a:p>
-              <a:pPr algn="ctr"/>
-              <a:endParaRPr lang="de-DE"/>
-            </a:p>
-          </p:txBody>
-        </p:sp>
-      </p:grpSp>
-      <p:grpSp>
-        <p:nvGrpSpPr>
-          <p:cNvPr id="48" name="Gruppieren 47">
-            <a:extLst>
-              <a:ext uri="{FF2B5EF4-FFF2-40B4-BE49-F238E27FC236}">
-                <a16:creationId xmlns:a16="http://schemas.microsoft.com/office/drawing/2014/main" id="{31E1BECF-12C4-4422-B15A-F3959C88F23E}"/>
-              </a:ext>
-            </a:extLst>
-          </p:cNvPr>
-          <p:cNvGrpSpPr/>
-          <p:nvPr/>
-        </p:nvGrpSpPr>
-        <p:grpSpPr>
-          <a:xfrm>
-            <a:off x="1460921" y="4306591"/>
-            <a:ext cx="1477419" cy="45719"/>
-            <a:chOff x="1460931" y="2077724"/>
-            <a:chExt cx="1477419" cy="45719"/>
-          </a:xfrm>
-        </p:grpSpPr>
-        <p:cxnSp>
-          <p:nvCxnSpPr>
-            <p:cNvPr id="49" name="Gerader Verbinder 48">
-              <a:extLst>
-                <a:ext uri="{FF2B5EF4-FFF2-40B4-BE49-F238E27FC236}">
-                  <a16:creationId xmlns:a16="http://schemas.microsoft.com/office/drawing/2014/main" id="{819F9ACA-ADCB-4FB9-BF64-DF940DED3811}"/>
-                </a:ext>
-              </a:extLst>
-            </p:cNvPr>
-            <p:cNvCxnSpPr>
-              <a:cxnSpLocks/>
-              <a:endCxn id="50" idx="6"/>
-            </p:cNvCxnSpPr>
-            <p:nvPr/>
-          </p:nvCxnSpPr>
-          <p:spPr>
-            <a:xfrm flipH="1">
-              <a:off x="1506650" y="2100584"/>
-              <a:ext cx="1431700" cy="0"/>
-            </a:xfrm>
-            <a:prstGeom prst="line">
-              <a:avLst/>
-            </a:prstGeom>
-            <a:ln w="12700">
-              <a:solidFill>
-                <a:schemeClr val="tx1"/>
-              </a:solidFill>
-            </a:ln>
-          </p:spPr>
-          <p:style>
-            <a:lnRef idx="1">
-              <a:schemeClr val="accent1"/>
-            </a:lnRef>
-            <a:fillRef idx="0">
-              <a:schemeClr val="accent1"/>
-            </a:fillRef>
-            <a:effectRef idx="0">
-              <a:schemeClr val="accent1"/>
-            </a:effectRef>
-            <a:fontRef idx="minor">
-              <a:schemeClr val="tx1"/>
-            </a:fontRef>
-          </p:style>
-        </p:cxnSp>
-        <p:sp>
-          <p:nvSpPr>
-            <p:cNvPr id="50" name="Ellipse 49">
-              <a:extLst>
-                <a:ext uri="{FF2B5EF4-FFF2-40B4-BE49-F238E27FC236}">
-                  <a16:creationId xmlns:a16="http://schemas.microsoft.com/office/drawing/2014/main" id="{C42A0319-677D-4E75-98AF-F2294A4FA330}"/>
-                </a:ext>
-              </a:extLst>
-            </p:cNvPr>
-            <p:cNvSpPr/>
-            <p:nvPr/>
-          </p:nvSpPr>
-          <p:spPr>
-            <a:xfrm>
-              <a:off x="1460931" y="2077724"/>
-              <a:ext cx="45719" cy="45719"/>
-            </a:xfrm>
-            <a:prstGeom prst="ellipse">
-              <a:avLst/>
-            </a:prstGeom>
-            <a:solidFill>
-              <a:schemeClr val="tx1"/>
-            </a:solidFill>
-            <a:ln>
-              <a:solidFill>
-                <a:schemeClr val="tx1"/>
-              </a:solidFill>
-            </a:ln>
-          </p:spPr>
-          <p:style>
-            <a:lnRef idx="2">
-              <a:schemeClr val="accent1">
-                <a:shade val="50000"/>
-              </a:schemeClr>
-            </a:lnRef>
-            <a:fillRef idx="1">
-              <a:schemeClr val="accent1"/>
-            </a:fillRef>
-            <a:effectRef idx="0">
-              <a:schemeClr val="accent1"/>
-            </a:effectRef>
-            <a:fontRef idx="minor">
-              <a:schemeClr val="lt1"/>
-            </a:fontRef>
-          </p:style>
-          <p:txBody>
-            <a:bodyPr rtlCol="0" anchor="ctr"/>
-            <a:lstStyle/>
-            <a:p>
-              <a:pPr algn="ctr"/>
-              <a:endParaRPr lang="de-DE"/>
-            </a:p>
-          </p:txBody>
-        </p:sp>
-      </p:grpSp>
-      <p:grpSp>
-        <p:nvGrpSpPr>
-          <p:cNvPr id="51" name="Gruppieren 50">
-            <a:extLst>
-              <a:ext uri="{FF2B5EF4-FFF2-40B4-BE49-F238E27FC236}">
-                <a16:creationId xmlns:a16="http://schemas.microsoft.com/office/drawing/2014/main" id="{282056A5-4583-420C-817C-8C9167B80695}"/>
-              </a:ext>
-            </a:extLst>
-          </p:cNvPr>
-          <p:cNvGrpSpPr/>
-          <p:nvPr/>
-        </p:nvGrpSpPr>
-        <p:grpSpPr>
-          <a:xfrm>
-            <a:off x="1083105" y="4873822"/>
-            <a:ext cx="1852069" cy="45719"/>
-            <a:chOff x="1086281" y="1744349"/>
-            <a:chExt cx="1852069" cy="45719"/>
-          </a:xfrm>
-        </p:grpSpPr>
-        <p:cxnSp>
-          <p:nvCxnSpPr>
-            <p:cNvPr id="52" name="Gerader Verbinder 51">
-              <a:extLst>
-                <a:ext uri="{FF2B5EF4-FFF2-40B4-BE49-F238E27FC236}">
-                  <a16:creationId xmlns:a16="http://schemas.microsoft.com/office/drawing/2014/main" id="{4F3FEE4C-E164-409B-9C79-04DE37E05423}"/>
-                </a:ext>
-              </a:extLst>
-            </p:cNvPr>
-            <p:cNvCxnSpPr>
-              <a:cxnSpLocks/>
-              <a:endCxn id="53" idx="6"/>
-            </p:cNvCxnSpPr>
-            <p:nvPr/>
-          </p:nvCxnSpPr>
-          <p:spPr>
-            <a:xfrm flipH="1">
-              <a:off x="1132000" y="1767209"/>
-              <a:ext cx="1806350" cy="0"/>
-            </a:xfrm>
-            <a:prstGeom prst="line">
-              <a:avLst/>
-            </a:prstGeom>
-            <a:ln w="12700">
-              <a:solidFill>
-                <a:schemeClr val="tx1"/>
-              </a:solidFill>
-            </a:ln>
-          </p:spPr>
-          <p:style>
-            <a:lnRef idx="1">
-              <a:schemeClr val="accent1"/>
-            </a:lnRef>
-            <a:fillRef idx="0">
-              <a:schemeClr val="accent1"/>
-            </a:fillRef>
-            <a:effectRef idx="0">
-              <a:schemeClr val="accent1"/>
-            </a:effectRef>
-            <a:fontRef idx="minor">
-              <a:schemeClr val="tx1"/>
-            </a:fontRef>
-          </p:style>
-        </p:cxnSp>
-        <p:sp>
-          <p:nvSpPr>
-            <p:cNvPr id="53" name="Ellipse 52">
-              <a:extLst>
-                <a:ext uri="{FF2B5EF4-FFF2-40B4-BE49-F238E27FC236}">
-                  <a16:creationId xmlns:a16="http://schemas.microsoft.com/office/drawing/2014/main" id="{5665BB05-D16D-46E4-9181-C05FE927579F}"/>
-                </a:ext>
-              </a:extLst>
-            </p:cNvPr>
-            <p:cNvSpPr/>
-            <p:nvPr/>
-          </p:nvSpPr>
-          <p:spPr>
-            <a:xfrm>
-              <a:off x="1086281" y="1744349"/>
-              <a:ext cx="45719" cy="45719"/>
-            </a:xfrm>
-            <a:prstGeom prst="ellipse">
-              <a:avLst/>
-            </a:prstGeom>
-            <a:solidFill>
-              <a:schemeClr val="tx1"/>
-            </a:solidFill>
-            <a:ln>
-              <a:solidFill>
-                <a:schemeClr val="tx1"/>
-              </a:solidFill>
-            </a:ln>
-          </p:spPr>
-          <p:style>
-            <a:lnRef idx="2">
-              <a:schemeClr val="accent1">
-                <a:shade val="50000"/>
-              </a:schemeClr>
-            </a:lnRef>
-            <a:fillRef idx="1">
-              <a:schemeClr val="accent1"/>
-            </a:fillRef>
-            <a:effectRef idx="0">
-              <a:schemeClr val="accent1"/>
-            </a:effectRef>
-            <a:fontRef idx="minor">
-              <a:schemeClr val="lt1"/>
-            </a:fontRef>
-          </p:style>
-          <p:txBody>
-            <a:bodyPr rtlCol="0" anchor="ctr"/>
-            <a:lstStyle/>
-            <a:p>
-              <a:pPr algn="ctr"/>
-              <a:endParaRPr lang="de-DE"/>
-            </a:p>
-          </p:txBody>
-        </p:sp>
-      </p:grpSp>
-      <p:grpSp>
-        <p:nvGrpSpPr>
-          <p:cNvPr id="54" name="Gruppieren 53">
-            <a:extLst>
-              <a:ext uri="{FF2B5EF4-FFF2-40B4-BE49-F238E27FC236}">
-                <a16:creationId xmlns:a16="http://schemas.microsoft.com/office/drawing/2014/main" id="{DA68CC02-9DAB-41E1-848E-DFB1735B4A13}"/>
-              </a:ext>
-            </a:extLst>
-          </p:cNvPr>
-          <p:cNvGrpSpPr/>
-          <p:nvPr/>
-        </p:nvGrpSpPr>
-        <p:grpSpPr>
-          <a:xfrm>
-            <a:off x="1273605" y="5032572"/>
-            <a:ext cx="1661569" cy="45719"/>
-            <a:chOff x="1276781" y="1903099"/>
-            <a:chExt cx="1661569" cy="45719"/>
-          </a:xfrm>
-        </p:grpSpPr>
-        <p:cxnSp>
-          <p:nvCxnSpPr>
-            <p:cNvPr id="55" name="Gerader Verbinder 54">
-              <a:extLst>
-                <a:ext uri="{FF2B5EF4-FFF2-40B4-BE49-F238E27FC236}">
-                  <a16:creationId xmlns:a16="http://schemas.microsoft.com/office/drawing/2014/main" id="{D7308238-F9FA-4A80-963C-F89D3F4D834A}"/>
-                </a:ext>
-              </a:extLst>
-            </p:cNvPr>
-            <p:cNvCxnSpPr>
-              <a:cxnSpLocks/>
-              <a:endCxn id="56" idx="6"/>
-            </p:cNvCxnSpPr>
-            <p:nvPr/>
-          </p:nvCxnSpPr>
-          <p:spPr>
-            <a:xfrm flipH="1">
-              <a:off x="1322500" y="1925959"/>
-              <a:ext cx="1615850" cy="0"/>
-            </a:xfrm>
-            <a:prstGeom prst="line">
-              <a:avLst/>
-            </a:prstGeom>
-            <a:ln w="12700">
-              <a:solidFill>
-                <a:schemeClr val="tx1"/>
-              </a:solidFill>
-            </a:ln>
-          </p:spPr>
-          <p:style>
-            <a:lnRef idx="1">
-              <a:schemeClr val="accent1"/>
-            </a:lnRef>
-            <a:fillRef idx="0">
-              <a:schemeClr val="accent1"/>
-            </a:fillRef>
-            <a:effectRef idx="0">
-              <a:schemeClr val="accent1"/>
-            </a:effectRef>
-            <a:fontRef idx="minor">
-              <a:schemeClr val="tx1"/>
-            </a:fontRef>
-          </p:style>
-        </p:cxnSp>
-        <p:sp>
-          <p:nvSpPr>
-            <p:cNvPr id="56" name="Ellipse 55">
-              <a:extLst>
-                <a:ext uri="{FF2B5EF4-FFF2-40B4-BE49-F238E27FC236}">
-                  <a16:creationId xmlns:a16="http://schemas.microsoft.com/office/drawing/2014/main" id="{CA482DCF-882D-478F-955E-42E7F67D27AC}"/>
-                </a:ext>
-              </a:extLst>
-            </p:cNvPr>
-            <p:cNvSpPr/>
-            <p:nvPr/>
-          </p:nvSpPr>
-          <p:spPr>
-            <a:xfrm>
-              <a:off x="1276781" y="1903099"/>
-              <a:ext cx="45719" cy="45719"/>
-            </a:xfrm>
-            <a:prstGeom prst="ellipse">
-              <a:avLst/>
-            </a:prstGeom>
-            <a:solidFill>
-              <a:schemeClr val="tx1"/>
-            </a:solidFill>
-            <a:ln>
-              <a:solidFill>
-                <a:schemeClr val="tx1"/>
-              </a:solidFill>
-            </a:ln>
-          </p:spPr>
-          <p:style>
-            <a:lnRef idx="2">
-              <a:schemeClr val="accent1">
-                <a:shade val="50000"/>
-              </a:schemeClr>
-            </a:lnRef>
-            <a:fillRef idx="1">
-              <a:schemeClr val="accent1"/>
-            </a:fillRef>
-            <a:effectRef idx="0">
-              <a:schemeClr val="accent1"/>
-            </a:effectRef>
-            <a:fontRef idx="minor">
-              <a:schemeClr val="lt1"/>
-            </a:fontRef>
-          </p:style>
-          <p:txBody>
-            <a:bodyPr rtlCol="0" anchor="ctr"/>
-            <a:lstStyle/>
-            <a:p>
-              <a:pPr algn="ctr"/>
-              <a:endParaRPr lang="de-DE"/>
-            </a:p>
-          </p:txBody>
-        </p:sp>
-      </p:grpSp>
-      <p:grpSp>
-        <p:nvGrpSpPr>
-          <p:cNvPr id="57" name="Gruppieren 56">
-            <a:extLst>
-              <a:ext uri="{FF2B5EF4-FFF2-40B4-BE49-F238E27FC236}">
-                <a16:creationId xmlns:a16="http://schemas.microsoft.com/office/drawing/2014/main" id="{1668C56B-FE84-4772-9E5D-88FE2889BE01}"/>
-              </a:ext>
-            </a:extLst>
-          </p:cNvPr>
-          <p:cNvGrpSpPr/>
-          <p:nvPr/>
-        </p:nvGrpSpPr>
-        <p:grpSpPr>
-          <a:xfrm>
-            <a:off x="1457755" y="4716633"/>
-            <a:ext cx="1477419" cy="45719"/>
-            <a:chOff x="1460931" y="2077724"/>
-            <a:chExt cx="1477419" cy="45719"/>
-          </a:xfrm>
-        </p:grpSpPr>
-        <p:cxnSp>
-          <p:nvCxnSpPr>
-            <p:cNvPr id="58" name="Gerader Verbinder 57">
-              <a:extLst>
-                <a:ext uri="{FF2B5EF4-FFF2-40B4-BE49-F238E27FC236}">
-                  <a16:creationId xmlns:a16="http://schemas.microsoft.com/office/drawing/2014/main" id="{FF7A097A-632E-4A1F-9E62-1674A5C2C502}"/>
-                </a:ext>
-              </a:extLst>
-            </p:cNvPr>
-            <p:cNvCxnSpPr>
-              <a:cxnSpLocks/>
-              <a:endCxn id="59" idx="6"/>
-            </p:cNvCxnSpPr>
-            <p:nvPr/>
-          </p:nvCxnSpPr>
-          <p:spPr>
-            <a:xfrm flipH="1">
-              <a:off x="1506650" y="2100584"/>
-              <a:ext cx="1431700" cy="0"/>
-            </a:xfrm>
-            <a:prstGeom prst="line">
-              <a:avLst/>
-            </a:prstGeom>
-            <a:ln w="12700">
-              <a:solidFill>
-                <a:schemeClr val="tx1"/>
-              </a:solidFill>
-            </a:ln>
-          </p:spPr>
-          <p:style>
-            <a:lnRef idx="1">
-              <a:schemeClr val="accent1"/>
-            </a:lnRef>
-            <a:fillRef idx="0">
-              <a:schemeClr val="accent1"/>
-            </a:fillRef>
-            <a:effectRef idx="0">
-              <a:schemeClr val="accent1"/>
-            </a:effectRef>
-            <a:fontRef idx="minor">
-              <a:schemeClr val="tx1"/>
-            </a:fontRef>
-          </p:style>
-        </p:cxnSp>
-        <p:sp>
-          <p:nvSpPr>
-            <p:cNvPr id="59" name="Ellipse 58">
-              <a:extLst>
-                <a:ext uri="{FF2B5EF4-FFF2-40B4-BE49-F238E27FC236}">
-                  <a16:creationId xmlns:a16="http://schemas.microsoft.com/office/drawing/2014/main" id="{1E95BA56-7829-4B2A-8B7E-D4CF70880787}"/>
-                </a:ext>
-              </a:extLst>
-            </p:cNvPr>
-            <p:cNvSpPr/>
-            <p:nvPr/>
-          </p:nvSpPr>
-          <p:spPr>
-            <a:xfrm>
-              <a:off x="1460931" y="2077724"/>
-              <a:ext cx="45719" cy="45719"/>
-            </a:xfrm>
-            <a:prstGeom prst="ellipse">
-              <a:avLst/>
-            </a:prstGeom>
-            <a:solidFill>
-              <a:schemeClr val="tx1"/>
-            </a:solidFill>
-            <a:ln>
-              <a:solidFill>
-                <a:schemeClr val="tx1"/>
-              </a:solidFill>
-            </a:ln>
-          </p:spPr>
-          <p:style>
-            <a:lnRef idx="2">
-              <a:schemeClr val="accent1">
-                <a:shade val="50000"/>
-              </a:schemeClr>
-            </a:lnRef>
-            <a:fillRef idx="1">
-              <a:schemeClr val="accent1"/>
-            </a:fillRef>
-            <a:effectRef idx="0">
-              <a:schemeClr val="accent1"/>
-            </a:effectRef>
-            <a:fontRef idx="minor">
-              <a:schemeClr val="lt1"/>
-            </a:fontRef>
-          </p:style>
-          <p:txBody>
-            <a:bodyPr rtlCol="0" anchor="ctr"/>
-            <a:lstStyle/>
-            <a:p>
-              <a:pPr algn="ctr"/>
-              <a:endParaRPr lang="de-DE"/>
-            </a:p>
-          </p:txBody>
-        </p:sp>
-      </p:grpSp>
-      <p:grpSp>
-        <p:nvGrpSpPr>
-          <p:cNvPr id="60" name="Gruppieren 59">
-            <a:extLst>
-              <a:ext uri="{FF2B5EF4-FFF2-40B4-BE49-F238E27FC236}">
-                <a16:creationId xmlns:a16="http://schemas.microsoft.com/office/drawing/2014/main" id="{75BA0F11-BF39-4706-9A92-6F958FC86AB0}"/>
-              </a:ext>
-            </a:extLst>
-          </p:cNvPr>
-          <p:cNvGrpSpPr/>
-          <p:nvPr/>
-        </p:nvGrpSpPr>
-        <p:grpSpPr>
-          <a:xfrm>
-            <a:off x="1081502" y="5797264"/>
-            <a:ext cx="1852069" cy="45719"/>
-            <a:chOff x="1086281" y="1744349"/>
-            <a:chExt cx="1852069" cy="45719"/>
-          </a:xfrm>
-        </p:grpSpPr>
-        <p:cxnSp>
-          <p:nvCxnSpPr>
-            <p:cNvPr id="61" name="Gerader Verbinder 60">
-              <a:extLst>
-                <a:ext uri="{FF2B5EF4-FFF2-40B4-BE49-F238E27FC236}">
-                  <a16:creationId xmlns:a16="http://schemas.microsoft.com/office/drawing/2014/main" id="{85AF4EAE-3781-422D-8932-7E28A74A7CC3}"/>
-                </a:ext>
-              </a:extLst>
-            </p:cNvPr>
-            <p:cNvCxnSpPr>
-              <a:cxnSpLocks/>
-              <a:endCxn id="62" idx="6"/>
-            </p:cNvCxnSpPr>
-            <p:nvPr/>
-          </p:nvCxnSpPr>
-          <p:spPr>
-            <a:xfrm flipH="1">
-              <a:off x="1132000" y="1767209"/>
-              <a:ext cx="1806350" cy="0"/>
-            </a:xfrm>
-            <a:prstGeom prst="line">
-              <a:avLst/>
-            </a:prstGeom>
-            <a:ln w="12700">
-              <a:solidFill>
-                <a:schemeClr val="tx1"/>
-              </a:solidFill>
-            </a:ln>
-          </p:spPr>
-          <p:style>
-            <a:lnRef idx="1">
-              <a:schemeClr val="accent1"/>
-            </a:lnRef>
-            <a:fillRef idx="0">
-              <a:schemeClr val="accent1"/>
-            </a:fillRef>
-            <a:effectRef idx="0">
-              <a:schemeClr val="accent1"/>
-            </a:effectRef>
-            <a:fontRef idx="minor">
-              <a:schemeClr val="tx1"/>
-            </a:fontRef>
-          </p:style>
-        </p:cxnSp>
-        <p:sp>
-          <p:nvSpPr>
-            <p:cNvPr id="62" name="Ellipse 61">
-              <a:extLst>
-                <a:ext uri="{FF2B5EF4-FFF2-40B4-BE49-F238E27FC236}">
-                  <a16:creationId xmlns:a16="http://schemas.microsoft.com/office/drawing/2014/main" id="{EED23764-F735-4702-B8C1-489EF9257B38}"/>
-                </a:ext>
-              </a:extLst>
-            </p:cNvPr>
-            <p:cNvSpPr/>
-            <p:nvPr/>
-          </p:nvSpPr>
-          <p:spPr>
-            <a:xfrm>
-              <a:off x="1086281" y="1744349"/>
-              <a:ext cx="45719" cy="45719"/>
-            </a:xfrm>
-            <a:prstGeom prst="ellipse">
-              <a:avLst/>
-            </a:prstGeom>
-            <a:solidFill>
-              <a:schemeClr val="tx1"/>
-            </a:solidFill>
-            <a:ln>
-              <a:solidFill>
-                <a:schemeClr val="tx1"/>
-              </a:solidFill>
-            </a:ln>
-          </p:spPr>
-          <p:style>
-            <a:lnRef idx="2">
-              <a:schemeClr val="accent1">
-                <a:shade val="50000"/>
-              </a:schemeClr>
-            </a:lnRef>
-            <a:fillRef idx="1">
-              <a:schemeClr val="accent1"/>
-            </a:fillRef>
-            <a:effectRef idx="0">
-              <a:schemeClr val="accent1"/>
-            </a:effectRef>
-            <a:fontRef idx="minor">
-              <a:schemeClr val="lt1"/>
-            </a:fontRef>
-          </p:style>
-          <p:txBody>
-            <a:bodyPr rtlCol="0" anchor="ctr"/>
-            <a:lstStyle/>
-            <a:p>
-              <a:pPr algn="ctr"/>
-              <a:endParaRPr lang="de-DE"/>
-            </a:p>
-          </p:txBody>
-        </p:sp>
-      </p:grpSp>
-      <p:grpSp>
-        <p:nvGrpSpPr>
-          <p:cNvPr id="63" name="Gruppieren 62">
-            <a:extLst>
-              <a:ext uri="{FF2B5EF4-FFF2-40B4-BE49-F238E27FC236}">
-                <a16:creationId xmlns:a16="http://schemas.microsoft.com/office/drawing/2014/main" id="{079B0229-3765-4C18-8350-4E0104E199F3}"/>
-              </a:ext>
-            </a:extLst>
-          </p:cNvPr>
-          <p:cNvGrpSpPr/>
-          <p:nvPr/>
-        </p:nvGrpSpPr>
-        <p:grpSpPr>
-          <a:xfrm>
-            <a:off x="1272002" y="5455935"/>
-            <a:ext cx="1661569" cy="45719"/>
-            <a:chOff x="1276781" y="1903099"/>
-            <a:chExt cx="1661569" cy="45719"/>
-          </a:xfrm>
-        </p:grpSpPr>
-        <p:cxnSp>
-          <p:nvCxnSpPr>
-            <p:cNvPr id="64" name="Gerader Verbinder 63">
-              <a:extLst>
-                <a:ext uri="{FF2B5EF4-FFF2-40B4-BE49-F238E27FC236}">
-                  <a16:creationId xmlns:a16="http://schemas.microsoft.com/office/drawing/2014/main" id="{D38D8DEA-F1F6-498D-9D2E-00A9FBB8D410}"/>
-                </a:ext>
-              </a:extLst>
-            </p:cNvPr>
-            <p:cNvCxnSpPr>
-              <a:cxnSpLocks/>
-              <a:endCxn id="65" idx="6"/>
-            </p:cNvCxnSpPr>
-            <p:nvPr/>
-          </p:nvCxnSpPr>
-          <p:spPr>
-            <a:xfrm flipH="1">
-              <a:off x="1322500" y="1925959"/>
-              <a:ext cx="1615850" cy="0"/>
-            </a:xfrm>
-            <a:prstGeom prst="line">
-              <a:avLst/>
-            </a:prstGeom>
-            <a:ln w="12700">
-              <a:solidFill>
-                <a:schemeClr val="tx1"/>
-              </a:solidFill>
-            </a:ln>
-          </p:spPr>
-          <p:style>
-            <a:lnRef idx="1">
-              <a:schemeClr val="accent1"/>
-            </a:lnRef>
-            <a:fillRef idx="0">
-              <a:schemeClr val="accent1"/>
-            </a:fillRef>
-            <a:effectRef idx="0">
-              <a:schemeClr val="accent1"/>
-            </a:effectRef>
-            <a:fontRef idx="minor">
-              <a:schemeClr val="tx1"/>
-            </a:fontRef>
-          </p:style>
-        </p:cxnSp>
-        <p:sp>
-          <p:nvSpPr>
-            <p:cNvPr id="65" name="Ellipse 64">
-              <a:extLst>
-                <a:ext uri="{FF2B5EF4-FFF2-40B4-BE49-F238E27FC236}">
-                  <a16:creationId xmlns:a16="http://schemas.microsoft.com/office/drawing/2014/main" id="{FA5F1363-37EB-4155-B764-182C944A806D}"/>
-                </a:ext>
-              </a:extLst>
-            </p:cNvPr>
-            <p:cNvSpPr/>
-            <p:nvPr/>
-          </p:nvSpPr>
-          <p:spPr>
-            <a:xfrm>
-              <a:off x="1276781" y="1903099"/>
-              <a:ext cx="45719" cy="45719"/>
-            </a:xfrm>
-            <a:prstGeom prst="ellipse">
-              <a:avLst/>
-            </a:prstGeom>
-            <a:solidFill>
-              <a:schemeClr val="tx1"/>
-            </a:solidFill>
-            <a:ln>
-              <a:solidFill>
-                <a:schemeClr val="tx1"/>
-              </a:solidFill>
-            </a:ln>
-          </p:spPr>
-          <p:style>
-            <a:lnRef idx="2">
-              <a:schemeClr val="accent1">
-                <a:shade val="50000"/>
-              </a:schemeClr>
-            </a:lnRef>
-            <a:fillRef idx="1">
-              <a:schemeClr val="accent1"/>
-            </a:fillRef>
-            <a:effectRef idx="0">
-              <a:schemeClr val="accent1"/>
-            </a:effectRef>
-            <a:fontRef idx="minor">
-              <a:schemeClr val="lt1"/>
-            </a:fontRef>
-          </p:style>
-          <p:txBody>
-            <a:bodyPr rtlCol="0" anchor="ctr"/>
-            <a:lstStyle/>
-            <a:p>
-              <a:pPr algn="ctr"/>
-              <a:endParaRPr lang="de-DE"/>
-            </a:p>
-          </p:txBody>
-        </p:sp>
-      </p:grpSp>
-      <p:grpSp>
-        <p:nvGrpSpPr>
-          <p:cNvPr id="66" name="Gruppieren 65">
-            <a:extLst>
-              <a:ext uri="{FF2B5EF4-FFF2-40B4-BE49-F238E27FC236}">
-                <a16:creationId xmlns:a16="http://schemas.microsoft.com/office/drawing/2014/main" id="{EA7C2367-FF19-4697-BEDD-E10BE35A0B88}"/>
-              </a:ext>
-            </a:extLst>
-          </p:cNvPr>
-          <p:cNvGrpSpPr/>
-          <p:nvPr/>
-        </p:nvGrpSpPr>
-        <p:grpSpPr>
-          <a:xfrm>
-            <a:off x="1456152" y="5630560"/>
-            <a:ext cx="1477419" cy="45719"/>
-            <a:chOff x="1460931" y="2077724"/>
-            <a:chExt cx="1477419" cy="45719"/>
-          </a:xfrm>
-        </p:grpSpPr>
-        <p:cxnSp>
-          <p:nvCxnSpPr>
-            <p:cNvPr id="67" name="Gerader Verbinder 66">
-              <a:extLst>
-                <a:ext uri="{FF2B5EF4-FFF2-40B4-BE49-F238E27FC236}">
-                  <a16:creationId xmlns:a16="http://schemas.microsoft.com/office/drawing/2014/main" id="{2B229CEC-E657-4E9C-B81D-7E87C29CE405}"/>
-                </a:ext>
-              </a:extLst>
-            </p:cNvPr>
-            <p:cNvCxnSpPr>
-              <a:cxnSpLocks/>
-              <a:endCxn id="68" idx="6"/>
-            </p:cNvCxnSpPr>
-            <p:nvPr/>
-          </p:nvCxnSpPr>
-          <p:spPr>
-            <a:xfrm flipH="1">
-              <a:off x="1506650" y="2100584"/>
-              <a:ext cx="1431700" cy="0"/>
-            </a:xfrm>
-            <a:prstGeom prst="line">
-              <a:avLst/>
-            </a:prstGeom>
-            <a:ln w="12700">
-              <a:solidFill>
-                <a:schemeClr val="tx1"/>
-              </a:solidFill>
-            </a:ln>
-          </p:spPr>
-          <p:style>
-            <a:lnRef idx="1">
-              <a:schemeClr val="accent1"/>
-            </a:lnRef>
-            <a:fillRef idx="0">
-              <a:schemeClr val="accent1"/>
-            </a:fillRef>
-            <a:effectRef idx="0">
-              <a:schemeClr val="accent1"/>
-            </a:effectRef>
-            <a:fontRef idx="minor">
-              <a:schemeClr val="tx1"/>
-            </a:fontRef>
-          </p:style>
-        </p:cxnSp>
-        <p:sp>
-          <p:nvSpPr>
-            <p:cNvPr id="68" name="Ellipse 67">
-              <a:extLst>
-                <a:ext uri="{FF2B5EF4-FFF2-40B4-BE49-F238E27FC236}">
-                  <a16:creationId xmlns:a16="http://schemas.microsoft.com/office/drawing/2014/main" id="{E18B7280-0BF7-4AE8-A3EA-DEAD9794F8E5}"/>
-                </a:ext>
-              </a:extLst>
-            </p:cNvPr>
-            <p:cNvSpPr/>
-            <p:nvPr/>
-          </p:nvSpPr>
-          <p:spPr>
-            <a:xfrm>
-              <a:off x="1460931" y="2077724"/>
-              <a:ext cx="45719" cy="45719"/>
-            </a:xfrm>
-            <a:prstGeom prst="ellipse">
-              <a:avLst/>
-            </a:prstGeom>
-            <a:solidFill>
-              <a:schemeClr val="tx1"/>
-            </a:solidFill>
-            <a:ln>
-              <a:solidFill>
-                <a:schemeClr val="tx1"/>
-              </a:solidFill>
-            </a:ln>
-          </p:spPr>
-          <p:style>
-            <a:lnRef idx="2">
-              <a:schemeClr val="accent1">
-                <a:shade val="50000"/>
-              </a:schemeClr>
-            </a:lnRef>
-            <a:fillRef idx="1">
-              <a:schemeClr val="accent1"/>
-            </a:fillRef>
-            <a:effectRef idx="0">
-              <a:schemeClr val="accent1"/>
-            </a:effectRef>
-            <a:fontRef idx="minor">
-              <a:schemeClr val="lt1"/>
-            </a:fontRef>
-          </p:style>
-          <p:txBody>
-            <a:bodyPr rtlCol="0" anchor="ctr"/>
-            <a:lstStyle/>
-            <a:p>
-              <a:pPr algn="ctr"/>
-              <a:endParaRPr lang="de-DE"/>
-            </a:p>
-          </p:txBody>
-        </p:sp>
-      </p:grpSp>
-      <p:grpSp>
-        <p:nvGrpSpPr>
-          <p:cNvPr id="69" name="Gruppieren 68">
-            <a:extLst>
-              <a:ext uri="{FF2B5EF4-FFF2-40B4-BE49-F238E27FC236}">
-                <a16:creationId xmlns:a16="http://schemas.microsoft.com/office/drawing/2014/main" id="{26F58CE8-9FE7-4036-A3CB-25B02E234101}"/>
-              </a:ext>
-            </a:extLst>
-          </p:cNvPr>
-          <p:cNvGrpSpPr/>
-          <p:nvPr/>
-        </p:nvGrpSpPr>
-        <p:grpSpPr>
-          <a:xfrm>
-            <a:off x="1086265" y="6216362"/>
-            <a:ext cx="1852069" cy="45719"/>
-            <a:chOff x="1086281" y="1744349"/>
-            <a:chExt cx="1852069" cy="45719"/>
-          </a:xfrm>
-        </p:grpSpPr>
-        <p:cxnSp>
-          <p:nvCxnSpPr>
-            <p:cNvPr id="70" name="Gerader Verbinder 69">
-              <a:extLst>
-                <a:ext uri="{FF2B5EF4-FFF2-40B4-BE49-F238E27FC236}">
-                  <a16:creationId xmlns:a16="http://schemas.microsoft.com/office/drawing/2014/main" id="{159592B6-346E-4E87-87BD-250CA4C3BE1E}"/>
-                </a:ext>
-              </a:extLst>
-            </p:cNvPr>
-            <p:cNvCxnSpPr>
-              <a:cxnSpLocks/>
-              <a:endCxn id="71" idx="6"/>
-            </p:cNvCxnSpPr>
-            <p:nvPr/>
-          </p:nvCxnSpPr>
-          <p:spPr>
-            <a:xfrm flipH="1">
-              <a:off x="1132000" y="1767209"/>
-              <a:ext cx="1806350" cy="0"/>
-            </a:xfrm>
-            <a:prstGeom prst="line">
-              <a:avLst/>
-            </a:prstGeom>
-            <a:ln w="12700">
-              <a:solidFill>
-                <a:schemeClr val="tx1"/>
-              </a:solidFill>
-            </a:ln>
-          </p:spPr>
-          <p:style>
-            <a:lnRef idx="1">
-              <a:schemeClr val="accent1"/>
-            </a:lnRef>
-            <a:fillRef idx="0">
-              <a:schemeClr val="accent1"/>
-            </a:fillRef>
-            <a:effectRef idx="0">
-              <a:schemeClr val="accent1"/>
-            </a:effectRef>
-            <a:fontRef idx="minor">
-              <a:schemeClr val="tx1"/>
-            </a:fontRef>
-          </p:style>
-        </p:cxnSp>
-        <p:sp>
-          <p:nvSpPr>
-            <p:cNvPr id="71" name="Ellipse 70">
-              <a:extLst>
-                <a:ext uri="{FF2B5EF4-FFF2-40B4-BE49-F238E27FC236}">
-                  <a16:creationId xmlns:a16="http://schemas.microsoft.com/office/drawing/2014/main" id="{84447414-F74A-45EA-AC08-06CE56BBCB6E}"/>
-                </a:ext>
-              </a:extLst>
-            </p:cNvPr>
-            <p:cNvSpPr/>
-            <p:nvPr/>
-          </p:nvSpPr>
-          <p:spPr>
-            <a:xfrm>
-              <a:off x="1086281" y="1744349"/>
-              <a:ext cx="45719" cy="45719"/>
-            </a:xfrm>
-            <a:prstGeom prst="ellipse">
-              <a:avLst/>
-            </a:prstGeom>
-            <a:solidFill>
-              <a:schemeClr val="tx1"/>
-            </a:solidFill>
-            <a:ln>
-              <a:solidFill>
-                <a:schemeClr val="tx1"/>
-              </a:solidFill>
-            </a:ln>
-          </p:spPr>
-          <p:style>
-            <a:lnRef idx="2">
-              <a:schemeClr val="accent1">
-                <a:shade val="50000"/>
-              </a:schemeClr>
-            </a:lnRef>
-            <a:fillRef idx="1">
-              <a:schemeClr val="accent1"/>
-            </a:fillRef>
-            <a:effectRef idx="0">
-              <a:schemeClr val="accent1"/>
-            </a:effectRef>
-            <a:fontRef idx="minor">
-              <a:schemeClr val="lt1"/>
-            </a:fontRef>
-          </p:style>
-          <p:txBody>
-            <a:bodyPr rtlCol="0" anchor="ctr"/>
-            <a:lstStyle/>
-            <a:p>
-              <a:pPr algn="ctr"/>
-              <a:endParaRPr lang="de-DE"/>
-            </a:p>
-          </p:txBody>
-        </p:sp>
-      </p:grpSp>
-      <p:grpSp>
-        <p:nvGrpSpPr>
-          <p:cNvPr id="72" name="Gruppieren 71">
-            <a:extLst>
-              <a:ext uri="{FF2B5EF4-FFF2-40B4-BE49-F238E27FC236}">
-                <a16:creationId xmlns:a16="http://schemas.microsoft.com/office/drawing/2014/main" id="{BFEE4C90-CBBD-400B-9163-B8E72660A68B}"/>
-              </a:ext>
-            </a:extLst>
-          </p:cNvPr>
-          <p:cNvGrpSpPr/>
-          <p:nvPr/>
-        </p:nvGrpSpPr>
-        <p:grpSpPr>
-          <a:xfrm>
-            <a:off x="1276765" y="6375112"/>
-            <a:ext cx="1661569" cy="45719"/>
-            <a:chOff x="1276781" y="1903099"/>
-            <a:chExt cx="1661569" cy="45719"/>
-          </a:xfrm>
-        </p:grpSpPr>
-        <p:cxnSp>
-          <p:nvCxnSpPr>
-            <p:cNvPr id="73" name="Gerader Verbinder 72">
-              <a:extLst>
-                <a:ext uri="{FF2B5EF4-FFF2-40B4-BE49-F238E27FC236}">
-                  <a16:creationId xmlns:a16="http://schemas.microsoft.com/office/drawing/2014/main" id="{C9204726-EBB2-4BE8-8271-F2230F85A1DC}"/>
-                </a:ext>
-              </a:extLst>
-            </p:cNvPr>
-            <p:cNvCxnSpPr>
-              <a:cxnSpLocks/>
-              <a:endCxn id="74" idx="6"/>
-            </p:cNvCxnSpPr>
-            <p:nvPr/>
-          </p:nvCxnSpPr>
-          <p:spPr>
-            <a:xfrm flipH="1">
-              <a:off x="1322500" y="1925959"/>
-              <a:ext cx="1615850" cy="0"/>
-            </a:xfrm>
-            <a:prstGeom prst="line">
-              <a:avLst/>
-            </a:prstGeom>
-            <a:ln w="12700">
-              <a:solidFill>
-                <a:schemeClr val="tx1"/>
-              </a:solidFill>
-            </a:ln>
-          </p:spPr>
-          <p:style>
-            <a:lnRef idx="1">
-              <a:schemeClr val="accent1"/>
-            </a:lnRef>
-            <a:fillRef idx="0">
-              <a:schemeClr val="accent1"/>
-            </a:fillRef>
-            <a:effectRef idx="0">
-              <a:schemeClr val="accent1"/>
-            </a:effectRef>
-            <a:fontRef idx="minor">
-              <a:schemeClr val="tx1"/>
-            </a:fontRef>
-          </p:style>
-        </p:cxnSp>
-        <p:sp>
-          <p:nvSpPr>
-            <p:cNvPr id="74" name="Ellipse 73">
-              <a:extLst>
-                <a:ext uri="{FF2B5EF4-FFF2-40B4-BE49-F238E27FC236}">
-                  <a16:creationId xmlns:a16="http://schemas.microsoft.com/office/drawing/2014/main" id="{CEAC0ADF-8E25-4611-9AB8-8EE68492A24D}"/>
-                </a:ext>
-              </a:extLst>
-            </p:cNvPr>
-            <p:cNvSpPr/>
-            <p:nvPr/>
-          </p:nvSpPr>
-          <p:spPr>
-            <a:xfrm>
-              <a:off x="1276781" y="1903099"/>
-              <a:ext cx="45719" cy="45719"/>
-            </a:xfrm>
-            <a:prstGeom prst="ellipse">
-              <a:avLst/>
-            </a:prstGeom>
-            <a:solidFill>
-              <a:schemeClr val="tx1"/>
-            </a:solidFill>
-            <a:ln>
-              <a:solidFill>
-                <a:schemeClr val="tx1"/>
-              </a:solidFill>
-            </a:ln>
-          </p:spPr>
-          <p:style>
-            <a:lnRef idx="2">
-              <a:schemeClr val="accent1">
-                <a:shade val="50000"/>
-              </a:schemeClr>
-            </a:lnRef>
-            <a:fillRef idx="1">
-              <a:schemeClr val="accent1"/>
-            </a:fillRef>
-            <a:effectRef idx="0">
-              <a:schemeClr val="accent1"/>
-            </a:effectRef>
-            <a:fontRef idx="minor">
-              <a:schemeClr val="lt1"/>
-            </a:fontRef>
-          </p:style>
-          <p:txBody>
-            <a:bodyPr rtlCol="0" anchor="ctr"/>
-            <a:lstStyle/>
-            <a:p>
-              <a:pPr algn="ctr"/>
-              <a:endParaRPr lang="de-DE"/>
-            </a:p>
-          </p:txBody>
-        </p:sp>
-      </p:grpSp>
-      <p:grpSp>
-        <p:nvGrpSpPr>
-          <p:cNvPr id="75" name="Gruppieren 74">
-            <a:extLst>
-              <a:ext uri="{FF2B5EF4-FFF2-40B4-BE49-F238E27FC236}">
-                <a16:creationId xmlns:a16="http://schemas.microsoft.com/office/drawing/2014/main" id="{1674D23E-0883-40FF-9BFA-59712E2DB1E7}"/>
-              </a:ext>
-            </a:extLst>
-          </p:cNvPr>
-          <p:cNvGrpSpPr/>
-          <p:nvPr/>
-        </p:nvGrpSpPr>
-        <p:grpSpPr>
-          <a:xfrm>
-            <a:off x="1460915" y="6549737"/>
-            <a:ext cx="1477419" cy="45719"/>
-            <a:chOff x="1460931" y="2077724"/>
-            <a:chExt cx="1477419" cy="45719"/>
-          </a:xfrm>
-        </p:grpSpPr>
-        <p:cxnSp>
-          <p:nvCxnSpPr>
-            <p:cNvPr id="76" name="Gerader Verbinder 75">
-              <a:extLst>
-                <a:ext uri="{FF2B5EF4-FFF2-40B4-BE49-F238E27FC236}">
-                  <a16:creationId xmlns:a16="http://schemas.microsoft.com/office/drawing/2014/main" id="{A8FD5208-177E-4BCA-8F23-80A299D9E538}"/>
-                </a:ext>
-              </a:extLst>
-            </p:cNvPr>
-            <p:cNvCxnSpPr>
-              <a:cxnSpLocks/>
-              <a:endCxn id="77" idx="6"/>
-            </p:cNvCxnSpPr>
-            <p:nvPr/>
-          </p:nvCxnSpPr>
-          <p:spPr>
-            <a:xfrm flipH="1">
-              <a:off x="1506650" y="2100584"/>
-              <a:ext cx="1431700" cy="0"/>
-            </a:xfrm>
-            <a:prstGeom prst="line">
-              <a:avLst/>
-            </a:prstGeom>
-            <a:ln w="12700">
-              <a:solidFill>
-                <a:schemeClr val="tx1"/>
-              </a:solidFill>
-            </a:ln>
-          </p:spPr>
-          <p:style>
-            <a:lnRef idx="1">
-              <a:schemeClr val="accent1"/>
-            </a:lnRef>
-            <a:fillRef idx="0">
-              <a:schemeClr val="accent1"/>
-            </a:fillRef>
-            <a:effectRef idx="0">
-              <a:schemeClr val="accent1"/>
-            </a:effectRef>
-            <a:fontRef idx="minor">
-              <a:schemeClr val="tx1"/>
-            </a:fontRef>
-          </p:style>
-        </p:cxnSp>
-        <p:sp>
-          <p:nvSpPr>
-            <p:cNvPr id="77" name="Ellipse 76">
-              <a:extLst>
-                <a:ext uri="{FF2B5EF4-FFF2-40B4-BE49-F238E27FC236}">
-                  <a16:creationId xmlns:a16="http://schemas.microsoft.com/office/drawing/2014/main" id="{8E74CFD0-9741-412B-868C-0270F2BD0A9B}"/>
-                </a:ext>
-              </a:extLst>
-            </p:cNvPr>
-            <p:cNvSpPr/>
-            <p:nvPr/>
-          </p:nvSpPr>
-          <p:spPr>
-            <a:xfrm>
-              <a:off x="1460931" y="2077724"/>
-              <a:ext cx="45719" cy="45719"/>
-            </a:xfrm>
-            <a:prstGeom prst="ellipse">
-              <a:avLst/>
-            </a:prstGeom>
-            <a:solidFill>
-              <a:schemeClr val="tx1"/>
-            </a:solidFill>
-            <a:ln>
-              <a:solidFill>
-                <a:schemeClr val="tx1"/>
-              </a:solidFill>
-            </a:ln>
-          </p:spPr>
-          <p:style>
-            <a:lnRef idx="2">
-              <a:schemeClr val="accent1">
-                <a:shade val="50000"/>
-              </a:schemeClr>
-            </a:lnRef>
-            <a:fillRef idx="1">
-              <a:schemeClr val="accent1"/>
-            </a:fillRef>
-            <a:effectRef idx="0">
-              <a:schemeClr val="accent1"/>
-            </a:effectRef>
-            <a:fontRef idx="minor">
-              <a:schemeClr val="lt1"/>
-            </a:fontRef>
-          </p:style>
-          <p:txBody>
-            <a:bodyPr rtlCol="0" anchor="ctr"/>
-            <a:lstStyle/>
-            <a:p>
-              <a:pPr algn="ctr"/>
-              <a:endParaRPr lang="de-DE"/>
-            </a:p>
-          </p:txBody>
-        </p:sp>
-      </p:grpSp>
-      <p:grpSp>
-        <p:nvGrpSpPr>
-          <p:cNvPr id="78" name="Gruppieren 77">
-            <a:extLst>
-              <a:ext uri="{FF2B5EF4-FFF2-40B4-BE49-F238E27FC236}">
-                <a16:creationId xmlns:a16="http://schemas.microsoft.com/office/drawing/2014/main" id="{9598841F-AE49-4F17-BE61-D33ABB79910D}"/>
-              </a:ext>
-            </a:extLst>
-          </p:cNvPr>
-          <p:cNvGrpSpPr/>
-          <p:nvPr/>
-        </p:nvGrpSpPr>
-        <p:grpSpPr>
-          <a:xfrm>
-            <a:off x="1083100" y="7140787"/>
-            <a:ext cx="1852069" cy="45719"/>
-            <a:chOff x="1086281" y="1744349"/>
-            <a:chExt cx="1852069" cy="45719"/>
-          </a:xfrm>
-        </p:grpSpPr>
-        <p:cxnSp>
-          <p:nvCxnSpPr>
-            <p:cNvPr id="79" name="Gerader Verbinder 78">
-              <a:extLst>
-                <a:ext uri="{FF2B5EF4-FFF2-40B4-BE49-F238E27FC236}">
-                  <a16:creationId xmlns:a16="http://schemas.microsoft.com/office/drawing/2014/main" id="{B9619431-C85D-42F6-9321-138B48D4E5B4}"/>
-                </a:ext>
-              </a:extLst>
-            </p:cNvPr>
-            <p:cNvCxnSpPr>
-              <a:cxnSpLocks/>
-              <a:endCxn id="80" idx="6"/>
-            </p:cNvCxnSpPr>
-            <p:nvPr/>
-          </p:nvCxnSpPr>
-          <p:spPr>
-            <a:xfrm flipH="1">
-              <a:off x="1132000" y="1767209"/>
-              <a:ext cx="1806350" cy="0"/>
-            </a:xfrm>
-            <a:prstGeom prst="line">
-              <a:avLst/>
-            </a:prstGeom>
-            <a:ln w="12700">
-              <a:solidFill>
-                <a:schemeClr val="tx1"/>
-              </a:solidFill>
-            </a:ln>
-          </p:spPr>
-          <p:style>
-            <a:lnRef idx="1">
-              <a:schemeClr val="accent1"/>
-            </a:lnRef>
-            <a:fillRef idx="0">
-              <a:schemeClr val="accent1"/>
-            </a:fillRef>
-            <a:effectRef idx="0">
-              <a:schemeClr val="accent1"/>
-            </a:effectRef>
-            <a:fontRef idx="minor">
-              <a:schemeClr val="tx1"/>
-            </a:fontRef>
-          </p:style>
-        </p:cxnSp>
-        <p:sp>
-          <p:nvSpPr>
-            <p:cNvPr id="80" name="Ellipse 79">
-              <a:extLst>
-                <a:ext uri="{FF2B5EF4-FFF2-40B4-BE49-F238E27FC236}">
-                  <a16:creationId xmlns:a16="http://schemas.microsoft.com/office/drawing/2014/main" id="{58EB7FF5-C991-4F59-A0CE-C2DDD8879768}"/>
-                </a:ext>
-              </a:extLst>
-            </p:cNvPr>
-            <p:cNvSpPr/>
-            <p:nvPr/>
-          </p:nvSpPr>
-          <p:spPr>
-            <a:xfrm>
-              <a:off x="1086281" y="1744349"/>
-              <a:ext cx="45719" cy="45719"/>
-            </a:xfrm>
-            <a:prstGeom prst="ellipse">
-              <a:avLst/>
-            </a:prstGeom>
-            <a:solidFill>
-              <a:schemeClr val="tx1"/>
-            </a:solidFill>
-            <a:ln>
-              <a:solidFill>
-                <a:schemeClr val="tx1"/>
-              </a:solidFill>
-            </a:ln>
-          </p:spPr>
-          <p:style>
-            <a:lnRef idx="2">
-              <a:schemeClr val="accent1">
-                <a:shade val="50000"/>
-              </a:schemeClr>
-            </a:lnRef>
-            <a:fillRef idx="1">
-              <a:schemeClr val="accent1"/>
-            </a:fillRef>
-            <a:effectRef idx="0">
-              <a:schemeClr val="accent1"/>
-            </a:effectRef>
-            <a:fontRef idx="minor">
-              <a:schemeClr val="lt1"/>
-            </a:fontRef>
-          </p:style>
-          <p:txBody>
-            <a:bodyPr rtlCol="0" anchor="ctr"/>
-            <a:lstStyle/>
-            <a:p>
-              <a:pPr algn="ctr"/>
-              <a:endParaRPr lang="de-DE"/>
-            </a:p>
-          </p:txBody>
-        </p:sp>
-      </p:grpSp>
-      <p:grpSp>
-        <p:nvGrpSpPr>
-          <p:cNvPr id="81" name="Gruppieren 80">
-            <a:extLst>
-              <a:ext uri="{FF2B5EF4-FFF2-40B4-BE49-F238E27FC236}">
-                <a16:creationId xmlns:a16="http://schemas.microsoft.com/office/drawing/2014/main" id="{448D7E8F-86E5-40F0-994E-4F6D90CFC57E}"/>
-              </a:ext>
-            </a:extLst>
-          </p:cNvPr>
-          <p:cNvGrpSpPr/>
-          <p:nvPr/>
-        </p:nvGrpSpPr>
-        <p:grpSpPr>
-          <a:xfrm>
-            <a:off x="1273600" y="7299537"/>
-            <a:ext cx="1661569" cy="45719"/>
-            <a:chOff x="1276781" y="1903099"/>
-            <a:chExt cx="1661569" cy="45719"/>
-          </a:xfrm>
-        </p:grpSpPr>
-        <p:cxnSp>
-          <p:nvCxnSpPr>
-            <p:cNvPr id="82" name="Gerader Verbinder 81">
-              <a:extLst>
-                <a:ext uri="{FF2B5EF4-FFF2-40B4-BE49-F238E27FC236}">
-                  <a16:creationId xmlns:a16="http://schemas.microsoft.com/office/drawing/2014/main" id="{06F0F3EC-B5FC-4838-B7B3-D4453B6636B7}"/>
-                </a:ext>
-              </a:extLst>
-            </p:cNvPr>
-            <p:cNvCxnSpPr>
-              <a:cxnSpLocks/>
-              <a:endCxn id="83" idx="6"/>
-            </p:cNvCxnSpPr>
-            <p:nvPr/>
-          </p:nvCxnSpPr>
-          <p:spPr>
-            <a:xfrm flipH="1">
-              <a:off x="1322500" y="1925959"/>
-              <a:ext cx="1615850" cy="0"/>
-            </a:xfrm>
-            <a:prstGeom prst="line">
-              <a:avLst/>
-            </a:prstGeom>
-            <a:ln w="12700">
-              <a:solidFill>
-                <a:schemeClr val="tx1"/>
-              </a:solidFill>
-            </a:ln>
-          </p:spPr>
-          <p:style>
-            <a:lnRef idx="1">
-              <a:schemeClr val="accent1"/>
-            </a:lnRef>
-            <a:fillRef idx="0">
-              <a:schemeClr val="accent1"/>
-            </a:fillRef>
-            <a:effectRef idx="0">
-              <a:schemeClr val="accent1"/>
-            </a:effectRef>
-            <a:fontRef idx="minor">
-              <a:schemeClr val="tx1"/>
-            </a:fontRef>
-          </p:style>
-        </p:cxnSp>
-        <p:sp>
-          <p:nvSpPr>
-            <p:cNvPr id="83" name="Ellipse 82">
-              <a:extLst>
-                <a:ext uri="{FF2B5EF4-FFF2-40B4-BE49-F238E27FC236}">
-                  <a16:creationId xmlns:a16="http://schemas.microsoft.com/office/drawing/2014/main" id="{A635ED1E-EA84-4B60-9601-4F3FDEF1B39F}"/>
-                </a:ext>
-              </a:extLst>
-            </p:cNvPr>
-            <p:cNvSpPr/>
-            <p:nvPr/>
-          </p:nvSpPr>
-          <p:spPr>
-            <a:xfrm>
-              <a:off x="1276781" y="1903099"/>
-              <a:ext cx="45719" cy="45719"/>
-            </a:xfrm>
-            <a:prstGeom prst="ellipse">
-              <a:avLst/>
-            </a:prstGeom>
-            <a:solidFill>
-              <a:schemeClr val="tx1"/>
-            </a:solidFill>
-            <a:ln>
-              <a:solidFill>
-                <a:schemeClr val="tx1"/>
-              </a:solidFill>
-            </a:ln>
-          </p:spPr>
-          <p:style>
-            <a:lnRef idx="2">
-              <a:schemeClr val="accent1">
-                <a:shade val="50000"/>
-              </a:schemeClr>
-            </a:lnRef>
-            <a:fillRef idx="1">
-              <a:schemeClr val="accent1"/>
-            </a:fillRef>
-            <a:effectRef idx="0">
-              <a:schemeClr val="accent1"/>
-            </a:effectRef>
-            <a:fontRef idx="minor">
-              <a:schemeClr val="lt1"/>
-            </a:fontRef>
-          </p:style>
-          <p:txBody>
-            <a:bodyPr rtlCol="0" anchor="ctr"/>
-            <a:lstStyle/>
-            <a:p>
-              <a:pPr algn="ctr"/>
-              <a:endParaRPr lang="de-DE"/>
-            </a:p>
-          </p:txBody>
-        </p:sp>
-      </p:grpSp>
-      <p:grpSp>
-        <p:nvGrpSpPr>
-          <p:cNvPr id="84" name="Gruppieren 83">
-            <a:extLst>
-              <a:ext uri="{FF2B5EF4-FFF2-40B4-BE49-F238E27FC236}">
-                <a16:creationId xmlns:a16="http://schemas.microsoft.com/office/drawing/2014/main" id="{E5FDC294-9C6A-47F2-8FE0-17EC35DDCD46}"/>
-              </a:ext>
-            </a:extLst>
-          </p:cNvPr>
-          <p:cNvGrpSpPr/>
-          <p:nvPr/>
-        </p:nvGrpSpPr>
-        <p:grpSpPr>
-          <a:xfrm>
-            <a:off x="1457750" y="6983598"/>
-            <a:ext cx="1477419" cy="45719"/>
-            <a:chOff x="1460931" y="2077724"/>
-            <a:chExt cx="1477419" cy="45719"/>
-          </a:xfrm>
-        </p:grpSpPr>
-        <p:cxnSp>
-          <p:nvCxnSpPr>
-            <p:cNvPr id="85" name="Gerader Verbinder 84">
-              <a:extLst>
-                <a:ext uri="{FF2B5EF4-FFF2-40B4-BE49-F238E27FC236}">
-                  <a16:creationId xmlns:a16="http://schemas.microsoft.com/office/drawing/2014/main" id="{01B8002E-5B80-4245-A10C-4FE0A793088E}"/>
-                </a:ext>
-              </a:extLst>
-            </p:cNvPr>
-            <p:cNvCxnSpPr>
-              <a:cxnSpLocks/>
-              <a:endCxn id="86" idx="6"/>
-            </p:cNvCxnSpPr>
-            <p:nvPr/>
-          </p:nvCxnSpPr>
-          <p:spPr>
-            <a:xfrm flipH="1">
-              <a:off x="1506650" y="2100584"/>
-              <a:ext cx="1431700" cy="0"/>
-            </a:xfrm>
-            <a:prstGeom prst="line">
-              <a:avLst/>
-            </a:prstGeom>
-            <a:ln w="12700">
-              <a:solidFill>
-                <a:schemeClr val="tx1"/>
-              </a:solidFill>
-            </a:ln>
-          </p:spPr>
-          <p:style>
-            <a:lnRef idx="1">
-              <a:schemeClr val="accent1"/>
-            </a:lnRef>
-            <a:fillRef idx="0">
-              <a:schemeClr val="accent1"/>
-            </a:fillRef>
-            <a:effectRef idx="0">
-              <a:schemeClr val="accent1"/>
-            </a:effectRef>
-            <a:fontRef idx="minor">
-              <a:schemeClr val="tx1"/>
-            </a:fontRef>
-          </p:style>
-        </p:cxnSp>
-        <p:sp>
-          <p:nvSpPr>
-            <p:cNvPr id="86" name="Ellipse 85">
-              <a:extLst>
-                <a:ext uri="{FF2B5EF4-FFF2-40B4-BE49-F238E27FC236}">
-                  <a16:creationId xmlns:a16="http://schemas.microsoft.com/office/drawing/2014/main" id="{55F0BE07-D504-4DE9-9735-8E983E3A1132}"/>
-                </a:ext>
-              </a:extLst>
-            </p:cNvPr>
-            <p:cNvSpPr/>
-            <p:nvPr/>
-          </p:nvSpPr>
-          <p:spPr>
-            <a:xfrm>
-              <a:off x="1460931" y="2077724"/>
-              <a:ext cx="45719" cy="45719"/>
-            </a:xfrm>
-            <a:prstGeom prst="ellipse">
-              <a:avLst/>
-            </a:prstGeom>
-            <a:solidFill>
-              <a:schemeClr val="tx1"/>
-            </a:solidFill>
-            <a:ln>
-              <a:solidFill>
-                <a:schemeClr val="tx1"/>
-              </a:solidFill>
-            </a:ln>
-          </p:spPr>
-          <p:style>
-            <a:lnRef idx="2">
-              <a:schemeClr val="accent1">
-                <a:shade val="50000"/>
-              </a:schemeClr>
-            </a:lnRef>
-            <a:fillRef idx="1">
-              <a:schemeClr val="accent1"/>
-            </a:fillRef>
-            <a:effectRef idx="0">
-              <a:schemeClr val="accent1"/>
-            </a:effectRef>
-            <a:fontRef idx="minor">
-              <a:schemeClr val="lt1"/>
-            </a:fontRef>
-          </p:style>
-          <p:txBody>
-            <a:bodyPr rtlCol="0" anchor="ctr"/>
-            <a:lstStyle/>
-            <a:p>
-              <a:pPr algn="ctr"/>
-              <a:endParaRPr lang="de-DE"/>
-            </a:p>
-          </p:txBody>
-        </p:sp>
-      </p:grpSp>
-      <p:sp>
-        <p:nvSpPr>
-          <p:cNvPr id="90" name="Flussdiagramm: Verzögerung 89">
-            <a:extLst>
-              <a:ext uri="{FF2B5EF4-FFF2-40B4-BE49-F238E27FC236}">
-                <a16:creationId xmlns:a16="http://schemas.microsoft.com/office/drawing/2014/main" id="{3E53DEF3-E9CE-4BAC-BD3E-7076AA10FAE6}"/>
-              </a:ext>
-            </a:extLst>
-          </p:cNvPr>
-          <p:cNvSpPr/>
-          <p:nvPr/>
-        </p:nvSpPr>
-        <p:spPr>
-          <a:xfrm>
-            <a:off x="2933571" y="1681089"/>
-            <a:ext cx="457198" cy="503502"/>
-          </a:xfrm>
-          <a:prstGeom prst="flowChartDelay">
-            <a:avLst/>
-          </a:prstGeom>
-          <a:solidFill>
-            <a:schemeClr val="bg1"/>
-          </a:solidFill>
-          <a:ln>
-            <a:solidFill>
-              <a:schemeClr val="tx1"/>
-            </a:solidFill>
-          </a:ln>
-        </p:spPr>
-        <p:style>
-          <a:lnRef idx="2">
-            <a:schemeClr val="accent1">
-              <a:shade val="50000"/>
-            </a:schemeClr>
-          </a:lnRef>
-          <a:fillRef idx="1">
-            <a:schemeClr val="accent1"/>
-          </a:fillRef>
-          <a:effectRef idx="0">
-            <a:schemeClr val="accent1"/>
-          </a:effectRef>
-          <a:fontRef idx="minor">
-            <a:schemeClr val="lt1"/>
-          </a:fontRef>
-        </p:style>
-        <p:txBody>
-          <a:bodyPr rtlCol="0" anchor="ctr"/>
-          <a:lstStyle/>
-          <a:p>
-            <a:pPr algn="ctr"/>
-            <a:endParaRPr lang="de-DE"/>
-          </a:p>
-        </p:txBody>
-      </p:sp>
-      <p:sp>
-        <p:nvSpPr>
-          <p:cNvPr id="91" name="Flussdiagramm: Verzögerung 90">
-            <a:extLst>
-              <a:ext uri="{FF2B5EF4-FFF2-40B4-BE49-F238E27FC236}">
-                <a16:creationId xmlns:a16="http://schemas.microsoft.com/office/drawing/2014/main" id="{D7C4197D-5611-477B-9071-54D6ACB33B1E}"/>
-              </a:ext>
-            </a:extLst>
-          </p:cNvPr>
-          <p:cNvSpPr/>
-          <p:nvPr/>
-        </p:nvSpPr>
-        <p:spPr>
-          <a:xfrm>
-            <a:off x="2933571" y="2366347"/>
-            <a:ext cx="457198" cy="503502"/>
-          </a:xfrm>
-          <a:prstGeom prst="flowChartDelay">
-            <a:avLst/>
-          </a:prstGeom>
-          <a:solidFill>
-            <a:schemeClr val="bg1"/>
-          </a:solidFill>
-          <a:ln>
-            <a:solidFill>
-              <a:schemeClr val="tx1"/>
-            </a:solidFill>
-          </a:ln>
-        </p:spPr>
-        <p:style>
-          <a:lnRef idx="2">
-            <a:schemeClr val="accent1">
-              <a:shade val="50000"/>
-            </a:schemeClr>
-          </a:lnRef>
-          <a:fillRef idx="1">
-            <a:schemeClr val="accent1"/>
-          </a:fillRef>
-          <a:effectRef idx="0">
-            <a:schemeClr val="accent1"/>
-          </a:effectRef>
-          <a:fontRef idx="minor">
-            <a:schemeClr val="lt1"/>
-          </a:fontRef>
-        </p:style>
-        <p:txBody>
-          <a:bodyPr rtlCol="0" anchor="ctr"/>
-          <a:lstStyle/>
-          <a:p>
-            <a:pPr algn="ctr"/>
-            <a:endParaRPr lang="de-DE"/>
-          </a:p>
-        </p:txBody>
-      </p:sp>
-      <p:sp>
-        <p:nvSpPr>
-          <p:cNvPr id="92" name="Flussdiagramm: Verzögerung 91">
-            <a:extLst>
-              <a:ext uri="{FF2B5EF4-FFF2-40B4-BE49-F238E27FC236}">
-                <a16:creationId xmlns:a16="http://schemas.microsoft.com/office/drawing/2014/main" id="{CEE06A3A-5562-471B-8A23-61C06D19B66B}"/>
-              </a:ext>
-            </a:extLst>
-          </p:cNvPr>
-          <p:cNvSpPr/>
-          <p:nvPr/>
-        </p:nvSpPr>
-        <p:spPr>
-          <a:xfrm>
-            <a:off x="2933571" y="3128499"/>
-            <a:ext cx="457198" cy="503502"/>
-          </a:xfrm>
-          <a:prstGeom prst="flowChartDelay">
-            <a:avLst/>
-          </a:prstGeom>
-          <a:solidFill>
-            <a:schemeClr val="bg1"/>
-          </a:solidFill>
-          <a:ln>
-            <a:solidFill>
-              <a:schemeClr val="tx1"/>
-            </a:solidFill>
-          </a:ln>
-        </p:spPr>
-        <p:style>
-          <a:lnRef idx="2">
-            <a:schemeClr val="accent1">
-              <a:shade val="50000"/>
-            </a:schemeClr>
-          </a:lnRef>
-          <a:fillRef idx="1">
-            <a:schemeClr val="accent1"/>
-          </a:fillRef>
-          <a:effectRef idx="0">
-            <a:schemeClr val="accent1"/>
-          </a:effectRef>
-          <a:fontRef idx="minor">
-            <a:schemeClr val="lt1"/>
-          </a:fontRef>
-        </p:style>
-        <p:txBody>
-          <a:bodyPr rtlCol="0" anchor="ctr"/>
-          <a:lstStyle/>
-          <a:p>
-            <a:pPr algn="ctr"/>
-            <a:endParaRPr lang="de-DE"/>
-          </a:p>
-        </p:txBody>
-      </p:sp>
-      <p:sp>
-        <p:nvSpPr>
-          <p:cNvPr id="93" name="Flussdiagramm: Verzögerung 92">
-            <a:extLst>
-              <a:ext uri="{FF2B5EF4-FFF2-40B4-BE49-F238E27FC236}">
-                <a16:creationId xmlns:a16="http://schemas.microsoft.com/office/drawing/2014/main" id="{0CD6305E-CE46-41D4-A218-C1BD7EB562A3}"/>
-              </a:ext>
-            </a:extLst>
-          </p:cNvPr>
-          <p:cNvSpPr/>
-          <p:nvPr/>
-        </p:nvSpPr>
-        <p:spPr>
-          <a:xfrm>
-            <a:off x="2933571" y="3902117"/>
-            <a:ext cx="457198" cy="503502"/>
-          </a:xfrm>
-          <a:prstGeom prst="flowChartDelay">
-            <a:avLst/>
-          </a:prstGeom>
-          <a:solidFill>
-            <a:schemeClr val="bg1"/>
-          </a:solidFill>
-          <a:ln>
-            <a:solidFill>
-              <a:schemeClr val="tx1"/>
-            </a:solidFill>
-          </a:ln>
-        </p:spPr>
-        <p:style>
-          <a:lnRef idx="2">
-            <a:schemeClr val="accent1">
-              <a:shade val="50000"/>
-            </a:schemeClr>
-          </a:lnRef>
-          <a:fillRef idx="1">
-            <a:schemeClr val="accent1"/>
-          </a:fillRef>
-          <a:effectRef idx="0">
-            <a:schemeClr val="accent1"/>
-          </a:effectRef>
-          <a:fontRef idx="minor">
-            <a:schemeClr val="lt1"/>
-          </a:fontRef>
-        </p:style>
-        <p:txBody>
-          <a:bodyPr rtlCol="0" anchor="ctr"/>
-          <a:lstStyle/>
-          <a:p>
-            <a:pPr algn="ctr"/>
-            <a:endParaRPr lang="de-DE"/>
-          </a:p>
-        </p:txBody>
-      </p:sp>
-      <p:sp>
-        <p:nvSpPr>
-          <p:cNvPr id="94" name="Flussdiagramm: Verzögerung 93">
-            <a:extLst>
-              <a:ext uri="{FF2B5EF4-FFF2-40B4-BE49-F238E27FC236}">
-                <a16:creationId xmlns:a16="http://schemas.microsoft.com/office/drawing/2014/main" id="{AEA59B89-618C-47BC-8D64-D68DEE31C00C}"/>
-              </a:ext>
-            </a:extLst>
-          </p:cNvPr>
-          <p:cNvSpPr/>
-          <p:nvPr/>
-        </p:nvSpPr>
-        <p:spPr>
-          <a:xfrm>
-            <a:off x="2933571" y="4651620"/>
-            <a:ext cx="457198" cy="503502"/>
-          </a:xfrm>
-          <a:prstGeom prst="flowChartDelay">
-            <a:avLst/>
-          </a:prstGeom>
-          <a:solidFill>
-            <a:schemeClr val="bg1"/>
-          </a:solidFill>
-          <a:ln>
-            <a:solidFill>
-              <a:schemeClr val="tx1"/>
-            </a:solidFill>
-          </a:ln>
-        </p:spPr>
-        <p:style>
-          <a:lnRef idx="2">
-            <a:schemeClr val="accent1">
-              <a:shade val="50000"/>
-            </a:schemeClr>
-          </a:lnRef>
-          <a:fillRef idx="1">
-            <a:schemeClr val="accent1"/>
-          </a:fillRef>
-          <a:effectRef idx="0">
-            <a:schemeClr val="accent1"/>
-          </a:effectRef>
-          <a:fontRef idx="minor">
-            <a:schemeClr val="lt1"/>
-          </a:fontRef>
-        </p:style>
-        <p:txBody>
-          <a:bodyPr rtlCol="0" anchor="ctr"/>
-          <a:lstStyle/>
-          <a:p>
-            <a:pPr algn="ctr"/>
-            <a:endParaRPr lang="de-DE"/>
-          </a:p>
-        </p:txBody>
-      </p:sp>
-      <p:sp>
-        <p:nvSpPr>
-          <p:cNvPr id="95" name="Flussdiagramm: Verzögerung 94">
-            <a:extLst>
-              <a:ext uri="{FF2B5EF4-FFF2-40B4-BE49-F238E27FC236}">
-                <a16:creationId xmlns:a16="http://schemas.microsoft.com/office/drawing/2014/main" id="{D51AFF04-237E-415B-BD20-9366E58C4163}"/>
-              </a:ext>
-            </a:extLst>
-          </p:cNvPr>
-          <p:cNvSpPr/>
-          <p:nvPr/>
-        </p:nvSpPr>
-        <p:spPr>
-          <a:xfrm>
-            <a:off x="2933571" y="5394502"/>
-            <a:ext cx="457198" cy="503502"/>
-          </a:xfrm>
-          <a:prstGeom prst="flowChartDelay">
-            <a:avLst/>
-          </a:prstGeom>
-          <a:solidFill>
-            <a:schemeClr val="bg1"/>
-          </a:solidFill>
-          <a:ln>
-            <a:solidFill>
-              <a:schemeClr val="tx1"/>
-            </a:solidFill>
-          </a:ln>
-        </p:spPr>
-        <p:style>
-          <a:lnRef idx="2">
-            <a:schemeClr val="accent1">
-              <a:shade val="50000"/>
-            </a:schemeClr>
-          </a:lnRef>
-          <a:fillRef idx="1">
-            <a:schemeClr val="accent1"/>
-          </a:fillRef>
-          <a:effectRef idx="0">
-            <a:schemeClr val="accent1"/>
-          </a:effectRef>
-          <a:fontRef idx="minor">
-            <a:schemeClr val="lt1"/>
-          </a:fontRef>
-        </p:style>
-        <p:txBody>
-          <a:bodyPr rtlCol="0" anchor="ctr"/>
-          <a:lstStyle/>
-          <a:p>
-            <a:pPr algn="ctr"/>
-            <a:endParaRPr lang="de-DE"/>
-          </a:p>
-        </p:txBody>
-      </p:sp>
-      <p:sp>
-        <p:nvSpPr>
-          <p:cNvPr id="96" name="Flussdiagramm: Verzögerung 95">
-            <a:extLst>
-              <a:ext uri="{FF2B5EF4-FFF2-40B4-BE49-F238E27FC236}">
-                <a16:creationId xmlns:a16="http://schemas.microsoft.com/office/drawing/2014/main" id="{5C56CED2-3CFB-44DB-A2D3-ABA3A33EFF74}"/>
-              </a:ext>
-            </a:extLst>
-          </p:cNvPr>
-          <p:cNvSpPr/>
-          <p:nvPr/>
-        </p:nvSpPr>
-        <p:spPr>
-          <a:xfrm>
-            <a:off x="2933571" y="6150486"/>
-            <a:ext cx="457198" cy="503502"/>
-          </a:xfrm>
-          <a:prstGeom prst="flowChartDelay">
-            <a:avLst/>
-          </a:prstGeom>
-          <a:solidFill>
-            <a:schemeClr val="bg1"/>
-          </a:solidFill>
-          <a:ln>
-            <a:solidFill>
-              <a:schemeClr val="tx1"/>
-            </a:solidFill>
-          </a:ln>
-        </p:spPr>
-        <p:style>
-          <a:lnRef idx="2">
-            <a:schemeClr val="accent1">
-              <a:shade val="50000"/>
-            </a:schemeClr>
-          </a:lnRef>
-          <a:fillRef idx="1">
-            <a:schemeClr val="accent1"/>
-          </a:fillRef>
-          <a:effectRef idx="0">
-            <a:schemeClr val="accent1"/>
-          </a:effectRef>
-          <a:fontRef idx="minor">
-            <a:schemeClr val="lt1"/>
-          </a:fontRef>
-        </p:style>
-        <p:txBody>
-          <a:bodyPr rtlCol="0" anchor="ctr"/>
-          <a:lstStyle/>
-          <a:p>
-            <a:pPr algn="ctr"/>
-            <a:endParaRPr lang="de-DE"/>
-          </a:p>
-        </p:txBody>
-      </p:sp>
-      <p:sp>
-        <p:nvSpPr>
-          <p:cNvPr id="97" name="Flussdiagramm: Verzögerung 96">
-            <a:extLst>
-              <a:ext uri="{FF2B5EF4-FFF2-40B4-BE49-F238E27FC236}">
-                <a16:creationId xmlns:a16="http://schemas.microsoft.com/office/drawing/2014/main" id="{8D36DFF5-F56C-4A59-A556-4E3B89059C60}"/>
-              </a:ext>
-            </a:extLst>
-          </p:cNvPr>
-          <p:cNvSpPr/>
-          <p:nvPr/>
-        </p:nvSpPr>
-        <p:spPr>
-          <a:xfrm>
-            <a:off x="2933571" y="6906470"/>
-            <a:ext cx="457198" cy="503502"/>
-          </a:xfrm>
-          <a:prstGeom prst="flowChartDelay">
-            <a:avLst/>
-          </a:prstGeom>
-          <a:solidFill>
-            <a:schemeClr val="bg1"/>
-          </a:solidFill>
-          <a:ln>
-            <a:solidFill>
-              <a:schemeClr val="tx1"/>
-            </a:solidFill>
-          </a:ln>
-        </p:spPr>
-        <p:style>
-          <a:lnRef idx="2">
-            <a:schemeClr val="accent1">
-              <a:shade val="50000"/>
-            </a:schemeClr>
-          </a:lnRef>
-          <a:fillRef idx="1">
-            <a:schemeClr val="accent1"/>
-          </a:fillRef>
-          <a:effectRef idx="0">
-            <a:schemeClr val="accent1"/>
-          </a:effectRef>
-          <a:fontRef idx="minor">
-            <a:schemeClr val="lt1"/>
-          </a:fontRef>
-        </p:style>
-        <p:txBody>
-          <a:bodyPr rtlCol="0" anchor="ctr"/>
-          <a:lstStyle/>
-          <a:p>
-            <a:pPr algn="ctr"/>
-            <a:endParaRPr lang="de-DE"/>
-          </a:p>
-        </p:txBody>
-      </p:sp>
-      <p:sp>
-        <p:nvSpPr>
-          <p:cNvPr id="98" name="Textfeld 97">
-            <a:extLst>
-              <a:ext uri="{FF2B5EF4-FFF2-40B4-BE49-F238E27FC236}">
-                <a16:creationId xmlns:a16="http://schemas.microsoft.com/office/drawing/2014/main" id="{57F79854-D6EA-44EC-8402-6F6D5DDEF895}"/>
-              </a:ext>
-            </a:extLst>
-          </p:cNvPr>
-          <p:cNvSpPr txBox="1"/>
-          <p:nvPr/>
-        </p:nvSpPr>
-        <p:spPr>
-          <a:xfrm>
-            <a:off x="2481152" y="1554122"/>
-            <a:ext cx="413264" cy="261610"/>
-          </a:xfrm>
-          <a:prstGeom prst="rect">
-            <a:avLst/>
-          </a:prstGeom>
-          <a:noFill/>
-        </p:spPr>
-        <p:txBody>
-          <a:bodyPr wrap="square" rtlCol="0">
-            <a:spAutoFit/>
-          </a:bodyPr>
-          <a:lstStyle/>
-          <a:p>
-            <a:pPr algn="ctr"/>
-            <a:r>
-              <a:rPr lang="de-DE" sz="1100" dirty="0"/>
-              <a:t>L1</a:t>
-            </a:r>
-          </a:p>
-        </p:txBody>
-      </p:sp>
-      <p:sp>
-        <p:nvSpPr>
-          <p:cNvPr id="99" name="Textfeld 98">
-            <a:extLst>
-              <a:ext uri="{FF2B5EF4-FFF2-40B4-BE49-F238E27FC236}">
-                <a16:creationId xmlns:a16="http://schemas.microsoft.com/office/drawing/2014/main" id="{E85BC1FF-ED6C-4C4B-AC5E-01091D697FA6}"/>
-              </a:ext>
-            </a:extLst>
-          </p:cNvPr>
-          <p:cNvSpPr txBox="1"/>
-          <p:nvPr/>
-        </p:nvSpPr>
-        <p:spPr>
-          <a:xfrm>
-            <a:off x="2481152" y="1724851"/>
-            <a:ext cx="413264" cy="261610"/>
-          </a:xfrm>
-          <a:prstGeom prst="rect">
-            <a:avLst/>
-          </a:prstGeom>
-          <a:noFill/>
-        </p:spPr>
-        <p:txBody>
-          <a:bodyPr wrap="square" rtlCol="0">
-            <a:spAutoFit/>
-          </a:bodyPr>
-          <a:lstStyle/>
-          <a:p>
-            <a:pPr algn="ctr"/>
-            <a:r>
-              <a:rPr lang="de-DE" sz="1100" dirty="0"/>
-              <a:t>L2</a:t>
-            </a:r>
-          </a:p>
-        </p:txBody>
-      </p:sp>
-      <p:sp>
-        <p:nvSpPr>
-          <p:cNvPr id="100" name="Textfeld 99">
-            <a:extLst>
-              <a:ext uri="{FF2B5EF4-FFF2-40B4-BE49-F238E27FC236}">
-                <a16:creationId xmlns:a16="http://schemas.microsoft.com/office/drawing/2014/main" id="{3CF354C1-DE01-4775-BDE9-DD9AF401A738}"/>
-              </a:ext>
-            </a:extLst>
-          </p:cNvPr>
-          <p:cNvSpPr txBox="1"/>
-          <p:nvPr/>
-        </p:nvSpPr>
-        <p:spPr>
-          <a:xfrm>
-            <a:off x="2481152" y="1896351"/>
-            <a:ext cx="413264" cy="261610"/>
-          </a:xfrm>
-          <a:prstGeom prst="rect">
-            <a:avLst/>
-          </a:prstGeom>
-          <a:noFill/>
-        </p:spPr>
-        <p:txBody>
-          <a:bodyPr wrap="square" rtlCol="0">
-            <a:spAutoFit/>
-          </a:bodyPr>
-          <a:lstStyle/>
-          <a:p>
-            <a:pPr algn="ctr"/>
-            <a:r>
-              <a:rPr lang="de-DE" sz="1100" dirty="0"/>
-              <a:t>L3</a:t>
-            </a:r>
-          </a:p>
-        </p:txBody>
-      </p:sp>
-      <p:sp>
-        <p:nvSpPr>
-          <p:cNvPr id="101" name="Textfeld 100">
-            <a:extLst>
-              <a:ext uri="{FF2B5EF4-FFF2-40B4-BE49-F238E27FC236}">
-                <a16:creationId xmlns:a16="http://schemas.microsoft.com/office/drawing/2014/main" id="{8CC454C5-5A0B-493F-BB85-78F686D6B0D2}"/>
-              </a:ext>
-            </a:extLst>
-          </p:cNvPr>
-          <p:cNvSpPr txBox="1"/>
-          <p:nvPr/>
-        </p:nvSpPr>
-        <p:spPr>
-          <a:xfrm>
-            <a:off x="2477976" y="2261150"/>
-            <a:ext cx="413264" cy="261610"/>
-          </a:xfrm>
-          <a:prstGeom prst="rect">
-            <a:avLst/>
-          </a:prstGeom>
-          <a:noFill/>
-        </p:spPr>
-        <p:txBody>
-          <a:bodyPr wrap="square" rtlCol="0">
-            <a:spAutoFit/>
-          </a:bodyPr>
-          <a:lstStyle/>
-          <a:p>
-            <a:pPr algn="ctr"/>
-            <a:r>
-              <a:rPr lang="de-DE" sz="1100" dirty="0"/>
-              <a:t>L1</a:t>
-            </a:r>
-          </a:p>
-        </p:txBody>
-      </p:sp>
-      <p:sp>
-        <p:nvSpPr>
-          <p:cNvPr id="102" name="Textfeld 101">
-            <a:extLst>
-              <a:ext uri="{FF2B5EF4-FFF2-40B4-BE49-F238E27FC236}">
-                <a16:creationId xmlns:a16="http://schemas.microsoft.com/office/drawing/2014/main" id="{E588F94A-2A77-4BAE-B5DD-CB116F7FD170}"/>
-              </a:ext>
-            </a:extLst>
-          </p:cNvPr>
-          <p:cNvSpPr txBox="1"/>
-          <p:nvPr/>
-        </p:nvSpPr>
-        <p:spPr>
-          <a:xfrm>
-            <a:off x="2477976" y="2428704"/>
-            <a:ext cx="413264" cy="261610"/>
-          </a:xfrm>
-          <a:prstGeom prst="rect">
-            <a:avLst/>
-          </a:prstGeom>
-          <a:noFill/>
-        </p:spPr>
-        <p:txBody>
-          <a:bodyPr wrap="square" rtlCol="0">
-            <a:spAutoFit/>
-          </a:bodyPr>
-          <a:lstStyle/>
-          <a:p>
-            <a:pPr algn="ctr"/>
-            <a:r>
-              <a:rPr lang="de-DE" sz="1100" dirty="0"/>
-              <a:t>L2</a:t>
-            </a:r>
-          </a:p>
-        </p:txBody>
-      </p:sp>
-      <p:sp>
-        <p:nvSpPr>
-          <p:cNvPr id="103" name="Textfeld 102">
-            <a:extLst>
-              <a:ext uri="{FF2B5EF4-FFF2-40B4-BE49-F238E27FC236}">
-                <a16:creationId xmlns:a16="http://schemas.microsoft.com/office/drawing/2014/main" id="{6CD9B2A4-B09E-4594-9661-AC05A88EA8B0}"/>
-              </a:ext>
-            </a:extLst>
-          </p:cNvPr>
-          <p:cNvSpPr txBox="1"/>
-          <p:nvPr/>
-        </p:nvSpPr>
-        <p:spPr>
-          <a:xfrm>
-            <a:off x="2477976" y="2587504"/>
-            <a:ext cx="413264" cy="261610"/>
-          </a:xfrm>
-          <a:prstGeom prst="rect">
-            <a:avLst/>
-          </a:prstGeom>
-          <a:noFill/>
-        </p:spPr>
-        <p:txBody>
-          <a:bodyPr wrap="square" rtlCol="0">
-            <a:spAutoFit/>
-          </a:bodyPr>
-          <a:lstStyle/>
-          <a:p>
-            <a:pPr algn="ctr"/>
-            <a:r>
-              <a:rPr lang="de-DE" sz="1100" dirty="0"/>
-              <a:t>L3</a:t>
-            </a:r>
-          </a:p>
-        </p:txBody>
-      </p:sp>
-      <p:sp>
-        <p:nvSpPr>
-          <p:cNvPr id="104" name="Textfeld 103">
-            <a:extLst>
-              <a:ext uri="{FF2B5EF4-FFF2-40B4-BE49-F238E27FC236}">
-                <a16:creationId xmlns:a16="http://schemas.microsoft.com/office/drawing/2014/main" id="{D5284D0C-DCF8-467B-A767-2B47C85AA2EB}"/>
-              </a:ext>
-            </a:extLst>
-          </p:cNvPr>
-          <p:cNvSpPr txBox="1"/>
-          <p:nvPr/>
-        </p:nvSpPr>
-        <p:spPr>
-          <a:xfrm>
-            <a:off x="2477976" y="3017629"/>
-            <a:ext cx="413264" cy="261610"/>
-          </a:xfrm>
-          <a:prstGeom prst="rect">
-            <a:avLst/>
-          </a:prstGeom>
-          <a:noFill/>
-        </p:spPr>
-        <p:txBody>
-          <a:bodyPr wrap="square" rtlCol="0">
-            <a:spAutoFit/>
-          </a:bodyPr>
-          <a:lstStyle/>
-          <a:p>
-            <a:pPr algn="ctr"/>
-            <a:r>
-              <a:rPr lang="de-DE" sz="1100" dirty="0"/>
-              <a:t>L1</a:t>
-            </a:r>
-          </a:p>
-        </p:txBody>
-      </p:sp>
-      <p:sp>
-        <p:nvSpPr>
-          <p:cNvPr id="105" name="Textfeld 104">
-            <a:extLst>
-              <a:ext uri="{FF2B5EF4-FFF2-40B4-BE49-F238E27FC236}">
-                <a16:creationId xmlns:a16="http://schemas.microsoft.com/office/drawing/2014/main" id="{B7F7B31C-D743-4D02-9179-AC24512E2DAA}"/>
-              </a:ext>
-            </a:extLst>
-          </p:cNvPr>
-          <p:cNvSpPr txBox="1"/>
-          <p:nvPr/>
-        </p:nvSpPr>
-        <p:spPr>
-          <a:xfrm>
-            <a:off x="2477976" y="3191533"/>
-            <a:ext cx="413264" cy="261610"/>
-          </a:xfrm>
-          <a:prstGeom prst="rect">
-            <a:avLst/>
-          </a:prstGeom>
-          <a:noFill/>
-        </p:spPr>
-        <p:txBody>
-          <a:bodyPr wrap="square" rtlCol="0">
-            <a:spAutoFit/>
-          </a:bodyPr>
-          <a:lstStyle/>
-          <a:p>
-            <a:pPr algn="ctr"/>
-            <a:r>
-              <a:rPr lang="de-DE" sz="1100" dirty="0"/>
-              <a:t>L2</a:t>
-            </a:r>
-          </a:p>
-        </p:txBody>
-      </p:sp>
-      <p:sp>
-        <p:nvSpPr>
-          <p:cNvPr id="106" name="Textfeld 105">
-            <a:extLst>
-              <a:ext uri="{FF2B5EF4-FFF2-40B4-BE49-F238E27FC236}">
-                <a16:creationId xmlns:a16="http://schemas.microsoft.com/office/drawing/2014/main" id="{EBFDE30A-A830-4523-8E86-4FAA72F4267D}"/>
-              </a:ext>
-            </a:extLst>
-          </p:cNvPr>
-          <p:cNvSpPr txBox="1"/>
-          <p:nvPr/>
-        </p:nvSpPr>
-        <p:spPr>
-          <a:xfrm>
-            <a:off x="2477976" y="3359858"/>
-            <a:ext cx="413264" cy="261610"/>
-          </a:xfrm>
-          <a:prstGeom prst="rect">
-            <a:avLst/>
-          </a:prstGeom>
-          <a:noFill/>
-        </p:spPr>
-        <p:txBody>
-          <a:bodyPr wrap="square" rtlCol="0">
-            <a:spAutoFit/>
-          </a:bodyPr>
-          <a:lstStyle/>
-          <a:p>
-            <a:pPr algn="ctr"/>
-            <a:r>
-              <a:rPr lang="de-DE" sz="1100" dirty="0"/>
-              <a:t>L3</a:t>
-            </a:r>
-          </a:p>
-        </p:txBody>
-      </p:sp>
-      <p:sp>
-        <p:nvSpPr>
-          <p:cNvPr id="113" name="Textfeld 112">
-            <a:extLst>
-              <a:ext uri="{FF2B5EF4-FFF2-40B4-BE49-F238E27FC236}">
-                <a16:creationId xmlns:a16="http://schemas.microsoft.com/office/drawing/2014/main" id="{997143AA-ADE7-43E4-9923-7C193D19ABD1}"/>
-              </a:ext>
-            </a:extLst>
-          </p:cNvPr>
-          <p:cNvSpPr txBox="1"/>
-          <p:nvPr/>
-        </p:nvSpPr>
-        <p:spPr>
-          <a:xfrm>
-            <a:off x="2476373" y="3794764"/>
-            <a:ext cx="413264" cy="261610"/>
-          </a:xfrm>
-          <a:prstGeom prst="rect">
-            <a:avLst/>
-          </a:prstGeom>
-          <a:noFill/>
-        </p:spPr>
-        <p:txBody>
-          <a:bodyPr wrap="square" rtlCol="0">
-            <a:spAutoFit/>
-          </a:bodyPr>
-          <a:lstStyle/>
-          <a:p>
-            <a:pPr algn="ctr"/>
-            <a:r>
-              <a:rPr lang="de-DE" sz="1100" dirty="0"/>
-              <a:t>L1</a:t>
-            </a:r>
-          </a:p>
-        </p:txBody>
-      </p:sp>
-      <p:sp>
-        <p:nvSpPr>
-          <p:cNvPr id="114" name="Textfeld 113">
-            <a:extLst>
-              <a:ext uri="{FF2B5EF4-FFF2-40B4-BE49-F238E27FC236}">
-                <a16:creationId xmlns:a16="http://schemas.microsoft.com/office/drawing/2014/main" id="{B6862746-E60E-4229-A7C6-98B267940DC0}"/>
-              </a:ext>
-            </a:extLst>
-          </p:cNvPr>
-          <p:cNvSpPr txBox="1"/>
-          <p:nvPr/>
-        </p:nvSpPr>
-        <p:spPr>
-          <a:xfrm>
-            <a:off x="2476373" y="3965493"/>
-            <a:ext cx="413264" cy="261610"/>
-          </a:xfrm>
-          <a:prstGeom prst="rect">
-            <a:avLst/>
-          </a:prstGeom>
-          <a:noFill/>
-        </p:spPr>
-        <p:txBody>
-          <a:bodyPr wrap="square" rtlCol="0">
-            <a:spAutoFit/>
-          </a:bodyPr>
-          <a:lstStyle/>
-          <a:p>
-            <a:pPr algn="ctr"/>
-            <a:r>
-              <a:rPr lang="de-DE" sz="1100" dirty="0"/>
-              <a:t>L2</a:t>
-            </a:r>
-          </a:p>
-        </p:txBody>
-      </p:sp>
-      <p:sp>
-        <p:nvSpPr>
-          <p:cNvPr id="115" name="Textfeld 114">
-            <a:extLst>
-              <a:ext uri="{FF2B5EF4-FFF2-40B4-BE49-F238E27FC236}">
-                <a16:creationId xmlns:a16="http://schemas.microsoft.com/office/drawing/2014/main" id="{C50D8291-A620-45A3-AE8E-CAAA6FA91028}"/>
-              </a:ext>
-            </a:extLst>
-          </p:cNvPr>
-          <p:cNvSpPr txBox="1"/>
-          <p:nvPr/>
-        </p:nvSpPr>
-        <p:spPr>
-          <a:xfrm>
-            <a:off x="2476373" y="4136993"/>
-            <a:ext cx="413264" cy="261610"/>
-          </a:xfrm>
-          <a:prstGeom prst="rect">
-            <a:avLst/>
-          </a:prstGeom>
-          <a:noFill/>
-        </p:spPr>
-        <p:txBody>
-          <a:bodyPr wrap="square" rtlCol="0">
-            <a:spAutoFit/>
-          </a:bodyPr>
-          <a:lstStyle/>
-          <a:p>
-            <a:pPr algn="ctr"/>
-            <a:r>
-              <a:rPr lang="de-DE" sz="1100" dirty="0"/>
-              <a:t>L3</a:t>
-            </a:r>
-          </a:p>
-        </p:txBody>
-      </p:sp>
-      <p:sp>
-        <p:nvSpPr>
-          <p:cNvPr id="116" name="Textfeld 115">
-            <a:extLst>
-              <a:ext uri="{FF2B5EF4-FFF2-40B4-BE49-F238E27FC236}">
-                <a16:creationId xmlns:a16="http://schemas.microsoft.com/office/drawing/2014/main" id="{15369AE9-92DA-465C-B62C-17C09B13C595}"/>
-              </a:ext>
-            </a:extLst>
-          </p:cNvPr>
-          <p:cNvSpPr txBox="1"/>
-          <p:nvPr/>
-        </p:nvSpPr>
-        <p:spPr>
-          <a:xfrm>
-            <a:off x="2473197" y="4524652"/>
-            <a:ext cx="413264" cy="261610"/>
-          </a:xfrm>
-          <a:prstGeom prst="rect">
-            <a:avLst/>
-          </a:prstGeom>
-          <a:noFill/>
-        </p:spPr>
-        <p:txBody>
-          <a:bodyPr wrap="square" rtlCol="0">
-            <a:spAutoFit/>
-          </a:bodyPr>
-          <a:lstStyle/>
-          <a:p>
-            <a:pPr algn="ctr"/>
-            <a:r>
-              <a:rPr lang="de-DE" sz="1100" dirty="0"/>
-              <a:t>L1</a:t>
-            </a:r>
-          </a:p>
-        </p:txBody>
-      </p:sp>
-      <p:sp>
-        <p:nvSpPr>
-          <p:cNvPr id="117" name="Textfeld 116">
-            <a:extLst>
-              <a:ext uri="{FF2B5EF4-FFF2-40B4-BE49-F238E27FC236}">
-                <a16:creationId xmlns:a16="http://schemas.microsoft.com/office/drawing/2014/main" id="{6C8DD14F-1E19-4601-9D26-293993175E26}"/>
-              </a:ext>
-            </a:extLst>
-          </p:cNvPr>
-          <p:cNvSpPr txBox="1"/>
-          <p:nvPr/>
-        </p:nvSpPr>
-        <p:spPr>
-          <a:xfrm>
-            <a:off x="2473197" y="4692206"/>
-            <a:ext cx="413264" cy="261610"/>
-          </a:xfrm>
-          <a:prstGeom prst="rect">
-            <a:avLst/>
-          </a:prstGeom>
-          <a:noFill/>
-        </p:spPr>
-        <p:txBody>
-          <a:bodyPr wrap="square" rtlCol="0">
-            <a:spAutoFit/>
-          </a:bodyPr>
-          <a:lstStyle/>
-          <a:p>
-            <a:pPr algn="ctr"/>
-            <a:r>
-              <a:rPr lang="de-DE" sz="1100" dirty="0"/>
-              <a:t>L2</a:t>
-            </a:r>
-          </a:p>
-        </p:txBody>
-      </p:sp>
-      <p:sp>
-        <p:nvSpPr>
-          <p:cNvPr id="118" name="Textfeld 117">
-            <a:extLst>
-              <a:ext uri="{FF2B5EF4-FFF2-40B4-BE49-F238E27FC236}">
-                <a16:creationId xmlns:a16="http://schemas.microsoft.com/office/drawing/2014/main" id="{D6C98BAD-2697-4749-94C1-82921CAAA0AF}"/>
-              </a:ext>
-            </a:extLst>
-          </p:cNvPr>
-          <p:cNvSpPr txBox="1"/>
-          <p:nvPr/>
-        </p:nvSpPr>
-        <p:spPr>
-          <a:xfrm>
-            <a:off x="2473197" y="4851006"/>
-            <a:ext cx="413264" cy="261610"/>
-          </a:xfrm>
-          <a:prstGeom prst="rect">
-            <a:avLst/>
-          </a:prstGeom>
-          <a:noFill/>
-        </p:spPr>
-        <p:txBody>
-          <a:bodyPr wrap="square" rtlCol="0">
-            <a:spAutoFit/>
-          </a:bodyPr>
-          <a:lstStyle/>
-          <a:p>
-            <a:pPr algn="ctr"/>
-            <a:r>
-              <a:rPr lang="de-DE" sz="1100" dirty="0"/>
-              <a:t>L3</a:t>
-            </a:r>
-          </a:p>
-        </p:txBody>
-      </p:sp>
-      <p:sp>
-        <p:nvSpPr>
-          <p:cNvPr id="119" name="Textfeld 118">
-            <a:extLst>
-              <a:ext uri="{FF2B5EF4-FFF2-40B4-BE49-F238E27FC236}">
-                <a16:creationId xmlns:a16="http://schemas.microsoft.com/office/drawing/2014/main" id="{60A17B7C-3384-47B0-B876-31F9B30C70DD}"/>
-              </a:ext>
-            </a:extLst>
-          </p:cNvPr>
-          <p:cNvSpPr txBox="1"/>
-          <p:nvPr/>
-        </p:nvSpPr>
-        <p:spPr>
-          <a:xfrm>
-            <a:off x="2473197" y="5281131"/>
-            <a:ext cx="413264" cy="261610"/>
-          </a:xfrm>
-          <a:prstGeom prst="rect">
-            <a:avLst/>
-          </a:prstGeom>
-          <a:noFill/>
-        </p:spPr>
-        <p:txBody>
-          <a:bodyPr wrap="square" rtlCol="0">
-            <a:spAutoFit/>
-          </a:bodyPr>
-          <a:lstStyle/>
-          <a:p>
-            <a:pPr algn="ctr"/>
-            <a:r>
-              <a:rPr lang="de-DE" sz="1100" dirty="0"/>
-              <a:t>L1</a:t>
-            </a:r>
-          </a:p>
-        </p:txBody>
-      </p:sp>
-      <p:sp>
-        <p:nvSpPr>
-          <p:cNvPr id="120" name="Textfeld 119">
-            <a:extLst>
-              <a:ext uri="{FF2B5EF4-FFF2-40B4-BE49-F238E27FC236}">
-                <a16:creationId xmlns:a16="http://schemas.microsoft.com/office/drawing/2014/main" id="{D43A5195-B4D2-4579-BCF6-0EA1E68F629E}"/>
-              </a:ext>
-            </a:extLst>
-          </p:cNvPr>
-          <p:cNvSpPr txBox="1"/>
-          <p:nvPr/>
-        </p:nvSpPr>
-        <p:spPr>
-          <a:xfrm>
-            <a:off x="2473197" y="5455035"/>
-            <a:ext cx="413264" cy="261610"/>
-          </a:xfrm>
-          <a:prstGeom prst="rect">
-            <a:avLst/>
-          </a:prstGeom>
-          <a:noFill/>
-        </p:spPr>
-        <p:txBody>
-          <a:bodyPr wrap="square" rtlCol="0">
-            <a:spAutoFit/>
-          </a:bodyPr>
-          <a:lstStyle/>
-          <a:p>
-            <a:pPr algn="ctr"/>
-            <a:r>
-              <a:rPr lang="de-DE" sz="1100" dirty="0"/>
-              <a:t>L2</a:t>
-            </a:r>
-          </a:p>
-        </p:txBody>
-      </p:sp>
-      <p:sp>
-        <p:nvSpPr>
-          <p:cNvPr id="121" name="Textfeld 120">
-            <a:extLst>
-              <a:ext uri="{FF2B5EF4-FFF2-40B4-BE49-F238E27FC236}">
-                <a16:creationId xmlns:a16="http://schemas.microsoft.com/office/drawing/2014/main" id="{8D08FBBB-27D0-478E-994E-C88132327010}"/>
-              </a:ext>
-            </a:extLst>
-          </p:cNvPr>
-          <p:cNvSpPr txBox="1"/>
-          <p:nvPr/>
-        </p:nvSpPr>
-        <p:spPr>
-          <a:xfrm>
-            <a:off x="2473197" y="5623360"/>
-            <a:ext cx="413264" cy="261610"/>
-          </a:xfrm>
-          <a:prstGeom prst="rect">
-            <a:avLst/>
-          </a:prstGeom>
-          <a:noFill/>
-        </p:spPr>
-        <p:txBody>
-          <a:bodyPr wrap="square" rtlCol="0">
-            <a:spAutoFit/>
-          </a:bodyPr>
-          <a:lstStyle/>
-          <a:p>
-            <a:pPr algn="ctr"/>
-            <a:r>
-              <a:rPr lang="de-DE" sz="1100" dirty="0"/>
-              <a:t>L3</a:t>
-            </a:r>
-          </a:p>
-        </p:txBody>
-      </p:sp>
-      <p:sp>
-        <p:nvSpPr>
-          <p:cNvPr id="122" name="Textfeld 121">
-            <a:extLst>
-              <a:ext uri="{FF2B5EF4-FFF2-40B4-BE49-F238E27FC236}">
-                <a16:creationId xmlns:a16="http://schemas.microsoft.com/office/drawing/2014/main" id="{2F4BB2A9-B049-43FF-8F6D-57B4EA3D4F64}"/>
-              </a:ext>
-            </a:extLst>
-          </p:cNvPr>
-          <p:cNvSpPr txBox="1"/>
-          <p:nvPr/>
-        </p:nvSpPr>
-        <p:spPr>
-          <a:xfrm>
-            <a:off x="2473197" y="6041790"/>
-            <a:ext cx="413264" cy="261610"/>
-          </a:xfrm>
-          <a:prstGeom prst="rect">
-            <a:avLst/>
-          </a:prstGeom>
-          <a:noFill/>
-        </p:spPr>
-        <p:txBody>
-          <a:bodyPr wrap="square" rtlCol="0">
-            <a:spAutoFit/>
-          </a:bodyPr>
-          <a:lstStyle/>
-          <a:p>
-            <a:pPr algn="ctr"/>
-            <a:r>
-              <a:rPr lang="de-DE" sz="1100" dirty="0"/>
-              <a:t>L1</a:t>
-            </a:r>
-          </a:p>
-        </p:txBody>
-      </p:sp>
-      <p:sp>
-        <p:nvSpPr>
-          <p:cNvPr id="123" name="Textfeld 122">
-            <a:extLst>
-              <a:ext uri="{FF2B5EF4-FFF2-40B4-BE49-F238E27FC236}">
-                <a16:creationId xmlns:a16="http://schemas.microsoft.com/office/drawing/2014/main" id="{CA9783ED-906A-47C3-8EC8-6E05BB7146FB}"/>
-              </a:ext>
-            </a:extLst>
-          </p:cNvPr>
-          <p:cNvSpPr txBox="1"/>
-          <p:nvPr/>
-        </p:nvSpPr>
-        <p:spPr>
-          <a:xfrm>
-            <a:off x="2473197" y="6212519"/>
-            <a:ext cx="413264" cy="261610"/>
-          </a:xfrm>
-          <a:prstGeom prst="rect">
-            <a:avLst/>
-          </a:prstGeom>
-          <a:noFill/>
-        </p:spPr>
-        <p:txBody>
-          <a:bodyPr wrap="square" rtlCol="0">
-            <a:spAutoFit/>
-          </a:bodyPr>
-          <a:lstStyle/>
-          <a:p>
-            <a:pPr algn="ctr"/>
-            <a:r>
-              <a:rPr lang="de-DE" sz="1100" dirty="0"/>
-              <a:t>L2</a:t>
-            </a:r>
-          </a:p>
-        </p:txBody>
-      </p:sp>
-      <p:sp>
-        <p:nvSpPr>
-          <p:cNvPr id="124" name="Textfeld 123">
-            <a:extLst>
-              <a:ext uri="{FF2B5EF4-FFF2-40B4-BE49-F238E27FC236}">
-                <a16:creationId xmlns:a16="http://schemas.microsoft.com/office/drawing/2014/main" id="{13A7A484-CDFD-4CC5-B259-EA5DA5074ECA}"/>
-              </a:ext>
-            </a:extLst>
-          </p:cNvPr>
-          <p:cNvSpPr txBox="1"/>
-          <p:nvPr/>
-        </p:nvSpPr>
-        <p:spPr>
-          <a:xfrm>
-            <a:off x="2473197" y="6384019"/>
-            <a:ext cx="413264" cy="261610"/>
-          </a:xfrm>
-          <a:prstGeom prst="rect">
-            <a:avLst/>
-          </a:prstGeom>
-          <a:noFill/>
-        </p:spPr>
-        <p:txBody>
-          <a:bodyPr wrap="square" rtlCol="0">
-            <a:spAutoFit/>
-          </a:bodyPr>
-          <a:lstStyle/>
-          <a:p>
-            <a:pPr algn="ctr"/>
-            <a:r>
-              <a:rPr lang="de-DE" sz="1100" dirty="0"/>
-              <a:t>L3</a:t>
-            </a:r>
-          </a:p>
-        </p:txBody>
-      </p:sp>
-      <p:sp>
-        <p:nvSpPr>
-          <p:cNvPr id="125" name="Textfeld 124">
-            <a:extLst>
-              <a:ext uri="{FF2B5EF4-FFF2-40B4-BE49-F238E27FC236}">
-                <a16:creationId xmlns:a16="http://schemas.microsoft.com/office/drawing/2014/main" id="{88140C6C-10A5-46E7-B467-DB3DDD5D080C}"/>
-              </a:ext>
-            </a:extLst>
-          </p:cNvPr>
-          <p:cNvSpPr txBox="1"/>
-          <p:nvPr/>
-        </p:nvSpPr>
-        <p:spPr>
-          <a:xfrm>
-            <a:off x="2480688" y="6803761"/>
-            <a:ext cx="413264" cy="261610"/>
-          </a:xfrm>
-          <a:prstGeom prst="rect">
-            <a:avLst/>
-          </a:prstGeom>
-          <a:noFill/>
-        </p:spPr>
-        <p:txBody>
-          <a:bodyPr wrap="square" rtlCol="0">
-            <a:spAutoFit/>
-          </a:bodyPr>
-          <a:lstStyle/>
-          <a:p>
-            <a:pPr algn="ctr"/>
-            <a:r>
-              <a:rPr lang="de-DE" sz="1100" dirty="0"/>
-              <a:t>L1</a:t>
-            </a:r>
-          </a:p>
-        </p:txBody>
-      </p:sp>
-      <p:sp>
-        <p:nvSpPr>
-          <p:cNvPr id="126" name="Textfeld 125">
-            <a:extLst>
-              <a:ext uri="{FF2B5EF4-FFF2-40B4-BE49-F238E27FC236}">
-                <a16:creationId xmlns:a16="http://schemas.microsoft.com/office/drawing/2014/main" id="{B9BF1E5F-1F8A-408A-91FF-8BB94B448AE3}"/>
-              </a:ext>
-            </a:extLst>
-          </p:cNvPr>
-          <p:cNvSpPr txBox="1"/>
-          <p:nvPr/>
-        </p:nvSpPr>
-        <p:spPr>
-          <a:xfrm>
-            <a:off x="2480688" y="6971315"/>
-            <a:ext cx="413264" cy="261610"/>
-          </a:xfrm>
-          <a:prstGeom prst="rect">
-            <a:avLst/>
-          </a:prstGeom>
-          <a:noFill/>
-        </p:spPr>
-        <p:txBody>
-          <a:bodyPr wrap="square" rtlCol="0">
-            <a:spAutoFit/>
-          </a:bodyPr>
-          <a:lstStyle/>
-          <a:p>
-            <a:pPr algn="ctr"/>
-            <a:r>
-              <a:rPr lang="de-DE" sz="1100" dirty="0"/>
-              <a:t>L2</a:t>
-            </a:r>
-          </a:p>
-        </p:txBody>
-      </p:sp>
-      <p:sp>
-        <p:nvSpPr>
-          <p:cNvPr id="127" name="Textfeld 126">
-            <a:extLst>
-              <a:ext uri="{FF2B5EF4-FFF2-40B4-BE49-F238E27FC236}">
-                <a16:creationId xmlns:a16="http://schemas.microsoft.com/office/drawing/2014/main" id="{4E134560-7717-4881-BC26-A0764723D785}"/>
-              </a:ext>
-            </a:extLst>
-          </p:cNvPr>
-          <p:cNvSpPr txBox="1"/>
-          <p:nvPr/>
-        </p:nvSpPr>
-        <p:spPr>
-          <a:xfrm>
-            <a:off x="2480688" y="7130115"/>
-            <a:ext cx="413264" cy="261610"/>
-          </a:xfrm>
-          <a:prstGeom prst="rect">
-            <a:avLst/>
-          </a:prstGeom>
-          <a:noFill/>
-        </p:spPr>
-        <p:txBody>
-          <a:bodyPr wrap="square" rtlCol="0">
-            <a:spAutoFit/>
-          </a:bodyPr>
-          <a:lstStyle/>
-          <a:p>
-            <a:pPr algn="ctr"/>
-            <a:r>
-              <a:rPr lang="de-DE" sz="1100" dirty="0"/>
-              <a:t>L3</a:t>
-            </a:r>
-          </a:p>
-        </p:txBody>
-      </p:sp>
-    </p:spTree>
-    <p:extLst>
-      <p:ext uri="{BB962C8B-B14F-4D97-AF65-F5344CB8AC3E}">
-        <p14:creationId xmlns:p14="http://schemas.microsoft.com/office/powerpoint/2010/main" val="924432096"/>
       </p:ext>
     </p:extLst>
   </p:cSld>
@@ -33505,14 +34176,14 @@
 <ds:datastoreItem xmlns:ds="http://schemas.openxmlformats.org/officeDocument/2006/customXml" ds:itemID="{5FAF9800-8C90-45BC-B30D-EA05CF3DB546}">
   <ds:schemaRefs>
     <ds:schemaRef ds:uri="http://purl.org/dc/elements/1.1/"/>
+    <ds:schemaRef ds:uri="c57ff1c2-e5c4-47f1-8f0a-654672b27731"/>
+    <ds:schemaRef ds:uri="http://schemas.microsoft.com/office/2006/documentManagement/types"/>
     <ds:schemaRef ds:uri="http://purl.org/dc/terms/"/>
+    <ds:schemaRef ds:uri="http://schemas.microsoft.com/office/infopath/2007/PartnerControls"/>
+    <ds:schemaRef ds:uri="http://schemas.microsoft.com/office/2006/metadata/properties"/>
+    <ds:schemaRef ds:uri="http://schemas.openxmlformats.org/package/2006/metadata/core-properties"/>
     <ds:schemaRef ds:uri="http://www.w3.org/XML/1998/namespace"/>
     <ds:schemaRef ds:uri="http://purl.org/dc/dcmitype/"/>
-    <ds:schemaRef ds:uri="http://schemas.microsoft.com/office/2006/documentManagement/types"/>
-    <ds:schemaRef ds:uri="http://schemas.microsoft.com/office/2006/metadata/properties"/>
-    <ds:schemaRef ds:uri="http://schemas.microsoft.com/office/infopath/2007/PartnerControls"/>
-    <ds:schemaRef ds:uri="http://schemas.openxmlformats.org/package/2006/metadata/core-properties"/>
-    <ds:schemaRef ds:uri="c57ff1c2-e5c4-47f1-8f0a-654672b27731"/>
   </ds:schemaRefs>
 </ds:datastoreItem>
 </file>
--- a/Funktionsmodell_Lastmanagement.pptx
+++ b/Funktionsmodell_Lastmanagement.pptx
@@ -1241,7 +1241,7 @@
           <a:p>
             <a:fld id="{112938A6-4143-49DC-BAEE-2F8DAB512D29}" type="datetimeFigureOut">
               <a:rPr lang="de-DE" smtClean="0"/>
-              <a:t>27.08.2019</a:t>
+              <a:t>01.09.2019</a:t>
             </a:fld>
             <a:endParaRPr lang="de-DE"/>
           </a:p>
@@ -1639,7 +1639,7 @@
           <a:p>
             <a:fld id="{371517A1-6894-4FE9-8CD3-0FF8F1D4B5F9}" type="datetimeFigureOut">
               <a:rPr lang="de-DE" smtClean="0"/>
-              <a:t>27.08.2019</a:t>
+              <a:t>01.09.2019</a:t>
             </a:fld>
             <a:endParaRPr lang="de-DE"/>
           </a:p>
@@ -1809,7 +1809,7 @@
           <a:p>
             <a:fld id="{371517A1-6894-4FE9-8CD3-0FF8F1D4B5F9}" type="datetimeFigureOut">
               <a:rPr lang="de-DE" smtClean="0"/>
-              <a:t>27.08.2019</a:t>
+              <a:t>01.09.2019</a:t>
             </a:fld>
             <a:endParaRPr lang="de-DE"/>
           </a:p>
@@ -1989,7 +1989,7 @@
           <a:p>
             <a:fld id="{371517A1-6894-4FE9-8CD3-0FF8F1D4B5F9}" type="datetimeFigureOut">
               <a:rPr lang="de-DE" smtClean="0"/>
-              <a:t>27.08.2019</a:t>
+              <a:t>01.09.2019</a:t>
             </a:fld>
             <a:endParaRPr lang="de-DE"/>
           </a:p>
@@ -2159,7 +2159,7 @@
           <a:p>
             <a:fld id="{371517A1-6894-4FE9-8CD3-0FF8F1D4B5F9}" type="datetimeFigureOut">
               <a:rPr lang="de-DE" smtClean="0"/>
-              <a:t>27.08.2019</a:t>
+              <a:t>01.09.2019</a:t>
             </a:fld>
             <a:endParaRPr lang="de-DE"/>
           </a:p>
@@ -2403,7 +2403,7 @@
           <a:p>
             <a:fld id="{371517A1-6894-4FE9-8CD3-0FF8F1D4B5F9}" type="datetimeFigureOut">
               <a:rPr lang="de-DE" smtClean="0"/>
-              <a:t>27.08.2019</a:t>
+              <a:t>01.09.2019</a:t>
             </a:fld>
             <a:endParaRPr lang="de-DE"/>
           </a:p>
@@ -2635,7 +2635,7 @@
           <a:p>
             <a:fld id="{371517A1-6894-4FE9-8CD3-0FF8F1D4B5F9}" type="datetimeFigureOut">
               <a:rPr lang="de-DE" smtClean="0"/>
-              <a:t>27.08.2019</a:t>
+              <a:t>01.09.2019</a:t>
             </a:fld>
             <a:endParaRPr lang="de-DE"/>
           </a:p>
@@ -3002,7 +3002,7 @@
           <a:p>
             <a:fld id="{371517A1-6894-4FE9-8CD3-0FF8F1D4B5F9}" type="datetimeFigureOut">
               <a:rPr lang="de-DE" smtClean="0"/>
-              <a:t>27.08.2019</a:t>
+              <a:t>01.09.2019</a:t>
             </a:fld>
             <a:endParaRPr lang="de-DE"/>
           </a:p>
@@ -3120,7 +3120,7 @@
           <a:p>
             <a:fld id="{371517A1-6894-4FE9-8CD3-0FF8F1D4B5F9}" type="datetimeFigureOut">
               <a:rPr lang="de-DE" smtClean="0"/>
-              <a:t>27.08.2019</a:t>
+              <a:t>01.09.2019</a:t>
             </a:fld>
             <a:endParaRPr lang="de-DE"/>
           </a:p>
@@ -3215,7 +3215,7 @@
           <a:p>
             <a:fld id="{371517A1-6894-4FE9-8CD3-0FF8F1D4B5F9}" type="datetimeFigureOut">
               <a:rPr lang="de-DE" smtClean="0"/>
-              <a:t>27.08.2019</a:t>
+              <a:t>01.09.2019</a:t>
             </a:fld>
             <a:endParaRPr lang="de-DE"/>
           </a:p>
@@ -3492,7 +3492,7 @@
           <a:p>
             <a:fld id="{371517A1-6894-4FE9-8CD3-0FF8F1D4B5F9}" type="datetimeFigureOut">
               <a:rPr lang="de-DE" smtClean="0"/>
-              <a:t>27.08.2019</a:t>
+              <a:t>01.09.2019</a:t>
             </a:fld>
             <a:endParaRPr lang="de-DE"/>
           </a:p>
@@ -3749,7 +3749,7 @@
           <a:p>
             <a:fld id="{371517A1-6894-4FE9-8CD3-0FF8F1D4B5F9}" type="datetimeFigureOut">
               <a:rPr lang="de-DE" smtClean="0"/>
-              <a:t>27.08.2019</a:t>
+              <a:t>01.09.2019</a:t>
             </a:fld>
             <a:endParaRPr lang="de-DE"/>
           </a:p>
@@ -3962,7 +3962,7 @@
           <a:p>
             <a:fld id="{371517A1-6894-4FE9-8CD3-0FF8F1D4B5F9}" type="datetimeFigureOut">
               <a:rPr lang="de-DE" smtClean="0"/>
-              <a:t>27.08.2019</a:t>
+              <a:t>01.09.2019</a:t>
             </a:fld>
             <a:endParaRPr lang="de-DE"/>
           </a:p>
@@ -16787,7 +16787,7 @@
         </p:nvCxnSpPr>
         <p:spPr>
           <a:xfrm flipH="1">
-            <a:off x="3552826" y="1002505"/>
+            <a:off x="3552826" y="941545"/>
             <a:ext cx="776287" cy="0"/>
           </a:xfrm>
           <a:prstGeom prst="line">
@@ -16828,7 +16828,7 @@
         </p:nvGrpSpPr>
         <p:grpSpPr>
           <a:xfrm rot="16200000">
-            <a:off x="1217822" y="1886306"/>
+            <a:off x="1217822" y="1825346"/>
             <a:ext cx="172781" cy="70388"/>
             <a:chOff x="3393282" y="1133475"/>
             <a:chExt cx="172781" cy="70388"/>
@@ -16987,7 +16987,7 @@
         </p:nvCxnSpPr>
         <p:spPr>
           <a:xfrm flipH="1">
-            <a:off x="4502948" y="994029"/>
+            <a:off x="4502948" y="933069"/>
             <a:ext cx="755998" cy="8476"/>
           </a:xfrm>
           <a:prstGeom prst="line">
@@ -17028,7 +17028,7 @@
         </p:nvGrpSpPr>
         <p:grpSpPr>
           <a:xfrm>
-            <a:off x="4330829" y="941641"/>
+            <a:off x="4330829" y="880681"/>
             <a:ext cx="172781" cy="70388"/>
             <a:chOff x="3393282" y="1133475"/>
             <a:chExt cx="172781" cy="70388"/>
@@ -17185,7 +17185,7 @@
         </p:nvCxnSpPr>
         <p:spPr>
           <a:xfrm flipH="1">
-            <a:off x="3552826" y="1374596"/>
+            <a:off x="3552826" y="1313636"/>
             <a:ext cx="776287" cy="0"/>
           </a:xfrm>
           <a:prstGeom prst="line">
@@ -17229,7 +17229,7 @@
         </p:nvCxnSpPr>
         <p:spPr>
           <a:xfrm flipH="1">
-            <a:off x="4502949" y="1374596"/>
+            <a:off x="4502949" y="1313636"/>
             <a:ext cx="746332" cy="0"/>
           </a:xfrm>
           <a:prstGeom prst="line">
@@ -17270,7 +17270,7 @@
         </p:nvGrpSpPr>
         <p:grpSpPr>
           <a:xfrm>
-            <a:off x="4330829" y="1313732"/>
+            <a:off x="4330829" y="1252772"/>
             <a:ext cx="172781" cy="70388"/>
             <a:chOff x="3393282" y="1133475"/>
             <a:chExt cx="172781" cy="70388"/>
@@ -17429,7 +17429,7 @@
         </p:nvCxnSpPr>
         <p:spPr>
           <a:xfrm flipH="1" flipV="1">
-            <a:off x="3555206" y="997742"/>
+            <a:off x="3555206" y="936782"/>
             <a:ext cx="1" cy="684000"/>
           </a:xfrm>
           <a:prstGeom prst="line">
@@ -17470,7 +17470,7 @@
         </p:nvSpPr>
         <p:spPr>
           <a:xfrm>
-            <a:off x="3502932" y="1058515"/>
+            <a:off x="3502932" y="997555"/>
             <a:ext cx="99787" cy="244219"/>
           </a:xfrm>
           <a:prstGeom prst="rect">
@@ -17527,7 +17527,7 @@
         </p:nvCxnSpPr>
         <p:spPr>
           <a:xfrm flipH="1">
-            <a:off x="4227377" y="1679008"/>
+            <a:off x="4227377" y="1618048"/>
             <a:ext cx="1031570" cy="524"/>
           </a:xfrm>
           <a:prstGeom prst="line">
@@ -17568,7 +17568,7 @@
         </p:nvGrpSpPr>
         <p:grpSpPr>
           <a:xfrm>
-            <a:off x="4054596" y="1618144"/>
+            <a:off x="4054596" y="1557184"/>
             <a:ext cx="172781" cy="70388"/>
             <a:chOff x="3393282" y="1133475"/>
             <a:chExt cx="172781" cy="70388"/>
@@ -17725,7 +17725,7 @@
         </p:nvSpPr>
         <p:spPr>
           <a:xfrm rot="5400000">
-            <a:off x="4831052" y="1556898"/>
+            <a:off x="4831052" y="1495938"/>
             <a:ext cx="99787" cy="244219"/>
           </a:xfrm>
           <a:prstGeom prst="rect">
@@ -17781,7 +17781,7 @@
         </p:nvCxnSpPr>
         <p:spPr>
           <a:xfrm flipH="1">
-            <a:off x="1327150" y="1685896"/>
+            <a:off x="1327150" y="1624936"/>
             <a:ext cx="1662691" cy="0"/>
           </a:xfrm>
           <a:prstGeom prst="line">
@@ -17826,7 +17826,7 @@
         </p:nvCxnSpPr>
         <p:spPr>
           <a:xfrm flipH="1">
-            <a:off x="3164337" y="1679532"/>
+            <a:off x="3164337" y="1618572"/>
             <a:ext cx="890259" cy="6888"/>
           </a:xfrm>
           <a:prstGeom prst="line">
@@ -17867,7 +17867,7 @@
         </p:nvGrpSpPr>
         <p:grpSpPr>
           <a:xfrm>
-            <a:off x="2991556" y="1625032"/>
+            <a:off x="2991556" y="1564072"/>
             <a:ext cx="172781" cy="70388"/>
             <a:chOff x="3393282" y="1133475"/>
             <a:chExt cx="172781" cy="70388"/>
@@ -18024,7 +18024,7 @@
         </p:nvGrpSpPr>
         <p:grpSpPr>
           <a:xfrm rot="16200000">
-            <a:off x="2441787" y="1632044"/>
+            <a:off x="2441787" y="1571084"/>
             <a:ext cx="126205" cy="116716"/>
             <a:chOff x="1905001" y="1850197"/>
             <a:chExt cx="126205" cy="116716"/>
@@ -18139,7 +18139,7 @@
         </p:nvCxnSpPr>
         <p:spPr>
           <a:xfrm flipH="1" flipV="1">
-            <a:off x="1713707" y="1692784"/>
+            <a:off x="1713707" y="1631824"/>
             <a:ext cx="1" cy="1260000"/>
           </a:xfrm>
           <a:prstGeom prst="line">
@@ -18180,7 +18180,7 @@
         </p:nvSpPr>
         <p:spPr>
           <a:xfrm>
-            <a:off x="1661432" y="2193952"/>
+            <a:off x="1661432" y="2132992"/>
             <a:ext cx="99787" cy="244219"/>
           </a:xfrm>
           <a:prstGeom prst="rect">
@@ -18236,7 +18236,7 @@
         </p:nvCxnSpPr>
         <p:spPr>
           <a:xfrm flipH="1" flipV="1">
-            <a:off x="1330326" y="2012941"/>
+            <a:off x="1330326" y="1951981"/>
             <a:ext cx="1" cy="730657"/>
           </a:xfrm>
           <a:prstGeom prst="line">
@@ -18277,7 +18277,7 @@
         </p:nvSpPr>
         <p:spPr>
           <a:xfrm>
-            <a:off x="1274875" y="2193952"/>
+            <a:off x="1274875" y="2132992"/>
             <a:ext cx="99787" cy="244219"/>
           </a:xfrm>
           <a:prstGeom prst="rect">
@@ -18334,7 +18334,7 @@
         </p:nvCxnSpPr>
         <p:spPr>
           <a:xfrm flipH="1">
-            <a:off x="1330326" y="2725458"/>
+            <a:off x="1330326" y="2664498"/>
             <a:ext cx="2722296" cy="15887"/>
           </a:xfrm>
           <a:prstGeom prst="line">
@@ -18378,7 +18378,7 @@
         </p:nvCxnSpPr>
         <p:spPr>
           <a:xfrm flipH="1">
-            <a:off x="4225403" y="2724934"/>
+            <a:off x="4225403" y="2663974"/>
             <a:ext cx="1033544" cy="524"/>
           </a:xfrm>
           <a:prstGeom prst="line">
@@ -18419,7 +18419,7 @@
         </p:nvGrpSpPr>
         <p:grpSpPr>
           <a:xfrm>
-            <a:off x="4052622" y="2664070"/>
+            <a:off x="4052622" y="2603110"/>
             <a:ext cx="172781" cy="70388"/>
             <a:chOff x="3393282" y="1133475"/>
             <a:chExt cx="172781" cy="70388"/>
@@ -18579,7 +18579,7 @@
         </p:nvCxnSpPr>
         <p:spPr>
           <a:xfrm flipH="1" flipV="1">
-            <a:off x="1330327" y="1681776"/>
+            <a:off x="1330327" y="1620816"/>
             <a:ext cx="80" cy="153334"/>
           </a:xfrm>
           <a:prstGeom prst="line">
@@ -18622,7 +18622,7 @@
         </p:nvCxnSpPr>
         <p:spPr>
           <a:xfrm flipH="1">
-            <a:off x="1639325" y="2953798"/>
+            <a:off x="1639325" y="2892838"/>
             <a:ext cx="144000" cy="0"/>
           </a:xfrm>
           <a:prstGeom prst="line">
@@ -18665,7 +18665,7 @@
         </p:nvCxnSpPr>
         <p:spPr>
           <a:xfrm flipH="1">
-            <a:off x="1660500" y="2982373"/>
+            <a:off x="1660500" y="2921413"/>
             <a:ext cx="90000" cy="0"/>
           </a:xfrm>
           <a:prstGeom prst="line">
@@ -18708,7 +18708,7 @@
         </p:nvCxnSpPr>
         <p:spPr>
           <a:xfrm flipH="1">
-            <a:off x="1690125" y="3010948"/>
+            <a:off x="1690125" y="2949988"/>
             <a:ext cx="36000" cy="0"/>
           </a:xfrm>
           <a:prstGeom prst="line">
@@ -18749,7 +18749,7 @@
         </p:nvSpPr>
         <p:spPr>
           <a:xfrm>
-            <a:off x="1152526" y="1524519"/>
+            <a:off x="1152526" y="1463559"/>
             <a:ext cx="2090818" cy="1559903"/>
           </a:xfrm>
           <a:prstGeom prst="rect">
@@ -18802,7 +18802,7 @@
         </p:nvSpPr>
         <p:spPr>
           <a:xfrm>
-            <a:off x="1708125" y="2734598"/>
+            <a:off x="1708125" y="2673638"/>
             <a:ext cx="18000" cy="18000"/>
           </a:xfrm>
           <a:prstGeom prst="ellipse">
@@ -18848,7 +18848,7 @@
         </p:nvSpPr>
         <p:spPr>
           <a:xfrm>
-            <a:off x="1704707" y="1677420"/>
+            <a:off x="1704707" y="1616460"/>
             <a:ext cx="18000" cy="18000"/>
           </a:xfrm>
           <a:prstGeom prst="ellipse">
@@ -18894,7 +18894,7 @@
         </p:nvSpPr>
         <p:spPr>
           <a:xfrm>
-            <a:off x="3544656" y="1676896"/>
+            <a:off x="3544656" y="1615936"/>
             <a:ext cx="18000" cy="18000"/>
           </a:xfrm>
           <a:prstGeom prst="ellipse">
@@ -18940,7 +18940,7 @@
         </p:nvSpPr>
         <p:spPr>
           <a:xfrm>
-            <a:off x="3544656" y="1366120"/>
+            <a:off x="3544656" y="1305160"/>
             <a:ext cx="18000" cy="18000"/>
           </a:xfrm>
           <a:prstGeom prst="ellipse">
@@ -18986,7 +18986,7 @@
         </p:nvSpPr>
         <p:spPr>
           <a:xfrm>
-            <a:off x="5249281" y="1670532"/>
+            <a:off x="5249281" y="1609572"/>
             <a:ext cx="18000" cy="18000"/>
           </a:xfrm>
           <a:prstGeom prst="ellipse">
@@ -19032,7 +19032,7 @@
         </p:nvSpPr>
         <p:spPr>
           <a:xfrm>
-            <a:off x="5249281" y="985029"/>
+            <a:off x="5249281" y="924069"/>
             <a:ext cx="18000" cy="18000"/>
           </a:xfrm>
           <a:prstGeom prst="ellipse">
@@ -19078,7 +19078,7 @@
         </p:nvSpPr>
         <p:spPr>
           <a:xfrm>
-            <a:off x="5249281" y="1365596"/>
+            <a:off x="5249281" y="1304636"/>
             <a:ext cx="18000" cy="18000"/>
           </a:xfrm>
           <a:prstGeom prst="ellipse">
@@ -19124,7 +19124,7 @@
         </p:nvSpPr>
         <p:spPr>
           <a:xfrm>
-            <a:off x="5249281" y="2713822"/>
+            <a:off x="5249281" y="2652862"/>
             <a:ext cx="18000" cy="18000"/>
           </a:xfrm>
           <a:prstGeom prst="ellipse">
@@ -19170,7 +19170,7 @@
         </p:nvSpPr>
         <p:spPr>
           <a:xfrm>
-            <a:off x="3894310" y="1524520"/>
+            <a:off x="3894310" y="1463560"/>
             <a:ext cx="456931" cy="1356800"/>
           </a:xfrm>
           <a:prstGeom prst="rect">
@@ -19223,7 +19223,7 @@
         </p:nvSpPr>
         <p:spPr>
           <a:xfrm>
-            <a:off x="4722460" y="882682"/>
+            <a:off x="4722460" y="821722"/>
             <a:ext cx="606778" cy="560313"/>
           </a:xfrm>
           <a:prstGeom prst="rect">
@@ -19276,7 +19276,7 @@
         </p:nvSpPr>
         <p:spPr>
           <a:xfrm>
-            <a:off x="4722460" y="1524520"/>
+            <a:off x="4722460" y="1463560"/>
             <a:ext cx="606778" cy="1356800"/>
           </a:xfrm>
           <a:prstGeom prst="rect">
@@ -19329,7 +19329,7 @@
         </p:nvSpPr>
         <p:spPr>
           <a:xfrm>
-            <a:off x="1083297" y="1282640"/>
+            <a:off x="1083297" y="1221680"/>
             <a:ext cx="857249" cy="276999"/>
           </a:xfrm>
           <a:prstGeom prst="rect">
@@ -19370,8 +19370,8 @@
         </p:nvSpPr>
         <p:spPr>
           <a:xfrm>
-            <a:off x="3684354" y="2834986"/>
-            <a:ext cx="942400" cy="276999"/>
+            <a:off x="3504871" y="2773486"/>
+            <a:ext cx="1273954" cy="461665"/>
           </a:xfrm>
           <a:prstGeom prst="rect">
             <a:avLst/>
@@ -19386,15 +19386,22 @@
           <a:p>
             <a:pPr algn="ctr"/>
             <a:r>
-              <a:rPr lang="de-DE" sz="1200" dirty="0">
+              <a:rPr lang="de-DE" sz="1200" dirty="0" smtClean="0">
                 <a:solidFill>
                   <a:srgbClr val="00AA96"/>
                 </a:solidFill>
                 <a:latin typeface="Arial" panose="020B0604020202020204" pitchFamily="34" charset="0"/>
                 <a:cs typeface="Arial" panose="020B0604020202020204" pitchFamily="34" charset="0"/>
               </a:rPr>
-              <a:t>Multiplexer</a:t>
-            </a:r>
+              <a:t>Mehrstufen-schalter</a:t>
+            </a:r>
+            <a:endParaRPr lang="de-DE" sz="1200" dirty="0">
+              <a:solidFill>
+                <a:srgbClr val="00AA96"/>
+              </a:solidFill>
+              <a:latin typeface="Arial" panose="020B0604020202020204" pitchFamily="34" charset="0"/>
+              <a:cs typeface="Arial" panose="020B0604020202020204" pitchFamily="34" charset="0"/>
+            </a:endParaRPr>
           </a:p>
         </p:txBody>
       </p:sp>
@@ -19412,7 +19419,7 @@
         </p:nvSpPr>
         <p:spPr>
           <a:xfrm>
-            <a:off x="4570209" y="2841350"/>
+            <a:off x="4570209" y="2780390"/>
             <a:ext cx="1196640" cy="276999"/>
           </a:xfrm>
           <a:prstGeom prst="rect">
@@ -19454,7 +19461,7 @@
         </p:nvSpPr>
         <p:spPr>
           <a:xfrm>
-            <a:off x="4650961" y="666939"/>
+            <a:off x="4650961" y="605979"/>
             <a:ext cx="1196640" cy="276999"/>
           </a:xfrm>
           <a:prstGeom prst="rect">
@@ -19495,7 +19502,7 @@
         </p:nvCxnSpPr>
         <p:spPr>
           <a:xfrm>
-            <a:off x="5258946" y="1799167"/>
+            <a:off x="5258946" y="1738207"/>
             <a:ext cx="0" cy="795866"/>
           </a:xfrm>
           <a:prstGeom prst="straightConnector1">
@@ -19534,7 +19541,7 @@
         </p:nvSpPr>
         <p:spPr>
           <a:xfrm rot="16200000">
-            <a:off x="4566030" y="2063768"/>
+            <a:off x="4566030" y="2002808"/>
             <a:ext cx="1196640" cy="276999"/>
           </a:xfrm>
           <a:prstGeom prst="rect">
@@ -26782,10 +26789,6 @@
               </a:rPr>
               <a:t> TCP</a:t>
             </a:r>
-            <a:endParaRPr lang="de-DE" sz="1200" dirty="0" smtClean="0">
-              <a:latin typeface="Arial" panose="020B0604020202020204" pitchFamily="34" charset="0"/>
-              <a:cs typeface="Arial" panose="020B0604020202020204" pitchFamily="34" charset="0"/>
-            </a:endParaRPr>
           </a:p>
         </p:txBody>
       </p:sp>
@@ -26825,10 +26828,6 @@
               </a:rPr>
               <a:t> TCP</a:t>
             </a:r>
-            <a:endParaRPr lang="de-DE" sz="1200" dirty="0" smtClean="0">
-              <a:latin typeface="Arial" panose="020B0604020202020204" pitchFamily="34" charset="0"/>
-              <a:cs typeface="Arial" panose="020B0604020202020204" pitchFamily="34" charset="0"/>
-            </a:endParaRPr>
           </a:p>
         </p:txBody>
       </p:sp>
@@ -26913,10 +26912,6 @@
               </a:rPr>
               <a:t>OCPP 1.6</a:t>
             </a:r>
-            <a:endParaRPr lang="de-DE" sz="1200" dirty="0" smtClean="0">
-              <a:latin typeface="Arial" panose="020B0604020202020204" pitchFamily="34" charset="0"/>
-              <a:cs typeface="Arial" panose="020B0604020202020204" pitchFamily="34" charset="0"/>
-            </a:endParaRPr>
           </a:p>
         </p:txBody>
       </p:sp>
@@ -33974,15 +33969,6 @@
 </file>
 
 <file path=customXml/item1.xml><?xml version="1.0" encoding="utf-8"?>
-<?mso-contentType ?>
-<FormTemplates xmlns="http://schemas.microsoft.com/sharepoint/v3/contenttype/forms">
-  <Display>DocumentLibraryForm</Display>
-  <Edit>DocumentLibraryForm</Edit>
-  <New>DocumentLibraryForm</New>
-</FormTemplates>
-</file>
-
-<file path=customXml/item2.xml><?xml version="1.0" encoding="utf-8"?>
 <ct:contentTypeSchema xmlns:ct="http://schemas.microsoft.com/office/2006/metadata/contentType" xmlns:ma="http://schemas.microsoft.com/office/2006/metadata/properties/metaAttributes" ct:_="" ma:_="" ma:contentTypeName="Document" ma:contentTypeID="0x0101008D794A3DFD76A64D962E6D1A78E9D7A1" ma:contentTypeVersion="6" ma:contentTypeDescription="Create a new document." ma:contentTypeScope="" ma:versionID="a5a44b0c321a301d2199ee9a9fb45390">
   <xsd:schema xmlns:xsd="http://www.w3.org/2001/XMLSchema" xmlns:xs="http://www.w3.org/2001/XMLSchema" xmlns:p="http://schemas.microsoft.com/office/2006/metadata/properties" xmlns:ns3="c57ff1c2-e5c4-47f1-8f0a-654672b27731" targetNamespace="http://schemas.microsoft.com/office/2006/metadata/properties" ma:root="true" ma:fieldsID="0d65387667e118fe058674a9e63284cd" ns3:_="">
     <xsd:import namespace="c57ff1c2-e5c4-47f1-8f0a-654672b27731"/>
@@ -34140,6 +34126,15 @@
 </ct:contentTypeSchema>
 </file>
 
+<file path=customXml/item2.xml><?xml version="1.0" encoding="utf-8"?>
+<?mso-contentType ?>
+<FormTemplates xmlns="http://schemas.microsoft.com/sharepoint/v3/contenttype/forms">
+  <Display>DocumentLibraryForm</Display>
+  <Edit>DocumentLibraryForm</Edit>
+  <New>DocumentLibraryForm</New>
+</FormTemplates>
+</file>
+
 <file path=customXml/item3.xml><?xml version="1.0" encoding="utf-8"?>
 <p:properties xmlns:p="http://schemas.microsoft.com/office/2006/metadata/properties" xmlns:xsi="http://www.w3.org/2001/XMLSchema-instance" xmlns:pc="http://schemas.microsoft.com/office/infopath/2007/PartnerControls">
   <documentManagement/>
@@ -34147,14 +34142,6 @@
 </file>
 
 <file path=customXml/itemProps1.xml><?xml version="1.0" encoding="utf-8"?>
-<ds:datastoreItem xmlns:ds="http://schemas.openxmlformats.org/officeDocument/2006/customXml" ds:itemID="{51304325-EE51-4814-B3A9-DC7BF6DF7C66}">
-  <ds:schemaRefs>
-    <ds:schemaRef ds:uri="http://schemas.microsoft.com/sharepoint/v3/contenttype/forms"/>
-  </ds:schemaRefs>
-</ds:datastoreItem>
-</file>
-
-<file path=customXml/itemProps2.xml><?xml version="1.0" encoding="utf-8"?>
 <ds:datastoreItem xmlns:ds="http://schemas.openxmlformats.org/officeDocument/2006/customXml" ds:itemID="{2FED92D8-9E04-4229-911F-6E06FF71168B}">
   <ds:schemaRefs>
     <ds:schemaRef ds:uri="http://schemas.microsoft.com/office/2006/metadata/contentType"/>
@@ -34172,18 +34159,26 @@
 </ds:datastoreItem>
 </file>
 
+<file path=customXml/itemProps2.xml><?xml version="1.0" encoding="utf-8"?>
+<ds:datastoreItem xmlns:ds="http://schemas.openxmlformats.org/officeDocument/2006/customXml" ds:itemID="{51304325-EE51-4814-B3A9-DC7BF6DF7C66}">
+  <ds:schemaRefs>
+    <ds:schemaRef ds:uri="http://schemas.microsoft.com/sharepoint/v3/contenttype/forms"/>
+  </ds:schemaRefs>
+</ds:datastoreItem>
+</file>
+
 <file path=customXml/itemProps3.xml><?xml version="1.0" encoding="utf-8"?>
 <ds:datastoreItem xmlns:ds="http://schemas.openxmlformats.org/officeDocument/2006/customXml" ds:itemID="{5FAF9800-8C90-45BC-B30D-EA05CF3DB546}">
   <ds:schemaRefs>
+    <ds:schemaRef ds:uri="http://purl.org/dc/terms/"/>
+    <ds:schemaRef ds:uri="http://schemas.microsoft.com/office/2006/metadata/properties"/>
+    <ds:schemaRef ds:uri="http://purl.org/dc/dcmitype/"/>
+    <ds:schemaRef ds:uri="c57ff1c2-e5c4-47f1-8f0a-654672b27731"/>
+    <ds:schemaRef ds:uri="http://schemas.openxmlformats.org/package/2006/metadata/core-properties"/>
+    <ds:schemaRef ds:uri="http://schemas.microsoft.com/office/2006/documentManagement/types"/>
+    <ds:schemaRef ds:uri="http://schemas.microsoft.com/office/infopath/2007/PartnerControls"/>
+    <ds:schemaRef ds:uri="http://www.w3.org/XML/1998/namespace"/>
     <ds:schemaRef ds:uri="http://purl.org/dc/elements/1.1/"/>
-    <ds:schemaRef ds:uri="c57ff1c2-e5c4-47f1-8f0a-654672b27731"/>
-    <ds:schemaRef ds:uri="http://schemas.microsoft.com/office/2006/documentManagement/types"/>
-    <ds:schemaRef ds:uri="http://purl.org/dc/terms/"/>
-    <ds:schemaRef ds:uri="http://schemas.microsoft.com/office/infopath/2007/PartnerControls"/>
-    <ds:schemaRef ds:uri="http://schemas.microsoft.com/office/2006/metadata/properties"/>
-    <ds:schemaRef ds:uri="http://schemas.openxmlformats.org/package/2006/metadata/core-properties"/>
-    <ds:schemaRef ds:uri="http://www.w3.org/XML/1998/namespace"/>
-    <ds:schemaRef ds:uri="http://purl.org/dc/dcmitype/"/>
   </ds:schemaRefs>
 </ds:datastoreItem>
 </file>
--- a/Funktionsmodell_Lastmanagement.pptx
+++ b/Funktionsmodell_Lastmanagement.pptx
@@ -1241,7 +1241,7 @@
           <a:p>
             <a:fld id="{112938A6-4143-49DC-BAEE-2F8DAB512D29}" type="datetimeFigureOut">
               <a:rPr lang="de-DE" smtClean="0"/>
-              <a:t>01.09.2019</a:t>
+              <a:t>09.09.2019</a:t>
             </a:fld>
             <a:endParaRPr lang="de-DE"/>
           </a:p>
@@ -1639,7 +1639,7 @@
           <a:p>
             <a:fld id="{371517A1-6894-4FE9-8CD3-0FF8F1D4B5F9}" type="datetimeFigureOut">
               <a:rPr lang="de-DE" smtClean="0"/>
-              <a:t>01.09.2019</a:t>
+              <a:t>09.09.2019</a:t>
             </a:fld>
             <a:endParaRPr lang="de-DE"/>
           </a:p>
@@ -1809,7 +1809,7 @@
           <a:p>
             <a:fld id="{371517A1-6894-4FE9-8CD3-0FF8F1D4B5F9}" type="datetimeFigureOut">
               <a:rPr lang="de-DE" smtClean="0"/>
-              <a:t>01.09.2019</a:t>
+              <a:t>09.09.2019</a:t>
             </a:fld>
             <a:endParaRPr lang="de-DE"/>
           </a:p>
@@ -1989,7 +1989,7 @@
           <a:p>
             <a:fld id="{371517A1-6894-4FE9-8CD3-0FF8F1D4B5F9}" type="datetimeFigureOut">
               <a:rPr lang="de-DE" smtClean="0"/>
-              <a:t>01.09.2019</a:t>
+              <a:t>09.09.2019</a:t>
             </a:fld>
             <a:endParaRPr lang="de-DE"/>
           </a:p>
@@ -2159,7 +2159,7 @@
           <a:p>
             <a:fld id="{371517A1-6894-4FE9-8CD3-0FF8F1D4B5F9}" type="datetimeFigureOut">
               <a:rPr lang="de-DE" smtClean="0"/>
-              <a:t>01.09.2019</a:t>
+              <a:t>09.09.2019</a:t>
             </a:fld>
             <a:endParaRPr lang="de-DE"/>
           </a:p>
@@ -2403,7 +2403,7 @@
           <a:p>
             <a:fld id="{371517A1-6894-4FE9-8CD3-0FF8F1D4B5F9}" type="datetimeFigureOut">
               <a:rPr lang="de-DE" smtClean="0"/>
-              <a:t>01.09.2019</a:t>
+              <a:t>09.09.2019</a:t>
             </a:fld>
             <a:endParaRPr lang="de-DE"/>
           </a:p>
@@ -2635,7 +2635,7 @@
           <a:p>
             <a:fld id="{371517A1-6894-4FE9-8CD3-0FF8F1D4B5F9}" type="datetimeFigureOut">
               <a:rPr lang="de-DE" smtClean="0"/>
-              <a:t>01.09.2019</a:t>
+              <a:t>09.09.2019</a:t>
             </a:fld>
             <a:endParaRPr lang="de-DE"/>
           </a:p>
@@ -3002,7 +3002,7 @@
           <a:p>
             <a:fld id="{371517A1-6894-4FE9-8CD3-0FF8F1D4B5F9}" type="datetimeFigureOut">
               <a:rPr lang="de-DE" smtClean="0"/>
-              <a:t>01.09.2019</a:t>
+              <a:t>09.09.2019</a:t>
             </a:fld>
             <a:endParaRPr lang="de-DE"/>
           </a:p>
@@ -3120,7 +3120,7 @@
           <a:p>
             <a:fld id="{371517A1-6894-4FE9-8CD3-0FF8F1D4B5F9}" type="datetimeFigureOut">
               <a:rPr lang="de-DE" smtClean="0"/>
-              <a:t>01.09.2019</a:t>
+              <a:t>09.09.2019</a:t>
             </a:fld>
             <a:endParaRPr lang="de-DE"/>
           </a:p>
@@ -3215,7 +3215,7 @@
           <a:p>
             <a:fld id="{371517A1-6894-4FE9-8CD3-0FF8F1D4B5F9}" type="datetimeFigureOut">
               <a:rPr lang="de-DE" smtClean="0"/>
-              <a:t>01.09.2019</a:t>
+              <a:t>09.09.2019</a:t>
             </a:fld>
             <a:endParaRPr lang="de-DE"/>
           </a:p>
@@ -3492,7 +3492,7 @@
           <a:p>
             <a:fld id="{371517A1-6894-4FE9-8CD3-0FF8F1D4B5F9}" type="datetimeFigureOut">
               <a:rPr lang="de-DE" smtClean="0"/>
-              <a:t>01.09.2019</a:t>
+              <a:t>09.09.2019</a:t>
             </a:fld>
             <a:endParaRPr lang="de-DE"/>
           </a:p>
@@ -3749,7 +3749,7 @@
           <a:p>
             <a:fld id="{371517A1-6894-4FE9-8CD3-0FF8F1D4B5F9}" type="datetimeFigureOut">
               <a:rPr lang="de-DE" smtClean="0"/>
-              <a:t>01.09.2019</a:t>
+              <a:t>09.09.2019</a:t>
             </a:fld>
             <a:endParaRPr lang="de-DE"/>
           </a:p>
@@ -3962,7 +3962,7 @@
           <a:p>
             <a:fld id="{371517A1-6894-4FE9-8CD3-0FF8F1D4B5F9}" type="datetimeFigureOut">
               <a:rPr lang="de-DE" smtClean="0"/>
-              <a:t>01.09.2019</a:t>
+              <a:t>09.09.2019</a:t>
             </a:fld>
             <a:endParaRPr lang="de-DE"/>
           </a:p>
@@ -5097,7 +5097,14 @@
                   <a:latin typeface="Arial" panose="020B0604020202020204" pitchFamily="34" charset="0"/>
                   <a:cs typeface="Arial" panose="020B0604020202020204" pitchFamily="34" charset="0"/>
                 </a:rPr>
-                <a:t>	P</a:t>
+                <a:t>	</a:t>
+              </a:r>
+              <a:r>
+                <a:rPr lang="de-DE" sz="1200" dirty="0" smtClean="0">
+                  <a:latin typeface="Arial" panose="020B0604020202020204" pitchFamily="34" charset="0"/>
+                  <a:cs typeface="Arial" panose="020B0604020202020204" pitchFamily="34" charset="0"/>
+                </a:rPr>
+                <a:t>S</a:t>
               </a:r>
               <a:r>
                 <a:rPr lang="de-DE" sz="1200" baseline="-25000" dirty="0" smtClean="0">
@@ -5106,6 +5113,10 @@
                 </a:rPr>
                 <a:t>CP1,sum</a:t>
               </a:r>
+              <a:endParaRPr lang="de-DE" sz="1200" baseline="-25000" dirty="0" smtClean="0">
+                <a:latin typeface="Arial" panose="020B0604020202020204" pitchFamily="34" charset="0"/>
+                <a:cs typeface="Arial" panose="020B0604020202020204" pitchFamily="34" charset="0"/>
+              </a:endParaRPr>
             </a:p>
             <a:p>
               <a:r>
@@ -5220,7 +5231,7 @@
                   <a:latin typeface="Arial" panose="020B0604020202020204" pitchFamily="34" charset="0"/>
                   <a:cs typeface="Arial" panose="020B0604020202020204" pitchFamily="34" charset="0"/>
                 </a:rPr>
-                <a:t>P</a:t>
+                <a:t>S</a:t>
               </a:r>
               <a:r>
                 <a:rPr lang="de-DE" sz="1200" baseline="-25000" dirty="0" smtClean="0">
@@ -5532,7 +5543,14 @@
                   <a:latin typeface="Arial" panose="020B0604020202020204" pitchFamily="34" charset="0"/>
                   <a:cs typeface="Arial" panose="020B0604020202020204" pitchFamily="34" charset="0"/>
                 </a:rPr>
-                <a:t>	P</a:t>
+                <a:t>	</a:t>
+              </a:r>
+              <a:r>
+                <a:rPr lang="de-DE" sz="1200" dirty="0" smtClean="0">
+                  <a:latin typeface="Arial" panose="020B0604020202020204" pitchFamily="34" charset="0"/>
+                  <a:cs typeface="Arial" panose="020B0604020202020204" pitchFamily="34" charset="0"/>
+                </a:rPr>
+                <a:t>S</a:t>
               </a:r>
               <a:r>
                 <a:rPr lang="de-DE" sz="1200" baseline="-25000" dirty="0" smtClean="0">
@@ -5541,6 +5559,10 @@
                 </a:rPr>
                 <a:t>CP1,sum</a:t>
               </a:r>
+              <a:endParaRPr lang="de-DE" sz="1200" baseline="-25000" dirty="0" smtClean="0">
+                <a:latin typeface="Arial" panose="020B0604020202020204" pitchFamily="34" charset="0"/>
+                <a:cs typeface="Arial" panose="020B0604020202020204" pitchFamily="34" charset="0"/>
+              </a:endParaRPr>
             </a:p>
           </p:txBody>
         </p:sp>
@@ -33969,6 +33991,15 @@
 </file>
 
 <file path=customXml/item1.xml><?xml version="1.0" encoding="utf-8"?>
+<?mso-contentType ?>
+<FormTemplates xmlns="http://schemas.microsoft.com/sharepoint/v3/contenttype/forms">
+  <Display>DocumentLibraryForm</Display>
+  <Edit>DocumentLibraryForm</Edit>
+  <New>DocumentLibraryForm</New>
+</FormTemplates>
+</file>
+
+<file path=customXml/item2.xml><?xml version="1.0" encoding="utf-8"?>
 <ct:contentTypeSchema xmlns:ct="http://schemas.microsoft.com/office/2006/metadata/contentType" xmlns:ma="http://schemas.microsoft.com/office/2006/metadata/properties/metaAttributes" ct:_="" ma:_="" ma:contentTypeName="Document" ma:contentTypeID="0x0101008D794A3DFD76A64D962E6D1A78E9D7A1" ma:contentTypeVersion="6" ma:contentTypeDescription="Create a new document." ma:contentTypeScope="" ma:versionID="a5a44b0c321a301d2199ee9a9fb45390">
   <xsd:schema xmlns:xsd="http://www.w3.org/2001/XMLSchema" xmlns:xs="http://www.w3.org/2001/XMLSchema" xmlns:p="http://schemas.microsoft.com/office/2006/metadata/properties" xmlns:ns3="c57ff1c2-e5c4-47f1-8f0a-654672b27731" targetNamespace="http://schemas.microsoft.com/office/2006/metadata/properties" ma:root="true" ma:fieldsID="0d65387667e118fe058674a9e63284cd" ns3:_="">
     <xsd:import namespace="c57ff1c2-e5c4-47f1-8f0a-654672b27731"/>
@@ -34126,15 +34157,6 @@
 </ct:contentTypeSchema>
 </file>
 
-<file path=customXml/item2.xml><?xml version="1.0" encoding="utf-8"?>
-<?mso-contentType ?>
-<FormTemplates xmlns="http://schemas.microsoft.com/sharepoint/v3/contenttype/forms">
-  <Display>DocumentLibraryForm</Display>
-  <Edit>DocumentLibraryForm</Edit>
-  <New>DocumentLibraryForm</New>
-</FormTemplates>
-</file>
-
 <file path=customXml/item3.xml><?xml version="1.0" encoding="utf-8"?>
 <p:properties xmlns:p="http://schemas.microsoft.com/office/2006/metadata/properties" xmlns:xsi="http://www.w3.org/2001/XMLSchema-instance" xmlns:pc="http://schemas.microsoft.com/office/infopath/2007/PartnerControls">
   <documentManagement/>
@@ -34142,6 +34164,14 @@
 </file>
 
 <file path=customXml/itemProps1.xml><?xml version="1.0" encoding="utf-8"?>
+<ds:datastoreItem xmlns:ds="http://schemas.openxmlformats.org/officeDocument/2006/customXml" ds:itemID="{51304325-EE51-4814-B3A9-DC7BF6DF7C66}">
+  <ds:schemaRefs>
+    <ds:schemaRef ds:uri="http://schemas.microsoft.com/sharepoint/v3/contenttype/forms"/>
+  </ds:schemaRefs>
+</ds:datastoreItem>
+</file>
+
+<file path=customXml/itemProps2.xml><?xml version="1.0" encoding="utf-8"?>
 <ds:datastoreItem xmlns:ds="http://schemas.openxmlformats.org/officeDocument/2006/customXml" ds:itemID="{2FED92D8-9E04-4229-911F-6E06FF71168B}">
   <ds:schemaRefs>
     <ds:schemaRef ds:uri="http://schemas.microsoft.com/office/2006/metadata/contentType"/>
@@ -34159,26 +34189,18 @@
 </ds:datastoreItem>
 </file>
 
-<file path=customXml/itemProps2.xml><?xml version="1.0" encoding="utf-8"?>
-<ds:datastoreItem xmlns:ds="http://schemas.openxmlformats.org/officeDocument/2006/customXml" ds:itemID="{51304325-EE51-4814-B3A9-DC7BF6DF7C66}">
-  <ds:schemaRefs>
-    <ds:schemaRef ds:uri="http://schemas.microsoft.com/sharepoint/v3/contenttype/forms"/>
-  </ds:schemaRefs>
-</ds:datastoreItem>
-</file>
-
 <file path=customXml/itemProps3.xml><?xml version="1.0" encoding="utf-8"?>
 <ds:datastoreItem xmlns:ds="http://schemas.openxmlformats.org/officeDocument/2006/customXml" ds:itemID="{5FAF9800-8C90-45BC-B30D-EA05CF3DB546}">
   <ds:schemaRefs>
-    <ds:schemaRef ds:uri="http://purl.org/dc/terms/"/>
-    <ds:schemaRef ds:uri="http://schemas.microsoft.com/office/2006/metadata/properties"/>
-    <ds:schemaRef ds:uri="http://purl.org/dc/dcmitype/"/>
     <ds:schemaRef ds:uri="c57ff1c2-e5c4-47f1-8f0a-654672b27731"/>
-    <ds:schemaRef ds:uri="http://schemas.openxmlformats.org/package/2006/metadata/core-properties"/>
-    <ds:schemaRef ds:uri="http://schemas.microsoft.com/office/2006/documentManagement/types"/>
     <ds:schemaRef ds:uri="http://schemas.microsoft.com/office/infopath/2007/PartnerControls"/>
     <ds:schemaRef ds:uri="http://www.w3.org/XML/1998/namespace"/>
     <ds:schemaRef ds:uri="http://purl.org/dc/elements/1.1/"/>
+    <ds:schemaRef ds:uri="http://schemas.openxmlformats.org/package/2006/metadata/core-properties"/>
+    <ds:schemaRef ds:uri="http://schemas.microsoft.com/office/2006/documentManagement/types"/>
+    <ds:schemaRef ds:uri="http://purl.org/dc/dcmitype/"/>
+    <ds:schemaRef ds:uri="http://schemas.microsoft.com/office/2006/metadata/properties"/>
+    <ds:schemaRef ds:uri="http://purl.org/dc/terms/"/>
   </ds:schemaRefs>
 </ds:datastoreItem>
 </file>